--- a/Day7/day 7 slides.pptx
+++ b/Day7/day 7 slides.pptx
@@ -13,13 +13,7 @@
     <p:sldId id="262" r:id="rId7"/>
     <p:sldId id="263" r:id="rId8"/>
     <p:sldId id="264" r:id="rId9"/>
-    <p:sldId id="265" r:id="rId10"/>
-    <p:sldId id="266" r:id="rId11"/>
-    <p:sldId id="267" r:id="rId12"/>
-    <p:sldId id="268" r:id="rId13"/>
-    <p:sldId id="269" r:id="rId14"/>
-    <p:sldId id="270" r:id="rId15"/>
-    <p:sldId id="271" r:id="rId16"/>
+    <p:sldId id="271" r:id="rId10"/>
   </p:sldIdLst>
   <p:sldSz cx="12192000" cy="6858000"/>
   <p:notesSz cx="6858000" cy="9144000"/>
@@ -358,6 +352,378 @@
 </inkml:ink>
 </file>
 
+<file path=ppt/ink/ink4.xml><?xml version="1.0" encoding="utf-8"?>
+<inkml:ink xmlns:inkml="http://www.w3.org/2003/InkML">
+  <inkml:definitions>
+    <inkml:context xml:id="ctx0">
+      <inkml:inkSource xml:id="inkSrc0">
+        <inkml:traceFormat>
+          <inkml:channel name="X" type="integer" min="-2.14748E9" max="2.14748E9" units="cm"/>
+          <inkml:channel name="Y" type="integer" min="-2.14748E9" max="2.14748E9" units="cm"/>
+          <inkml:channel name="F" type="integer" max="32767" units="dev"/>
+        </inkml:traceFormat>
+        <inkml:channelProperties>
+          <inkml:channelProperty channel="X" name="resolution" value="1000" units="1/cm"/>
+          <inkml:channelProperty channel="Y" name="resolution" value="1000" units="1/cm"/>
+          <inkml:channelProperty channel="F" name="resolution" value="0" units="1/dev"/>
+        </inkml:channelProperties>
+      </inkml:inkSource>
+      <inkml:timestamp xml:id="ts0" timeString="2026-01-16T14:17:58.931"/>
+    </inkml:context>
+    <inkml:brush xml:id="br0">
+      <inkml:brushProperty name="width" value="0.05292" units="cm"/>
+      <inkml:brushProperty name="height" value="0.05292" units="cm"/>
+      <inkml:brushProperty name="color" value="#FF0000"/>
+    </inkml:brush>
+  </inkml:definitions>
+  <inkml:trace contextRef="#ctx0" brushRef="#br0">2086 2730 14911,'-1'-54'771,"0"0"0,1 11 0,-1 7 1968,1 13-2638,2 28-57,1 3-4,2 14 60,1 17-10,0 15-51,-4-17 0,0 4-547,-2 2 1,-2 2 526,-1-1 1,-2 1-4,-1-3 1,-2 0 471,1-7 1,-1-1-433,-8 18 2364,4-20-2073,3-17-117,3-22-141,1-18-33,2-22-39,1-1 1204,6-5 0,2-5-1216,-1 10 1,1-1 1,1 2 1,0-2-1,1 1 13,2-9 0,1 3-9,-1 9 0,1 4-22,12-16 228,1 25-251,5 18 12,7 15 5,10 16-1535,-12 7 1,-1 2 1545,-8-5 1,0 1-9,12 18 0,0 3-60,-12-9 0,-2 1-119,6 10 0,-2 3-409,-3 0 0,-4-1-1398,-5-2 0,-3-1 2000,-5-3 0,-4-4 0,0 4 0,-5-12 0</inkml:trace>
+  <inkml:trace contextRef="#ctx0" brushRef="#br0" timeOffset="167">2082 2895 24128,'40'-28'-1576,"1"0"0,0 1 0,15-2 0,5 2 0,-6 8 1576,-7 9 0,-2 4 0,4-2 0,-9 3 0,-25 3 0</inkml:trace>
+  <inkml:trace contextRef="#ctx0" brushRef="#br0" timeOffset="842">3000 3241 21646,'1'-58'1325,"0"0"1,0 6 0,0 4-1027,1 14 1,1 3 70,2-11-247,-2 21-117,1 13 16,4 19 17,7 18-22,4 24-23,-8-17 1,-2 6-445,-5 7 1,-1 6-1,-2-1 450,-2 8 0,-3 1 2,0-8 0,-1 3 0,-2-7 3,-4-5 1,-1-6 33,-9 17 23,2-29-23,0-26-5,0-26-6,-1-27-17,10 13 0,2-3-569,0-10 0,2-3 566,2-8 1,1-3-4,1 19 1,0 0 0,2-1-5,1 0 1,0 0 0,2 1-6,0 1 1,0 0-1,2 3 7,1-6 0,1 3 599,1 4 0,3 3-602,4 0 0,3 2-23,16-15-138,-15 20 0,2 4 139,22 0 16,-7 19-11,10 7 1266,8 28-1255,-12 14-421,-6 9 424,-24-16 0,-6 3-8,-4-5 0,-4 1-6,-4 8 0,-4 0 14,-11 5 1,-5-2-18,-1-9 1,-1-4 159,0-1 0,-1-4-406,-3-5 0,1-3-126,3-5-1356,-15 3-8083,32-34 8061,2 8 0,8-11 1,1 16-1</inkml:trace>
+  <inkml:trace contextRef="#ctx0" brushRef="#br0" timeOffset="1292">3712 2701 23517,'0'43'305,"1"0"0,-1 0 1,0 19-1,-4-1-221,-5-5 0,-3-4-429,5-14 0,-1 0 370,-4 16 1,0-2 2,-1 8-17,6-26 0,0 0 35,-4 13 604,5-19-134,4-16-72,1-21-349,1-17-11,1-24-36,2 3 0,0-5-544,2 0 0,0-2 514,0 8 1,1-3 0,-1 3-16,2-4 0,0 0 2,1 5 1,1-2 0,0 4 5,1 3 0,0 2-3,2-7 1,1 1 2,13-11 231,3 21-264,-4 7-23,12 8 23,-9 18-1,18 24 18,-8 10-1,-5 12 3,-23-15 0,-5 2 15,-12 25 2,-10-13 0,-6-1-146,-2-8 0,-4-2 132,-18 8 0,-4-4-28,15-16 0,1-4-1095,0 0 1,2-4 831,-1-4-1494,18-11 1785,10-14 0,1 8 0,7-8 0</inkml:trace>
+  <inkml:trace contextRef="#ctx0" brushRef="#br0" timeOffset="1509">4344 2795 21511,'-6'2'3266,"0"-1"-1524,-56 4-1585,43-4-112,-16 2 0,5-1-29,25-4-156,2 2-655,4-1-3350,10 1 4145,5 0 0,-2 0 0,-3 0 0</inkml:trace>
+  <inkml:trace contextRef="#ctx0" brushRef="#br0" timeOffset="1751">4635 2809 22612,'-3'-4'1877,"0"1"-293,3 3-1579,8 21 1,17 28-6,1 7-229,-4-9 0,-2 4 145,-11 6 0,-4 0-174,1-11 1,-7 1 18,-14 2 0,-8 3 1,-4-7-329,-7-9 0,-5-5-25,1-1 0,-2-1 0,1-5-489,-1-4 0,0-8 1081,-8-7 0,5-4 0,12-2 0,-10-8 0</inkml:trace>
+  <inkml:trace contextRef="#ctx0" brushRef="#br0" timeOffset="1942">4704 2380 22218,'-5'53'0,"1"-11"0</inkml:trace>
+  <inkml:trace contextRef="#ctx0" brushRef="#br0" timeOffset="2384">5124 2579 27348,'-41'-45'-101,"11"20"101,41 52 6,9 16 5,12 11-319,-13-23 1,-1 1 287,0-1 1,-2 1-43,5 27 55,-22-8-301,-23-8-286,-22-7 118,2-12-695,7-12 1,-1-5-1586,-7-8-1450,-15-12 705,29-21 2885,14-20 1825,11 19 1,3-1 778,1-4 1,2 0 243,4-6 1,2 2-1321,1-14 320,7-3-486,-8 34-326,1 0-258,-2 11 283,0 9-428,-1 13 31,3 14-25,-2 20-12,-1 17-90,-5-22 1,-1 2-444,0-6 1,-2 1 521,-5 18 0,-1-5 0,3-10 0,-6 17 0</inkml:trace>
+  <inkml:trace contextRef="#ctx0" brushRef="#br0" timeOffset="3132">5824 2673 19832,'19'-53'1799,"0"0"1,-2 5 0,-5 9-1161,-11 23-287,-2 7-290,-1 2-101,-3 12 50,-6 13-11,-6 18-62,-8 17-462,10-21 1,0 3-144,-1 3 0,-1 1-2262,-3 4 0,1 0 2929,0-4 0,3-4 0,-2 2 0,11-25 0</inkml:trace>
+  <inkml:trace contextRef="#ctx0" brushRef="#br0" timeOffset="3282">5519 2961 18863,'1'-46'1212,"0"0"0,0 0 0,2-1 0,0 0 0,2 6-411,12-16-308,3-2-314,-1 22-168,3 26-11,-5 14 23,20 28-40,4 16-782,-11-12 1,1 4-2675,4 6 1,0 1 3472,-2-2 0,-3-5 0,1 3 0,-21-28 0</inkml:trace>
+  <inkml:trace contextRef="#ctx0" brushRef="#br0" timeOffset="5231">4421 4520 15391,'-56'11'131,"-1"0"1,1-1 0,-1 1-1,1 0 1,-6 1 0,0-1-1,3 1 1,5-1 219,5-1 0,4 0 0,4-1 35,0 0 1,9-2 1327,16-3-1411,66-16-188,3 0 0,9-2-736,-20 5 1,4-2 0,2 1-1,2-1 642,-2 0 0,1 0 1,3 1-1,0-2 1,1 1-246,-3 1 1,2 0-1,0-1 1,1 1-1,0-1 1,1 1 227,4-1 1,1-1 0,1 1-1,0 0 1,0 0 0,1 0-171,-8 2 1,1-1-1,0 0 1,1 1-1,-1-1 1,0 0 0,1 1 177,-1-1 0,0 1 0,0 0 0,0-1 0,0 1 0,-1 0 0,1-1-183,5-1 0,1 1 0,-1-1 0,0 0 0,-1 0 0,0 0 191,6-1 0,-1-1 0,-1 1 0,-1-1 0,-1 0 18,-8 2 0,0-1 0,-1 0 0,-2 0 1,-1 0 19,1-1 1,-1 0 0,-2-1 0,-4 0 689,20-9 1,-11-2-374,-3-17 1588,-63 3-1776,-27 15 1,-9 4 717,12 5 1,-3 1-761,-4 2 1,-4 0 0,3 2 70,0 1 0,3 1 954,-6 1 1,1 0-1121,14 2 1,4 1 14,-3 0-121,21 3 62,17 4 22,13 5 1165,18 6-1193,24 7 2,-21-7 1,2 1-372,4 4 1,0 3 326,0 4 0,-3 3-174,-4 5 1,-5 3-536,-8 4 0,-8 4 751,-14 7 0,-6-1 0,1 6 0,-18-4 0</inkml:trace>
+  <inkml:trace contextRef="#ctx0" brushRef="#br0" timeOffset="6750">4741 5974 15795,'-55'18'415,"0"-1"0,0 1 0,0-1 0,0 1 0,4-2 0,0 1-66,-1 4 0,1 1 0,10-2 290,3 6 1862,31-2-2417,39-25 1,17-11-79,-2 1 1,6-2 0,3-1-732,-2 0 1,3-1 0,2 0-1,2-1 708,-4 1 1,1 0 0,1 0 0,2-1-1,0 1-186,-6 2 0,2 0 0,0 0 0,0 0 0,1 0 0,1 1 164,1-1 1,0 0 0,1 1-1,1 0 1,-1 0 0,0 0-167,0 1 1,0 0-1,0 0 1,0 0-1,0 1 1,0 0 169,-3 1 1,1 0 0,-1 0 0,-1 0 0,1 1 0,-2 0-170,7-2 0,0 2 0,-1-1 0,0 1 0,-2 0 201,-6 0 1,0 1 0,-1 1 0,-2-1 0,-1 1 138,3-1 0,-2 1 0,-2 0 1,-3-1-134,1 1 1,-3 0 0,-5 0 1332,19-6-1348,-71 3 9,-17 4 1,-11 3 24,-16-3 1,-5 1 250,13 1 0,-2 0 0,-1 0-255,-4 0 1,-1-1 0,1 0 31,1 1 1,-1-1-1,2 0 603,4 0 0,1 0 0,2-1-533,-13-1 1,4 0 30,15 0 0,3 0 1226,-6-5-1254,27 0-49,43-4-69,0 3-5,10 3 0,3 0-223,11 1 231,11 2 1,4 2 349,-17 3 1,1 1-356,-3 2 1,3 1 0,-2 2-21,11 5 1,-4 4-69,-3 4 1,-3 5-86,-6 2 0,-5 5-220,-7 1 1,-7 4-788,-10 1 1,-8 3 1176,-14 5 0,-5-2 0,-2 5 0,-14-4 0</inkml:trace>
+  <inkml:trace contextRef="#ctx0" brushRef="#br0" timeOffset="7333">4388 8025 16989,'-49'13'254,"0"0"1,1 0 0,-18 2 0,22-1 1971,41-8-1687,49-17-408,2 0 1,9-4-845,-3 1 0,5-1 0,2-2 729,-3 2 1,1-1 0,3 0 0,1-1-243,-6 3 1,0-1-1,2-1 1,1 1 0,3-1 230,-7 3 1,2-1-1,2-1 1,1 1 0,0 0-1,-3 0 1,-3 1-4,5-1 0,-3 1 0,-1 0 1,0 0-1,1 0-2,-3 2 0,0-1 0,1 0 0,0 0 0,0 1 0,-2 0-239,6 0 0,-1 1 0,0 0 0,-2 0 0,-2 1 230,1-1 1,-2 0-1,-1 1 1,4-1 4,-1 0 1,3-1 0,1 1 0,-3-1-1,-5 2 5,2-1 0,-6 0 1,-4 0 126,1 0 1,-12-3 1005,-20-5-1179,-54 1 53,0 7 1,-8 2 287,9 1 1,-4 0-1,0 1-216,-7-2 0,0 1 1,-1 0 68,-1-1 0,-1 0 1,3 0 29,4 0 0,2 0 1,3 0 1234,-8-2 0,6 0-1178,-5-4 419,32 5-649,28 1-1,23 0-19,8 2 0,5 1-319,-12 1 0,2 2 329,5-1 0,4 2 1,-3 1-6,6 3 1,0 3-39,0 2 0,3 3 0,-4 0-1,3 2 1,-2 2-123,-6 2 0,0 2 1,-6 3-453,-6 3 0,-5 2-1078,2 9 1,-7 3 1699,-12 8 0,-7-2 0,-1 5 0,-15-1 0</inkml:trace>
+  <inkml:trace contextRef="#ctx0" brushRef="#br0" timeOffset="7873">4832 9724 17259,'-58'14'185,"1"1"1,0 0 0,-1-1 0,-6 3 0,2 0 0,7-2-46,7 0 0,13-1 1507,18 0-1395,29-11-1245,21-7 0,15-6 0,-2 0 1029,0 0 1,4-1-7,2-1 1,8-1 0,3-1 0,-1 0-274,-8 2 0,0 0 0,0 0 0,3 0 246,0-1 0,1 0 1,3 0-1,2-1 1,2 0-157,-11 3 0,3-2 0,2 1 0,1-1 1,1 0-1,-2 0 0,-3 2 0,-4-1 155,8 0 0,-4 0 1,-2 0-1,0 1 0,3-1-129,1-1 1,3 1-1,2-2 1,-2 2 0,-3 0-1,-7 1 138,9-2 0,-8 2 1,0-1 129,1-2 1,0-1 0,-3 0-41,8-1 0,-6 0-23,-3-1 1,-21 0 1118,-52 2-1119,-27 4 1,-13 2-3,22 3 1,-2 1-1,-1-1-15,-10 0 1,-3 1 0,0 0 113,-3 1 1,0 0-1,3 1 34,11 0 0,2 0 1,1 0 109,0-1 1,0 1 0,3 0-197,-12-2 0,10 0 1952,16-1-1997,71 0-50,1 3-349,-4 2 0,8 0 1,-4 1 323,-6 0 0,0 1-3,6 1 0,5 1 0,-2 1 876,11 4 1,1 4-894,-5 3 0,3 3 0,-4 2-97,-12-3 0,-3 2 1,-3 3-341,17 18 0,-12 3-22,-22-13 0,-11 1-3115,-15 10 1,-9-1 3223,-2-10 0,-1-4 1,-16 21-1,10-21 0</inkml:trace>
+  <inkml:trace contextRef="#ctx0" brushRef="#br0" timeOffset="14187">8726 3981 15042,'-2'-61'1641,"1"1"0,-1-1 0,1 7 1,-1 2-1,2 16-1630,0 22-11,0 15 96,2 21-40,0 4-34,1 12 0,1 6-25,-2-6 1,1 2-547,2 19 0,0 3 509,-1-7 1,0-1 14,1-3 0,-1-3-5,0-7 0,-1-4 259,3 13 163,-4-28-140,0-26-61,-2-19 16,2-20-73,4-13-67,6-5 640,7 2-713,7 5-38,8 6-29,9 6 42,-18 23 0,2 1 3,17-8-20,-7 9 1,2 2-3,16-7 36,-16 8 0,1-1 19,14-6 118,-10 4 252,-15 3-146,-11 2 16,-11 1 28,-4 0 0,-6 1 300,-1 2-475,-3 3-74,0 4-291,-8 26 202,6 3 4,-4 15 8,10-6-3527,11 21 3482,-1-20-55,4-2 0,3 0-577,15 7 299,-8-18 0,2-2-814,30 11 506,-23-23 1,3-4 31,2-5 0,0-6 311,4-4 0,-1-4 117,2-5 1,-1-4 425,-2-3 0,-1-2 113,-3-1 0,-3-2 130,-5 0 0,-2 0 540,8-25 45,-15 8 2812,-19 10-3266,-12 9 41,-12 12-403,-5 9 660,-2 15-806,2 13-37,3 16-21,6 9 50,8 6-16,12 2 22,15-6 58,10-6-86,12-12 23,6-13 16,3-13 40,0-18 28,-1-15 50,-8-15 39,-19 5 0,-5-3 0,-3-22-261,-8 22 0,-5 2 267,-17-7-182,-6 10 37,4 13-18,0 9-5,5 9-34,0 8-11,0 10-17,7 12 288,8 13-355,7-3-185,9-5 0,5-1-307,20 12-72,-7-11 0,4-2 146,0-7 1,1-4 19,3-1 1,1-4 47,-1-3 1,1-4 416,-2-3 1,-2-4 212,26-12 200,-13-12 310,-15-7 168,-14-4-51,-9 1 448,-7 2-761,-2 6 244,0 6-592,0 8-117,0 8-62,1 7 56,6 9-16,5 9 10,6 11 1,2 7-23,-1 3-11,-7 1 17,-3-7 11,-6-6 112,-2-12 118,0-13-214,0-7 24,4-15 4,1-7-21,5-8-1,7-4-11,4 3 6,6 4-6,2 8-16,2 8-18,1 9 7,-1 11-1,-1 8 6,-2 13 11,-3 9-12,-2 5-4,-2 1 4,-3-4 24,-2-8 10,-2-11 28,1-10-22,6-15-33,10-9 22,9-15 16,7-5 18,-3-4 33,-8 0 28,-11 6 90,-12 4 16,-8 8-33,-4 9-118,-2 5-240,-1 6 201,0 11-23,0 3-5,4 11 0,4-2 17,6-1-11,13-6-23,-4-6 22,19-6 18,-4-10-1641,0-8 1,0-2 1667,2-4-25,-11 3 0,-4 0 37,-16 5 61,-1-3 12,-4 1 27,-1 2-39,-4 3-173,1 7 3229,-2 7-3403,2 11-650,5 13-95,3 3-8461,14 21 9430,-2-11 0,-7-15 0,-7-15 0</inkml:trace>
+  <inkml:trace contextRef="#ctx0" brushRef="#br0" timeOffset="15237">9100 5483 19552,'2'-47'1258,"1"1"1,-1-1 0,0 5 0,-1 3-1178,-1 1 0,0 9-109,-2 24-6,6 20 40,0 1 5,6 20-11,-4-5 0,0 2-11,1 29-588,-2-23 0,-1 0 593,-5 0 1,-3-1-6,-2-1 0,-2-2 167,0-4 0,0 0 46,-10 21 212,10-35-150,4-16-264,12-22-22,12-6 10,6-7-2,-1 14 0,1 3 9,12-4-29,7 0 1,1 1 602,6 1-592,-5 2 0,3-1-1639,-7 2 0,-3 0 1664,-10 5 1,0-2 17,8-5 0,-5-2 25,-13-8 22,-3-10 23,-9-1-34,-7 9 134,-8-6 176,-1 17-164,-4-6 3352,2 13-3598,4 9 4,1 13 35,2 17 5,1 4-23,0 25-77,5-3-203,2-10 1,2 1-214,0-6 1,2 0-55,0-2 1,1-1-1224,2-2 1,0-3 1792,13 16 0,-9-14 0,0-8 0</inkml:trace>
+  <inkml:trace contextRef="#ctx0" brushRef="#br0" timeOffset="15437">10178 5366 19540,'-2'-5'2919,"1"1"-1581,1 4-1310,26-62-22,9 42-6,-13-13 0,5 1-115,27 24 0,2 9-87,0-3-571,5 0 1,1 2 16,-27-1 0,-2 2-1863,8-1 1,-1 0 2618,18 1 0,-24 0 0,-19 1 0</inkml:trace>
+  <inkml:trace contextRef="#ctx0" brushRef="#br0" timeOffset="15745">10450 5213 23399,'0'-43'488,"0"9"-343,-2 38 12,-1 2-79,-1 1 130,-1 2 83,4-6-196,-1 1 163,2-4-634,4-1-598,-1 1-2409,6 5 1237,-4 0-5588,1 10 6886,-3-4 0,-1-1 0,-1-4 0</inkml:trace>
+  <inkml:trace contextRef="#ctx0" brushRef="#br0" timeOffset="15954">10450 5213 4234,'53'5'9746,"-10"-3"-5309,-40-14-3047,-2 2 380,-2 5-1445,0 2 352,-2 7-492,-6 17-134,1 0 1900,-6 26-1954,7-8 0,1 2-47,-4 19-244,4-17 0,1 2-121,1-9 1,2-1-1596,-1 6 0,2 3 2010,0 17 0,1-2 0,-1-24 0,1-3 0,3 28 0</inkml:trace>
+  <inkml:trace contextRef="#ctx0" brushRef="#br0" timeOffset="16621">11213 5323 25455,'10'-32'56,"0"24"-45,-1 33 1,-3 14-4,1-5 0,-3 5-1852,-7 11 0,-4 7 1,2-8 1865,2-15 1,0-1 66,-9 34 1,0-15 1621,8-47-1515,2-10 725,1-11-893,1-17-11,3-12 17,1-15-298,0 26 1,1-2 271,1-3 1,0 1-6,-1 6 0,1 0 1572,4-13 0,3 0-1578,1 12 1,1 1-4,-2-1 1,2 1-18,27-16-16,-8 31 5,13 4-5,1 13 0,-2 14 11,-5 17 28,-8 17-179,-21-19 1,-2 3 181,-3 0 0,-3 1-3,-2-1 0,-2 0 756,-6 21-744,-2-14 100,0-15 235,3-17-280,3-10-45,6-18-5,4-12 11,8-18-9,-6 19 1,2 0 62,1-4 0,2 1-62,2-1 0,1 3 2,1 1 0,2 3-2,0 3 0,1 3 8,24-14-12,1 11-10,3 11 5,1 11-16,3 16-71,-9 24 0,-2 8 9,-18-19 0,-2 2-1704,14 23 1,-7 0 1261,-17 0-959,-8-13 1,-2 3 1024,-4 7 0,-2-1 1,3 17-1,-7-6 1</inkml:trace>
+  <inkml:trace contextRef="#ctx0" brushRef="#br0" timeOffset="17096">9333 7063 21823,'48'-9'-161,"0"0"1,-1 0 0,1 0 0,5 0 0,2 0 0,-2 1 0,-5 1-700,9 0 1,-3 1 313,-8 2 1,3 0 0,-7 1-2036,18 1-4516,-7 5 7097,-28 1 0,-19 2 0,-6-3 0</inkml:trace>
+  <inkml:trace contextRef="#ctx0" brushRef="#br0" timeOffset="17346">9783 7056 8416,'-6'0'9830,"0"0"-6604,6 0 57,0 0-3199,-39-5-241,30 5 112,-26-2 90,49 19-45,26 29-6,-5-5-95,-10-9 0,3 5 1,-1-2 49,-1 4 1,-2 0-514,7 8 1,-2 2 459,-6-2 1,-5-2 33,-8-12 0,-6 0 22,-7 9 1,-7-1 10,-4-12 1,-5-4-93,-12 0 1,-3-7-505,-1-8 1,-1-5-226,-22-2-2088,22-6 0,2-4 2946,-9-6 0,6 2 0,18 3 0</inkml:trace>
+  <inkml:trace contextRef="#ctx0" brushRef="#br0" timeOffset="18046">12687 5256 20140,'13'-54'1540,"0"0"0,-1 6 0,-4 8-895,-8 8-315,-2 15-335,-1 9-51,-1 15 84,0 16-23,-2 20-5,4-4 0,2 1 6,1 18-235,3-13 1,3-2 211,14 12 8,-5-21 1,3-1-3,2-2 0,3-4-40,3-2 1,3-2-155,3-4 0,1-3-394,4-4 0,2-2-1460,3-4 1,1-1 1408,-4-3 1,-3-1 0,2 0 0,-25-1 0</inkml:trace>
+  <inkml:trace contextRef="#ctx0" brushRef="#br0" timeOffset="18655">10833 7184 23453,'-49'-33'186,"1"0"1,-6 8 0,7 14-159,8 32-14,10 0 0,3 1-8,-2 13-17,2 12 5,16 2 12,22 3-12,2-24 0,5-1-782,9 1 1,3-1 792,6 1 1,2 0-14,3 1 0,1-1 8,0 0 0,-1 1-12,-5-3 1,-3-1 342,-7-3 0,-5 0-280,1 12 339,-36-6-485,-32-4-261,8-12 1,-5-1-3898,-10-1 1,-2-1 4252,2-2 0,3-1 0,14-2 0,4-1 0,-6 0 0</inkml:trace>
+  <inkml:trace contextRef="#ctx0" brushRef="#br0" timeOffset="24855">11318 3850 7481,'4'-11'3641,"0"3"-1754,-4 8 3697,0 0-4502,-5-7-142,4 5-223,-3-6-151,5 5-112,2-2-79,-1 3-151,1-1-145,-2 2-57,0 1 113,-1 5-3130,0 9 3113,0 0 67,-1 15-40,-2-5 68,-2 25-168,2-20 5,-1 11 68,4-19 3431,0 0-3365,0 4-21,0-4-1,0-4 108,-1-1-209,1-8 6,0-1 135,0-6 660,0 0-750,0-8-117,0-5-12,1-11 11,2-7 12,2-4-12,-1-1 12,-1 1 11,-2 2-17,-3 3 5,0 4 12,-1 3-11,0 4 5,2 4-5,0 6-57,1 4-128,0 3 151,0 7 34,0 6 5,2 9 0,-1 3-11,2 3 0,0 5 0,-1-11-22,1 8-79,-2-14-297,2 3-689,1-3-2363,2-4 3450,3-4 0,-3-4 0,-1-1 0</inkml:trace>
+  <inkml:trace contextRef="#ctx0" brushRef="#br0" timeOffset="25330">11642 3842 19087,'-7'1'3674,"2"0"-2868,5-1 578,0 0-1250,-4 5-33,7 5-23,-3 4 91,12 5-85,-5-7 106,6 0 225,7-10-264,1-5-3465,4-4 3376,-7-4 95,0-6 100,1-10-162,-5 3 40,-3-10-6,-10 9-12,-6-3 3376,-4 4-3403,-8 6-57,-4 9 6,-2 5-33,-22 32 11,20-11-17,-13 23 0,24-18 28,-5 16-23,0 5-44,-2 15 28,12-25 0,4 0-17,8 20-51,7-8-352,31-13-1261,16-17 1013,-12-8 1,0-1 0,8-1 0,-1-5-1</inkml:trace>
+  <inkml:trace contextRef="#ctx0" brushRef="#br0" timeOffset="26153">12811 3889 17305,'22'15'2930,"-1"-3"-2776,25-10 0,13-5-1929,-11 2 0,3 0 0,-1 0 1812,-9 1 1,0-1-1,4 0 33,13 0 0,7-1 0,1 1 0,-10-1 197,1 1 1,1 0-208,-11-1 1,9 0-1,3 0 1,-3 0-1,-8 0 1,11-1 1,-1 0-6,-7 0 0,6 0 0,2-1 0,-2 1 18,-3-2 1,1 1-1,-2 0 1,-2 0-243,1-1 0,-3 2 0,2-1 172,11-1 0,3-1 0,-9 2-63,-9 0 0,-8 2-418,6-1-94,4-1-2645,-59 4 3216,-10 0 0,0 0 0,6 0 0</inkml:trace>
+  <inkml:trace contextRef="#ctx0" brushRef="#br0" timeOffset="27462">14893 4185 2681,'7'-45'924,"0"0"0,0 0 0,2-11 0,1-2 0,0 1 82,-1 8 1,-1 2-1,1-2-58,1-9 1,0-2 0,-1 2-195,-1 8 1,-1 0-1,-1 3 89,1-12 0,-3 4 521,-1 14 1,-2 5-721,-3-7 261,0 24-844,-1 22 597,0 23-451,-1 26-109,-1 6 0,0 5-212,2-16 0,-1 3 132,0 9 1,-1 7 0,1-1-648,0-8 0,0-2 1,-1 4 593,1-3 0,-1 3 0,0 2 0,0 0-421,1-11 1,0 1 0,-1 0-1,1 0 1,0 0 180,-1 11 1,1 1 0,-1-2 0,2-1-522,0-4 1,0-1-1,1-1 1,2-1 795,3 12 0,2-2 0,0-6 0,-2-8 0,2-5 0,3-11 0,0 1 0</inkml:trace>
+  <inkml:trace contextRef="#ctx0" brushRef="#br0" timeOffset="29563">15890 3946 20918,'13'-55'1284,"-1"-1"1,-1 6-1,-3 6-589,-4 5-291,-2 13-253,-4 13-179,1 9 11,-6 36-17,3 9-10,-2 18-731,4-3 556,3-22 0,1 0-302,0 5 1,2 2-640,-1 11 1,1 1-2009,0 0 1,0-1 2533,-2-8 0,0-4 1,0 0-1,-2-27 1</inkml:trace>
+  <inkml:trace contextRef="#ctx0" brushRef="#br0" timeOffset="29853">15862 4170 15184,'2'-55'1158,"0"0"0,-1 0 1,1 4-1,0 2 0,1 3-648,1 1 0,3 4-171,4-1 0,1 4-244,7-10-33,24 2-18,-1 35-2654,-3 11 0,2 5 2610,17 6-28,-12 8 0,-1 6 391,-12-1 1,-3 4-440,7 7 1,0 5-23,-6 1 0,-4 3-3,-6 0 1,-7 1 513,-7-3 0,-9-1-438,-16 3 0,-7-3-77,6-14 1,-3-3 118,-20 6 0,-3-7-12,10-12 1,0-3-48,-9 1 0,-1-5-771,-3-8 1,3-6-2101,-12-5-6918,11-15 9707,37 12 1,5 8 0,3 4 0</inkml:trace>
+  <inkml:trace contextRef="#ctx0" brushRef="#br0" timeOffset="30486">16916 3799 16448,'1'-4'4179,"-1"0"-1703,0 4-1911,-64-20-223,29 20-222,-9-7 1,-1 6-4211,-4 35 4113,16-5 27,-2 22 792,25-23-792,4 28-22,14-22 6,9 12 89,10-20 168,5-12 34,0-10-67,-1-14 3604,8-31-3627,-12 1-117,0-8 40,-15 18 33,-6 7 5,-2 4-168,-2 4-101,0 5 51,-2 17 27,0 3 1,0 8 5,1 14-22,0 7 2,3-3 1,1 1-3,2 9 11,6 11-6,3-29-5,2-5 33,10-2 1,2-11 16,3-17 45,2-13-11,1-17 39,-2-10 28,-5-7-1716,-18 17 1,-1 1 1670,1-12 112,-5-15-5,-10 35-18,1-2-49,-2 12-90,1 9-85,3 6 12,0 6 3420,6 11-3380,3 14-12,8 14-101,2-3 0,0 0 11,6 11 37,-7-16 0,0-2-266,5 6-213,-8-3-426,-4 6-1518,-23-11 2476,-21-10 0,11-10 0,-4-5 0</inkml:trace>
+  <inkml:trace contextRef="#ctx0" brushRef="#br0" timeOffset="31163">17726 3794 15821,'-8'-49'1571,"0"1"1,0 0 0,1-3 0,1-1-1,1 4-1064,0-3 0,2 3-208,1 3 1,1 7-176,1 15-96,0 13-6,5 21 57,7 19-46,2 9-99,-1-3 1,0 4 124,0 13 0,-3 3-1682,0 2 0,-3 3 1634,-3-14 0,-2 2 1,-3 0-7,-5 0 1,-2-1-1,-1-2-331,-3 9 1,-1-3 350,-3 3 0,0-7 255,0-1 101,8-27-258,5-20 83,5-23-161,2-4 56,7-9 0,2-3-48,0 8 0,2-1 1221,7-14 1,1 0-1236,-2 10 1,1 3-10,-2 4 1,0 3-20,10-8 631,25 8-653,-30 23 0,35 8 5,-35 10-61,22 19-107,-6 4 1,0 2-119,-18-14 1,-2 3-787,-3-1 0,-3 0-658,11 19 1736,-1 11 0,-20-42 0,2 3 0</inkml:trace>
+  <inkml:trace contextRef="#ctx0" brushRef="#br0" timeOffset="31697">18631 3468 25309,'-3'-39'344,"0"-1"1,-3-19-333,7 66 21,9 31-16,1 6-3,-2-7 0,-1 2-295,5 20 292,-7-18 0,-1 1 0,-1-8 0,-1 1-5,0 19 0,-1 0-4,-1-19 1,0 1-11,-2 16-1,-1-2 9,0-5 342,-1 13-208,2-37 6,1-9 22,0-22-139,0 0 100,3-28-95,1 14 237,8-29-220,13 5-45,-5 7 8,3 13 1,3 4-9,8 4-3415,16-1 3404,-18 15-1458,18 18 1464,-12 7-6,7 8-12,-2 14-10,-14-1-40,1 13 22,-14-1 18,-20-4-60,-18-22 1,-7-4 25,-10 3 1219,-3-11 1,0-6-1254,4-8-117,-24-9 1774,19-9-3069,18-2 1,2-3-8319,-2-23 8406,10 2 0,16 18 0,1 19 0</inkml:trace>
+  <inkml:trace contextRef="#ctx0" brushRef="#br0" timeOffset="32097">19622 3705 17507,'1'-5'3338,"0"0"40,-1 5-3143,-62 16 146,34 4-174,-13 3 0,1 4-5710,17 20 5537,5 1 1440,15 11-1435,15-19-11,10 16 56,15-19-16,-5-14 1079,19-10-956,-19-20-46,11-10 6,-15-13 79,-6-22-174,-11 12 62,-8-22-40,-14 19-22,-9-6-28,-21 4-6,10 20 3407,-14 4-3457,22 17-21,0 7-1,9 3-348,6 20-296,12-1-4121,10 16 3616,4-12-2801,7-5 0,3-2 4000,8 3 0,5 3 0,-23-18 0</inkml:trace>
+  <inkml:trace contextRef="#ctx0" brushRef="#br0" timeOffset="32746">20034 3972 15098,'2'-4'7993,"0"1"-7410,-2 3 341,33-71-202,-24 41-433,10-12 0,-5 2 91,-15 21-279,-4 10 67,-20 5-106,-2 13-40,-16 10-22,19 1 0,2 3 0,-9 12-9,13-6 1,4 1-8,5 14 16,6 10-6,14-7-11,10-9 12,8-13 55,10-16-22,-14-10 11,6-17 28,-15-7 29,2-11-1,-4-4 11,-4 0 29,-2 1-7,-1 6 1,-2 8-17,-1 8-67,-2 9-62,-1 4 0,-1 5 29,0 9-1,-1 10-11,-4 14 5,-2 10 1,1 5-6,3-1 0,6-13 0,20 9 6,7-19-12,20 4-33,4-17 11,4-16 39,-4-10 23,-7-12 16,-15-8 12,-12-5-18,-11-5-10,-12-5-6,-3-2-17,-4-6-5,4 20 11,5-5-23,11 19 6,-2 6 0,13 2 0,-6 11-17,5 4 28,-2 8-11,-4 8-5,-1 10 10,-2 6-5,-3 5 0,-1 2-56,0 2-162,4-1-639,5-1-2974,9-4 3831,2-8 0,-8-12 0,-7-8 0</inkml:trace>
+  <inkml:trace contextRef="#ctx0" brushRef="#br0" timeOffset="33329">21153 3988 23999,'39'-28'603,"0"0"0,-2 2 0,-12 0-340,-30-3-100,-10 1-68,-15 6-28,-12 9-28,-10 13 0,-2 13-44,5 13-23,10 12 28,12 9-3409,12 13 3409,13-18 6,16 12-37,17-27 59,15 0 17,9-13 27,1-18 7,-3-17 10,-6-19-270,-26 14 0,-3-3 265,-1-4 0,-3-3 0,-2-4 0,-3-3 5,-2-4 1,-2-3 2,-1-4 1,-1-3 35,-1-1 1,-1 0 14,0 2 0,-1 2-9,0 9 1,-1 3 89,-1-17-179,-2 29-45,2 17 3125,0 16-3125,2 18 0,2 25 0,0-10 0,0 5-680,0 11 0,0 4 647,0-13 1,-1 1 0,-1 2-228,-1 4 1,-1 3 0,-2 0-807,-1 5 0,0 2 0,-2-1 1066,-1-4 0,0 0 0,0-5 0,-1 6 0,0-7 0,-3 10 0</inkml:trace>
+  <inkml:trace contextRef="#ctx0" brushRef="#br0" timeOffset="36056">22311 3916 21612,'-56'7'847,"1"-1"1,7 1 0,9-2-696,23-3-1,10 1 56,15-1 48,22-1 0,8 0-1520,16 1 1298,-4-2 1,4-1 19,-1-1 1,2 0-28,-15 0 0,1-1 1,3 1-5,3 0 0,5-1 1,1 1-1,-3 0-5,8-1 0,-3 1 0,2 0-10,3-1 1,2 1-1,-5 0-7,3 0 0,-6 1-1460,-11 0 1,-6-1 1492,10 0 203,-24 2-270,-25-2-212,-3 2-326,-11 0-7777,-7 0 8349,2 0 0,3 0 0,8 1 0</inkml:trace>
+  <inkml:trace contextRef="#ctx0" brushRef="#br0" timeOffset="38058">24503 3714 21965,'3'-44'696,"0"1"1,-2 3 0,-8 11-462,-31 35-39,-18 17-129,19-3 0,-1 4-860,-3 6 1,-1 2 820,1 4 0,2 2-20,4 2 1,4 2 5,7-1 1,5 2-37,6-2 0,5 0-6,8-2 0,6-1-12,5-4 1,6-1-9,7-3 1,5-4-40,6-2 0,3-5-295,6-3 0,1-4 331,3-3 1,0-4 47,0-5 0,1-4 20,-3-3 0,0-5-12,-3-3 1,-2-3 27,-4-2 1,-2-2 14,-6 0 0,-2-2-58,13-23 234,-18 3 1117,-13 5-1117,-14 11 276,-10 10-405,-10 11 629,-5 14-735,-2 11-6,4 14 1,7 7-1,9 6 11,15-1-11,13-1-5,14-7-12,10-9 6,6-9 48,-13-15 0,1-5 24,15-10-10,-18 0 0,-4-4 10,-2-11 237,-7-3-124,-11-3-6,-5-4-11,-10-10 0,-9 1 5,-11 5 7,-6 10-68,-3 10-23,0 10-16,4 10-56,5 11-23,7 11-27,7 12-74,6 8-111,11 6-163,11 1-331,14 0-927,15-4 983,-15-24 1,3-3-107,2-3 0,2-2 108,2-4 0,0-3 567,-2-3 0,0-3 154,-2-4 1,-1-3 168,23-17 430,-8-10 303,-10-5 29,-9-3-158,-8 0-135,-5 3 7,-4 5-80,-5 10 398,-3 11-885,-5 8 256,-1 11-351,-3 8 62,0 13-101,-1 9 6,3 6 6,6 1 5,7-2-6,9-4-16,10-8 22,8-9 44,19-15 18,6-20-40,-11-2 12,-7-11 56,-21 0 5,-7-4 39,-3-19-89,-9 17 11,-10-11 22,-2 22-55,-2 0-46,2 8-117,4 9-252,3 8-555,0 10-3253,10 17-1071,-1-4 5271,9 11 0,-9-25 0,1 0 0</inkml:trace>
+  <inkml:trace contextRef="#ctx0" brushRef="#br0" timeOffset="38401">26043 4025 20308,'0'-5'3735,"0"2"-1992,0 3-1385,5-61-341,0 44-6,2-17 0,4 5 0,13 27-27,11 7 10,7 8 0,-10 9 1,-2 4-23,13 20-267,-17-12 0,-5 1 239,-5 5-6,-9-2-89,-21 0 140,3-16 11,-24 10 56,4-25 39,-7-8-11,7-13 11,10-20-95,11 7 433,28-32-606,8 29-6,14-11-113,-2 23-940,2 9 0,1 3-679,8-1-923,6 2 0,-1 1-3228,-4 4 6062,-14 1 0,-2 0 0,-7-1 0,-1 2 0</inkml:trace>
+  <inkml:trace contextRef="#ctx0" brushRef="#br0" timeOffset="38716">26940 3929 15042,'0'-3'6945,"0"1"-2654,0 2-4117,-27-59-90,9 47-53,-8-14 0,0 6-20,-3 37 6,-1 12-17,16-6 5,12 10 9,17-6 0,6 0-31,3 13-211,7-5 1,3-1 255,14 6-28,0 0 5,-19-16 1,-1-2 0,11 12-12,-1 4 40,-17-7-18,-26-7-55,-20-4-22,-22-6-152,-10-5-2265,13-14 0,1-2 1549,-10-4-1118,12-5 0,4-3-3328,10-3 5375,-9-11 0,24 20 0,1-1 0</inkml:trace>
+  <inkml:trace contextRef="#ctx0" brushRef="#br0" timeOffset="38890">26906 3904 24822,'-22'27'187,"-1"0"1,-12 16-171,-3-1-56,17-14-1196,-1 10 0,2 1-2193,3 0 3428,3-1 0,3-5 0,8-22 0,2-3 0</inkml:trace>
+  <inkml:trace contextRef="#ctx0" brushRef="#br0" timeOffset="39500">27199 4148 24990,'51'-24'224,"-1"9"-179,-39 23 16,15 1 13,0-6-2,10-2 7,0-7-1,1-8 6,-3-8-33,-9 1 94,2-20-50,-16 9 12,2-14 72,-15 13 28,-7 8-28,-7 6-39,-4 8-72,-2 6-40,1 5-23,0 8 12,2 8-11,4 3 10,-5 25-32,9-4 10,0 23-5,14-7-267,13 1 272,15-4-11,10-6 6,8-12 11,3-15 6,2-14 5,0-17 0,-13-3 6,-11-6 0,-3-4 22,8-16-14,-11 8 0,-1-1 14,-7 4 1,-2-1 122,9-26 68,-6 3 95,-4 9 27,-5 7-83,0 9-84,-2 10-139,0 8-46,-1 6 0,0 7 0,5 11 267,5 16-267,-1 1 0,-1 2-257,7 19 130,-5-9 1,-2 2-695,-5-11 0,-3-1-3971,1 9 0,-3 0 4007,-1 18 0,-5-22 0,0-28 0</inkml:trace>
+  <inkml:trace contextRef="#ctx0" brushRef="#br0" timeOffset="50610">28021 3978 2871,'1'-6'4374,"-1"2"2636,0 4-5884,1-13 418,-1 8-1022,1-11 415,1 12-343,-1-1 1458,1 0-965,-1 0-807,-1 2 162,0-1-145,0 3-140,-3 0-67,0 0-23,-2 3-17,2 0 12,0 0 50,2 1-56,1 0 95,0 3-50,3 2 0,4 8 11,3 5-17,5 9-11,4 8-34,2 11-22,2 7-20,-6-17 1,0 1-9,-2-6 0,1 0 3,-1-1 0,0-2 8,9 20 17,-15-20 112,-22 5-90,-26-14-61,-12-7-62,9-11 0,-3-2-574,5 0 0,0-2-1529,-8 0 0,0 0 1536,9-2 0,4-1 0,-6 1 1,24-2-1</inkml:trace>
+  <inkml:trace contextRef="#ctx0" brushRef="#br0" timeOffset="61776">4428 1903 30504,'55'-26'323,"-1"0"0,1 1 0,-1-1 1,1 0-1,1 1 0,-2 0 1,-4 2-324,-6 2 0,-3 3 0,3-2 0,5-2 0,6 0 0,0-1 0,-4 2 0,-2 1 0,-2 1 0,2 0 0,0-1 0,4-1 0,0 0 0,-3 1 0,0 0 0,-3 1 0,-1 0 0,-4 1 0,-1 0 0,-2 2 0,4-2 0,-3-1 0,-2 1 0,-5 0 0,-2-3 0,-15-5 0,-35 10-816,-32 3-82,-4 7 526,12 3 1,-4 0 64,-4 0 0,1 0 380,9 0 1,-1-1-529,-9-1 1,3-1 823,3-6-998,10 2 1127,14-1-987,26 1-64,23 0 226,13 3 159,-10 2 1,3 3 95,0 5 1,0 2-299,22 4 218,-13 7 0,0 6-78,2 9 1,-2 4-1539,-5-8 1,-1 2 1620,1 8 1,-6 2-196,-19-8 0,-6-1-314,4 20-853,-8-6 0,-4 0 1513,-10 13 1,2-9 0,1-22-1</inkml:trace>
+  <inkml:trace contextRef="#ctx0" brushRef="#br0" timeOffset="62324">6839 1420 32767,'1'-61'0,"-1"0"0,0 7 0,-1 10-319,-6 20 638,0 11-319,0 29 0,2 10 0,1 11 0,6 15-402,2-20-246,9 23-18,-1-23 471,5-2 0,3-1 173,15 4-599,-8-12 0,0-3 79,11-4 430,12-20 547,-20-15 503,9-18-494,-25 8 1,-3-3 224,2-14-428,-7 12 0,-2 0-6,-3-9-366,-2-6-139,-2 12-430,-1 13-533,-1 13 218,3 7-218,9 16-249,11 7-617,16 15-1691,14 4 3131,-17-13 1,-2-2 0,5 3 0,-3-3 0</inkml:trace>
+  <inkml:trace contextRef="#ctx0" brushRef="#br0" timeOffset="62573">7697 1274 22895,'-18'-54'1096,"0"1"0,2 5 0,2 7-805,5 12-223,3 11-141,2 10 22,6 14 68,9 13-3420,22 29 3397,-3-10 6,-9-13 0,1 1-159,3 1 0,-1 0 2,11 22 45,-11-14 0,-5 3-56,-10-7 0,-6 1-421,-9 5 1,-6-1-252,-7 11-687,-3-17 1,-4-4 1526,-14-4 0,11-3 0,5-11 0</inkml:trace>
+  <inkml:trace contextRef="#ctx0" brushRef="#br0" timeOffset="62756">7626 1222 24279,'-14'-16'106,"4"18"-123,10 56-118,1-24 1,1 2-837,0 3 1,1 1-2181,2 3 0,1 0 2394,-1-4 1,0-3 0,2 13 0,-2-23 0</inkml:trace>
+  <inkml:trace contextRef="#ctx0" brushRef="#br0" timeOffset="63366">8039 1408 21349,'20'-50'1299,"0"1"1,-1 5-1,-6 8-833,-10 18-253,-2 9-202,-1 6-28,0 4 28,4 6 12,3 7-12,6 7-11,5 2 11,6-3 17,3-6 17,2-7 67,4-17-67,-12 0 67,2-19-6,-17 2-11,-3-12-28,-11-1-11,-6 0 23,-6 6-18,-2 8-21,-1 12-1,-1 11-6,-2 13-21,3 9-18,2 9 6,6 7-17,6 4-11,5 4 17,11 1 22,8 1-5,13-4 2,0-21 1,1-3-9,15 5-9,-8-12 1,1-5 2,9-6 12,6-10 11,-10-9 5,-8-10 34,-7-6 34,-7-5-57,-4-4-10,-3-2-7,1 0-3413,9-6 3402,-6 18-5,15-6 12,-5 21 4,10 0-16,1 9 12,0 11-18,-5 13-5,-4 13 5,-7 17-83,-8 10-264,-6 8 1348,-6-29 0,-1 1-1931,-1-1 1,-1 1-917,1 0 1,1-1 1851,7 29 0,-5-27 0,7-9 0</inkml:trace>
+  <inkml:trace contextRef="#ctx0" brushRef="#br0" timeOffset="64883">9123 1248 18543,'0'-8'2963,"-1"-31"0,-1-6-1938,1 6-723,-1-10 1,1 1 50,4 14-191,-1 12-128,4 11-23,3 11 6,6 17 0,12 31-6,-8-6-236,-5-6 0,-2 3 225,-2 18-23,-5-20 1,-1 2 8,-4 6 0,-1 0 28,-1-11 0,0-2 3,-4 25 50,1-32 17,2-18-11,-2-13 0,1-13 22,1-31-61,2 10-15,4 8 1,1-1 8,8-11 17,8-9 16,9 1-49,0 17-18,14 4 0,-15 21 479,4 3-518,5 17 28,-12-2-6,2 8 1,1 2-39,1 13 16,6 5-129,-8 5-61,-4-11-73,8 6-269,17-12 252,-2-11 224,0-11 34,1-15 78,-9-9 28,9-9 45,-22 9 1,-2-2 66,8-17-67,-6 1 140,-14 1 22,-6 7 34,-1-6-11,-7 7-84,-3 8-107,-5 10-44,-4 8-6,-5 11-17,-4 10-22,-7 23 11,5 3-17,4 3-5,9 0-1,9-9-5,4 7-3386,14-5 3403,-2-15 28,16-6-6,-15-17 6,11-10 22,-8-10 28,6-23-22,-6-1 28,-2-12 3375,-7 18-3336,1-5 11,-3 14 78,1-4-128,-3 15-106,-1 7 10,-2 9 12,4 14 17,-1-2-23,5 24-62,1 12-189,7 14 102,-6-29 1,2-2-160,20 20-5,7-20 184,-4-14-10,8-10 139,-12-15 17,3-8 11,-10-3 51,-2-13 100,-9-6-5,0-3 33,-4-6 17,-4 11-16,-1 6-118,-1 11 78,2 2-134,-2 12-29,1 0 29,2 13-6,-1 2-11,9 28 0,-5-2 11,-2 2 1,-2 1-12,0 4 0,-3 17 0,-2-38 0,0 2 5,0-10 135,0-6-61,0-7-68,1-13 11,2-12-22,1-1 28,9-23 0,-2 15-16,8-15 4,-3 18-38,1 8 16,2 9-16,3 9 22,5 8 0,3 11-17,1 9 34,-1 9-28,-10-5 5,4 12 6,-12-13-11,5 11 17,-4-12-12,-3-10 17,2-4-5,-5-9 11,14-10-6,0-3 0,13-13-11,-1 0 22,-2-1-38,-1 3 16,-4 7 16,-2 7-21,-4 4 16,-3 10-17,-3 4-5,-4 2 6,2 12 5,-3-8 5,5 7-16,0-9 22,2-5 0,-1-5 23,16-14 28,-5-5-29,5-7 68,0-19-17,-17 10 11,2-16 152,-15 9-152,-5 15 34,-6 1-40,1 16-78,-3 2 2,3 4-26,2 10-20,1 10-18,4 13-301,2 11-1015,13 10 1367,1-21 0,2-1 0,2 3 0,7-2 0</inkml:trace>
+  <inkml:trace contextRef="#ctx0" brushRef="#br0" timeOffset="74158">6558 1902 19878,'-3'-3'-5070,"0"0"7686,3 3-141,-8-16-4312,12 12 4018,4-10-1197,27 19-592,1 1 0,4 0-514,21 5 844,-9-3 1,3 1 5,-13-3 0,1 0-737,14 2 1,4-1 755,-19-2 0,2-1 1,0-1-759,3 0 0,1 0 0,2-1 148,3-1 0,1 0 0,2 0-1,3-1 1,1-1 0,2 1-29,-14-1 0,1 1 1,2 0-1,1 0-29,-2 0 0,4 1 1,0-1-1,-2 0 1,-2 1 32,12 0 0,-4 0 0,3 0-38,1 1 0,4 0 1,-1 1-1,-4-1 2,-4 1 0,-4 0 1,2 1-47,-4-2 0,2 1 1,0 0-1,0 0-26,-2 0 1,0 0 0,0 0-1,2 0-5,8 0 1,3 0-1,-1 0 1,-4-1-16,-2 1 0,-3-1 0,2 0 16,1-1 1,3 1-1,0-1 1,-5 0 23,-3-1 1,-5 0 0,3 0 20,11-1 1,2 1-1,0-1 23,-2 1 0,-1 0 0,0-1 8,-1 1 0,0-1 0,-1 1-6,-2 0 0,-1 1 0,0-1-17,-4 1 0,0 0 0,-1-1-8,-6 1 0,-1 0 1,0 0 93,5 0 0,0 0 0,-2-1-83,1 1 0,-1-1-9,1-1 1,-3 0 95,2-1-26,-3-3 105,2 0-52,6 0-1141,-8 1-2066,-20 2 3070,-7 2 0,-14 0 1,0 0-1</inkml:trace>
+  <inkml:trace contextRef="#ctx0" brushRef="#br0" timeOffset="83806">10345 2852 17563,'-14'-43'1146,"0"0"0,-1 0 0,1-1 0,0 1 0,3 6-312,-2-13-369,1-2-319,6 19 55,4 12-206,4 17 5,3 5 22,9 26 1,3 9-18,2 7-514,2 12 0,-1 6 523,-10-16 0,-2 0 8,1 13 1,-1 1-9,-2-2 0,-2-2 14,-1-6 0,-2-2-17,0-14 1,-2-2 83,-6 29 124,-2-37 11,-8-1-3142,-5-32 2957,3-5-412,-8-17 0,0-3 350,-1-2 31,3 3 0,-3 0 50,-3 2 1,-1 3 19,-12-7-70,12 9 0,2 3 70,-4 5-62,21 13-55,1 3 2656,12 15-2606,7 13 11,11 18-22,10 12 968,-10-24 0,1 0-969,2-1 1,1 0-17,1-2 0,2-2 13,2-4 1,3-4 19,2-4 1,2-4 16,5-5 1,1-5-463,5-6 0,1-5 459,3-5 1,-1-4-1,1-4 0,-2-2 12,-3-2 0,-1-1-156,-8 2 0,-2-1 178,-6 3 0,-4 1 42,7-16-5,-16 10-118,-11 10-1060,-11 11 1071,-3 11 0,1 0 0,3 4 0</inkml:trace>
+  <inkml:trace contextRef="#ctx0" brushRef="#br0" timeOffset="301676">15121 11764 18336,'-10'-60'1814,"-1"0"1,4 10 0,0 10-1764,1 27-68,5 14 62,1 15 22,1 17-56,0 30-332,0-19 1,-1 2 342,-2 8 0,-2 4-4,-1-7 1,-1 2 0,0-3-527,-1 4 0,-1-2 508,0-6 0,0 1 0,1-6 23,-4 21-21,5-29 1,1-2 42,-1 6-2382,3-18 2544,3-13 407,3-14-564,9-11 712,11-12-751,17-11-11,-14 19 0,2 0-294,6-2 0,0-1 299,5-2 1,0 1-17,2-2 0,0-1 16,-1 2 1,0 0-6,-3 2 0,-2 1 1518,-4 4 1,-2 1-1503,15-12-10,-13 7 5,-12 3 0,-5-6 1,-6 7 38,2-13-28,0 9 976,4-5-841,-1 7 53,-3 9-188,-6 7-39,-3 12 34,-1 14-6,-1 19 6,-3 21-3,2-23 0,-1 2-290,1 4 1,0 1 123,0 2 1,1 1-966,1 1 0,2-1-1896,1-1 0,3-3 3013,0-6 0,0-4 0,5 6 0,-4-19 0</inkml:trace>
+  <inkml:trace contextRef="#ctx0" brushRef="#br0" timeOffset="302052">16314 11906 24234,'-27'20'168,"7"-5"-2957,19 33 1,9 7 2811,0-7-12,3 0 0,5-1 1443,13-9-1421,16 2 1,6-16 78,5-15 39,1-20-16,-2-18 297,-29 6 1,-3-3-310,-1-3 1,-3-3 24,-3-2 1,-3-2-37,-2 0 0,-4 0-34,-1 2 1,-3-1-1096,-5-1 0,-1 1 1051,-1-7 2257,-8 0-2319,7 31-78,0 3-23,3 16-342,5 14-1383,6 16-3972,12 13 5826,3-3 0,-11-23 0,-8-17 0</inkml:trace>
+  <inkml:trace contextRef="#ctx0" brushRef="#br0" timeOffset="302476">17323 11714 21220,'2'-51'1587,"1"-1"0,-1 5 1,-1 6-1392,-1 12-118,0 10-112,0 23 46,2 16 16,7 24-26,-2 1 1,1 6-7,-4-9 1,0 3-1,-1 0-424,-1 2 0,-1 1 0,-1 0 428,-1 0 0,-1-1 0,-1-2 8,-3 4 1,0-3 44,1-7 0,0-4 31,1 0-5,-1-13 38,5-33-50,-1-12-27,7-23 38,4-16 0,3 20 1,3 0-229,7-15 197,-3 19 1,2 4 14,12-1-40,11 1 1246,1 14-1268,11 25-304,-16 6 307,-11 6 0,0 4-9,9 21 20,-16-13 0,-1 3-14,-4 1 0,-5 2 0,-11 7 0,-7-2 0,-11 16-6,-13-20 1,-11-4-71,-15-10 1,-5-6-425,12 0 1,-4-2-203,-8-4 0,-7-1 0,7-4-4214,9-5 1,3-3 4361,-11 2 0,4-1 0,10-5 0,34 4 1</inkml:trace>
+  <inkml:trace contextRef="#ctx0" brushRef="#br0" timeOffset="302969">19012 10997 23063,'-52'-17'26,"-1"-1"0,0 1 0,0-1 0,0 1 0,-4-1 0,2 0 0,1 1 0,1 3-1219,-4 1 1,2 3-1,-8 1 1198,11 3 1,-8 2 0,-4 0-1,-3 0 1,1 1 0,3 0 0,6 1-437,2-1 0,5 0 0,1 1 0,-2 1 0,-5-1 432,1 0 0,-4 0 1,-3 0-1,-3 1 1,0-1-1,1 2 0,1 0 1,4 1-134,-5 1 0,2 2 0,2 0 0,0 1 0,-1 1 1,-1 0 140,6 0 1,0 0-1,0 0 1,-1 1 0,-2 1-1,-3 1 1,-5 3-54,17-3 0,-3 2 0,-3 1 0,-2 2 0,-3 0 0,0 0 1,-2 2-1,0-1 0,0 1 0,1 0 0,1-1 0,1 0 0,3 0 1,2-1-1,4-1 55,-17 4 1,5-2 0,3 0 0,2 0 0,1 0 0,-2 1 0,-2 1 0,-3 1-44,9-1 0,-4 1 0,-2 1 0,-3 1 0,0 0 0,0 1 0,2 0 0,1-1 0,2 0 1,5 0-1,5-1 0,5-2 46,-18 10 0,11-3 0,4 2 0,-4 2-4,0 2 0,-2 2 0,0 1 0,1 2 0,1 1-3,3 0 1,2 1 0,0 1 0,1 1 0,0 3 5,3-3 1,0 1 0,-1 2-1,3 1 1,2 3 0,4 2-12,2 4 1,3 4 0,3 1 0,3 2 0,3 0-1,4-2-1,3 3 0,4 1 0,4-1 1,3 0-1,2-1 1,0 0 0,1 0 1,3 0-1,4-1 0,7-3 19,8 1 0,6 0 0,5-3 0,4-2 0,1-3-14,-1-5 1,1-4 0,4-2 0,3 0 0,5 0 16,-8-9 1,3 1 0,4 0 0,2 0 0,1-1 0,0 0 0,0-1 0,-1-2 0,-3-1 2,9 5 0,-4-2 0,0-2 0,0-2 0,5 0 0,7-2 34,-15-6 0,5-1 0,4 0 0,3-1 1,2-1-1,1 0 0,-1-1 0,1 0 1,-3-2-1,-2 0 0,-4-1 0,-5-1-11,13 0 1,-7-1-1,-4-1 1,1-2-1,5-1 1,7-1-9,-15 0 0,5-1 1,4-1-1,3 0 1,3 0-1,2-1 0,0 0 1,1-1-1,-1 0 1,-2 0-1,-1 0 0,-4 0 1,-4-1-1,-4 1-30,12-2 1,-8 0 0,-4 1 0,-1-2 0,2 0 0,5-2 0,8-2-9,-18 2 1,3 0 0,4-2 0,4 0 0,2-1 0,3-1 0,1-1 0,1 0 0,1 0 0,-1 0 0,1 0 0,-2-1 0,-1 1 0,-2 0 0,-3 0 0,-3 1 0,-3 1 0,-5 0-3,16-4 0,-8 2 0,-3 0 0,-4 0 0,1 0 0,1 0 1,4-2-1,5-2 0,-9 3 0,4-1 0,3-2 1,3 0-1,2-1 0,2-1 0,0 0 1,0 0-1,-1 0 0,-1 0 0,-2 1 1,-3 0-1,-4 0 0,-3 2 0,-6 0 0,15-5 1,-8 2 0,-4 0 0,-2 0 0,1-1 0,5-2 3,1-1 0,3-2 1,2-1-1,1-2 0,-1 1 1,-1-2-1,-4 1 0,-3 0 11,-3 0 1,-2 0 0,-3 0 0,-1-1 0,-2-3 0,-1-3 66,5-6 0,2-4 1,-1-3-1,-5-1 1,-7-2-1,-11-1-86,-10-7 1,-10-2 0,-8-2 0,-7 1 0,-4 2-41,-4 7 0,-6 1 0,-4 0 0,-4 1 0,-3 3 0,-1 2-27,-5 1 0,-4 3 0,-3 2 0,-2 2 0,-2 2 0,1 2-71,6 7 0,0 2 0,-1 1 0,-1 3 0,-1 0 0,-3 0 0,-1 1 140,2 2 0,-5 1 0,-2 0 0,-1 1 0,-1 0 0,2 1 0,3 1 0,3 0 0,5 1 0,-13-4 0,8 2 0,1 0 0,-5 0 0,-2 1 0,0 1 0,0-1 0,0 1 0,0-1 0,0 1 0</inkml:trace>
+  <inkml:trace contextRef="#ctx0" brushRef="#br0" timeOffset="387621">24761 4936 16091,'-25'54'166,"1"0"1,9-5-1,4 3 1,5-9-383,13 7 250,0-7 0,3-3 122,20-4 560,-2-23 1,4-3-647,4-1 0,4-5-34,14-9 1,4-7 175,-17 0 0,0-3 0,3-3-208,5-3 0,5-4 1,1 0-1,-4 1-5,2-1 1,-3 2 0,5-3-17,-6 4 0,4-3 0,2-1 1,-1 1-1,-3 3-53,-3 1 0,-3 1 0,0 1 0,2 0 16,8-4 1,2 0 0,-1 0-1,-2 2-356,-7 2 0,-1 2 0,-1 0 0,-4 2-123,19-7 0,-8 4 533,4 5 0,-42 11 0,-15 8 0</inkml:trace>
+  <inkml:trace contextRef="#ctx0" brushRef="#br0" timeOffset="388372">23621 5819 16454,'13'-45'663,"0"0"1,0 0 0,-3-12 0,-15 13-513,-25 29 1,-10 12-1256,-14 9 0,-8 10 1318,13 0 0,-5 4 1,-1 3-1,3-1-669,-2 1 0,3 0 0,-5 5 612,5-2 1,-5 3 0,-1 2 0,0 1 0,3 0-327,10-5 0,2 0 0,1 0 0,-1 1 0,-2 2 225,-2 1 1,-1 0 0,-1 2 0,-2 1 0,1 0 0,0 1-245,5-4 1,0 1 0,0 0 0,0 1 0,-1 0-1,0 0 1,1 1 203,-3 1 0,0 1 0,-1 0 0,1 0 0,-1 1 0,1 0 0,-1 0-92,4-3 0,0 0 0,1 0 0,-1 1 0,0-1 0,-1 1 0,1 0 1,-1 0 88,0 2 0,-1-1 0,-1 1 1,1 0-1,0 0 0,-1 0 1,1 0-1,-1 1-44,-1 0 1,1 0 0,-1 0 0,0 1 0,0 0 0,0-1 0,0 1 0,0 0 33,0 0 1,0-1-1,1 0 1,-1 1-1,0 0 1,-1 0-1,0 1 1,-1 0-1,5-3 0,-2 1 1,-1 1-1,0 0 0,0 0 1,0 0-1,0 0 0,2-1 1,1-2-1,2-1-2,-4 4 1,1-2 0,3-2-1,0 0 1,0 0 0,-1 1-1,-3 2 5,3-2 0,-3 1 0,-1 2 1,0 1-1,-1-1 0,1 0 1,2-1-1,1-2 0,3-3 9,-11 10 1,3-4 0,3-2 0,-1 0 0,-2 2-2,3-2 0,-2 2 0,0-1 0,-1 1 0,1-1 0,2-2-4,-3 3 0,0-1 0,1-1 0,2-2 0,1 0 111,-3 1 0,2-1 0,1-1 0,3-3-82,-1 0 0,3-2 0,4-4 631,1 1 1,7-10-649,9-18-22,34-30 11,0 4 1,2-4 725,4-6 0,1-2-721,0-5 1,-2-1 16,-2 0 1,-3-1 8,-4 3 0,-3 1 1241,-7 7 1,-3 2-1122,-16-15 1719,-14 22-1836,-7 17-17,-4 19 28,-2 13-11,11 5 2,14-3 1,1 3 41,2 10 1,3 3-127,2 4 1,2 2 67,1 10 0,9 2-9,17 1 1,8-3-23,-8-17 0,6-3-32,15-1 0,9-1 0,-2-7-498,-9-10 0,4-4 328,10 1 1,8-1-1,-2-3-1595,8-7 0,0-5 1797,-17 1 0,2-1 0,-5-1 0,4 0 0,-7 0 0,7-5 0</inkml:trace>
+  <inkml:trace contextRef="#ctx0" brushRef="#br0" timeOffset="390396">16707 5350 18673,'-9'55'195,"-1"-1"0,0 1 0,0 0 1,0 2-1,0 1 0,1 1 1,0-2-119,2-1 0,0-2 0,2 1 1,-1 2-876,0-6 0,1 1 0,0 1 0,0 0 0,0 2 828,0 3 0,0 1 1,0 2-1,0-1 1,1 1-148,0-9 0,0 1 0,0 0 0,0 1 0,0-1 0,1 1 139,-1 0 1,0 1-1,0 0 1,0 0-1,0 1 1,0-1-61,-1 1 1,1 0-1,0 1 0,-1-1 1,1-1-1,-1-2 50,1 0 1,-1-2-1,1-1 1,-1 1-1,0 4-113,-1-3 0,1 3 0,-1 3 0,-1-1 0,1 0 0,0-4 0,1-5 110,-1 3 1,0-5 0,0-1 0,-1 7 7,0-1 1,-1 7 0,-1 4-1,0 1 1,0-1 0,-1-4 0,2-6-4,-3 4 0,1-6 0,-1-2 0,0 4 71,-1 3 1,-1 3 0,-1 0 0,0-1 0,0-5-75,-5 12 0,-1-5 0,-2-4-4,1-5 1,-2-4 0,-1-3 480,-9 9 0,-4-7-480,3-14 1,-3-9 711,3-13 1,0-10-735,1-14 0,3-10 22,0-13 0,5-10 16,5 0 1,2-6-1,1 3 676,-1-7 0,3 0-695,4 13 1,0-1-1,2 1 45,-1-12 1,0 3 580,4 17 1,-1 1-515,-2-11 1,0 5 593,-2 12-677,1 31 339,-3 28-326,5 0 1,2 4 8,-2 12 0,1 3 185,1 10 0,3 2-206,3-17 1,1 1-1,2-1-2,3 1 1,2-1 0,3 0 5,2-2 0,4-2 1,3-1 24,15 15 1,7-7 21,6-6 1,6-8-35,-14-14 1,3-4 0,1-3 10,3-3 1,2-4-1,0-3-354,2-4 1,2-4 0,-2-3 348,1-2 0,0-3 0,-3-3-19,-2-3 0,-1-2 0,-2-3-26,-4-1 0,-2-2 0,-1-2-864,0-5 1,-3-3 0,-3 2 810,1-1 1,-4 1-216,2-10 1,-6 5-2004,-14 8-7573,-14 5 8673,-4 17 1,-5 11 0,9 1-1</inkml:trace>
+  <inkml:trace contextRef="#ctx0" brushRef="#br0" timeOffset="392114">12693 6409 20699,'10'44'218,"1"0"1,0 0-1,9 13 1,3 2-1,4-1-157,1-6 1,3-2 0,1 0-1083,0 3 0,1-1 0,2 2 1081,-5-9 1,1 1-1,1 0 1,-1-1-514,-4-4 0,1 0 0,-1 1 0,2 1 504,-1 0 1,1 2 0,1 1-1,0 1 1,0-1 2,0 2 1,0 0 0,0 1 0,-1-1 0,1 1-5,0 1 1,0 1-1,0-1 1,0 1-1,0 0-9,0 0 1,0 0-1,-1 1 1,1-1 0,-1 1-9,0 0 1,-1 0-1,1 0 1,-1 0 0,0 0 1,0-1 1,-1 0 0,1 1 0,-1-1 0,-1 1-10,1-2 1,-2 1 0,1-1 0,0 1 0,-1-1-14,0 0 1,-1-1-1,1 1 1,-1-1-1,0 0-4,0-1 0,0-1 0,-1 0 0,1 0 0,-1 0-9,5 10 0,0-1 0,-1 0 0,0-1-5,0-2 1,-1 0 0,0-1 0,-2-3 0,2 3 1,-2-4-1,1 4 4,-1 1 0,1 4 0,-1-2 0,-4-7-3,-2-3 1,-2-1 11,3 8 0,1 5 1,-10-10 1008,-17-2-984,-20-5-29,-29-26-5,16-19 0,-2-7-323,-7-5 1,-1-6 311,-3-5 0,2-4 5,1-3 1,2-2 21,2 2 1,2-1 240,5 1 0,0 1-249,3 3 1,1 0 2,2 2 0,1 1 1008,2 2 1,1 1-1009,2 2 0,0 1 17,-18-15 34,10 10 867,14 12-985,12 10 950,16 14-872,14 14-1420,5 5 0,2 3 1403,-6-7 1,1 2-6,18 18 0,2 3-443,-8-8 0,1 0 452,-5-6 0,1 3 1,1-2-10,1 2 0,1-2 0,0 0-6,1-2 0,0-1 1,3-2 14,8 0 0,3-2 1,1-5 1,-6-5 0,0-4 1,-1-1-5,1-1 0,-1-1 1,0-5 8,-1-5 1,0-5 0,-2-1-3,7-6 0,-2-3-64,8-6 0,-1-3-163,-11 0 0,-5-2-616,-10 3 0,-7 1 829,-5-13 0,-11 18 0,-12 7 0</inkml:trace>
+  <inkml:trace contextRef="#ctx0" brushRef="#br0" timeOffset="393087">10705 8582 19928,'35'42'11,"-1"1"1,1 0 0,0-1 0,-1 1 0,0-2 0,-1 1 0,0 0 0,-1-1 0,-3-2-991,6 12 0,-3-2 1,1 0 1017,-6-7 0,1 1 0,-1 0 0,1 1-3,1 2 1,1 0 0,0 2 0,1 1-207,0-2 0,1 3 0,1 0 0,0 1 1,1 0 202,-4-5 1,1-1-1,1 2 1,-1-1 0,1 0-1,0 1-142,1 0 0,0 0 0,0 0 0,0 0 0,0-1 0,1 1 125,0 0 1,1 0 0,0-1 0,-1 1 0,0-2 0,0 0-12,2 2 1,-1-2-1,0 0 1,0 0 0,0 0-205,0-1 1,0 0 0,0 0 0,0 0-1,0 0 194,-1-3 1,-1 0 0,1 1-1,-1-1 1,1 1-67,3 3 0,0 2 0,1-1 0,-2 0 0,-3-4 69,7 8 0,-2-4 0,-1 3 0,-4-5 1,2 4 0,-3-2 0,-5-6 315,-5-2 0,-4-2-297,9 20 0,-7 2-12,-15-11 1,-6-1-6,-3-4 0,-7-1 635,-9-3 1,-8-6-633,-7-15 0,-4-8 13,-8-6 1,-2-6 115,-8-8 1,2-5-117,9 2 1,-1-5 22,-1-4 0,-2-4 1,3 1 651,-3-2 1,0 0-648,4 1 1,-2-1 0,2 1 5,-8-3 1,5 2-34,13 7 0,0 0 156,-9-3 0,4 2-67,-3-2 297,-9-3-448,32 18 40,12 7 2303,14 15-2214,13 12-33,4 3 63,8 0 1,7 1 242,-4-9 1,3-1-277,18 8 0,6-2 5,-12-12 0,3-3 0,-1-3-32,-4-1 0,-1-2 0,1-2-279,-1 0 0,-1 0 1,0-4 291,18-4 0,-4-5-22,-14 0 0,-2-3-329,6-4 1,-1-2 227,-7-1 0,-4-3-343,-5 0 0,-2-2-887,-4 0 1,-1-1 1285,-1-1 0,-2 2 0,3-4 0,-4 7 0</inkml:trace>
+  <inkml:trace contextRef="#ctx0" brushRef="#br0" timeOffset="408705">18201 12277 12186,'23'-55'1075,"0"1"1,0-1-1,2 1 1,3-5-1,-1 2 1,-2 5-485,-2 7 1,-2 4 0,1-2 75,7-11 0,1-2 0,-2 8-174,-6 11 0,-2 7-387,0 0 228,-10 21 332,-25 70-531,0-13-683,0-6 0,-3 8 0,-3-1 595,-1-2 0,-2-1 0,-2 3-42,0-1 1,-1 3 0,-1 2-1,-1 0-81,3-7 1,0 1 0,-1 0 0,1 1 0,-1 0-943,0 1 0,0 1 1,-1 1-1,1 0 1,0 0 1017,0 2 0,-1 3 0,0-2 0,2-1 0,2-5 0,-2 4 0,3-4 0,1-2 0,3-5 0,1-1 0,-1 1 0</inkml:trace>
+  <inkml:trace contextRef="#ctx0" brushRef="#br0" timeOffset="409372">16124 13133 22711,'-47'-26'380,"1"-1"1,4 2 0,7 11-280,13 21-34,7 10-17,4 8-10,5 20-35,5-12-5,10 19-5,8-16-1,13 7-297,14-3 269,-18-21 1,1-1 10,2-1 1,1-2 5,24 13 45,-15-6 51,-20-5 10,-28-3-5,-27 0-31,6-5 1,-4-1-380,-7 0 0,-3-1 365,-3 1 0,0-1-14,0-1 1,1 0-12,5-2 0,2 1 202,-19 1-423,21-2-342,20-2-890,14-1-3541,17-1 4980,6-2 0,-3 2 0,-4-3 0</inkml:trace>
+  <inkml:trace contextRef="#ctx0" brushRef="#br0" timeOffset="410056">16440 13092 25225,'-5'10'325,"-3"18"-311,0 10 0,-1 6-818,0 1 0,0 2 599,1 1 1,-1 2-202,2-2 0,0 0-168,2-4 0,1-2 36,1-8 0,1-2 531,1 11 57,1-23 365,0-21-163,0-17 112,1-16 79,1-10 786,2-10-865,2-3-73,3-1-84,5 4-112,5 9-89,6 11-3421,16 11 3399,-9 12-43,24 6-42,-10 7-28,12 5 34,-5 5 50,-7 3 51,-12-1 27,-10-3 102,-10-6 38,-6-3 6,-1-15-55,2-3-40,0-3 266,1 0 154,-4 9-207,-2 2-224,-5 9-28,-8 10 0,-11 21 3358,4-6-3381,-2 16-39,14-16 17,10 3-5,13-6 16,7-11 6,2-5 44,-1-14 23,-6-5 56,2-11 135,-6-4 44,-8-3 90,-19-6-297,0 12 22,-21-5-44,6 16-34,-10 0-62,11 6-61,5 2-34,13 5-184,5 5-499,4 5-1356,11 6 2140,16 4 0,-11-8 0,5-2 0</inkml:trace>
+  <inkml:trace contextRef="#ctx0" brushRef="#br0" timeOffset="410388">17291 13186 27236,'-21'-14'-67,"14"14"-5666,39 40 5649,-3-3-157,10 11 1326,-12-10-1135,-2 3 973,-13-10-794,-24-13-73,1-11 90,-20-11 3299,9-9-3300,-6-17 84,11 0-223,6-6-12,12 14-39,11-3-95,12 6-252,3 4 0,3 1-913,31-6-808,-21 10 0,2 3 2113,-2 5 0,-3 1 0,6 1 0,-4 2 0</inkml:trace>
+  <inkml:trace contextRef="#ctx0" brushRef="#br0" timeOffset="410704">17825 13346 22190,'-8'5'3960,"1"-1"-3792,7-4-45,0 0-84,44 5 11,-9-5-27,25 3 206,-6-20 253,-29-6-101,5-7-45,-23-1-39,-14 6-90,-8 2-146,-2 7 64,-23 2-125,7 14 0,-17 6 0,9 14 0,12 2 0,1 13 0,15 7 0,3 2 0,16 7-1939,28-6 1939,12-10 0,-10-10 0,-9-12 0</inkml:trace>
+</inkml:ink>
+</file>
+
+<file path=ppt/ink/ink5.xml><?xml version="1.0" encoding="utf-8"?>
+<inkml:ink xmlns:inkml="http://www.w3.org/2003/InkML">
+  <inkml:definitions>
+    <inkml:context xml:id="ctx0">
+      <inkml:inkSource xml:id="inkSrc0">
+        <inkml:traceFormat>
+          <inkml:channel name="X" type="integer" min="-2.14748E9" max="2.14748E9" units="cm"/>
+          <inkml:channel name="Y" type="integer" min="-2.14748E9" max="2.14748E9" units="cm"/>
+          <inkml:channel name="F" type="integer" max="32767" units="dev"/>
+        </inkml:traceFormat>
+        <inkml:channelProperties>
+          <inkml:channelProperty channel="X" name="resolution" value="1000" units="1/cm"/>
+          <inkml:channelProperty channel="Y" name="resolution" value="1000" units="1/cm"/>
+          <inkml:channelProperty channel="F" name="resolution" value="0" units="1/dev"/>
+        </inkml:channelProperties>
+      </inkml:inkSource>
+      <inkml:timestamp xml:id="ts0" timeString="2026-01-16T14:24:57.936"/>
+    </inkml:context>
+    <inkml:brush xml:id="br0">
+      <inkml:brushProperty name="width" value="0.05292" units="cm"/>
+      <inkml:brushProperty name="height" value="0.05292" units="cm"/>
+      <inkml:brushProperty name="color" value="#FF0000"/>
+    </inkml:brush>
+  </inkml:definitions>
+  <inkml:trace contextRef="#ctx0" brushRef="#br0">1319 2554 16818,'-59'6'1605,"-1"1"1,9-2 0,20 1-603,41 1-723,19-4-567,14 0 1,10-2 323,-3-1 0,3-1 1,2-1-1286,5-1 1,2-1-1,0 0 1238,-13 1 0,-1 0 0,1 0 1,0-1-36,2-2 0,1-1 0,-1 0 1,-1-1-150,4-1 0,-2-1 0,2-1 110,-6 1 0,1 0 0,0-1 0,-1 0-21,10-2 1,-1-1 0,-3 0-103,-7 2 0,-2 0 1,-4 0 281,8-3 1,-7 1 360,4-6-251,-44 2 67,-37 4-89,-10 1 1112,5 5 0,-5 1-835,-5-1 0,-1 0-113,1 0 1,0-1-45,-3 0 0,4 0 115,-3-3 1360,25 4-1747,17 4 940,20 3-956,14 6-6,27 5-1,-16-2 1,2 3-269,7 1 0,2 3 226,2 2 1,0 3-282,-1 1 1,-2 2 115,-4 4 1,-4 2-401,-8 0 0,-7 2-2564,-8 2 1,-7 1 3182,-12 24 0,-5-22 0,-2-15 0</inkml:trace>
+  <inkml:trace contextRef="#ctx0" brushRef="#br0" timeOffset="618">4199 2299 17977,'0'-7'2238,"-15"-24"0,-9-5-1224,-12 6-1327,0-9 1,-5 2 553,6 22 0,0 6-40,-4 1 1,0 3-74,0 2 1,-1 4-84,4 2 0,1 4 364,-21 15-398,21 12-11,23 9-11,27 7-3,2-21 0,7-2-414,8 2 0,5-1 408,8 2 1,2 0-557,6 0 1,1 0 543,-16-9 1,-1-1-1,0 1 7,15 8 0,-4 1 167,-9-3 1,-6 1-132,-4 20-36,-49-5 39,-8-22 0,-7-4-3,-11-1 1,-3-3-43,-5-2 0,-2-3 42,1-3 1,0-3-26,2-5 0,3-5 249,6-2 0,4-5-935,9-3 0,5-5-5140,3-26 5840,28 4 0,4 17 0,4 14 0</inkml:trace>
+  <inkml:trace contextRef="#ctx0" brushRef="#br0" timeOffset="1310">4674 2170 19910,'1'-7'3618,"0"1"-2503,-1 6-471,0 0-4907,4 93 4268,3-46-37,-2-2 1,1 10-1,1-5-39,3-4 1,0-2-219,2 14 1,-1 1-348,0-3 1,-3-1-298,-2-5 1,-2-4-702,-1-7 1,-3-3-2299,-8 10 1803,-3-24 1967,-1-28 4524,1-18-1909,1-17 163,-5-8-544,-3-2 472,-5 1-1512,2 7-430,5 7-457,9 11-167,17 5-62,21 6-34,26 2 28,-19 6 1,3 2-399,6 0 1,1 0 417,4 1 0,-1-1 31,1 1 0,-1-1 36,-5 0 0,-1-1 87,-8 0 0,-2-1 264,12-7 44,-25-1-6,-22 1 73,-18 0 17,-15 4-263,2 4 258,-27 5-320,20 9-72,-13 8-23,23 9-45,13 10-17,13 5-10,18 3 4,18-1 376,-8-23 0,4-2-367,12-2 1,2-3 13,17 2-118,-19-10 0,-3-6 197,-5-13 50,-3-11 0,-19-13 28,-20-8-48,-5 16 1,-4 2-71,-11-12 25,5 13 1,-1 2 76,-7-2-46,-5-1-56,7 10 170,7 8-304,9 6-157,7 9-269,10 7-4921,20 17 3902,-2-7-6089,31 10 7618,-15-18 0,-6-2 0,-12-7 0</inkml:trace>
+  <inkml:trace contextRef="#ctx0" brushRef="#br0" timeOffset="1625">5634 2478 19294,'0'-5'5153,"0"1"-3254,0 4-1866,-8-55-22,10 44-11,4-34-56,22 63-39,14 12 16,-16-11 1,1 2-20,1 2 0,0 1-8,-1 2 0,-2 0 44,-3-1 0,-3-1 79,4 16 56,-26-14 67,-19-14 11,-14-15 17,-3-13 28,5-14-33,9-11-46,11-7-55,12-2-45,15 2-17,12 6-146,16 9-268,13 12-460,-22 14 0,3 3-507,3 3 1,2 4 1380,7 3 0,-3 1 0,6 2 0,-6 3 0</inkml:trace>
+  <inkml:trace contextRef="#ctx0" brushRef="#br0" timeOffset="2308">6215 2690 27034,'45'-27'45,"0"1"0,-3 0 0,-4 4-17,-4 1-17,-1-1 6,-5 0 11,-7 2-11,-7 2-6,-6 4 34,-3-7-12,-4 4 6,1-6 6,-2 7 11,-1 2-33,-1 5-29,-3 3 6,0 2 6,-2 2 5,0 0 22,2 2-10,1-1-1,2 0-5,1-1 0,1 1 39,0 0-23,1-1-5,-1-1-5,1 2-23,-1-1-11,0 6 11,-1 0-12,-2 8 12,1-1 12,0 4-12,3 0 0,2-4 28,10 6-6,3-7-28,10 3-22,0-5 45,0-5-6,-3-1 45,3-11-33,-10 1 33,4-14-6,-11-1-5,-1-8 22,-4-2 34,-13-6-73,-1 15 28,-20-4 11,0 21-5,-12 3-17,-2 15-20,16 4 0,1 3-3,-9 11-14,11-2 1,4 3 19,0 14-45,2 16-103,19-25 0,8 0-351,14-1 1,7-3-294,-6-4 0,3-3-228,12-3 1,0-5 991,16-1 0,-25-8 0,-1-1 0</inkml:trace>
+  <inkml:trace contextRef="#ctx0" brushRef="#br0" timeOffset="26742">1581 4111 16840,'-62'9'722,"0"-1"1,-1 1 0,5-1-1,2-1 1,14-1-488,16-1 28,11 0 185,30-3-156,26 1-220,-6-2 1,4-1-397,13 1 1,8-1 335,-16 0 1,5 0 0,1-1-1,-1 1-1033,15-2 1,-1 1 0,1-1 997,-16 1 1,1 0 0,0 0-1,0-1-23,0 0 0,-1-1 0,0-1 0,-2 1-312,2-2 1,-2 1 0,2-2 347,5 0 1,2-1 0,-2-1 37,10-2 0,-5-3 64,-16-2 1,-6-2-9,1-6 39,-32-14 0,-25 3 51,-18-12-5,13 21 1,-2 2 20,-2 0 1,0 1 13,0 2 1,0 2 2906,-20-11-2859,12 10 1336,11 9-1515,12 6-90,8 3-16,4 1 447,6 6-397,9 5-12,17 8 29,19 6-37,-5-5 0,2 1-228,-12-6 1,0 0 230,19 11 0,-2 2 5,-21-4 1,-4 1-12,2 8 1,-6 4-155,-16 4 1,-11 3-3118,-14-5 0,-10 1 0,1-3 2252,-1 2 0,-1-3 0,-12 4 0,6-8 1,20-18-1</inkml:trace>
+  <inkml:trace contextRef="#ctx0" brushRef="#br0" timeOffset="31966">2838 3804 17350,'-21'-51'1282,"1"0"1,-2 1 0,-1 18-1054,-3 36-145,-16 24-42,16-1 0,-1 5-1898,-7 14 0,-2 4 1870,6-8 1,0 1 0,-1 2-25,3-6 0,0 0 1,-1 1-1,0 0-87,-3 5 1,-1 0-1,0 0 1,0 1-740,-3 1 1,1 0-1,-1-1 1,0 0-490,1-2 0,1 0 1,0-2-1,0-1-1207,-7 6 1,1-3-1,3-3 2338,-6 4 0,4-7 1,-4-1-1,26-26 1</inkml:trace>
+  <inkml:trace contextRef="#ctx0" brushRef="#br0" timeOffset="32108">1530 4264 11741,'11'-47'1341,"-1"-1"1,0 1-1,0 0 1,4-9-1,2 2 1,4 7-1006,11 4 0,6 9-462,1 8 0,5 7 229,5 7 1,2 8-514,9 8 0,4 11 429,-16 3 1,2 6 0,2 2 0,-5-1-496,3 1 0,-3 0 0,3 6-961,-6-1 1,5 6 0,-1 2 0,-1 0 0,-6-3 1181,5 6 0,-6-1 1,-3-3-1,8 6 1,-7-7-1,-10-7 0</inkml:trace>
+  <inkml:trace contextRef="#ctx0" brushRef="#br0" timeOffset="32908">8212 2596 20060,'-51'8'384,"1"-1"0,0 1 0,-14 2 0,14 0-127,29 1 607,33-1-632,21-3 1,8-3-870,-8 0 0,4-2 665,13 1 0,8-2 0,0 0-754,-4-1 1,0-1 0,3 0 735,-4 0 0,3-1 0,1 0 0,0 0-2,0-1 0,1 0 1,-1 0-1,-1-1-278,-4-1 0,-1 1 0,-1-2 1,-2 0 295,8-1 0,-4-1 0,-3-2-88,6-3 1,-7-5 153,-17 2 1,-11-5 24,-32-39-66,-12 17 49,-13 8 1,-5 2 123,7 10 0,0 1 73,-7-4 1,0 0-49,7 3 0,3 2 76,-11-10 415,22 11-724,19 10 2290,14 9-2295,19 14 6,22 16-17,-17-5 0,1 3 215,6 6 1,0 3-228,0 6 1,-3 3-135,-6 4 1,-8 3-1105,-11 3 1,-11 3 1249,-13-14 0,-8 1 0,0-4 0,5-3 0,-3-4 0,-10 0 0,1-1 0</inkml:trace>
+  <inkml:trace contextRef="#ctx0" brushRef="#br0" timeOffset="39691">4739 4942 20617,'-32'-45'989,"0"-1"1,1 5-1,-1 12-737,-15 36-39,-6 17-833,25-2 1,2 3 661,-1 5 0,3 3-26,2 5 1,3 3-20,4 4 1,3 1-12,4 3 0,6 0-241,7 2 0,4-2-146,-1-10 1,6-3-4207,26 10 0,8-6 4043,-16-20 0,1-3 0,6 5 0,-2-4 0,-2-9 1</inkml:trace>
+  <inkml:trace contextRef="#ctx0" brushRef="#br0" timeOffset="40607">5181 5165 25444,'-30'-23'11,"0"-1"0,-19-8 12,53 45-12,3 7-11,8 5 0,5 5-11,5 3 22,4 1 0,6-3 6,7-5 5,6-7-10,0-7 21,-9-6 96,-14-2 67,-13-3-101,-12 0-56,-9-1 1,-5-2-18,-5-2 12,0-3 10,3-4-16,4-2-5,4-2-23,4 1 0,1 1 11,3 3-11,-2 1-6,-1 2-10,-2 1-24,-2 2-4,-2 0-63,0 0-66,-2 2-23,0-1 39,-1 0-3308,-3 0 3448,5 0 12,-8 0 27,6-1 12,-8-1 128,-2-3-95,6 2 6,-3-2 73,7 0 61,-2-4-151,3 3 3442,0-5-3403,6 6-16,1 0-12,2 1-11,1 4-39,1 1 224,0 2-230,5 0-11,1 1 0,13 2 11,3 6-11,10 6-11,4 9-1691,-8-2 1,-1 0 1689,12 10 9,-8-5 1,2 1-1133,-3-3 1,0-1 1129,19 16-35,-17-14 1,-2-2 50,-6 2 85,-17 13-63,-13-18 6,-24 3 40,-17-16-12,-11-4-17,13-6 1,0-2 2218,-14-5-2239,23-1 1,6-6 59,13-32-79,16 0-6,10 13 1,7 1-23,19-8 12,8 3 2,-6 16 0,1 2-427,12-6 332,0 3 0,2 2-280,-19 9 0,0 3-730,7-2 0,-1 2-1085,-6 2 0,-1 3 1700,18 0 1,-25 4 0,-11 1 0</inkml:trace>
+  <inkml:trace contextRef="#ctx0" brushRef="#br0" timeOffset="40984">5824 5196 15681,'7'10'4940,"-2"-2"-2796,-5-8-968,0 0-997,33-5 618,-16-1-713,38-12-22,-22-3 10,9-9 1,-7-3 134,-7-3-27,-13 8 292,-8 6-349,-14 7 1265,-6 9-1276,-20 3-101,-2 9 17,-2 3 5,0 12-33,14 3 12,-2 9 4,10 6-16,7 15-3420,22 5 3409,-1-10 0,16-6-73,10-16-479,2-10 0,5-3-266,-4-2 0,1-2-13,8 0 0,-1-2-2007,-5-8 1,-3-2 2848,12-6 0,-8 2 0,-23 0 0</inkml:trace>
+  <inkml:trace contextRef="#ctx0" brushRef="#br0" timeOffset="42016">6632 5098 24581,'1'-51'1345,"-4"9"-1127,-5 28-134,-2 5 28,-10 1-34,-1 5 1,-19 10-62,11 2 50,-24 24-62,30-11 18,-16 22-12,18-2-11,5 1 0,7 3 11,17-13 12,7-6 16,11-6-6,-2-9 91,22-11-35,-13-13 12,16-11 11,-13-10-34,-11 5 303,0-13-101,-15 16 39,-1-10-235,-9 20 51,-4 1-68,1 12-45,-2 1-16,0 10-17,1 9-12,2 11 1,8 7-3398,8 6 3375,4-9-151,12 11-1043,12-3 158,7-3 672,-17-20 0,2-4 179,-2-7 0,-1-5 85,21-6 83,-11-9 1,-2-4 72,4-7 78,3-6 1,0-3 229,-2-8-216,-17 17 1,-1-2 603,5-26-248,-21 19-78,-1-12-90,-18 15-78,-5 9 3209,-5 5-3377,5 8 363,0 2-385,9 5-1,0-1-22,5 2 252,0 0-118,-3-2-44,0-1-34,-1-4-11,0 1 0,2-1-40,0 2 18,2 0 27,0-2-22,2-4-6,-2-9 29,1-11 5,-3-11-6,-3-9 23,-3 0-10,-1 5-63,1 10 0,3 12 0,2 9 0,3 7 0,-1 4 0,1 5 0,1 12 0,2 16 0,2 21-1696,-1-17 0,0 3 1696,1 5 0,-1 2 0,2 3 0,0 1-234,1 2 1,1 0 233,2-1 0,1 0 0,2-1 0,0-2-37,-2-11 0,1 0-770,8 8 1,3-3-1451,8 1-4061,10 5 6318,-19-32 0,-11-10 0,-8-4 0</inkml:trace>
+  <inkml:trace contextRef="#ctx0" brushRef="#br0" timeOffset="42515">7137 5165 19904,'-5'-3'5019,"2"0"-4011,3 3-941,23-60-78,15 37-798,-5-11 1,6 2 668,5 23 0,3 8-387,4-2 1,2 1-1473,-10 1 0,1-1 0,-2 1 1287,1 0 1,-1 0-348,9-1 1,-5-2-219,-6-5 851,-2-5 1294,-19-4 840,-15 0 1271,-14-1-1052,-8 2 2916,-6 5-3880,-1 4-324,-2 8-96,-3 12-5,-4 21-449,12-4 68,0 20-67,21-13-17,9 6 27,12-7-4,12-9 27,5-12 11,4-14-11,1-15-11,-4-14 12,-8-12-1,-13-2-6,-15-1 1,-17 6-23,-16 10 23,-13 11-44,-8 14-74,-2 19 0,2 19 0,28-10 0,3 5-258,1 5 0,4 2 258,2 5 0,3 2 0,3 2 0,4 1 0,1-1 0,4 0 0,5-4 0,7-2 0,6-4 0,8-5-1022,14-5 0,8-6 1022,0-9 0,5-5 0,-5-1 0,-4 1 0,-2-2 0,7-5 0,-1 0 0</inkml:trace>
+  <inkml:trace contextRef="#ctx0" brushRef="#br0" timeOffset="106431">2467 5240 16292,'-3'-50'1919,"0"1"0,-1 4 0,-1 8-1851,-1 15-91,-1 11 52,6 18 55,1 17-28,2 17-42,0-1 0,0 6-12,1 16 1,0 1-364,-1-14 1,-1-2 365,1 12 1,-1-5-6,-1-11 207,0 1 196,0-20-78,0-21-264,0-49-506,0 12 473,1-7 0,0-4-9,-1 12 1,2-1 11,2-21 0,1-1-15,-2 17 1,1 1 28,3-13 0,1 3 61,2 3-3044,1 1 2921,-5 23 485,-2 26-440,-3 10 22,1 32-22,-2 9-17,-1-6 1,1 2 10,-1-16 0,1 0-22,-1 24 0,1-1-17,3-1 17,-2-23 0,1-2 3170,5 13-3590,-3-22-1172,1-1-8239,3-17 8273,-4-7 0,2-4 0,-5 2 0</inkml:trace>
+  <inkml:trace contextRef="#ctx0" brushRef="#br0" timeOffset="106908">3194 5338 18173,'-7'0'3697,"2"0"-3524,5 0-217,0 0 72,-25-6 0,55 7 11,-17-6-28,18 5 1,6 2-24,17-2 12,-15 0 51,1-1 123,-24 0 27,2-2-128,-20 0-45,-11-1-11,-14 1-11,-3 1-1,-21 3 23,18 3 0,0 1 17,-1 0 0,-1 1 16,-3 3 1,1 1 44,-10 5-78,17-3-16,13-1 10,12-5 17,8 2 6,9-3 5,14-2-16,14-3-6,13-7-268,-22 1 0,2-1 184,2-2 0,1 1-608,0-1 1,0 1-2939,17-2 3602,-7 4 0,-30 5 0,-4 1 0</inkml:trace>
+  <inkml:trace contextRef="#ctx0" brushRef="#br0" timeOffset="109891">11373 2673 20537,'1'-39'1308,"0"-1"0,0-21-1190,-2 65 106,-2 14-135,-2 5 23,-7 26-45,0 5-53,5-19 0,0 3-6,3 5 1,2 0-3,2 14 16,12-19 1,4-5 16,6-10 123,29 6 118,-8-28 34,13-16-158,-27 1 1,0-4-393,5-13 0,-2-3 311,-10 10 1,-1-1 47,6-15 1,-3-1 94,-1-15-47,-10 11 0,-1 0-93,0-6 62,-5-12-90,-7 48 1,-1-3-57,1 12 894,-1 0-1213,1 5 179,-1 6 113,2 0-113,2 10-44,2-2-29,2 4-106,-2-3-1260,1-1-29,-2-5 1614,4 3 0,-5-8 0,2 2 0</inkml:trace>
+  <inkml:trace contextRef="#ctx0" brushRef="#br0" timeOffset="110423">12414 2526 17479,'0'-6'4441,"0"1"-2782,-8-56-1122,4 42-352,-5-43-174,6 59 0,-1 6 51,-7 21-51,0 9-5,-2 20-17,9 0-3387,17 1 3381,2-14-39,25 6-204,-13-24 0,2-1 173,-1-1 1,0 0-26,2 1 0,-2-1-73,-2 3 56,-22-2 68,-12-7-74,-21 3-128,-7-7-264,5-5 0,-3 0-1001,-26 0-175,2-6 1703,9-11 0,33 6 0,-4-5 0</inkml:trace>
+  <inkml:trace contextRef="#ctx0" brushRef="#br0" timeOffset="110606">12428 2416 23422,'-42'42'82,"-1"0"0,7-9 0,5 2-144,10 8 1,6 1-811,5-12 1,2 1-342,-3 15 1,2-1-1509,7 11 2721,11-5 0,-3-34 0,1-3 0</inkml:trace>
+  <inkml:trace contextRef="#ctx0" brushRef="#br0" timeOffset="110999">12933 2574 24396,'-7'18'219,"2"4"-180,5 13 28,8-2 17,8-7 34,8-8 27,5-11 12,1-13 40,0-11 21,-4-10 12,-8-7 5,-8-4-28,-12-1-101,-3 7 219,-17-7-179,2 18-1,-9-4-66,5 17-12,0 8-33,-1 11-18,-1 10 12,-1 13-33,2 10-23,5 9-107,9 7-408,18 1-219,3-30 0,6-3-2013,7 1 0,4-4 2096,0-3 1,0-3 0,11 4-1,-15-11 1</inkml:trace>
+  <inkml:trace contextRef="#ctx0" brushRef="#br0" timeOffset="116111">11466 3891 20582,'1'-59'1215,"-1"1"1,-2 14-1,3 4-817,13-15-269,-1 29-107,8 0-11,2 11-11,3 16 0,1 17 17,-4 18-6,-6 17-8,-13-19 0,-3 1-519,-5 5 0,-4 0 510,-5 4 1,-4-1 16,-4 0 0,-3 0-179,-1-3 1,-1-1 170,2-5 0,1-3 2,-8 12 1,12-4 16,24-26-10,16-1-12,27-22-12,-13 1 1,2-3-50,7-4 0,3-2 2,4-3 0,2-1-8,1-2 0,0-1 0,-2-2 0,-1-1-23,-3-2 0,-2-1 20,-5-2 0,-4-1 64,-6-3 1,-5 0 10,-8 8 1,-5-2 44,-10-19 1,-10-1-15,-7 14 1,-6 1 10,-10-16 1,-6 2-1,-4 13 1,-4 7 2,-4 5 1,-3 7-4,-1 4 1,-2 7-17,-3 8 0,0 7-11,16 1 1,-1 2 0,1 3-523,-4 4 0,1 3 1,-1 2 516,-3 4 0,0 3 0,2-1-8,8-5 1,1 1-1,0 3 2,0 3 1,-1 4 0,2 1 0,4-1-10,-8 15 0,6 2 0,4-5 0,0 4 0,8-1-506,8 10 0,11-2 470,12-3 0,10-4-12,11-2 0,10-6 35,-4-15 0,5-4 0,4-3-466,8-2 0,4-4 1,3-2 461,-10-5 0,3-2 0,0-2 0,2-1-275,2-3 0,2-2 0,0-2 0,-1-2 308,1-1 1,0-2 0,-1-2 0,-1-2 1,-3-1 0,-1-3 1,-1 0-1,-2-3 131,9-7 0,-3-2 0,-5-3-97,-8 0 1,-4-2-1,-6-3-17,-7 1 1,-5-2-1,-5-2 1,-1-21 1,-10-1-32,-7 19 1,-5-1 0,-3 2-18,-3-2 1,-4 1 0,-4 2-43,-3 1 0,-4 1 0,-6 5-1164,-14 0 1,-7 4 0,1 4 1086,9 8 0,1 3 0,0 2 0,-18-3 0,5 7 0,5 9 1</inkml:trace>
+  <inkml:trace contextRef="#ctx0" brushRef="#br0" timeOffset="118923">11113 3220 16802,'-61'9'60,"0"0"1,0 0-1,12-1 1,2 0 0,5 0 51,-8-1 0,18 1 1130,30-2-979,31-10 1,19-6-136,-3 3 1,5 0 0,5-1-841,-2 1 0,5 0 1,3-1-1,2 0 0,-2 0 718,-1 1 1,2 0 0,-1 1 0,1-1 0,0 1-165,-9 0 1,0 1-1,0 0 1,1-1-1,-1 1 1,1 0 148,1 1 1,0-1-1,1 1 1,-1-1 0,-1 1-1,-2 0-285,1 0 0,-2 1 1,-1-1-1,1 1 1,1 0 276,8-1 0,1 0 0,2 0 0,0 0 1,0 1-179,-6 0 1,3 1 0,0 0 0,-1 0 0,-4 0 0,-3 0 1,14-1 1,-5 1-1,0 1-33,-8 0 1,3 0 0,-5 0 0,-15 2 23,-11 2 331,-45 5-76,-14-2 0,-12 0 15,2-1 1,-7 1 0,-4 0 0,0-1-68,-1 1 1,-1-1-1,-1 0 1,-4 1-40,10-1 1,-3-1-1,-2 1 1,1 0 0,0 0-1,4-1 50,-10 1 1,4-1 0,0 1 0,-6 0 32,12-1 1,-5 1-1,-3 0 1,-1 0 0,2 0-1,3 0 1,5-1-31,-4 1 0,7-1 0,-1 0 0,-6 0 42,-2 1 1,-6 1 0,-4 0 0,0 0 0,3 0 0,5-1-219,-5 1 1,4 0 0,2-1 0,1 0 221,4 0 1,0 0 0,2 0-1,2 0 222,-7 0 0,2 0 0,9-1-36,-5 0 1351,56-7-1506,26-6 0,12-1-61,15-1 0,4-1 448,-16 3 0,2 0 1,5 0-491,-2 2 1,7 0 0,3 0 0,-3 1 0,-5 0 73,4 1 1,-6 0 0,7 0-106,-9 1 0,5 0 0,4-1 0,2 1 0,-1 0 0,-1 1-17,1 0 0,0 1 0,1 1 1,-1-1-1,-2 1 0,-2-1-403,9 0 0,-3 0 0,-1 0 0,4 0 448,-9 1 0,6 0 0,0 0 0,-1 0 0,-5 1 0,-8-1-53,16 0 0,-8 0 9,-1 0 0,-7 0 75,-1-2 8,-72 2 0,-16 0-11,12 0 0,-6 1-199,-7-1 1,-10 1 0,-5 0-1,1 0 1,5 0 210,-2 1 0,5 0 1,-8 0 10,4 0 0,-5 1 1,-5-1-1,-2 1 0,0 0 1,1 0 46,8 0 1,0 1 0,-1 0-1,0 0 1,0 0 0,0 0 0,0 0 26,0 0 0,1 0 0,-1 0 0,0 0 1,0 0-1,1 0 0,0 0 41,-8 1 1,0-1 0,0 1 0,2-1 0,2 1 0,2-1-6,-9 0 0,2 0 0,6 0 0,11 0-9,-12 0-65,14-2 58,79-5 1,25-1-33,-12-1 0,5 0 0,3-1-16,1 0 1,4 0 0,3 0-1,5-1-63,-16 3 1,4-1 0,1 0 0,3 1 0,0-1 0,-1 1 0,-1-1-17,-3 1 0,0 1 0,0-1 0,0 0 0,0 1 0,-1-1 0,1 1-4,0 0 0,1 0 0,-1 0 0,0 0 0,1 0 0,-2 0 0,1 1-115,7-1 0,0 0 1,0 0-1,-2 1 0,0 0 1,-3 0-101,-1 0 1,-3 1 0,0 0 0,-1 0 0,3-1 126,-2 1 1,3 0 0,1 0 0,-1 1 0,-4-1 0,-3 0 0,13 0 0,-6 0 0,-3 1 0,9 0 0,-1 0 0</inkml:trace>
+  <inkml:trace contextRef="#ctx0" brushRef="#br0" timeOffset="120866">14933 2556 19473,'50'-1'39,"0"-1"1,0 0 0,0 1 0,4-1 0,3 1 0,2-1 0,-3 1 0,-5 0-63,8 0 1,-5 1 0,1-1-830,-5 0 0,2 1 0,0-1 0,-2 0 839,11 0 0,-2 1 0,-4-1 16,2 0 0,-4-1 585,3 1 1,-4-3-393,-3-9 365,-39 1-353,-54-12-1,11 12 0,-3 0-251,-13-5 1,-3 0 418,-2-2 1,-2-1 10,15 4 1,0-2 0,3 2-51,-6-4 0,3 0 634,6 2 0,4 0-595,2-5-190,21 8-163,1 2-83,16 4 38,13 5 875,8 2-869,32 5 17,-27-1 0,2 1-476,13 1 0,4 2 479,-8 0 1,2 2 0,-1 0-21,13 4 0,-2 3-6,-16-2 1,0 2 0,-5 1-37,-4 1 0,-7 3-187,-6 10 0,-10 4-1326,-19 1 1,-8 1 1571,-4 7 0,-1-2 0,1-11 0,0-3 0,-12 8 0</inkml:trace>
+  <inkml:trace contextRef="#ctx0" brushRef="#br0" timeOffset="128010">5880 1008 32566,'7'-62'-346,"0"0"1,-2 8 0,0 10 1582,-2 13-1237,-5 18-1157,1 15 1065,0 32-530,1 17 356,0-9 1,1 4-1298,-1 2 1,1 1 1193,0 4 1,1 0 30,-1-1 0,1-1 65,-2-13 0,1 0 152,0 6 1,0-4-683,0-1 715,0 3 59,-3-32-43,-1-14 9,-5-16-19,-4-31-109,2 8 181,2-7 0,2-4-47,3 15 0,2-2 9,-1 1 0,1-4 0,1 0-9,2-15 0,2 0-21,1 1 1,2 2 84,2 5 1,1 3 3,1 10 1,1 4-107,15-15 16,7 21-5,6 16 34,7 15-40,3 14-406,-1 18 485,-26-10 0,-2 3 19,-2 4 1,-3 1-4,4 23-1453,-20-7 1,-8-1 1464,-7-4 2,-9-1 1,-6-2 121,3-22 1,-3-5-123,-7 5 1,-2-2 16,-3-5 1,1-4-15,-11 1-33,8-10-482,35-23-1618,21-8-7249,23-20 9360,-10 29 0,1 3 0,13-8 0,-14 14 0</inkml:trace>
+  <inkml:trace contextRef="#ctx0" brushRef="#br0" timeOffset="128669">6562 688 22946,'38'4'13,"0"-1"0,3 4 0,0 4-22,4 10 1,-1 4-681,-2 2 1,-2 2 679,-7 0 1,-4 2 13,-8-1 1,-7 2 348,-8 24-309,-29-7 5,-21-13 23,-11-14 50,0-11 288,8-15-181,12-18-191,18 1 28,11-17-17,19 8-33,14-8-34,19 0 11,-16 19 1,1 3 92,4 0 0,0 2-101,2 2 0,1 1 11,-1 2 1,0 2-10,-3 2 1,-1 1 67,21-1-90,-17 4 40,-19 2 50,-13 5-6,-10 6-16,-8 9 478,-4 7-507,1 5-10,5-5 10,9 19 18,13-15-12,13 13 11,12-15 1,9-8 27,2-9 73,-1-7 73,-6-13 45,-8-10 17,-12-15 5,-9-10-5,-17-7-79,-10-3-55,-13 0-281,-6 5 281,1 7-12,4 9-79,8 11-89,7 10-17,8 8 6,2 15-140,2 12-309,3 17-693,6 12-4,1-23 0,1 1-935,4 1 0,4 0 2078,5 2 0,1-3 0,3 5 0,2-8 0</inkml:trace>
+  <inkml:trace contextRef="#ctx0" brushRef="#br0" timeOffset="129004">7700 1029 20206,'2'-47'1206,"1"-1"0,-1 5 1,-1 10-1017,1 20-190,-1 8-51,4 12 94,5 9-43,8 16 22,5 10-8,-5-9 0,0 1-3,9 14 7,-11-19 1,0-3 76,-1-6 107,-5-10-73,-3-12-3437,1-20 3347,-2 3 62,6-25 5,0 8 28,9-22-100,-6 20-6,7-7-28,-9 27-56,3 1-112,0 9-252,3 8 2720,5 10-4703,6 8-3383,4 10 5786,-3-3 0,-16-11 0,-10-9 0</inkml:trace>
+  <inkml:trace contextRef="#ctx0" brushRef="#br0" timeOffset="129171">8383 995 25040,'-26'-19'-201,"5"-1"66,22 55-548,6-6-1580,4 3-5780,6 8 8043,-2-9 0,-6-12 0,-5-9 0</inkml:trace>
+  <inkml:trace contextRef="#ctx0" brushRef="#br0" timeOffset="129338">8472 842 15933,'-3'-4'4766,"1"1"-8373,2 3 3607,-18-11 0,14 9 0,-14-10 0</inkml:trace>
+  <inkml:trace contextRef="#ctx0" brushRef="#br0" timeOffset="130368">9003 960 24148,'-40'-18'49,"0"0"0,0 0 0,-6-9 0,4 11-27,4 28 0,3 11-28,7 0 1,3 1 16,-17 15-5,18-10 0,5 1 648,7 3-677,4 5 273,15-9-217,21-12 18,9-13-29,6-10-11,-3-10 42,-9-5 1,1-4-313,-6 1 1,0-3 297,2-5 1,1-5-1,-3 3 141,-3 0 1,-3-2-137,-1-6 1,0-4 0,-3 3-753,-4 5 0,-1 2 730,2-10 1,0 2 156,-3-14 29,-6 30-63,-6 3 528,-1 12-651,-1 12-22,-3 12-28,1 3 6,-2 23 0,1 7-1,2 17 418,2-5 0,4 1-490,5-14 0,5-3-309,9 9 1,5-1-4,-3-10 1,2-1-84,6 0 0,0-3 65,6-2 145,-5-13 56,-4-14 280,-6-17 11,2-3-11,-11-9 112,-4-2 855,-2 4-592,-1-3 123,-1 5 141,-4 5-493,-4 9-152,0 3 6,-4 5-39,0 5-6,1 4 12,1 12-23,11-4 11,8 4 6,5-11 5,13-6 12,-2-5 38,18-17 7,-11-6-12,2-17-39,-19 7 34,-5-10 66,-9-3-88,-3 9 55,-14-12-17,-2 27-22,-6-1 45,-4 12-17,-4 8-73,1 7-22,-5 11 17,11 13-6,3 11-12,7 9 1,12 8-266,15 1 271,-2-29 0,4-2-2,3-2 0,2-3 2,28 15 0,-8-15 6,10-9 28,3-16-11,-11-3-9,-10-8 1,-2-4 13,1-16-5,-10 8 0,-1-2 11,11-23 6,-2 1-6,-4 7 5,-1 10-22,-4 9-11,-8 12 239,1 6-217,4 19-11,4 8 6,6 23-62,-6 14-507,-7-7-104,-12-13 1,-1 1 655,-2 1 0,-1-2 0,-1 14 0,0-3 0</inkml:trace>
+  <inkml:trace contextRef="#ctx0" brushRef="#br0" timeOffset="134093">11241 798 4823,'-45'4'659,"0"0"0,6-1 0,10 0 2136,19 0-2627,9-2 1874,1 1-1560,1-1 618,4 2-1195,2-1-350,18 4 445,-5-2 0,2 0 0,-10-1 0</inkml:trace>
+  <inkml:trace contextRef="#ctx0" brushRef="#br0" timeOffset="134861">10833 1045 25085,'-40'-1'1426,"1"-1"0,-22-1-1690,59 1-638,13 1 1172,17 0-682,25 1 81,3 0-729,5 0 0,4-1 484,-15 1 0,2-1 341,9-2 1,5 0-1,-6 0-142,-12 0 1,-2-1 225,9-1 1,-7-2-558,-20-6 394,-13-3-62,-11-10 331,-25-6 38,-23-4 24,12 17 1,-3 1-234,-4 0 1,-2 1 363,-2 1 1,0 1 47,3 1 1,1 1 645,5 2 0,2 0-405,-17-5-106,18 4-163,16 6-129,9 3-34,9 2 745,11 1-739,16 1 23,21 5-32,-18 0 1,2 2-198,5 3 0,-1 2 195,2 3 0,-1 2-11,-1 3 0,-2 3-6,-4 1 0,-4 2-20,-4 2 1,-4 0-9,5 17-104,-20-13 0,-7-1-579,-17 10-872,0-11 1,-4-1 956,-3-8 0,0-3 0,-11 6 0,12-10 0</inkml:trace>
+  <inkml:trace contextRef="#ctx0" brushRef="#br0" timeOffset="136336">4789 1138 23408,'1'-10'953,"7"-26"1,1-2-490,-2 13 151,3-15 0,-1 2-1044,-6 28-153,-4 9 290,-7 26 22,-2 6-713,-4 13 638,3-8 0,0 2-110,3-5 0,-1 1-254,-2 15 0,0 0 335,6-10 0,2-2-249,3 26-31,9-16 292,2-22-3031,12-20 3317,-10-12 1,15-22 87,-3-25 6,-13 24 1,-2-3 36,1-19 1,-4-2-3,-6 11 0,-2 1-6,0 0 0,-3 0 37,-3 2 0,-3 1 123,-11-20-87,7 25 1,-2 2 69,-19-21-100,-4 18-62,9 16-12,-15 17-32,11 21 30,9-1 0,0 3 2,-9 24 1,12-8 0,2 4 1353,4-3 1,2 4-1368,1 0 1,1 4 0,2 0-589,-1 14 0,3 0 566,4-14 0,3 1 1,2-3-19,7 10 1,4-4-15,7-2 1,5-4-6,5-4 0,6-6 45,6-4 0,4-6-1154,6-5 0,1-7 1190,-7-4 0,-2-5 6,0-4 0,0-6-165,10-13 0,0-10 360,-3-8 1,-2-4-175,-14 17 1,0-1-1,-3-4-88,2-14 0,-3-5 1,-7 1 141,-6 1 1,-4-2-55,-1 2 0,0-3 0,-3 3-15,-3-2 0,-5 0 20,-6 3 1,-4-2 0,0 5-38,-1 8 0,-2 2-2,-4-4 1,-5-4 0,-1 6 151,-5 6 0,-4 4-431,-16-6 0,-2 4 42,15 9 1,0 4 486,-12 1 1,1 6-269,-12 18 0,17-8 0,8 10 0</inkml:trace>
+  <inkml:trace contextRef="#ctx0" brushRef="#br0" timeOffset="137997">2184 5257 9761,'-4'-4'5052,"1"0"-3344,3 4-162,-13-84-515,17 40-1042,-8-11 1,6 0 425,23 8-152,7 6-43,10 6-153,4 8-28,2 11-44,-2 11 10,-3 20 12,-8 16-22,-8 21 2,-18-8 0,-5 1-180,-2-12 0,-3 0 191,-7 19 1,-6 0-411,-3-15 1,-3-1 403,-6 9 1,-2 0 8,-3-3 1,-1-1 7,2-3 1,-1-1-27,3-5 1,2-2 56,-13 20 48,15-14-64,14-11 497,13-10-430,11-6 829,12-6-891,15-10-61,17-6-550,-21 2 1,3-2 355,6-1 0,3-2-141,-5 2 1,4-1 0,-3 0-37,4 0 1,0-1-598,-3 0 1,4 0 0,-5 0-1792,-2-1 0,-2 1 2781,3-2 0,-2 1 0,6-5 0,-25 10 0</inkml:trace>
+  <inkml:trace contextRef="#ctx0" brushRef="#br0" timeOffset="138392">2835 4853 11175,'-49'-26'852,"1"0"0,-1-1 0,1 1 0,-11-4 1,1 2-1,2 7-639,-5 9 0,1 8-483,16 4 1,0 2 0,1 3 619,-14 4 0,1 4-164,10-1 1,-2 1 0,0 7-8,4 4 0,-1 6 0,1 3 1,4-1-104,-1 5 1,4 1-1,0 1-888,-3 7 0,1 1 1,7 0 841,7 5 1,8 0 11,5 3 0,4 2 34,3 2 1,4 3-55,2-12 0,3 2 1,4 0-3,9 5 1,6 0-1,4-3-16,1-10 0,4-3 0,2-1-6,-1-2 0,3-1 0,3-5 0,9-7 0,4-5 0,0-4 13,-3-5 1,0-4-1,4-2-3,6-2 1,5-3-1,2-1 1,-2-3-356,-8-3 1,0-1-1,-1-2 1,-1-1 361,-1 1 0,1-1 1,-2-3-1,-2-2 24,-4-3 0,-1-2 1,-3-2-1,-3-2-58,1-2 0,-4-3 1,0-2 117,6-6 0,0-3 0,-5-2 253,-6 0 0,-3-1 0,-5-4-319,-4-10 1,-5-4 0,-6 1-32,-5 7 0,-4 1 0,-3 1-1,0 0 1,-1 0 0,-6 3 0,-7 2 0,-6 3 0,-2 4-22,-12-5 1,-6 4-39,7 9 0,-3 1 0,-5 4-275,-12 3 1,-6 5 0,4 3-1,16 4 1,2 2 0,-4 4 332,-5 3 0,-5 4 0,3 2 0,9-1 0,-14 2 0,15 4 0,0-1 0</inkml:trace>
+  <inkml:trace contextRef="#ctx0" brushRef="#br0" timeOffset="139247">11543 4061 11631,'-1'-3'5506,"0"0"-1960,1 3-3446,-2-42 52,12 29-52,8-30-16,18 43-5,13 10-18,8 10-44,-26-5 0,-1 2-209,1 2 1,-2 2 188,-3 1 1,-2 1 108,11 23 163,-20-1 11,-29-7-72,-28-6-119,9-19 1,-5-2-305,-7-1 1,-3-1 253,-4-2 0,-2-2-410,-1-1 1,0-1 359,2-2 0,2-2-96,8-3 1,3-1-552,-18-12-3470,29-11 3395,25-1 0,6 8 1,5 9-1</inkml:trace>
+  <inkml:trace contextRef="#ctx0" brushRef="#br0" timeOffset="139864">11326 3851 21511,'-26'-51'151,"0"1"1,-1 5-1,14 10-112,45 20-11,1 7 6,15 1-6,3 4-28,9 14 0,-20-2 0,11 19 17,-23 0-4240,6 21 4234,-16-14-671,-12-2 1,-6-1 692,-7-3 46,-17 26 16,-3-23 6,-6 5 5,2-8 258,4-9 2252,9-9-2471,6-5 3466,5-8-3421,3-9-195,4-1-1,3-4 17,10 3-16,0 6-7,14-5-4,5 7 10,15 1 9,-11 5 0,2 4-588,-2 1 1,-1 1 587,0 1 0,0 2-306,-3 4 0,-3 3 280,8 14 23,-5 13 34,-35 10 22,-29-9-212,-15-6 181,9-22 0,-4-4 272,4-3 0,-1-2-281,-11 1 1,-2-1-3,-8-1 0,1-4-45,13-4 1,2-3-273,1-2 1,4-2 77,6-10-6451,23-16 5889,20 7 1,-3 3 0,4 8-1</inkml:trace>
+  <inkml:trace contextRef="#ctx0" brushRef="#br0" timeOffset="140563">11353 3847 19899,'-20'-32'422,"-1"-1"1,-5-20-316,46 44 100,10 0 62,12 3-191,4 2-28,14 10-958,-6 8 914,-9 5-6,-16-4 0,0 3 11,2 6 0,-1 2-16,17 15 44,-16-3 0,-8 2 80,-14 4-27,-10-11 1,-5-2-28,-16 6 30,-10-11 1,-5-3 50,-18 7-200,15-9 1,-1-2 350,-14 1 62,14-8 489,17-9-478,7-14-174,13-10-174,0-2 317,9-9-283,3 13-8,0 0 19,4-1 267,-6 12-350,10-2 4,-4 8 46,10 0-28,3 5-29,6 2 18,-3 2 5,22 9 0,-12 0-6,14 9 12,-14-1-6,-10 0 16,-10 0 80,-9-1 38,-10-2-33,-12-2-12,-11-3-61,-16-3-61,-9-3-275,-10-4-649,27-4 1,-1-2 956,-5-1 0,2-1 0,-5 1 0,4-2 0</inkml:trace>
+  <inkml:trace contextRef="#ctx0" brushRef="#br0" timeOffset="144631">2503 8497 8198,'-53'11'2149,"1"1"1,0 0-1,-13 2 1,13-3-1725,29-6-156,34-7 224,26-4-283,-2 1 0,5-1-1065,13-1 0,6-1 886,-12 2 1,2 1 0,2-1-19,5 0 0,2 0 0,1 0-510,4 1 0,0-1 0,1 0 463,-14 1 1,-1 1-1,1-1 1,0 0 9,1 0 0,-1 0 0,0-1 1,0 0-12,-1 0 0,1-1 0,-1 0 0,0 0-33,13-4 1,-1-1 0,-1-1 39,-4 0 0,-2 0 0,-3-2-79,-8 1 1,-1 0 0,-4-2 285,4-4 0,-7-2 118,-4-18-56,-48 1-90,-5 18 1,-6 2 436,-9-2 1,-4 2-284,-4-1 0,-1 2 93,-1 0 0,0 2-37,5 1 0,2 1-84,8 2 1,2 0 2045,-8-4-2245,20 6 574,12 6-680,12 3 28,13 5 11,20 6-22,21 10-10,-23-6 1,1 2 0,4 2 0,0 2-427,0 3 1,0 2 278,-2 2 0,-3 1-244,-3 2 0,-5 3-616,-5 0 1,-5 1-1876,-8 3 0,-5-1 2903,-6-3 0,-3-2 0,-4 9 0,-1-17 0</inkml:trace>
+  <inkml:trace contextRef="#ctx0" brushRef="#br0" timeOffset="147023">6779 8214 12567,'0'-10'2556,"-3"-25"1,-4-6-674,-7 4-1547,6-4 0,-5 2 784,-29 6-756,4 23-140,-21 3-118,6 22-78,12 4-8,13 7 0,2 5 8,-2 20-25,10-20 0,3 2 8,8 8 0,7 0-22,17 14 11,0-16 0,5-3-483,22 4 489,6-18 0,5-6-493,-12-8 1,2-2 476,-1-1 1,2-1 0,0-2-967,13-7 0,-4-3 990,-11 2 0,-1-4 8,4-5 1,-3-5-46,-10-2 0,-3-2 132,-1 1 0,-3-2 36,-5-2 1,-5-1 486,-8-12-447,-18 8 653,-5 12-698,-29 8-112,16 12 0,-9 13 0,2 5-28,8 5 14,2 6 0,5 1-3,12-2 2219,8 21-2208,27-5-16,12-3-131,-10-21 1,4-4 135,-2-7 1,-1-3-18,20-1 118,10-19 0,-29-8-17,6-18 6,-23-6 5,-11-2 34,-13 0-44,-12 6-63,-2 13 74,-23-1-57,11 20-11,-14-1 529,13 16-585,8 8 6,7 8-28,9 8-6,8 5-61,12 3-191,9 2 39,4-9-453,17 4-454,12-11 677,3-6 320,6-13 196,-20-20 107,-9-14 156,-8-8 118,-9-6 39,-5-2 17,-3 2-56,2 3-235,0 11 66,5 3-105,4 11-102,2 4-16,5 13-39,-2 16 27,2 15-5,-2 13-5,-5 8-230,-6 5 257,-5-1-33,-2-6 11,-1-12 73,0-16 50,5-16-44,7-21-18,9-15-10,7-15 49,2-4-44,-7 10 342,2 0-337,-13 24-66,4-2 16,-4 19 11,3 7-27,0 3 38,23 14 23,-2-8-34,-8-5 1,2-2-9,-1-4 0,1-3-367,3-2 1,1-3 363,1-4 0,0-2 6,-1-4 0,-2-3-218,-3-4 0,-3-3 251,-5-4 1,-4-3-1,-5-4 1,-4-2 10,-4-4 1,-4-2 2,-5-2 1,-2 0-1,-3 0 1,-2 1 16,-3 3 0,-2 1 39,2 6 1,0 2 154,-10-13-79,7 17-163,7 13-55,6 13 720,2 15-687,3 22-6,0 22-170,1-21 1,0 1 147,0 3 0,1 2-64,2 1 0,1 0-199,4 0 0,1-1-146,4 0 0,2-3-283,3-2 1,3-4-894,0-5 0,2-4-6794,19 8 8396,-12-19 0,-19-14 0,-9-3 0</inkml:trace>
+  <inkml:trace contextRef="#ctx0" brushRef="#br0" timeOffset="148107">8398 8254 15972,'-50'-30'2108,"0"0"0,3 1 0,9 4-1329,24 8-522,5 0-240,11 5-28,29 0-101,13 7-37,-8 2 1,2 1-416,2 1 0,1 1 26,2 1 0,1 0-185,0 1 1,0 0-160,-3 0 0,0 0-1340,2-1 1,-2 0 2333,10-1 582,-2-4 510,-36-2 141,-4-2 150,-12-2 130,-6 0-740,-2 2 3101,-1 3-3600,1 2-224,2 2-94,3 2-35,2 4 12,3 3 28,9 4 5,6-1-5,14-1-16,9-5 4,6-5 12,-1-8 28,-8-6 33,-10-9-5,-12-4-17,-13-3 22,-12 0 34,-11 0 40,-5 5-18,-1 6-56,5 8-94,5 5-68,4 9 22,1 12 0,0 12-10,2 15-1703,9-9 1,2 0 1690,4 17-258,4-12 1,6 0-214,18 12 151,-7-20 1,3-1-70,5-3 0,2-4-115,4-5 0,2-4-62,13-4 1,-1-6 539,-15-2 1,-1-3 8,14-6 0,-2-4 102,5-18 122,-18 6 0,-2-4 42,-9 4 0,-2 0 76,12-23 342,-19 9-57,-10 14-173,-8-1-157,-7 10 3094,-8 8-3268,-10 17 517,9-1-561,-11 21-23,10-2-16,-6 11-35,0 2 23,-1 1 17,-2-7 39,3-12 40,3-12-28,7-23-1,5-17 90,7-29-73,6 14 85,7-17-24,4 31-21,3 0-34,1 13-17,7 15-45,-6 8 0,14 18-17,-5 8 18,11 11-24,2 3-303,8-4 309,-20-24 1,2-1 8,4-3 0,2-3 2,4-2 1,0-3-1,2-4 1,0-4 16,-1-4 1,-1-4-15,-2-4 1,-3-5-12,-4-3 0,-3-6 17,-4-13 0,-6-4-337,-5 13 0,-4-2 334,-2-18 1,-6-2 24,-3 19 1,-3 0 83,-3-13 0,-1 0-30,-6-12 69,3 21 1,0 4-20,3 9 140,-3-13-134,9 27-101,1 2-45,2 17 284,1 17-290,0 7 6,2 29-3,0-28 0,1 2 56,1 11 0,1 2-62,2 1 1,1 2-82,6 10 1,1-1 16,-5-18 1,2-2-217,5 15 1,1-3-720,4 7-1227,-4-23 0,1-1-2918,7 3 4350,7-9 0,-22-24 0,-1-3 0</inkml:trace>
+  <inkml:trace contextRef="#ctx0" brushRef="#br0" timeOffset="148275">9873 7988 25169,'46'-33'-88,"0"0"0,-8 4 1,2 6-594,2 18 1,1 7-735,20-2 0,-30 1 0,-9 0 0</inkml:trace>
+  <inkml:trace contextRef="#ctx0" brushRef="#br0" timeOffset="149048">11909 8225 20270,'-10'-48'967,"0"1"1,0 0 0,-3-14 0,-2 10-532,-4 17-46,4 20-379,6 19 117,4 21-117,2 28-11,2-14 0,2 4-702,1 11 1,1 3 691,-1-14 1,1 1 0,0 1-38,1 4 0,0 0 1,1 0-27,-1 0 0,1 0 1,0-1-7,0-4 1,0 0-1,1-2-190,1 11 0,1-4 204,-3-12 1,0-5 2,-1 5-179,-20-24 107,-4-30 72,-14-20 65,18 6 0,2-5 376,-2-8 1,2-3-372,-1-9 1,2-2-350,4 13 1,0-2-1,1 0 358,-1-4 0,1-1 0,0-1 18,0-1 1,0 0-1,1 0 17,1 1 0,1 0 1,1 0-7,0 4 1,2 0 0,1 3-22,0-6 0,4 2 17,9-10 0,5 5-329,0 23 0,3 2 287,11-9 0,4 4-6,1 15 1,3 6-1,4 4 1,0 4-7,-7 2 1,1 5-20,17 10 1,0 7 4,-19 1 1,-1 5-14,13 10 0,-4 6 11,-17-2 0,-8 3 14,-8-1 0,-10 0 22,-12-1 1,-8-4-121,0-9 0,-5-3 131,-29 5 1,-5-6 8,17-11 0,0-2-4,-17 4 1,1-4-11,19-8 0,4-5-25,-16-9 1123,22-13-2394,22-11-2202,25-6-4492,21-6 7968,-7 23 0,1 1 1,5-3-1,0 5 1</inkml:trace>
+  <inkml:trace contextRef="#ctx0" brushRef="#br0" timeOffset="149982">12427 7646 20442,'43'-17'599,"1"0"1,-4 1-1,-5 7-414,-10 17-101,7 11-62,11 15-784,-17-12 1,1 2 761,3 3 0,0 3-14,-1-1 0,-1 3 22,-4 3 0,-3 1 54,3 9 630,-21 6-423,-25-29-22,-16 1 83,-11-10 368,3-7-171,11-8-203,16-3-228,14-5 793,16-3-867,14-4 6,18-3 6,-1 4-9,-3 3 0,2 1-14,4 0-5,7-3 0,1 0 5,4-1 5,-17 3 1,-2 1 158,2-4 172,-16 6-90,-15 4-184,-6 5-50,-6 2-7,-5 9-27,-5 9 0,-3 14 11,4 7-6,8 5-5,17 1 34,13 0-18,20-2-306,-2-11 323,-3-12 1,1-3 39,10-2-29,-17-6 1,-2-5 61,-2-18-11,-16-16 6,-11-17-6,-13-14-429,0 25 0,-1 0 356,-5-3 1,-2 1 7,0 0 1,-2 2-72,0 3 0,-2 3 97,-21-17 235,2 19-280,4 14-6,6 13 1,7 14 714,7 11-804,5 16-174,10 8-286,14 6-496,15 0 435,-7-28 0,5-2-230,3-1 1,2-3-318,3-3 1,0-3 30,-2-3 1,-1-4-235,24-3 1148,-13-17 856,-10-12 796,-10-13 638,-9-9-27,-8-5-505,-3 3-476,-4 7-285,-1 10-275,-1 12-4,0 9-500,1 5-22,3 10 33,6 13-28,8 14-11,8 15 28,8 5-9,-12-25 1,1-2-3,1 1 0,2-2 0,2-2 0,0-2-1,23 13 35,-6-13-12,-11-12 6,-10-16 5,-7-13-16,-1-24 11,-5 10 11,0-23-12,-5 18-10,2-16-45,-1 20-224,4 2-421,1 23-789,7 3-2935,11 11 4408,18 12 0,-18-7 0,3 5 0</inkml:trace>
+  <inkml:trace contextRef="#ctx0" brushRef="#br0" timeOffset="150189">14476 7834 21646,'-3'-4'4375,"0"0"-3815,3 4-616,-17-39 39,15 47 11,-12-19-55,22 60-202,3 7-404,5 0-952,5-3-4049,3-6 5668,-3-14 0,-8-14 0,-7-12 0</inkml:trace>
+  <inkml:trace contextRef="#ctx0" brushRef="#br0" timeOffset="150339">14618 7581 10819,'0'0'0</inkml:trace>
+  <inkml:trace contextRef="#ctx0" brushRef="#br0" timeOffset="151839">15100 7765 14785,'0'-4'7517,"0"0"-5736,0 4-1137,-22-71-387,11 48-78,-5-18 1,-4 4-1,-7 29-27,-15 10-102,8 10 0,-2 6-33,5 3 0,1 3-408,-6 12 1,4 3 392,12-10 1,5 2-1564,3 20 0,6 0 1572,9 1 0,16 3 1,10-2-32,-3-28 0,5-3 50,12 7 1,2-4 11,-7-16 0,-2-6-201,16-9 178,-24-9 1,-3-6 53,12-29-37,-16 14 0,-2-7-318,-7 2 0,-2-5 0,-1 3 302,1-5 0,-3-1-6,-2 0 1,0-5 0,-2 4 1137,-2 0 1,0 2-1033,0-15 1,-2 0-12,-1 18 0,-1 3-14,1 7 1,-1 3 229,-7-2-27,5 22-248,-1 1 2108,4 10-2153,2 16 18,3 13-35,4 25 1,2-3-89,0-11 0,1 3 24,0-4 0,2 1-499,5 12 0,3 2 286,2-1 1,4-1-92,-3-15 1,2 0 0,-1-3 116,2 1 0,1-4-793,15 6 1,-2-8 393,-8-14-251,21-4 482,-30-26 599,5-29 45,-13 6 112,-6 6 0,-3-1 543,1-9 1118,0-8-1219,-2 18-162,-11 11-521,1 14 770,-7 7-758,-3 18-68,8-7-12,-3 21 18,18-10 5,8 5-22,5-6 11,15-3 34,7-12-18,-6-3 152,17-23-78,-30-5-73,3-9 8,-20 3 0,-7-1 59,-15-12-11,-6-14 17,-12 29-74,9 20 57,-8 8-67,10 12-34,-2 3 28,3 22-31,8-7 0,2 4 0,-2 3 1,2 1 2,-1 0 0,1 2 2,4 12 1,5 0-742,7-16 0,2-1 739,-1 8 0,5 0 8,15 0 1,6-5 8,-7-15 0,2-3-6,12 7 0,3-5 11,-6-14 1,0-7 2,2-6 0,0-5 0,1-5 1,-1-5-334,1-3 1,-2-5 332,-3-2 0,-2-3 6,-3-2 0,-4 0-12,-6 7 1,-4-1-146,1-10 1,-4 1 181,-4-11 526,-3 17 1,-1 1-483,-4-9-27,0 14 73,-1 2 730,-1 12-764,1 1 414,-2 4-515,2 5 186,-1 2-208,-1 2-23,-5 0 46,-7 3 10,-6 1-22,-2 1 17,3 1-23,8-4 29,2 0-18,6-2-5,1 1-5,2-1 5,8 1 5,5 2-16,3 1 17,18 8-12,-5-2-22,15 4 11,-2-3 6,-8-4 0,15-3 61,-18-10-61,9-5 5,-15-11 51,-10-7-45,-6-6-5,-6-2 33,-5 1-6,-2 5 12,-3 4-6,2 7-6,1 6-11,2 4-11,1 5 0,1 3-117,1 2 77,-3 2 52,0 4-7,-1 3 1,2 3 5,1 1-17,6 2-5,3 5 39,8 6-39,6 9-34,2 10-28,0 11-444,-13-23 0,-2 0 237,-2 4 0,-2 1-294,-4 2 0,-3 1-768,-3 2 1,-1 1 1341,-3 5 0,0-2 0,-3 5 0,4-6 0</inkml:trace>
+  <inkml:trace contextRef="#ctx0" brushRef="#br0" timeOffset="152772">2765 10325 16732,'-61'11'359,"0"0"1,0 0 0,11-2-1,1-1 1,7 0-63,-19 7 832,45-9-429,38-2-297,39-9-305,-11 1 0,3-2-748,-4-1 0,4 0 673,-7 0 1,6-1 0,2 0 0,-3 0-508,1 0 0,-2 0 0,4-1 489,1 0 1,3 0 0,1-1 0,-3 1-3,4-2 1,-2 1 0,-2-1 7,-5 1 1,-1 0-1,-2-1 22,12-4 0,-5-1 93,-15 1 0,-7-3 138,0-17-63,-43-5-5,-36-1 100,12 19 0,-4 1-11,-4 0 1,-2 0-15,3 2 1,1 1 944,6 1 0,3 1-908,-12-8 162,22 9-448,14 9-22,14 3 0,3 6 0,37 15-45,2 10-8,-10-4 1,2 5-77,-2 4 0,-3 2-17,-5-6 1,-3 4-527,4 13 0,-5 5-4244,-12 7 1,-4 0 4126,0-13 0,-2-2 1,-5 3-1,-4-8 0,-3-23 1</inkml:trace>
+  <inkml:trace contextRef="#ctx0" brushRef="#br0" timeOffset="155205">7049 10265 17378,'-16'-46'1441,"0"-1"0,0 5 1,-5 9-977,-25 10-173,-10 14-119,-6 19-348,31 1 0,2 4 175,0 6 0,4 4-3,2 4 0,4 3-364,4 4 0,4 1 367,2 2 0,5 1-9,5 0 1,5 0-14,10 5 0,4-3 5,-4-14 0,3-2-34,15 7 1,6-7 2,-6-12 1,2-5-12,13 2 0,4-3-486,3-5 0,1-4 536,2-5 1,-1-4 56,-3-3 0,-2-4-156,-6-3 1,-4-2 280,-7-1 1,-5-1 66,-8 1 1,-3-1 424,1-20 69,-15-4-499,-8 19 719,-6 1-786,-1 21 1165,-5 8-1311,-7 16-2878,-13 30 2856,8-7 0,9-6 0,3 2-136,5 8 131,10 9-12,17-11 6,19-13 0,17-13 2,-21-15 1,0-4-180,4-5 0,-1-3 216,-2-5 1,-1-3-4,-3-3 0,-4-3 42,-5-9 0,-4-1 6,2-14-12,-18 14 1,-5 1-64,-14-9 103,-16-5-45,-11 9-34,-5 14 6,-3 12-11,3 14-28,6 14-34,8 13 17,12 9-112,14 20-90,19-8-84,20 7 129,5-26-39,-5-15 0,3-4-60,30-2 169,-4-9 1,3-5 114,-17-2 0,0-3 75,6-2 1,-5-2-42,1-14 78,-11-6 174,-7-2 140,0-17-269,-14 19 3519,-7-7-3547,-7 29 44,-1-3-128,0 12 311,-1 1-389,0 14-3359,1 6 3380,-1 7 24,3 13-7,4-1-16,3 12 11,7-2-6,4-5 1,0-10 10,-2-11 40,-3-12 6,5-25 3357,-6 3-3329,18-34-18,-11 14-44,6-7 28,-4 9-17,-3 15-6,4 2 6,13 18-33,-13 4 16,9 10-11,-7 5 6,4 4 16,9 4-5,3-3-23,6-7 29,5-9-1,6-9-1704,-20-11 0,-2-4 1704,14-6 20,-13-13 0,-4-6-254,-17 9 1,-4-3 250,5-16 0,-2-4 39,-9-9 1,-3 1-43,-2 17 1,-2 1 7,-1-7 1,-3 2 219,-9-10 21,-3 8 57,-9-10-247,9 26 17,0 6-90,11 21 3113,1 8-3123,2 14 730,0 5-753,2 27-1,2-11 1,0 3-6,3 3 1,1 1-448,3 11 1,2 0 354,4-8 0,3-3-101,3 1 0,1-2 2,-4-10 1,3-1-807,13 9 0,0-3-106,0-5 1045,4-7 1,-3-5 0,-15-12-1,10-2 1</inkml:trace>
+  <inkml:trace contextRef="#ctx0" brushRef="#br0" timeOffset="155365">8840 10223 23842,'44'-27'-1967,"0"-1"1,0 1 0,-2 2 0,-1 1 0,-3 8 1285,-5 13 0,-3 5 0,12-3 0,-31 1 0</inkml:trace>
+  <inkml:trace contextRef="#ctx0" brushRef="#br0" timeOffset="156318">9358 10176 9128,'-10'-1'8732,"3"0"-5478,7 1-1971,0 0-762,-4-9-73,3 19-213,-3-2-5,8 19-40,7 0 0,13-4 40,10-6-40,12-8-33,6-9 0,4-10-353,-6-8 325,-15-2 191,-4-18-118,-22 7-62,-7-15-68,-18 10 12,-13 6-11,-8 9 380,-3 10-408,1 9-6,4 10 23,6 8-40,6 8 1,5 7-1,7 8-55,6 4 33,13 2-23,13-1-44,19-3-3,-13-22 0,3-2-371,6-2 0,2-2-11,4-3 1,1-2-929,1-2 0,2-3 1380,3-5 0,-3-1 0,5 0 0,-7-5 0</inkml:trace>
+  <inkml:trace contextRef="#ctx0" brushRef="#br0" timeOffset="157000">10342 10005 16924,'0'-5'5932,"0"1"-3597,0 4-2251,3-36-50,-4 33-12,0-17-5,-9 50 22,-2 10-32,-4 8-30,-2 4-28,-3 0-585,-7 1 120,11-27 1,-1 1-731,-4-2 0,-1-1-166,-2-1 1,-1-3 246,-25 6 1344,6-23 471,11-24 269,13-21 78,10-15-561,11 24 1,2 0 140,4 0 0,2-1-104,3 4 0,2 1 183,19-19 75,0 17-501,-1 14-124,-2 15 1,3 18-40,4 15-45,5 17-360,-18-20 1,0 0 354,3 2 0,1 0-6,3-1 0,1-2-93,2-1 1,2-3 86,1-3 1,2-3 5,-2-3 0,2-3-5,0-4 0,-1-5 8,0-5 0,-1-3-3,0-6 0,-2-3-6,0-5 1,-3-4 16,-2-3 1,-4-5 10,-3-3 1,-4-4-3,-4-3 1,-4-3-372,-3-4 1,-3-1 395,-2-2 0,-2 0 34,-1 1 0,-3 0 41,0 2 1,-2 2 66,-1 4 1,0 3 3,-6-18 257,-3 4-274,7 34 507,-2-1-692,5 25 381,-1 14-370,0 20 17,0 23 114,4-23 0,1 3-145,1 17 0,2 0-388,-1-17 1,2 0 364,0 19 1,3-1-73,-1-21 0,2 0-1840,5 16 0,0 0 1666,-3-19 1,1-1-726,4 8 0,1-4-8834,10 0 8547,-6-8 1,-1-12-1,-15-16 1</inkml:trace>
+  <inkml:trace contextRef="#ctx0" brushRef="#br0" timeOffset="157173">10777 9959 19428,'-2'-4'4291,"1"1"-3631,1 3-329,66-51-2120,-17 32 1831,4-9 0,4 1-25,-17 20 0,-1 5-51,2 0 1,-1 0-138,-2 0 0,-1 1-846,25 0 1017,-17 2 0,-23-1 0,-12 2 0</inkml:trace>
+  <inkml:trace contextRef="#ctx0" brushRef="#br0" timeOffset="158902">12853 9976 21450,'2'-42'982,"0"1"0,1 2 0,-4 14-898,-2 24-22,-5 19-1,-6 19 1,-5 20-367,11-23 0,1 1 305,1 1 0,3 0 17,6-1 0,4-2 87,5-3 1,5-3-77,6-3 0,4-5 14,5-3 0,2-4-186,3-5 1,1-4 187,0-4 1,0-6 19,-2-3 1,-2-4 16,-2-4 0,-3-4 12,-4-3 0,-4-2 10,-3 0 1,-3-3 5,-5-1 1,-3 0 119,-1-28-212,-12 4 118,-7 10 403,-3 11-544,4 14-61,5 10 11,4 12 294,4 11-770,7 13-940,7 11-4119,13 8 5591,1-5 0,-9-14 0,-7-12 0</inkml:trace>
+  <inkml:trace contextRef="#ctx0" brushRef="#br0" timeOffset="159337">13859 9957 19199,'0'-9'2355,"-5"-29"0,-2-7-1364,1 7-655,-2-11 1,1 2 116,2 14-156,3 11-174,1 9-95,2 8-5,5 14-12,8 11-11,2 7-9,1 5 1,1 3-9,-5-6 1,-1 1-295,5 14 1,0 1 293,-6-7 0,-2-1-6,-2-2 1,-2-1-135,-3 24-229,-14-12-6463,-42-13 5577,20-21 101,0-12 0,2-8-453,9-19 622,-3-30 1192,11-3 249,7-2 221,6 27 1,2 1 1216,7-19-29,3-7-453,3 16-96,-1 13 2160,-7 17-3252,0 5-50,-5 15-6,-2 12 392,-5 17-521,-2-2 1,0 2-40,-6 17-64,3-11 0,0 1-966,0 17-718,6-22 1,1 1 1492,4-1 0,2-2 0,-1 5 0,6-9 0</inkml:trace>
+  <inkml:trace contextRef="#ctx0" brushRef="#br0" timeOffset="159926">14157 10036 19736,'22'-42'1736,"0"0"0,-1 5 1,-7 9-1519,-14 21 29,0 5-163,0 16-39,0 1-6,6 13-22,1-8 11,14 2-28,8-7 28,14-2 14,-11-9 0,2-3-3,24-10-11,-3-2 51,-14-17 66,-20-10-27,-6-5-56,-11 0 61,-20 1 101,-15 7-157,3 6-5,-6 5 72,6 16-128,12 4 10,-11 12 1,16 8 0,-3 17 11,3 10-17,3 11-11,4 9-3,4-30 1,2 1 18,3 0 1,3 0-12,4-1 1,3-2-262,6-1 1,4-2 252,3-4 0,4-3 3,1-4 0,1-4 17,-1-4 0,-1-5 27,27-12-44,-7-14 28,-7-14 8,-23 7 1,-3-3 2,5-12-17,-11 9 1,-2-1-124,5-19 157,4 3-28,-1 7 22,4 18-22,-6 14 34,39-7-40,-13 14-327,-7 5 1,-1 2 321,7 7-28,-13 8 0,-2 6-34,5 17-11,5 11-482,-26-11 1,-7 2-1645,-5-8 0,-2 1 2182,0 10 0,-1-1 0,-6 3 0,4-20 0</inkml:trace>
+  <inkml:trace contextRef="#ctx0" brushRef="#br0" timeOffset="160826">2848 12704 18380,'-54'17'644,"0"0"1,5-3-1,10-2-297,21-4-61,12-5 89,24-2-4414,26-4 4095,9-1-30,-10 0 0,7-3 1,2 0-497,7-1 0,3-1 1,0 1 456,-3-1 0,1 0 0,2 0-340,-3 0 1,3 0-1,-2 1 1,-7 0 343,4-1 1,-2 1-64,1 0 1,5-1 0,-3-1 82,-10 0 0,-2 0 1,-3 0 7,7-1 1,-4 0 22,2-4 0,-19-2 3,-43-1-17,-6-1 692,-15 3 1,-7 2-575,8 2 0,-2 0 100,-16-4 1,-1-1 937,12 4 0,2 0-789,3 1 0,4 1 156,-6-2-405,14 5 3211,21 6-3324,1 1 637,8 0-614,8 2-40,15 3-38,11 5 28,-1 3-12,-5 1 0,1 3-16,19 13-341,-14-7 0,-1 1 268,-6-1 0,-3 1-115,-4 0 0,-3 2-944,7 25-2413,-31 2 3499,-14-22 0,-4-2 0,-4 3 0,-7-3 0</inkml:trace>
+  <inkml:trace contextRef="#ctx0" brushRef="#br0" timeOffset="162318">7501 12416 19408,'-39'-43'831,"0"-1"0,2 4 0,-1 13-5801,-15 28 5116,1 14-85,5 15 1387,5 16-1437,25-17 0,3 3-14,2 4 1,3 1 262,4 3 1,3 1-273,6 1 1,5-1-40,5 0 1,4-3-51,7-2 1,5-4-63,6-3 1,4-4-23,5-4 0,3-5-314,4-4 0,1-5 448,2-6 1,0-5 55,-1-5 1,-2-5 1117,-2-4 1,-4-5-1023,-4-2 0,-3-3 56,-6 0 0,-3-3-91,-6 1 0,-4 0 320,4-27-22,-19 5 17,-18 11 380,-13 13-498,-10 13 1070,-4 18-1254,3 13-51,6 14 704,11 11-720,10 5 319,11 2-337,11-1 12,13-8-28,13-8-6,13-13-1680,-15-14 1,1-3 1713,16-5 2,-17-4 1,-2-4-48,5-17 117,3-12 68,-12-7 55,-13-1 34,-18 1-38,-16 1-40,-14 4-12,-11 7-44,-7 8-22,-2 12-35,2 10-38,9 13 0,9 12-40,10 15-22,9 9-163,11-11 1,4 1-578,14 27 2573,5-1-3197,-2-30 0,4-2-3772,23 11 4593,-11-15 0,0-2 0,3 1 0,0-9 0</inkml:trace>
+  <inkml:trace contextRef="#ctx0" brushRef="#br0" timeOffset="162953">8461 12679 18520,'18'-46'934,"-1"0"1,0 0-1,-1 0 1,0 1-1,-4 9-77,-5 2-151,-1-3-197,-4 13-234,-3 15-308,-1 10 44,-1 9 17,-2 15-11,0 10-17,1 14 16,3 6-38,5-1 0,3-2 16,5-9-16,1-11 38,3-15 7,1-19-6,3-18-1,-3-3 35,4-14-6,-4 5 16,2-7 6,0 3-11,-3 7-33,-3 11 5,-3 9-6,-1 8-5,3 8-23,5 8 1,3 10 10,3 7-16,2 2-17,4 0 28,4-3 0,4-5 17,13-10-11,-4-13-12,-1-8 28,-2-19 1,-8-7-6,4-17 11,-22 11 0,-3-5-404,-4 2 1,-3-2 400,-1 0 0,-3-2 22,-3-5 1,-3 0 78,-1-4 0,-1 2-59,1 8 1,0 0 97,-3-9 0,-2 5 166,-3 3-247,1 11 12,1 11-85,6 21-6,-2 19-5,2 0 0,-1 15 0,1 4 12,0 5 291,0 1 1,1 4-310,2-13 1,1 0-7,0 9 1,2 1-87,5 10 0,5-1-564,0-8 1,3-2 266,7 8 0,2-4 90,-5-18 0,1-3-567,5 2 1,3-5-4691,23-3-4269,-3-12 9187,-11-9 0,-23-8 1,-11 6-1</inkml:trace>
+  <inkml:trace contextRef="#ctx0" brushRef="#br0" timeOffset="163120">9233 12309 20050,'-52'-27'1467,"0"0"1,4 4-1,17 3-1344,32 11-106,10 2 11,26 0-118,-3 4 1,5 1-258,3 0 0,4 0-1353,14 0 0,2 1-2134,-4 0 1,-2 1 3307,-7 0 0,-3 0 0,14 0 0,-30 0 0</inkml:trace>
+  <inkml:trace contextRef="#ctx0" brushRef="#br0" timeOffset="163509">9762 12195 25231,'-50'8'443,"18"1"-399,44 1 74,25 2-62,-4-8-6,14 1 51,-10-11-11,-6-5-1,-7-9-5,-10-5-50,-8 3 78,-20-16-39,-7 14 44,-18-8 1,0 18-12,0 7-55,10 7 66,-1 8-21,3 17-52,1 10-4,-1 20-40,13-10-6,6-14 0,4 3 0,5 2 1,5 0-46,3 1 1,8 0-167,11-4 1,9 0 0,1-5-249,8-2 0,3-6-869,-4-4 1,5-1 0,-3-6 1333,9-7 0,-5-5 0,6 1 0,-10-6 0</inkml:trace>
+  <inkml:trace contextRef="#ctx0" brushRef="#br0" timeOffset="164298">10517 12199 19557,'16'-47'1723,"0"1"0,-3 7 1,-3 7-1506,-9 14-72,-7 11 33,-8 19-55,-6 14-77,2 4 1,1 5-46,0-1 1,2 1-71,-4 10 1,1-1-48,7-14 1,0 0-1598,-2 13 1,0-1-2562,0 2 4273,2-7 0,2-5 0,5-19 0,1-3 0</inkml:trace>
+  <inkml:trace contextRef="#ctx0" brushRef="#br0" timeOffset="164714">10196 12333 16252,'0'-11'2419,"4"-22"1,3-5-823,6 1-1082,-2-5 1,4 2 105,15 6-324,9 17-213,-6 11 0,15 30 0,1 10-1164,-4-2 1083,-11-4 1,4 6 0,-4-3-7,-6-3 1,-1-1 2,7 7 0,1-1-23,-1-3 1,0-2-4,-9-7 1,2-3-76,8 0 1,0-4 10,12-8 73,-14-6 1,1-5-81,21-23 108,-28 5 1,-1-3 10,14-21 14,-19 10 1,-3-3-503,-6 0 0,-2-3 566,1-11 1,-3-5 44,-5 11 1,-1-1 0,-2 2-42,0-3 0,-2 1 139,-5-14 1,-4 2-168,1 25 1,-1 2 113,-3-5 1,0 1 360,-1 5 0,1 4-405,-5-5 218,7 17-347,9 23 1168,3 22-1188,3 5 0,2 5-292,-1 4 0,1 3 283,4 16 1,1 3-12,-1-5 1,0 1-45,0 3 0,0-1-20,-2-14 0,-1 1-451,-1-5 1,0 2 0,0-3-811,1-2 1,0-2-2538,4 13 1,0-4 3117,7 1 1,-4-26 0,-6-15 0</inkml:trace>
+  <inkml:trace contextRef="#ctx0" brushRef="#br0" timeOffset="164872">11178 12141 22240,'-14'-46'864,"1"0"0,4 4 1,7 7-803,14 15-46,25 3-321,-6 10 0,2 3-563,24-4 595,-15 8 0,6 1 0,-8 0 0,0 0 0,-2 2 0,-1 0 1</inkml:trace>
+  <inkml:trace contextRef="#ctx0" brushRef="#br0" timeOffset="165914">13276 11861 21450,'1'-9'1652,"3"-28"1,-1-5-953,-6 10-490,3-11 0,-3 3 37,-10 21-124,-5 10-28,-4 19 0,-6 13-50,-7 20-28,16-14 0,1 2-401,-1 4 0,2 3 389,3 3 1,2 1-12,2 1 1,4 1-1,4-1 0,5-1-217,5-3 1,5-2 233,4-4 1,6-3-12,4-3 0,3-5-3,3-5 0,2-3 11,-1-4 1,0-4 2,29-9-11,-19-7 23,5-25-7,-25 4 24,3-15 10,-21 10 6,-13 3 748,-4 8-776,-4 9 454,8 9-488,2 8 6,10 8-5,7 5-1,2 2-5,21 6 16,-4-9-5,16 3-5,-5-8 16,4-5-11,-3-7 0,-3-5 0,-5-8 0,-9-8 11,-7-8-11,-9-3 28,-7-3 0,-5 9 23,-8-10 5,2 15 0,-3-8 5,6 11 18,2 5-40,7 5-22,3 5-6,6 4 0,3 6 0,3 5-11,3 5 11,-3 0-16,22 6-1,-6-8 17,21 0-22,-3-7 0,1-9 22,-3-4 23,-10-8-1,-12-3 1,-12-1 16,-9 1 1,-6 1 5,-5 4 28,0 4-28,0 4-67,1 5 11,1 4 22,0 8-16,0 10-23,0 12 11,1 8 12,0 7-29,0 2-161,0 3-416,5 1-413,7-3-757,12-5-1625,16-12-3175,16-12 2240,-23-15 0,0-2 4330,27-4 0,-31 1 0,-20-2 0</inkml:trace>
+  <inkml:trace contextRef="#ctx0" brushRef="#br0" timeOffset="166849">14719 12126 20705,'-6'-47'1504,"0"0"1,1 5 0,-2 7-832,-7 11-242,2 6-207,6 9-162,2 4-45,9 6-6,10 4-6,17 4 7,17 3 16,11-1-144,-28-7 1,0 0 104,26-1 17,-10-9 5,-10-7 6,-11-12-17,-11-7 0,-9-8 28,-13-1 28,-10 4 11,-11 7 230,-6 10-280,-4 10 0,0 8 5,1 11 1,6 9-12,6 11-22,12 9 5,8 8 1,15 5-51,12 2-126,-1-21 0,3-2-432,13 11 320,-7-14 0,3-3-653,24-1 465,-19-11 1,3-3-65,1-3 0,1-3 431,0-6 0,-2-2 70,-4-3 1,-2-4-103,-5-2 0,-2-3 310,14-22 61,-13-2 246,-14-1 358,-10 3-319,-15 7 596,-11 6-747,-14 12 202,-5 7-442,0 15-3286,1 17 3185,16-3 11,-1 19-11,14-11 11,2 7-17,6-3 6,10-5-6,7-9 3381,9-9-3347,6-13-6,3-11 6,0-12 44,-2-6 12,-8-4 78,-9 1 28,-8 3-33,-6 8-73,-4 9-84,-3 9 39,-5 18-34,4-1-22,-5 21 22,9-4-10,-1 9-12,18 5 16,10-9-32,23-4 16,-3-16-271,-10-9 1,2-4 281,26-11 0,-24 2 0,0-6-8,3-12 0,-4-6 11,-8-1 0,-4-3-9,-2 0 1,-4-4 5,-6-9 1,-6-2-821,-2 3 1,-4-2 821,-1 9 0,-1-2 0,-1-1 30,-3-4 0,-1-1 0,-1 4-15,0-2 0,-2 3-40,-3-5 1,-1 6 174,2 11-62,0 5-79,5 18 431,5 23-442,5 36-5,0-4 425,1-1 0,2 2-434,-1-8 1,1 1-10,3 11 1,2 4-4,-1-9 0,3 1 1,0-1 0,0-5 1,1-2 0,1 1-60,3 6 1,2 1-1,-1-5-56,2 0 0,0-3-372,4 3 0,0-3-1770,9 6-7560,13-4 7373,-22-22 0,-4-13 1,-19-6-1</inkml:trace>
+  <inkml:trace contextRef="#ctx0" brushRef="#br0" timeOffset="167665">15944 11671 18151,'-10'-3'5282,"2"0"-4929,-21-11 0,-1-1-90,19 8-140,-29-20-67,79 35-67,4 0 0,5 1-45,-1 1 0,3 0-413,-8-3 1,2 1-1,-2-1 388,14 1 0,-4-1 41,-11-2 1,-2-2-303,2 0 0,-2-2 275,10-4 50,-3-1 90,0-12 11,-28 3-6,5-4 1306,-18 2-1317,-4 7 790,0-6-784,-1 9 190,-1-3-151,0 6 1535,0 0-1591,0 2 68,-8-6-119,5 3-10,-5-4 44,7 6-50,1 0 179,0 0-124,0 0-16,-2-3-11,-1 1-22,0 0 5,1 2-12,-2 3 35,-4 8-6,-8 9-12,-4 13 23,-3 9-33,1 8-18,5 3 40,8 0-6,15-3 0,5-12 14,10-14 1,6-2 2,18 2-17,-11-9 0,3-2-16,24-5-7,-3-16 35,-6-8-1,-10-12-5,-15 3 56,-9-26-6,-23 11 23,-11-20-18,-16 14-540,-5 6 496,7 14-52,1 4-10,19 15-10,0 4-85,12 16-325,8 15-739,8 14-1809,6 10-414,-3-9 3416,1 1 0,-13-28 0,-1-1 0</inkml:trace>
+  <inkml:trace contextRef="#ctx0" brushRef="#br0" timeOffset="167997">17065 11557 23601,'-12'-43'909,"1"0"0,1 5 1,1 8-798,1 18-39,3 7-17,9 14-45,7 13-6,9 22-16,-6-15 0,0 3-627,1 5 0,0 1 632,-2-7 0,-1 2-5,7 16 0,-1 1-313,-6-17 1,0-1 315,4 12 0,0-2 8,-1 4 28,-7-22-17,-8-18 22,-8-29 1143,1-8-1137,3-25-3,10 25 1,4 0-152,7-6 1,4 1 125,-2 5 1,3 1 2,12-7 0,5 2-489,1 9 1,2 4-585,-2 2 0,0 4 1026,3 7 1,-4 6 0,-7 5 0,-12 7 0</inkml:trace>
+  <inkml:trace contextRef="#ctx0" brushRef="#br0" timeOffset="168937">17097 11718 18621,'-19'-44'1471,"1"0"1,0 0-1,1 9-575,5 15-224,-2-1-224,7 5-190,9 4-224,4 6 17,18 2-23,5 6-6,15 9-11,5 12-1707,-16 1 0,-2 4 1696,11 14-20,-13-6 1,-3 3-217,-11-11 1,-4 1 246,2 8 0,-3 1-14,-4-1 1,-4-1 13,-6-1 0,-3-2-11,-11 27-179,-16-7 224,11-23 73,-6-7 55,12-35-50,-1-29-22,7-21 1106,7 28 0,2-1-1188,1 3 1,2 0 25,3-4 0,3 0 313,2-1 1,6 0-306,14-12 1,7 2-60,-1 12 1,5 6-335,13 1 0,1 8 264,-15 10 1,0 6-357,12 3 0,1 6-1209,-11 2 0,-1 2 1641,4 2 0,-4 1 0,10 6 0,-26-7 0</inkml:trace>
+  <inkml:trace contextRef="#ctx0" brushRef="#br0" timeOffset="170242">17894 7424 11334,'21'-40'1324,"-1"0"1,1-1 0,3-7 0,1 5-790,0 16 0,0 6-505,20-5 185,-16 13 1,4 1-23,9 4 1,2 4-107,-4 4 0,-1 2-285,-1 0 0,0 3 240,-2 5 0,-3 3 31,16 14-62,-21-8 1,-1 3-15,-3 3 0,-3 2 20,-2 2 0,-3 2 19,-1 3 0,-2 2 14,1 2 1,-1 2 2,1 3 1,0 2-338,0 2 0,2 2 357,0 4 0,0 1 13,1 2 1,-1 2-24,-5-18 1,0 2 0,-1 0 5,1 1 0,-1 2 0,-1 0 7,1 3 1,-1 0-1,0 1-582,-1 3 0,-1 1 0,0 0 588,-1 3 0,0 0 0,-2 1-2,0 1 0,0 0 1,-2 3-10,-1-4 1,-1 2-1,-1 1 1,1-5-52,-1-1 1,0-2-1,-1 2-367,0 4 1,0 3 0,-1 1 0,1-4 370,-1-1 0,0-4 1,1 3-11,-1-4 0,2 3 0,-1 0 0,0 1-3,1-1 0,-1 0 0,1 1 0,0-1-3,0 2 1,1-1-1,-1 1 1,2-1-2,-1 1 0,1 1 0,0-1 0,0 1 0,-1-1 0,1 1 0,0 0 0,0 0 0,0 0 0,0 1 0,0-1 0,-1 1 2,-2 0 1,0 0 0,-1 0 0,-1-3-1,2 5 1,-2-3-1,-3 5-248,-2-14 1,-3 6 0,-2 1 0,0 0 0,0-4 0,1-5 247,-1 4 1,1-6-1,-3 5-1,-2 5 0,-3 8 0,-1 1 0,0-2 0,1-7-171,-1-2 0,1-6 0,-1 2-494,1-4 0,-1 2 0,0 0 1,1-2 656,-5 6 0,1-2 0,3-6 0,3-6 0,3-7 0,4-7 0</inkml:trace>
+</inkml:ink>
+</file>
+
+<file path=ppt/ink/ink6.xml><?xml version="1.0" encoding="utf-8"?>
+<inkml:ink xmlns:inkml="http://www.w3.org/2003/InkML">
+  <inkml:definitions>
+    <inkml:context xml:id="ctx0">
+      <inkml:inkSource xml:id="inkSrc0">
+        <inkml:traceFormat>
+          <inkml:channel name="X" type="integer" min="-2.14748E9" max="2.14748E9" units="cm"/>
+          <inkml:channel name="Y" type="integer" min="-2.14748E9" max="2.14748E9" units="cm"/>
+          <inkml:channel name="F" type="integer" max="32767" units="dev"/>
+        </inkml:traceFormat>
+        <inkml:channelProperties>
+          <inkml:channelProperty channel="X" name="resolution" value="1000" units="1/cm"/>
+          <inkml:channelProperty channel="Y" name="resolution" value="1000" units="1/cm"/>
+          <inkml:channelProperty channel="F" name="resolution" value="0" units="1/dev"/>
+        </inkml:channelProperties>
+      </inkml:inkSource>
+      <inkml:timestamp xml:id="ts0" timeString="2026-01-16T15:14:11.785"/>
+    </inkml:context>
+    <inkml:brush xml:id="br0">
+      <inkml:brushProperty name="width" value="0.05292" units="cm"/>
+      <inkml:brushProperty name="height" value="0.05292" units="cm"/>
+      <inkml:brushProperty name="color" value="#FF0000"/>
+    </inkml:brush>
+  </inkml:definitions>
+  <inkml:trace contextRef="#ctx0" brushRef="#br0">2143 2892 18089,'-9'-60'1394,"0"-1"1,-3 16 0,-4 0 0,1 10-1210,-10 6-110,-5 8 1,-2 7-1564,-3 20 1544,-13 12 5,20 1 1,0 8-1133,-2 11 1,-1 8 0,2-3 1078,-3 2 1,1 3 0,9-8 1,-1 6 0,1 1 0,7-4 145,3 10 0,6-2-164,1 12 1,6 0-1,10-7 1,7-4 11,-2-14 0,7-5-23,29 0 1,8-9 7,-13-15 1,3-6 15,-4-1 0,3-3 0,-2-4 10,9-12 0,-5-8 19,-5-7 1,-4-7 5,-6-4 0,-6-5 6,-3-6 0,-6-3-12,-10 17 1,-3-2 0,-1 0-5,-3-2 1,-1 0 0,-3 0 3,-3 1 1,-2 1 0,-3 0 16,-6-15 1,-5 4-7,-3 8 1,-5 6-124,-1 9 0,-3 6 87,1 7 1,0 6 447,-26 9-439,9 21-28,10 23 1108,21-11 0,4 3-1100,2 7 0,2 4-19,2 7 0,2 2-169,1 6 1,1 2-204,2-18 1,0-1 0,1 1 32,1 19 0,1-1 173,1-8 1,1-2 303,1-12 1,1-3-50,5 7 6,-2-23 151,3-38 28,-1-17-70,-2 4 0,0-3 115,-1-4 1,1-1-108,0-2 1,-1 0-26,1 0 0,-1 2 1406,7-20-1406,-6 26 0,1 4-52,3 3-68,5-2 0,-5 31-12,6 18 6,6 19-28,-11-12 1,2 2-390,1 5-1,0 2 382,3 2 0,0 1-6,3 3 0,2-1-3,4-1 1,3-2-12,4-1 1,3-3-158,4-4 0,2-4-790,2-7 1,0-4-1908,-1-7 1,-2-5 2870,-7-6 0,-4-2 0,7-4 0,-21-2 0</inkml:trace>
+  <inkml:trace contextRef="#ctx0" brushRef="#br0" timeOffset="350">3091 3060 22599,'10'-42'798,"0"0"1,-2 5 0,-2 10-631,-4 20-134,-3 8 67,-10 23-40,-3 11-38,2-5 0,1 2-9,1 2 0,1 1-6,2 10 1,3-2 7,-1 17 12,8-23 0,4-3 28,11-1 6,14-1 56,7-15 50,4-16-90,-10-8 174,11-34-39,-17-2-513,-8 9 0,-2-2 373,-5 2 0,-2 0-12,0-1 1,-2 0 2,-2 3 1,-1 1 63,2-19-27,-5 16-84,-4 16-73,2 10 0,-2 7-162,10 17 728,-1-2-2208,18 21 1698,5 2 0,-9-13 0,0 0 0</inkml:trace>
+  <inkml:trace contextRef="#ctx0" brushRef="#br0" timeOffset="1334">3700 3200 26978,'-15'-42'96,"7"9"-74,23 32-11,5 0-5,2-3 33,1-3 23,-1-5-12,-3-6 6,0-6-17,-3-4 23,-3-2-1,-5 1 1,-3 4-6,-10 5-28,-4 7-17,-8 7 23,-5 7-29,-3 10 7,-3 11-1,1 12 6,2 12-17,8 8-28,9 4 16,15-2-16,14-7 17,18-8 34,13-11-397,7-10 374,0-10 5,-4-14-90,-7-12 107,-8-12 34,-8-10-11,-9-7-39,-10-2 61,-12-4-17,-5 18 12,-5-3 11,2 18-12,1 0-5,3 4 337,3 7-415,3 3 116,7 4-105,9 7 0,8 7 33,4 10-22,3 15-11,-11-12 5,3 11-16,-12-17 22,3 3-6,-2-7-5,5-6 39,-5-6-50,13-7-23,0-6 11,7-6 29,7-13 10,-15 7 18,2-13-1,-18 10-11,-1-7 23,-6 3 16,-2 1-22,-2 3 17,1 5-17,0 3-39,2 5 0,-2 5 5,3 8 6,4 19-17,1 10 6,1 5 39,0 9-22,1-10-17,6 6-6,6-10 0,13-12 23,-11-10 10,14-17 1,-10-13-17,7-17 17,-2-9 16,-17 17 1,-1-1 56,5-17 5,-5 5 52,-9 16-147,-4 12 0,-1 2 0,0 7 0,-1 19 0,-1 1 0,1 32 0,-5 7 0,-4-3 0,-3 2-429,3-14 1,-1 2 428,-7 15 0,-3 6 0,2-5-551,2-12 0,-1 0-720,1-3 1,-1 7 0,-2 0 0,2-5 1270,-4 8 0,0-5 0,3-2 0,0-5 0,-2 3 0</inkml:trace>
+  <inkml:trace contextRef="#ctx0" brushRef="#br0" timeOffset="2092">5630 2866 24228,'-37'-46'760,"-1"0"0,7 6 0,5 10-743,14 24 56,16 35-12,12 18-1172,-2-3 1,0 4 1127,3 11 0,-1 3-488,-6-13 0,0 2 0,-2 2 486,-1 4 0,-2 1 0,-1 1-10,-2-1 1,-2 1 0,-1-2-43,0-5 1,-1-1 0,0-3 53,-3 11 0,0-6 33,1-16 1,0-5 145,-4 2 798,0-29-960,0-15 1742,0-33-1748,5-2 0,1-2-23,1 8 1,-1-4-225,1 0 0,0-8 0,1-1 1,0 4 234,0-1 1,1 3 0,0-3-13,0-1 0,0-4 1,1-1-1,0 3-2,0-7 0,1 2 0,0 2 1,-1 4 1,1 1 0,0 1-414,1-16 1,0 4 417,0 8 1,1 3-12,-1 14 0,1 3 6,2-1 0,4 2-3,10-8-28,1 17 0,3 2 0,24 0 16,-17 17 1,1 7-39,24 25-61,-31-3 0,-3 5 97,-5 6 0,-5 4 109,-7 6 1,-7 0-88,-2-7 1,-7-1-7,-7 1 0,-7 1 0,0-4-66,-5 2 0,-1-2 62,1-3 0,-2 1 1,2-2-143,-4 1 1,3-3 87,4-6 0,3-2-445,-4 9-1045,20-16-112,30-11 1658,30-13 0,-20 5 0,8-5 0</inkml:trace>
+  <inkml:trace contextRef="#ctx0" brushRef="#br0" timeOffset="3674">6488 2795 26133,'-40'-29'113,"-1"0"1,7 1 0,3 12-58,6 31 0,2 11 28,-7 13-50,-6 9 16,22-16 1,4 1 16,2 12 11,6 18-10,15-18-7,12-9-10,0-13 178,19-12-111,-14-20-29,14-15-10,-10-17 5,-3-9-17,-7-5-319,-6-3 313,-8 3 12,-5 7 22,-7 12 17,-2 13-56,-1 12-28,-1 8-5,2 10-12,-2 11 303,-1 14-309,0 26-33,3-4 28,4-19 0,3-2-5,5 8 22,16 3-17,7-14 0,12 3 0,1-12 16,-4-11-4,-8-16 10,-6-12 6,-4-13 28,-3-26-45,-9 21 17,-2-21-5,-8 37 10,0-13-16,0 9-6,4-7-5,7 0-1,9 1-5,9 4 0,5 6 0,-7 10 0,9 10 6,-17 12-12,5 10-5,-13 11 17,-5 6-6,-1 5-11,3 4-238,7 2 137,15-1-8,-8-26 0,5-2-90,5-1 0,3-4-335,4-2 1,2-3 353,-2-4 1,1-3 114,-5-4 1,-2-4 2,24-19 101,-24 0 38,-9-20 58,-18 8 72,-2-11 11,-1-1 0,-3 3 6,0 5-6,-3 7 187,-2 8-271,-4 9-67,-9 9-45,3 7 495,-14 13-478,4 9-11,-6 11-28,1 9 11,6 4 0,8 3 7,8-2-19,12-6-4,11-11 27,10-13 0,7-12 17,4-16 0,0-11-17,-1-16 23,-3-10-378,-3-8 400,-4-2-6,-4 2 29,-8 10 10,-6 12-65,-8 13-24,-2 10 0,-1 7 0,-2 11 400,-1 11-400,-1 16 0,0 10 0,3 7-318,5 2-46,7 2-448,7-3-471,20-6 796,-10-21-465,21-14 498,-12-26 376,9-13 134,-1-15 39,-21 18 0,-2-2 81,0-2 1,-2 1 377,11-25 141,-7 7-28,-9 10-113,-5 12-173,-5 8-180,-1 9-128,-2 5-45,-1 10 328,-3 9-328,-3 12 0,-2 10-17,-1 4-27,1 3 32,3-2-10,2-6 5,2-8 68,2-12 72,0-10-22,2-12-96,3-12-3402,2-15 3405,7-15 0,2-3-13,5-12-102,-3 11 0,1 2 103,3 11-24,-1 10 0,-2 11 0,6 14 0,-7 6 3302,11 18-3314,-7 9 24,8 15 258,-3 6-270,-14-21 0,-2-1 0,2 10 0,-6 6 0,-7-27 0,0-4 0,0-10 0,1-25 0,5-10 0,0-9 0,10-16 0,4 9 0,6-10 0,8 5 0,-10 21 0,9 7 0,-6 20 0,9 10 0,5 12 0,0 14 0,-18-6 0,-2 2 0,7 13-427,-12-9 1,-2 2-139,0 20 0,-3-17 0,-3-4 0</inkml:trace>
+  <inkml:trace contextRef="#ctx0" brushRef="#br0" timeOffset="4307">9184 2625 25942,'-40'-11'140,"6"15"-112,14 47-16,9-8 10,10 6 40,21-11 61,6-5-34,6-11 225,14-26-208,-22-5 354,24-30-91,-30 4-72,3-18-79,-17 8-78,-11 5-106,-3 13 44,-15 0-55,6 17-40,-7-1-22,4 15-23,0 11-16,4 3-1417,-12 36-2868,11-2 3684,7-18 1,2-1-1,1 5 1,7-18 0</inkml:trace>
+  <inkml:trace contextRef="#ctx0" brushRef="#br0" timeOffset="4640">9272 2985 26026,'-26'32'173,"-1"0"1,4-1 0,8-2-118,22 8 11,5 0-33,3 1 0,1-6 66,-2-7 192,-4-11 83,-2-12-151,-1-13-56,1-12-62,-1-2 146,2-27-162,-4 22-18,0-2 1,-2-1-17,1 0-16,0-10-52,-3 23-27,0 10-134,-3 6-841,-4 9-5254,-9 8 5420,-2 4 0,3-3 0,5-5 0</inkml:trace>
+  <inkml:trace contextRef="#ctx0" brushRef="#br0" timeOffset="5050">2519 3946 14883,'-50'12'393,"-1"0"0,1 0 0,0 0 0,-4 2 0,2-1 0,3 0-21,-6 3 1,11 1 1623,18 3-590,64-9-793,4-7 0,8-3-1195,-3-2 0,4-2 1,4 0 792,-3 0 0,3 1 1,2-2-1,1 1-412,-1-2 0,1 1 0,2-1 0,2 0 0,1 0 276,-11 1 0,1 0 0,0 0 0,2 0 1,0 0-1,2 0 0,-1 0-215,0 0 0,0 0 0,2-1 0,-1 1 1,2 0-1,0 0 0,1 0 0,0 0 169,-2 0 0,1 0 0,0 1 1,1-1-1,1 0 0,0 0 1,0 1-1,1-1 0,0 1-127,-2-1 1,0 1 0,1 0 0,0-1 0,1 1 0,0 0 0,0 0 0,1 0 0,0 0 0,0 0 105,-3 1 1,1-1 0,0 0-1,0 1 1,1-1 0,0 1 0,0 0-1,0 0 1,1-1 0,-1 1-1,1 0-23,-4 0 0,1 0 0,0 1 1,0-1-1,0 0 0,1 0 1,-1 1-1,1-1 0,-1 1 0,1 0 1,0-1-1,-1 1 18,2 0 0,0 0 0,-1-1 1,1 1-1,0 0 0,0 1 1,0-1-1,0 0 0,0 0 1,0 0-1,0 1 0,-1-1-5,0 1 1,0-1 0,0 1 0,0-1 0,0 1 0,0 0 0,0 0 0,-1-1 0,1 1 0,-1 1 0,0-1 0,0 0-33,3 1 0,0-1 1,-1 1-1,1 0 1,-1 0-1,0 0 1,0 1-1,-1-1 1,0 0-1,0 1 1,-1 0-315,3 0 0,-1 0 0,0 0 0,-1 0 0,1 1 1,-2 0-1,0-1 0,-1 1 0,-1 0 0,-2 0 348,5 1 0,-1 0 0,0 0 0,-2 0 0,-1 1 0,-2-1 0,-2 0 0,-3 0 0,8 1 0,-3 0 0,-3-1 0,-3 1 0,-5-1 0,19 4 0,0-1 0</inkml:trace>
+  <inkml:trace contextRef="#ctx0" brushRef="#br0" timeOffset="10650">4304 6213 19244,'5'-50'1191,"0"1"1,0-1-1,2-16 1,-2 6-458,-3 22 0,0 4-1196,-1-13 709,1-7 519,-2 29-755,0 17 147,1 7-124,3 17-23,1 5 0,4 28 9,-5-6 0,-2 5-589,-3 6 1,0 1 565,-1 3 0,-2 1 10,-1-16 1,-1 1 0,-1-2-94,-3 9 1,0 1 77,2-6 1,-1 3-1,1-3-271,-1 5 0,1-3 284,2-2 1,1-6 28,3-7 212,4-17 17,5-24 1379,11-16-1592,1-5 1,2-3-18,0 0 1,2-2-320,7-8 0,-1 1 300,-9 13 0,0 2 11,8-7 0,2 2 31,13-6-39,3 1 635,-4 18-635,-13 19-17,-1 4 0,9 16 5,0 23-5,-19-19 0,0 3-143,3 6 0,-2 1 126,-3-5 1,-1-2 872,10 15-856,8-2 50,-5-21-11,14-9-16,-1-25-4,-15-3 1,-2-5-9,15-21 6,-12 7 0,-1-3-308,-5 3 1,-2-5 314,-1-3 1,1-5-1,-3 1-471,-3 5 0,-1 0 0,-1-1 454,0-7 1,0-2 0,-3 2 14,-1-10 1,-2 4-228,-2 5 1,-2 3 243,-2 8 0,-1 2 79,-5-18-56,-2 21 428,1 18-490,4 19 1702,1 8-1714,-1 29 18,1 15 0,-1 5-6,1-18 0,1 3-249,-1 10 1,1 6 0,0-2 198,1 2 0,1-3-18,0 2 1,2 1-249,3-5 1,3 3 0,2-5-884,4-4 0,4-3-918,5 16 0,2-6 1529,-6-25 1,-1-6 0,5 1 0,-14-16 0</inkml:trace>
+  <inkml:trace contextRef="#ctx0" brushRef="#br0" timeOffset="10826">5140 6294 25578,'14'-46'-13,"0"0"0,3 4 0,8 8-556,12 21 1,6 7 147,7-1 0,-3 1 0,9-1 0,-6 4 0</inkml:trace>
+  <inkml:trace contextRef="#ctx0" brushRef="#br0" timeOffset="11183">5678 6571 27348,'17'-50'196,"-1"0"0,2 2 0,0 3-168,1 13 0,1 2-756,1-5 0,0-2 742,1-4 0,-1-3-485,0-4 1,-2-2 475,-1-3 1,-3-1 14,-1 0 0,-4 1 2,-2 4 0,-4 1 6,-4 6 0,-4 3 496,-11-22-463,-11 18-27,0 17-23,3 12 645,8 9-678,1 23 1234,5 15-1196,3-2 1,1 5-14,1 8 0,2 3-428,1 10 1,2 3 405,0-15 0,2 1 1,0 0-485,1 2 0,1 1 0,2 0 101,0 0 1,1-1 0,1-1-634,1-3 1,0 0 0,0-3-2993,6 14 0,-1-5 3491,-2-11 0,-1-6 0,0-1 0,-8-24 0</inkml:trace>
+  <inkml:trace contextRef="#ctx0" brushRef="#br0" timeOffset="11333">5848 6334 24010,'-34'-47'836,"0"0"1,4 4-1,9 4-713,20 6-111,21 3-24,21 4-114,-10 14 0,3 2-1711,7 1 0,3 0 1837,9 1 0,-3 1 0,9 0 0,-6 2 0</inkml:trace>
+  <inkml:trace contextRef="#ctx0" brushRef="#br0" timeOffset="11976">6523 6420 23086,'0'-8'1546,"-4"-28"0,0-5-1031,2 8-387,-3-10 1,2 3-22,5 21-57,2 13-5,5 20 17,4 19 16,2 26-50,-9-19 0,-2 3-608,-2 9 1,-4 2 590,-3 7 1,-4 3-424,1-20 1,-1 1-1,-1 0 412,0 0 0,0-1 0,-1-1-3,-4 13 1,1-3 18,3-14 1,0-4 28,-1 1-17,6-37-11,6-31-6,7-30 3,-2 20 0,1-4 114,2-7 1,-1-3-121,0-4 1,-1-2-65,-3 19 1,0 0 0,-1-1 64,0 2 1,-1-1-1,0 0-4,-1-18 1,0 0-356,0 4 0,0 0 361,2 4 0,1 1-214,3 3 1,3 2 199,3 5 0,4 4-3,5 6 1,4 5 10,2 7 1,1 5 661,29 1-678,-6 25 5,-13 19-16,-12 21 492,-18-19 1,-3 2-477,-5 4 1,-4 1-4,-3 2 1,-4 1-1117,-10 6 0,-3-2 1125,5-14 0,-1-2 2,-10 8 1,-2-4 327,-13 0-324,-4 0-129,13-16-1429,20-20 79,16-8 938,31-27 0,-17 23 0,11-9 1</inkml:trace>
+  <inkml:trace contextRef="#ctx0" brushRef="#br0" timeOffset="12458">7323 5885 26491,'-42'9'95,"1"0"0,0 1 1,10 5-51,22 13-6,0 9-6,13 1-5,9 1 6,13-2-17,11 2-12,-5-12 1,1-2-6,6 8 6,9 4 10,-38-20-16,-13 1 0,-14 5-44,-15-2-236,-12-3-1082,-14-7 701,18-8-44,-3-8-2438,15-20 287,12-7 1316,-2-22 1993,20-5 1362,6-3 453,6 2-2982,3 0 1336,-5 21 717,7-11-499,-9 26-689,1 0-78,-6 13-23,-4 10-22,-1 18 6,1 10-23,-10 28-42,2-20 0,-2 1 1272,-1-4 1,-1 1-2531,-7 14 1,0 0 1288,4-13 0,1-3 0,-10 24 0,11-25 0</inkml:trace>
+  <inkml:trace contextRef="#ctx0" brushRef="#br0" timeOffset="13057">7906 5927 25371,'-6'-43'306,"1"0"0,-1 5 1,4 8-330,7 15 1,-2 11-169,4 10-1136,-5 16 1327,-2 23 0,-1-18 0,-3 4 0</inkml:trace>
+  <inkml:trace contextRef="#ctx0" brushRef="#br0" timeOffset="13224">7887 6290 24903,'10'-29'-5103,"-2"12"5284,-2 38 1,-3-6 0,-2-6 0</inkml:trace>
+  <inkml:trace contextRef="#ctx0" brushRef="#br0" timeOffset="13484">8545 5804 25542,'25'-52'420,"1"0"0,-4 5 0,-3 12-381,-8 24 96,-5 20-107,-5 7 42,-9 16 0,-5 7-50,-1-3 0,-3 3-795,-1 1 1,-2 3 0,-2 0 716,-1 1 0,-1-1 1,-1 1-438,-1 4 0,-2-1 1,1 1-1258,0-1 1,1 1-1,1-3 1752,-6 14 0,4-6 0,9-18 0,3-5 0,3 1 0</inkml:trace>
+  <inkml:trace contextRef="#ctx0" brushRef="#br0" timeOffset="13708">9014 5731 23691,'28'-49'998,"0"0"1,-4 6 0,-5 9-808,-11 20-74,-5 23-78,-5 5 29,-8 34-21,2-19 1,-3 4-989,-5 13 1,-4 4 925,3-10 0,-2 2 1,1-2-45,-8 13 0,-2 3-2399,4-12 0,-3 5 1,0-1-1,3-7 1810,-1 2 0,1-3 0,1 0 1,-2 1-1,7-10 0,6-13 1</inkml:trace>
+  <inkml:trace contextRef="#ctx0" brushRef="#br0" timeOffset="15159">9729 5796 19311,'-2'-11'2884,"-5"-31"0,-1-2-2620,4 22-183,-4-22 1,1 9-99,6 33 39,4 13 6,5 12-33,6 19-7,6 13-41,-6-15 0,2 0-202,0-5 0,1 0 28,-1-1 0,1-2-786,24 15 357,-9-27 472,7-8 312,0-38 197,-12-13-26,-12 6 1,-3-1-320,0-17 412,-6 20 0,-2-1 314,-2-14-146,-4-4 61,-7 10-419,0 18-168,-2 10-1,0 24-16,-6 35-20,8-13 0,-1 2-347,0 3 1,-1 3 343,1 7 1,-2 4 0,2-4-397,1-3 0,-1 0 371,0-2 0,-1 5 0,0 2 1,0-1-361,-2 12 1,1 0 0,1-1-743,1-1 1,1-1 0,0 1 348,2 1 0,0 1 0,5-7-364,6-7 0,5-7-1244,8 2-5416,19-38 7324,-6-22 0,-6 1 1,-8 0-1</inkml:trace>
+  <inkml:trace contextRef="#ctx0" brushRef="#br0" timeOffset="15849">10235 6403 11971,'20'-40'1445,"0"1"0,0-1 0,1-3 1,1-2-1,-2 1-25,2-14 0,-3 2-1079,-2 10 1,-3 1 419,-1-13 1,-4 4-11,-6 11-460,-3-5 306,-7 30-513,-5 17 16,-8 14-27,-7 18-45,-5 18-241,5-2 202,9-12 0,3 3 16,4-6 1,1 2-15,-1 14 1,3 1 5,6-12 1,4-2-4,4 1 0,5-6 6,12-2 77,18-14-44,9-24-10,5-15-12,-21 2 0,-2-5-253,-5-2 0,-4-3 261,0-2 1,-3-2 19,-2-1 0,-3 1 0,-3-1 1,-3 1 21,-3 2 1,-1 2 83,0-24 1,-5 16-28,-6 17 156,-3 13-258,-6 17-21,-3 11-18,-4 15 18,0 10-6,4 8 531,9-9-565,8 9-34,14-14-273,22 9 10,10-20-685,14-10 960,-14-20-135,-13-8 0,0-6 213,13-17-3,-15 9 1,0-3 8,-9 5 0,-3-1 83,10-22 68,-10 9 51,-11 14-130,-4 13-83,-7 14 792,-3 11-747,-5 12 329,1 12-374,2-4 5,5 25-39,9-19 6,7 18 22,13-19 0,9-10 0,9-10 28,4-11 28,0-19 5,-4-13 1,-4-17 22,-9-9-45,-10 8 11,-13 9 1,-4-1 10,-6-12-47,1 15 0,-2 0-47,-9-7 16,2 10-134,1 10-118,4 9-2487,5 5-4637,11 4 7393,5 3 0,-2-1 0,-3 1 0</inkml:trace>
+  <inkml:trace contextRef="#ctx0" brushRef="#br0" timeOffset="16048">11733 5371 24861,'0'-44'784,"0"0"0,0 5 1,0 7-629,1 15-105,0 11-23,2 24-23,0 22-5,-2-5 0,0 3-471,-1 9 0,-1 4 401,-4 9 0,-2 3-894,1-17 0,-1 2 0,-2 0 964,-2 10 0,-2 1 0,1-6 0,1-4 0,1-3 0,-1-3 0,1 1 0</inkml:trace>
+  <inkml:trace contextRef="#ctx0" brushRef="#br0" timeOffset="16542">11445 5973 23086,'-15'-52'700,"1"0"0,0 5 0,9 7-678,20 6-33,19 7-23,24 8-463,-22 12 1,2 1 348,4 3 0,-1 1 44,-8 0 0,0 2-254,10 0 0,-2 0 10,8 0 396,-16-1 0,0-2-3,7-8 123,-7-8 123,-8-9-95,-9 5 769,-3-12-635,-8 19 623,1-11-527,-6 19 214,0 0-629,-7 30 6,-1 10 28,-7 29-37,8-29 1,0 2-123,2 1 1,1 0 116,1 0 0,3-2-26,9 27 29,1-20 22,20-8 50,-9-23 6,15-14-5,-4-21 44,4-18-87,-17 17 1,-1-2-166,0-2 0,-1 0 171,-2-2 0,-1 0-6,-3 2 1,-2 0 339,2-20-320,-6 12-50,-5 15-68,-2 13-16,-1 11-112,-1 11-209,1 11-2469,5 10 2868,11 10 0,-7-18 0,7-1 0</inkml:trace>
+  <inkml:trace contextRef="#ctx0" brushRef="#br0" timeOffset="16999">12675 5480 24161,'0'-9'1333,"4"-26"0,2-5-930,2 10-308,-1-12 1,3 4-12,3 19-45,0 9-17,1 19 18,4 29-35,-6-2-290,-4 0 1,-4 4 286,-4-7 1,-3 1-9,-3 12 1,-2 2-430,-4 0 0,-3 1 460,-1-2 0,-2-2-14,0-6 0,0-1-23,3-9 1,0-2 117,-10 6 40,8-18-40,4-19 441,7-16-485,3-14 938,6-10-978,4-4 6,8 0-6,7 4 12,4 7-28,5 8 56,3 8-68,7 10-27,3 8 33,6 14-6,0 11-11,-3 13 6,-10 7-17,-15 2 17,-26 2-6,-23-4-214,2-21 0,-4-3 147,-5-2 0,-3-3-244,-9-3 1,0-3-70,-16-1-275,23-9 0,4-5-2790,6-14 3462,4-19 0,13 19 0,10-3 0</inkml:trace>
+  <inkml:trace contextRef="#ctx0" brushRef="#br0" timeOffset="17349">13213 5643 25898,'-11'43'285,"0"1"1,-1-5-1,7-10 208,12-23-370,-1-6 6,15-12-28,2-9-39,10-13-1,3-10-39,-14 13 1,-1-1-6,8-13 33,-11 14 1,-3 2 66,-4-1 18,-5-2-1,-14 11-16,-8 9-57,-6 8-10,-5 10 16,0 10-39,-1 12-6,3 11 6,4 9-39,7 5-51,7 4-621,15-2-128,15 0 1,-7-26 0,3-5 0</inkml:trace>
+  <inkml:trace contextRef="#ctx0" brushRef="#br0" timeOffset="17825">13673 5841 22643,'-3'-4'2207,"1"2"-443,2 2-1825,-24-34 22,19 27-337,-12-21-4407,38 41 4783,0-1 0,0 1 0,-12-8 0</inkml:trace>
+  <inkml:trace contextRef="#ctx0" brushRef="#br0" timeOffset="18433">14202 5455 26726,'-38'-8'39,"1"0"1,-5 10-1,5 10-28,11 19 0,6 9-25,-2 6 0,3 2-1724,7-4 0,6-1 1718,5-7 1,4-4 8,15 13 599,19-8-638,13-6-26,-16-15 0,4-2-22,9-6 0,0-5 95,-6-6 1,-2-3 7,-1 0 1,-2-4-6,2-12 0,-5-3 0,2-1 17,-1-5 0,-2-3 55,-3-4 52,6-15 627,-22 20-706,-7 13-1,-14 10 18,-19 23-23,-9 10-8,10-4 0,1 4 1844,-16 24-1886,24-19 0,4 2 5,5 14 396,11-5-384,24-15 16,10-14-5,15-4 0,-8-8 22,9-14 28,-3-18-870,-2-5 854,-8-4 89,-18-12-84,-16 26 33,-8-3 1,-6 0 22,-10 1-62,-8-6 51,-9 14-84,14 17-28,-8 3 11,14 8 863,-3 20-925,11 2-166,0 18-668,16 1-1770,11 2 1818,17 3 0,-15-23 0,2-5 0</inkml:trace>
+  <inkml:trace contextRef="#ctx0" brushRef="#br0" timeOffset="18990">15168 5657 26598,'20'-47'397,"0"1"1,-3 4-1,-4 13-352,-10 26-11,-6 15-1,-3 15-27,-7 17 5,-6 14-262,7-25 0,1 0 262,0 0 0,0 0-11,-8 26 133,6-13-111,6-16 45,4-15-11,7-18-44,5-15 32,7-15 377,5-10-421,2-6 39,-1 0-11,-7 11 89,4-8-94,-8 21-18,6-8 7,-3 17-18,3 7-5,2 5-17,5 10 11,0 8 28,0 14-22,-4 11-11,-6 7 10,-8-7-21,-5 15 38,-6-22 23,-2 8-11,-1-22 22,0-11-22,4-15 6,3-22-7,4 3 7,9-24-18,4 10 12,9-12 17,4 1-29,5 7-10,-6 15 16,22 2-5,-11 19-1,21 5-10,-7 22 2,-24-3 0,-2 5-346,1 5 1,-3 2 272,-2 4 1,-4 3-331,-5 0 0,-6 2-3711,-10 1 1,-7-1 4116,-4-4 0,-1-4 0,-4 2 0,9-20 0</inkml:trace>
+  <inkml:trace contextRef="#ctx0" brushRef="#br0" timeOffset="19551">16435 5245 21909,'18'-42'1026,"-1"0"1,0 0 0,5-10-1,-3 6-617,0 0-286,-12 27-22,-3 24 39,1 26-48,-2 2 1,-1 5-1019,0 18 0,-1 6 961,-2-12 1,-2 4 0,-3 4-13,-2-8 1,-2 3-1,-1 2 1,0-1-1,-1-3-568,1-1 0,1-3 0,-2 0 0,-2 3 292,-1-1 0,-2 3 0,-2 2 0,-1 0 0,0-1 0,1-2 84,-2 0 0,0-1 0,0-1 1,0-2-1,1-2 0,-5 14 1,1-4-1,1-1 0,1-4 1,0-1-1,0 0 0</inkml:trace>
+  <inkml:trace contextRef="#ctx0" brushRef="#br0" timeOffset="25390">17412 5602 25074,'-35'-18'37,"0"0"0,1 6 1,2 10-41,6 26 0,2 9-845,-2 0 0,-1 2 579,0 2 1,0 2-906,-1 3 1,0-1-2605,1 1 0,0-1 3778,5-6 0,2-2 0,-5 8 0,12-21 0</inkml:trace>
+  <inkml:trace contextRef="#ctx0" brushRef="#br0" timeOffset="25557">16919 5979 16867,'13'-44'1295,"1"0"0,0-1 1,5-16-1,-1 5-875,-7 20 0,0 5 112,6-19 463,-5 20-939,-3 16-3765,9 22 3709,-5 5-633,8 9 1,2 4 643,2 4-109,2 1 0,3 0-249,-6-10 0,0 0-737,8 5 1,3-1 800,8 3 0,-1-3 1,2 1-1,3-2 1</inkml:trace>
+  <inkml:trace contextRef="#ctx0" brushRef="#br0" timeOffset="25917">17659 5657 18610,'0'-8'5512,"0"2"-4952,0 6 342,-4-64-835,6 47-64,-4-19 0,5 8 14,5 29-3393,19 14 3371,-8-3-75,5 7 0,3 2-172,8 8-98,-7-8 0,-1-1-121,10 6-290,9-4 441,-1-16 354,-9-4 403,10-26 218,-27-6-274,1-6 347,-5-7-425,-7 17 509,10-25 3027,-5 20-3486,3-6-25,-6 20-283,-4 15-11,-5 23 5,-6 26-28,-2-10 0,-2 6-1149,-3 1 0,-2 5 0,-1-2 1118,-2 7 1,-1-1-97,3-8 0,-2 2 0,0-2-1158,1-3 1,1 0 0,-1-1 1273,-4 14 0,0-2 0,2-5 0,1-3 0,-1 5 0</inkml:trace>
+  <inkml:trace contextRef="#ctx0" brushRef="#br0" timeOffset="26674">18573 5553 25247,'-42'-16'998,"10"3"-757,27 12-90,15-3-56,16-4-89,8-1-15,8 1 1,5 1 13,-9 2 1,0 0-459,16 0 1,1 0 449,-14 4 1,-5 1 213,16 5-211,-15 18 23,-32 6-18,-6 8 26,-24-2 0,-10 0-15,2-7 1,-3 1-472,1-1 1,-2 2 0,1-3 459,-4 0 1,1-1 5,-10 7 1,4-2-33,1 1 71,-3 6 684,46-23-554,29-9-102,30-14-70,-17 1 1,3-2-482,8-3 1,2-2 346,4 0 0,1 1-647,2 0 1,0 2-3267,1 0 1,-1 1 4038,-9 2 0,-3 2 0,12-3 0,-29 5 0</inkml:trace>
+  <inkml:trace contextRef="#ctx0" brushRef="#br0" timeOffset="27208">19786 5501 22043,'7'-62'1088,"0"0"1,2 2 0,5 3-834,4 14 0,4 3-737,2 0 0,3 3 619,0 4 0,3 3-53,-2 6 0,2 2 87,-1 6 1,0 3-133,28-1-17,-2 16-5,-4 21-12,-28-1 1,-3 6-117,-2 10 0,-6 5 136,-2 9 0,-5 3-607,-6 6 0,-6 1 593,0-18 0,-3-1 0,-1 0-6,-2 0 1,-2-1 0,-1 0-3,0-2 1,0-1 0,0-1-21,-7 17 1,3-1 88,4-6 0,4 0-4988,6 2 1,3-3 3354,3 10 0,6-10 1,-3-40-1</inkml:trace>
+  <inkml:trace contextRef="#ctx0" brushRef="#br0" timeOffset="27400">20220 6457 28671,'-21'-3'-5876,"10"1"5876,17 7 0,1-2 0,-3-2 0</inkml:trace>
+  <inkml:trace contextRef="#ctx0" brushRef="#br0" timeOffset="35122">21226 5452 20963,'12'-52'1135,"1"0"0,-1 1 0,-2 7-608,-2 18-320,-2 3-168,-2 14-28,-1 17 6,1 17 0,-2 23-12,0-16 1,-2 3-514,-1 5 1,-1 3 95,-2 4 1,0 2-1317,-3 5 0,-1-2-739,2-8 0,-1-1 2467,-1 3 0,1-5 0,1-9 0,0-2 0</inkml:trace>
+  <inkml:trace contextRef="#ctx0" brushRef="#br0" timeOffset="35621">21159 5886 9190,'-2'-6'8558,"0"0"-7463,-8-22 0,-2-6 378,3 9-1019,-4-12 0,1 3-40,8 20-313,5 6-79,12 4-27,11 3-35,14 0-38,13 1-73,10 0-167,-29 0 0,1-1 270,0-1 1,-1-1-173,27-8 265,-10-8 72,-12-9 85,-11-3 112,-10-3 234,-7 4 152,-5 4 374,-3 7-626,-1 6-44,0 6-398,0 4-12,0 10 29,5 9-18,4 12 1,6 7-6,5 3-11,2-1 16,2-4 6,1-9 6,-1-10 22,0-11 6,3-14 34,0-8 83,1-8 112,-4-4 102,-4 2 4,-7 1-55,-6 6-90,-2 7-145,-5 7-90,0 7 0,-5 18 0,-3 16 6,-6 23-617,5-20 0,0 2 549,-2 6 0,0 3-448,0 4 1,-1 2-1549,1 4 0,0 0 2058,3-6 0,0-4 0,-2 15 0,7-30 0</inkml:trace>
+  <inkml:trace contextRef="#ctx0" brushRef="#br0" timeOffset="36095">22247 5750 25618,'5'-40'448,"-1"-1"0,3-15-376,-7 73 12,0 20 0,-2 18-73,-1-21 1,-1 2-639,-2 4 1,-1 0 620,-2 3 1,-1 1-7,-1 1 1,0-1 28,0-2 0,0-1-28,1-7 0,-1-2-6,-3 12 11,3-25 17,4-24 12,3-21-12,2-24-1189,2 4 1,1-3 1182,0 12 1,1-1-15,2-24 1,2-2-191,2 17 0,2 2 201,2-11 1,2 0 5,2 6 1,0 3 24,0 6 1,1 2-49,-1 8 1,1 3 8,15-15-5,2 15-56,16 13 44,-5 15 12,0 6-6,-10 19-5,-17 9 11,-3 16 22,-18-17 0,-5 1 0,-6 13-5,-7-15 0,-5-4-6,-23 1-40,17-13 1,-2-2-317,-3-4 1,1-4-1264,-12-6 85,13-6-3443,38-18 4977,13 2 0,-7 9 0,-4 7 0</inkml:trace>
+  <inkml:trace contextRef="#ctx0" brushRef="#br0" timeOffset="36461">22857 5491 25175,'5'61'963,"-3"-14"-6472,19-56 5565,-8 0 1460,10-13-1421,-3-2 11,6-11 40,0-6 218,1-10-62,-9 11 826,-5 0-1016,-11 19 51,-8 6-85,-11 9 3337,-8 8-3376,-9 13-28,2 14-5,6-1-1,2 14-38,12 10-1,8 4-234,7-22 1,5 0-713,20 18-224,2-12-3582,-6-18 0,1-2 4786,12 3 0,-6-4 0,-12-10 0</inkml:trace>
+  <inkml:trace contextRef="#ctx0" brushRef="#br0" timeOffset="36938">23495 5402 9682,'-5'0'7321,"1"0"996,4 0-7891,-48-3-241,36 0-146,-25-4-55,62 0-124,10 2 0,4 0-147,21-1-823,-7 3 0,1 2-1259,-19 0 0,-2 1 2369,3 1 0,-2 0 0,6 0 0,-22 2 0</inkml:trace>
+  <inkml:trace contextRef="#ctx0" brushRef="#br0" timeOffset="37120">23488 5669 21780,'-3'0'3614,"1"1"-3603,2-1-1916,74-27 1244,-17 12 0,-15 1 0,-1 0 1,-3 6-1</inkml:trace>
+  <inkml:trace contextRef="#ctx0" brushRef="#br0" timeOffset="41261">24481 5171 18969,'-8'-11'3108,"2"2"-1696,6 9-578,0 0-817,-20-10-34,14 20-464,-14-1-3742,20 27 3375,2-4 0,0-10 0,0-10 0</inkml:trace>
+  <inkml:trace contextRef="#ctx0" brushRef="#br0" timeOffset="41961">26299 5214 21282,'0'-6'5041,"0"1"-4453,0 5-565,-9-26-23,8 43 0,-7-7-196,7 19 0,3 8-1919,-6 2 1,-1 0 1435,-1-3 1,0-2 0,-6 11-1,3-20 1</inkml:trace>
+  <inkml:trace contextRef="#ctx0" brushRef="#br0" timeOffset="44044">24906 5653 17092,'23'-46'1740,"0"1"0,-2 4 1,-3 5-1091,-3 7-130,0 0-49,1-3-1,-6 10-162,-5 9-218,-11 12-62,-15 16 5,-19 16-19,12-6 0,-2 2-480,-4 5 1,0 2 465,0 2 0,2 1-11,5-1 0,3 1-52,7-5 1,4 0 84,8 21 1,23-12 27,18-15 11,15-13 35,8-20-238,-27-2 0,0-4 296,0-4 0,-1-4 39,-2-3 1,-1-2 4,-2-3 1,-3-1-25,-4-2 0,-2-1-29,-2 2 1,-3 0 1001,3-22-867,-6 14 7,-6 16-237,-2 12-56,-1 12-10,2 13 549,-1 16-544,3 17-45,1 15-381,-2-27 0,1 2-958,2 2 1,0 0 1394,4 5 0,1-3 0,0 5 0,3-6 0</inkml:trace>
+  <inkml:trace contextRef="#ctx0" brushRef="#br0" timeOffset="45387">27228 5585 23467,'-13'35'369,"-1"0"1,-4 16-320,-17-16 68,0-11 5,-6-2 140,-15 2 191,1-11-5414,-2-17 5128,23-6 1459,5-27-1526,23-7-59,10 0 0,5-4-45,2 2 0,4-2 8,-1 7 1,3-2-1,2 2 12,8-16 0,3 1-3,1 1 0,-1 2-6,-6 12 1,0 2-9,0 0 0,-2 2 22,5-14 107,-7 9 2896,-9 13-3014,-10 21-33,-4 11 55,-2 14-5,-8 19-28,-6 22 491,1-1-486,5-13 1,0 2 5,3-5 1,0 3-12,3 0 0,-1 3 0,2-2-3,-1 2 0,3 1-1,4 3 1,4 3-1,2-5-13,5-5 0,2-3 11,2 10 1,2 0-6,6-8 0,1-2-1,-5-10 1,0-1-14,4 8 0,-3 0-110,-4-4 0,-8-1-1330,-17 2 1,-9-2-3452,-6-7 1,-4-3 3696,-4-2 1,0-5 0,-12-1 0,31-11-1</inkml:trace>
+  <inkml:trace contextRef="#ctx0" brushRef="#br0" timeOffset="49004">28021 5392 22862,'-47'-22'168,"0"0"0,-2 11 0,6 13-152,22 21 1,5 7-1057,-3 8 0,3 0 1034,4 16-8,14-14 0,6-1-48,17 10 20,-10-19 0,4-3-323,16-2 1,5-7 10,-9-8 1,2-3-53,15 3 0,1-5 213,-16-5 0,-1-5-40,7-5 1,-2-5 344,-9-3 0,-2-4-17,9-17 1,-3-3-43,-11 12 0,-2-3-314,-3-7 1,0-5 0,-3 4 495,2-19 17,-2 4 0,1-3 185,-2 13 0,-1 2-143,1 0 0,0 1-28,1 1 0,0 3 890,3-2-1060,-6 21 488,-5 12-472,-3 27-17,-4 13-50,-1-2 0,-1 3-456,-3 8 0,-1 0 419,0-5 1,-2 1-1,-3 12 1,-3 2 13,-2 1 1,0 1-18,1 0 1,0 0-6,-1 4 0,1-3 664,8-18 1,2-3-620,0 16 11,5-23 300,16-17-244,9-20-6,19-12 6,9-15-400,-22 16 1,0 1 332,18-15-14,-20 16 0,0 2 1180,12-5-1199,8 1 51,-15 13-74,-7 12-23,-14 4 29,-1 22-1,-4-4-55,4 13 689,2-7-908,6-6-117,7-8 201,0-8-23,12-5 175,-3-12 60,18-15 68,-10-8 90,2-12-101,-19 11 112,1-8 212,-7 3-190,-4 3-72,-5 2-45,-11 17-62,-6 8-28,-5 8 11,-6 11 17,-4 10-28,-4 12 0,0 8 0,5-5-17,-1 17 6,15-20 11,2 8 23,15-21-1,8-11 0,1-7 57,15-15 5,-8-4 67,8-12 39,-10 1 12,-8 0 11,-7 6-90,-6 7-89,-2 7-40,-1 5-16,-1 9 38,1 4-38,0 7-68,4 4-178,5-1-432,8-2-695,8-4-1445,6-6-5422,5-5 8262,-3-7 0,-11 2 0,-11-3 0</inkml:trace>
+  <inkml:trace contextRef="#ctx0" brushRef="#br0" timeOffset="49778">29546 5473 16292,'2'-3'6895,"0"1"-5322,-2 2-1494,11 4-7,-14 12-27,7 11-6,-17 15 6,1 3-22,1-2-1,2-4 17,2-7 56,1-10 220,3-8 177,1-8-150,1-10-168,5-9-40,5-10-28,7-10-27,9-6-12,4 1 0,5 2-11,-1 6-45,-2 7-16,-1 7-1,-5 7 1,2 5-7,3 7-16,1 6-44,-1 7-63,-6 5-313,-7 4-717,-6 3-946,-2-2-1004,1-2 404,1-7 1698,4-8 1007,1-9 633,0-9 891,0-10 616,-1-8-151,2-7-611,4-4-476,2-1-201,3 3-90,-2 6-140,-5 7-185,-6 9-168,-8 6-95,-2 8-12,-3 9 23,-2 11-17,-1 12-16,-3 11 16,0 6 11,0 3-22,0-5 0,1-7 28,1-11 40,1-11 100,1-9-34,1-11-84,1-11 12,5-10-28,5-11-12,8-7 6,7-2-28,3 2 6,3 7 5,-1 8 11,2 10 6,1 6-33,4 7-12,6 9-28,4 7-73,0 9-380,-7 8-740,-8 4-1327,-10 5-4302,-3-1 6019,-6-7 0,-6-16 0,-5-10 0</inkml:trace>
+  <inkml:trace contextRef="#ctx0" brushRef="#br0" timeOffset="50337">30681 5662 25853,'32'-23'100,"0"1"1,-2 0 0,-4 8-50,-8 15-23,4 0 33,5 0 18,2-5-12,-2-5 22,-3-9-33,-7-7-33,-6-7 55,-6-3 34,-6 2 6,-8 7-29,-3 9-49,0 8 72,-3 4-96,6 10-21,-5 6 16,1 12 0,-2 11 0,1 8-16,4 8 10,4 0-22,12-17 1,3-3 21,1 7 1,14 2 16,-5-28 1,2-6-12,12-9 0,7-14 23,9-19-26,-22 10 1,-2-3-550,2-7 1,-3-3 548,1-8 0,-3-3-2,0-7 0,-2-2 8,-7 18 1,-1-1 0,0-1 9,0-5 1,0-1-1,-1 3-7,0 0 0,-1 1 36,1-6 0,-3 6 59,-5 10 28,0 4-67,-5 17-79,0 13 29,-8 18 5,-6 19-23,5-6 1,-2 3-500,-2 9 0,1 3 488,-1 7 1,1 1-7,0 5 1,3 1-6,2 0 1,2 0-77,5-2 1,5 0-376,4-3 1,6-2-993,5-2 1,6-2 1459,10 0 0,1-4 0,4 6 0,2-12 0</inkml:trace>
+  <inkml:trace contextRef="#ctx0" brushRef="#br0" timeOffset="50779">31648 5306 21465,'43'-10'-2123,"1"0"0,-1 1 0,10-6 1,-6 6 2122,6 21 0,-34-7 0,-2 1 0</inkml:trace>
+  <inkml:trace contextRef="#ctx0" brushRef="#br0" timeOffset="50928">31738 5407 19277,'-4'1'4716,"0"1"-2587,4-2-1933,-7 8-168,20-8-342,6 6-2302,30-12 2616,1 1 0,-16 1 0,-14 2 0</inkml:trace>
+  <inkml:trace contextRef="#ctx0" brushRef="#br0" timeOffset="51504">32205 5010 20588,'0'-4'5002,"0"0"-4067,0 4-913,-12-27-33,15 36-23,-5-12-475,20 47-3104,2 6 3613,-1-6 0,-7-16 0,-5-14 0</inkml:trace>
+  <inkml:trace contextRef="#ctx0" brushRef="#br0" timeOffset="53230">32537 5140 24256,'13'-11'269,"-14"51"-252,-12 14-308,3-13 1,2 0 313,2 11 5,-1 0-17,3-20 0,1 0 34,-5 22 251,0-9 12,-2-12 223,2-15-313,2-9 85,4-14-152,2-9 241,6-12-324,5-12 27,11-7-6,6-3-10,4 3-18,-2 7-16,-2 10-28,-5 11-11,-2 9 10,0 11-27,1 8-3392,5 21 3403,-10-5-189,-7 4 1,-3 1 177,-4 0 11,-8 3 0,-3-1 0,-3-7 17,-25 19-6,3-27-95,-19-3-476,10-11 1818,4-15-3672,22-3 2414,10-12 0,6 14 0,0 0 0</inkml:trace>
+  <inkml:trace contextRef="#ctx0" brushRef="#br0" timeOffset="53435">33163 4946 21254,'-1'-12'3467,"0"3"-3316,1 9 112,0 0-274,-49 61-364,30-16-510,-9-5 1,1 4 884,19-7 0,3-4 0,1-7 0,-2 11 0</inkml:trace>
+  <inkml:trace contextRef="#ctx0" brushRef="#br0" timeOffset="58888">20891 7376 12169,'-7'-55'2494,"1"-1"1,-1 6-1,2 3-1497,2-8-258,2 9-201,3 13-325,1 11-196,2 11 22,-1 10 17,2 11 28,-2 10 17,0 13-17,-6 11-33,-7 7-40,-3 6-17,-2 0-27,6-2 27,4-14 62,14 8-6,4-19-22,15 8 12,5-14-18,11-5-5,10-3-241,-23-10 1,1 0 212,5 0 0,3-1-454,5-1 0,2 0 473,7-1 1,4 0-458,-15-1 1,2-1 0,1 0 451,4 0 1,1 1 0,4-1 1,-2-1 1,5 1 0,-1 0 0,-3-1-586,0 1 0,-2 0 0,3-1 585,3 1 1,6-1 0,-1 1 0,-3-1-6,0 1 0,-3-1 0,2 1 1,-3 0 0,2 0 1,1-1-1,0 1 0,0 0 1,1 1-1,-1-1 1,1 1 2,2-1 0,-1 1 0,1 0 1,0 1-4,-12-1 0,0 0 0,0 0 0,0 0 0,3 0-1,0 1 0,2-1 0,2 1 0,-1 0 0,-1-1 0,-4 1-431,8 0 1,-4 0-1,0 0 1,3 0 430,-5-1 1,3 1 0,1 0 0,1 0 0,-2 0 0,-4-1 0,8 2 1,-4-1-1,0 0 1,2 0-182,-1 0 0,3 0 0,0 0 1,1 0-1,0 0 177,-1 0 1,0 0 0,0 1 0,0-1 0,1 0-130,-1 0 1,1 0-1,-1 1 1,1-1 0,0 0 129,-1 0 1,1 0 0,0 1 0,-1-1 0,1 0-36,0 0 1,-1 0-1,1 0 1,-1 0-1,1 0 39,-1-1 0,0 1 1,0 0-1,-1 0 0,1 0-2,-1-1 0,0 0 0,0 1 0,0-1 0,0 0-3,-1 1 1,0-1 0,0 1 0,0-1 0,0 0 4,-1 0 0,-1 1 1,1-1-1,0 0 0,0 0 0,-2 0 0,1 1 1,0-1-1,0 0 0,-1 0-10,0 0 1,0 1-1,0-1 1,0 0 0,0 0 5,0 0 1,0 0 0,0 0 0,-1 0 0,1 0-4,0 1 1,0-1-1,0 0 1,0 1 0,0-1-5,0 1 0,1-1 0,-1 0 0,1 1 0,-1-1 7,1 1 1,-1 0 0,1-1 0,0 1 0,-1 0-2,0-1 1,0 1 0,0-1 0,-1 0 0,0 1-7,-1-1 0,0 0 0,-1 1 0,1-1 0,1 0-24,5 0 0,2 0 0,1 1 0,-3-1 0,-3-1 33,-5 1 0,-4 0 0,0-1 0,2 1 4,12-1 0,3 1 1,-1-1-1,-6 0-4,-9 0 0,-3-1 0,1 0-24,9 0 0,2 0 0,0 0 24,-5-1 0,0 0 0,0 0 218,-3 0 0,1 0 1,-1-1-218,-1 0 1,0-1 0,0 1 1,-2-1 1,1 0 0,-1 0-2,-1 0 0,0-1 0,-1 1 0,-1-1 0,-1 1 0,-1-1-5,19-1 0,-2-1 11,-5 0 1,-1 0 536,-7 0 0,-1 0-545,-6 0 0,-2-1 1815,23-5-1792,-12-2 5,-10 1 2758,-7-1-2752,-4 1 1121,-1 0-1121,-1 0 692,-2 1-625,-3-1 114,-3 0-159,-2-2-28,3-3-34,0-2 12,3-2 50,0 0 22,1-4 40,1-5 16,-1-10 23,0-13-525,-11 19 0,-2-2 418,1-8 1,-2-2-4,-1-7 1,0-2-1034,-3 7 0,-1-2 0,0 3 1003,0-4 0,0 2-8,-2 6 0,-1-1 1,-1 5-248,-5-23 185,3 30 0,-2 2-1017,-4-13 1070,3 20 0,4 13 0,1 7 0</inkml:trace>
+  <inkml:trace contextRef="#ctx0" brushRef="#br0" timeOffset="60699">21935 8972 18196,'4'-51'815,"-1"1"1,1-1 0,0 0 0,-2-11 0,-2 2 0,-5 8-525,-7 9 1,-8 7-32,-13 2 1,-4 6-844,-19-3 650,10 19 1,-2 9-283,12 11 1,1 5 228,-9 4 0,1 6-302,2 9 0,5 4 282,5 6 1,4 3-4,7 3 1,6 1-9,5-1 1,7 1-4,7-4 1,8-3 10,13 2 1,6-6 5,-8-12 0,3-4 6,16 1 0,2-8-343,16-14 385,-25-7 0,-1-5 13,-3-5 1,-2-6 5,-4-6 1,-3-3 27,-1-4 1,-4-2 19,-1-2 0,-3 0 28,-2 1 1,-2 0 32,-2 4 1,-1 2 431,1-18-414,-4 18 290,-4 18-554,-3 19 977,-6 22-904,-10 28 5,4-15 1,-3 2-551,-5 10 0,-2 1 550,5-13 1,-1 0 0,-2 1 1,-1 3 1,-1 0-1,0 0-7,0 0 0,0 0 0,2 0 5,2-3 1,1-1 0,2 0-118,-2 11 0,4-2 120,6-10 1,4-2-9,11 13-23,14-22 23,21-24-17,-10-11 1,3-6-248,8-5 0,2-3 163,7-7 1,1-3-102,2-2 1,0-1-277,-18 10 0,0-1 0,-1 1-1642,15-12 0,-2 1 2120,-8 4 0,-4 3 0,9-6 0,-23 16 0</inkml:trace>
+  <inkml:trace contextRef="#ctx0" brushRef="#br0" timeOffset="61065">22526 8839 25774,'-45'-36'174,"9"8"-152,0 62-16,14-1 5,1 13 12,13 2-7,18 0 12,16-5 17,20-7-14,-16-22 0,2-3-130,3-3 0,2-3 133,0-5 0,0-4 41,-1-3 1,-3-5 16,-3-3 1,-1-3 19,-4-3 0,-3-3 11,-2-1 0,-3-2 79,9-27-29,-9 1-33,-9 6-56,-5 11-61,-3 10-141,0 12-845,0 8-1345,0 34 2308,7 6 0,-6 1 0,6-9 0</inkml:trace>
+  <inkml:trace contextRef="#ctx0" brushRef="#br0" timeOffset="62592">23187 8930 25808,'-4'-38'243,"0"0"1,-2-21-255,6 65 50,2 8-22,0 10 11,3 7-17,8 10 6,-2-14 22,15 5-11,2-18 6,13-2-6,3-7 50,1-12 51,-5-7 17,-7-11 10,-9-7-49,-6-5-34,-8-4 27,-5 1 1,-8 2-28,-4 6-6,-4 6-33,-2 9-29,2 8-61,-3 12 73,4 3-22,-12 17 10,2 4 18,-6 12-3432,-3 16 3398,11-16-1,0 18-10,14-18 0,10 8-2219,18 0 2247,-2-18-220,32-4 203,-27-21 2215,30-9-2187,-16-9-17,13-11 0,-6-6 11,-22 10 0,-1 0 34,10-17 3227,-5 3-3244,-10 6 438,-5 10-455,4-6-3398,9 4 3381,-8 7-733,15 3 722,-22 9-22,10 7 44,-12 7-5,0 19 11,-6 3-22,-1 9 6,-1-16 3033,2 0-3017,4-10 1053,3 1-1064,3-7 28,-1-6-28,-2-3 23,-2-3-6,-4 1-12,-2-1-83,-3 1 83,-6 2-5,1 0-33,-3 0-23,4 1-107,1-2-1197,2-1 88,5 0-1591,5 0 1878,0 0-1239,1 3 1793,-8-1 952,-2 1 247,-1-2-315,1-9 353,3-4-335,2-6-230,0 1-208,-2 8-122,-1 1-953,-3 5 359,1 0-2639,-1 3 4851,2 0-274,0-6-230,2 0-527,-1-4 398,2-2-128,2 2 397,7-6-454,1 2-151,4 1-134,-5 6-286,-6 4 51,-2 1-68,-5 8-22,0 4-73,0 2 17,2 7 22,9-1-61,14 1-29,-3-4 46,15-7 38,-7-9 29,10-6 5,-9-2 549,17-31-185,-24 9-207,7-14 235,-18 10-89,-9 10-241,1 2-55,-4-1-102,-1 13 0,0-2 0,0 10 0,-1 13 0,-1 15 0,-1 7 0,-2 0 0,-3 6-557,-3 0 0,-2 4 1,-1 1 460,-2 5 1,-1 2-1,-1 3-536,0-3 1,-1 3 0,-1 0 0,0 1 631,-1 0 0,0 1 0,0-2 0,2-4 0,2-7 0,1-3 0,1 0 0,-6 12 0,1 1 0</inkml:trace>
+  <inkml:trace contextRef="#ctx0" brushRef="#br0" timeOffset="63458">25728 8700 20806,'-11'-50'1297,"0"1"1,0 4 0,0 8-1013,-6 19 354,-13-5-336,8 8-158,-6-1-83,14 14-34,-1 16-17,3 2-11,-2 12 0,-1 5 0,3-3 0,0 1-442,-6 17 1,1 2 421,4-4 1,2-1 8,2-1 0,3-1 22,5-5 0,5-3-28,18 24 1,5-21-58,1-19 0,2-3 169,1-2 0,9 0 118,-64-29-230,0 7 22,-13-4 1,-5 1-257,10 6 1,-1 3 247,-7-2 1,0 2-32,6 0 1,3 1 577,-15 3-1267,19 3-1600,16 4 2323,17 6 0,-4-7 0,8 1 0</inkml:trace>
+  <inkml:trace contextRef="#ctx0" brushRef="#br0" timeOffset="63695">26193 8604 24451,'0'-47'586,"1"0"1,-1-1 0,0-14 0,0 8-273,0 18 79,0 16-449,0 15 131,0 22-69,2 24-9,-2-6 0,0 4-570,1 11 0,0 3 410,-1 8 1,0 2-184,-1-17 1,-1 0 0,0 1-662,-1 3 1,-1-1 0,0 1 812,-3 5 1,-1 0 0,1-5 0,0-4-1,1-4 1,-2-5 0,1 1 0</inkml:trace>
+  <inkml:trace contextRef="#ctx0" brushRef="#br0" timeOffset="64341">25962 9143 22201,'8'-54'931,"1"-1"1,0 5-1,3 7-897,17 4-124,15 9-173,17 12 11,-26 13 0,3 1-748,2 3 0,0 2 212,0 2 1,-1 2-117,-4 0 0,-1 0 135,20 6 848,-19-5 819,-17-8 239,-12-8 359,-10-7-74,-2-5 275,-2-3-823,4-2-207,5 0-152,4 3-213,5 2-179,2 8-100,3 9-29,6 18 6,7 15-39,7 20 0,-17-17 0,-1 1-399,-1 5 0,-2 1 317,-4 4 1,-3 0-3,-6 1 0,-5-2 15,-4-2 0,-4-2 102,-4-7 1,-3-3 89,-21 8 72,3-20 52,8-23-40,12-17-28,12-16-12,17-9-55,14-3 101,-7 27 1,4 1-175,2 2 0,3 2-3,1 2 1,2 1 4,1 3 1,1 1-3,0 2 0,0 2 3,0 1 0,1 0-1595,3 2 1,-1 0 1614,12-3 16,4-2 6,-33 0 55,-1-2 35,-8-3 178,-6-4-178,-1 5 426,-2-4-302,-1 9 3133,0 3-3392,0 1 0,0 7 0,-1 11 0,-3 9 0,-5 34 0,1-11-291,1-6 1,1 0-320,-1 18-32,3-22 1,0 1-2557,0 25 3198,8-9 0,-2-24 0,4-9 0</inkml:trace>
+  <inkml:trace contextRef="#ctx0" brushRef="#br0" timeOffset="64530">27377 8591 25588,'-17'-56'373,"1"0"1,1 7-1,5 11-635,8 25 88,2 15-406,6 20-1269,5 18 1849,-3-6 0,1 0 0,2 6 0,-3 1 0</inkml:trace>
+  <inkml:trace contextRef="#ctx0" brushRef="#br0" timeOffset="65241">27624 8874 25651,'19'-49'649,"0"1"1,-4 6 0,-2 9-538,-5 19-90,-4 11-5,1 11-67,6 29 39,-3 12 13,-2-13 1,-2 1-349,-5 17 338,-3-19 0,-3-1-48,-10 18 50,4-21 0,-2-2 1,-5 8 111,4-13-50,11-22 6,8-16-29,8-13 46,20-28-62,-5 12 13,3 8 1,1 1 321,-2 8-352,-1 3 0,1 4-17,7 3-45,8 5-50,4 19-28,-12 12 56,-2 8-157,-7 12-39,1-4 129,-1-10 0,4 0 61,-2-5 1,3-2-711,10 1 0,0-3 767,17 1 16,-25-13 0,0-2 73,8-6 62,-1-9 16,-18-6 73,-18-9-61,-18 7-79,-7 4 1488,-23 10-1482,-10 18-96,4 4 12,6 14 22,28 0-11,19-1 11,5-8 1,25 4-46,0-13 34,19 2-28,-5-13 28,-11-6 45,3-14 285,-3-33-179,-10 15-257,-8 1 0,-4 1 302,-5 6 115,3-26-311,-8 29 0,0-18 0,-3 32 0,-1 0 0,1 28 0,-1 22 0,-1 8-111,-1-2 1,-2 3 110,-1 0 0,-2 4-665,-1 6 1,-2 6 0,-1-1 664,0-5 0,0-1 0,-1 0 0,0 0 0,-1 1 0,-2-2-900,-3-1 0,-3-2 0,-1-4 490,-4 0 1,-1-4 0,4-3 0,1-4 0,-8 3 0</inkml:trace>
+  <inkml:trace contextRef="#ctx0" brushRef="#br0" timeOffset="66381">29787 8571 20324,'24'-42'963,"1"-1"1,0 0-1,11-21 1,-13 28-695,-33 56-2850,-10 20 0,-4 5 2631,5-6 0,-4 3-11,0 1 0,-5 7 1,-1 1-1,2-4-79,3-5 1,1-2-1,-5 7 55,2-3 0,-4 7 1,-4 5-1,-2 4 1,0 1-1,0-2 1,3-4-1,3-5-207,1-1 0,3-5 0,0-3 0,0 4 0,-5 5-191,5-6 0,-3 4 1,-2 4-1,-2 2 1,0 2-1,-1-1 1,2 0-1,1-3 1,2-4-1,3-4 282,-5 8 0,3-5 0,1-2 1,2-2-1,-1 0 0,-4 9 0,-1-1 1,3-3-1,2-4 0,-3 7 1,-1 0-1</inkml:trace>
+  <inkml:trace contextRef="#ctx0" brushRef="#br0" timeOffset="67696">22436 11089 19098,'-10'-53'853,"0"0"1,1 0-1,1 4 1,-1 2 0,-4 13-434,-23 14-123,-12 11-194,15 9 1,-2 5-741,-3 7 0,0 5 679,-2 7 0,2 5-23,0 6 1,3 1-17,8-6 0,4 2 11,-2 15 0,6 1-14,8 12-6,4-24 0,7-1 87,14-6 0,7-5-64,21-5 0,-8-8 0,2-6 13,-1-10 1,0-7 19,1-4 1,0-5 33,-1-4 0,-2-3-36,-2-3-1,-3-1 113,-4 1 0,-3-1 16,-3 2 1,-3 2 193,3-18-85,-9 17 468,-7 13-736,-5 18 218,-7 18-213,-10 21-16,6-12 0,-1 4-4,-2 5 1,0 2-181,0 4 0,0 1 164,0 1 0,1 1-23,2-2 1,1 1-40,3-3 1,2-2-283,2-3 1,4-2-422,11 23-145,11-22 101,13-21 201,11-27 258,9-19 93,-22 6 1,2-3 289,2-5 1,0-2-58,2-4 1,0-2 140,-1-1 1,0-1 47,-2 0 0,-1 0 48,-3 3 0,-2 1 147,-4 5 0,-1 2 158,10-17 0,-13 18-191,-11 15 270,-8 11-510,-9 15 1037,-8 12-1060,-8 19-27,-4 14-297,14-23 1,1 1 278,0 3 1,2 0 2,2-2 1,1 0 2,0 27-5,14-13 11,12-14 16,11-16 40,6-16 5,5-20 23,-14-4 0,1-5 78,1-9 0,0-3-1521,-4 6 1,-2-1 1388,-2-2 1,-2 1 86,7-21-72,0 2-37,-9 18 0,1 2-19,3-8-34,0 4-23,-13 28-61,2 4 2916,1 14-4798,5 10 1994,5 12 0,-8-12 0,0 0 0</inkml:trace>
+  <inkml:trace contextRef="#ctx0" brushRef="#br0" timeOffset="68621">23426 11244 20464,'-8'-2'3630,"1"0"-2874,7 2-258,0 0-251,0 2-135,18-1-73,-4-1 23,27-8 0,-5-6-12,7-8 0,-1-6 29,0-17-23,-16 13 73,0-16-3269,-21 15 3235,-3 7-200,-12-3 161,1 22 22,-11-2-44,4 12-6,-5 8-17,-8 21 3216,8-3-3211,3 5 1,1 1-6,1 2-5,3 0 0,2 2-6,2 12-12,4 11-16,20-2 12,7-20-7,16-8 12,-10-21 522,8-12-500,-6-11 1,9-10 27,4-19-6,-9-2-383,-4-1 394,-4-5 1,-6 10 11,5-6-17,0 5-16,1 9-1,3 6-5,1 8-3265,6 10 3243,-12 8 250,12 20-256,-18 9 0,3 8 0,-9 13 11,-5-3-23,2 11-133,5 2-186,0-18-212,6-8 262,-6-21-363,9-15 565,-10-6 40,17-15 145,2-17 29,4-5-196,0-2 285,3 4 336,-5 15-197,-6 6 3170,-8 11-3337,-23 20-90,-3 3 17,-13 17 144,6-9-206,-13 28-39,17-22 0,3 12-11,14-25 0,21-4-16,29-10 10,-7-2 9,1-7 0,1-7 11,-22 1 0,-2-3-133,14-7 1,-2-4 202,-12 0 0,-5 0 73,12-17 582,-8-10-491,-20 25-248,-1-6 0,-10 20 0,-1 8 0,-3 11 298,-7 16-298,-5 10 0,-3 7 0,-2 7 0,-1 4-280,1-1 1,-1 3 0,1 2 279,-1 5 0,2 2 0,1-2-674,2-6 0,1-2 1,1 4 602,1-2 1,0 3 0,1 2 0,1 0 70,0 7 0,1 3 0,1-2 0,1-5 0,-1-6 0,1-3 0,0 0 0,2 8 0,0 0 0,-1 0 0</inkml:trace>
+  <inkml:trace contextRef="#ctx0" brushRef="#br0" timeOffset="69337">25959 11576 18119,'19'-51'550,"0"1"0,0 0 0,0-3 0,0 0 0,-4 6-63,-4 7 1,-4 2 311,0-1 0,-3 2-710,-5 0 910,-6 21-954,-2 34-1,-5 22-16,3-6 0,0 4-290,-3 11 0,0 3 260,3-12 0,0 2 0,0 0-110,-1 4 0,1 0 1,0 1 97,0 0 1,0 0 0,0-1 9,2-3 1,-1 0-1,1-1-10,-5 20 0,1-5 17,5-20 0,-1-5 30,-10 26 464,10-51-497,-1-17-5,5-11-1,5-16 0,3-6 14,2 3 1,3-1-295,-1-3 1,2-3 0,0 2 293,3-5 1,3-2 2,1-5 0,2-5 0,-1 4-35,-5 15 1,-1 3-1,1-3 22,4-16 0,0-3 1,0 3-7,-4 13 1,-1 3-1,0 1-3,7-16 0,1 3-220,1 6 1,4 4 224,1 7 0,3 4-5,-1 7 0,3 5-6,4 7 0,1 5 12,10 5-110,11 25 81,-25 20 6,-16-10 0,-2 3 11,-3 7 1,-6 2 24,-5 2 1,-6 1 598,-5 0 1,-5-1-603,-6-2 1,-4-2-1,-3-4 1,-3-3-6,0-3 0,-2-4 5,2-5 1,1-2-11,-16 5 567,3-9-2971,30-12 2564,8-7 0,8 1 0,8-3 0</inkml:trace>
+  <inkml:trace contextRef="#ctx0" brushRef="#br0" timeOffset="69977">27063 11078 19468,'2'-5'4738,"-1"2"-3293,-1 3-1310,-62-47-12,18 57-98,4-27 0,0 3-3,10 34 1,4 8-352,-11 14 332,15-15 0,1 2-6,5 0 0,2 0 14,-1 23 23,21-7-12,17-11 18,17-11 10,9-12 23,4-17 16,-1-12-3203,-2-16 3266,-6-9 10,-8-5-61,-12 9 291,-4-8-140,-13 27-107,1-5 74,-8 20-219,-3 6 3392,-4 9-3386,-5 8 5,-3 11 0,0 9-11,4 6 0,5 3-17,10 0 1,10-5 4,12-4-4,-1-12-7,14-3 34,-12-18 17,10-8 0,-11-16-11,-2-11 6,-4-10-23,-4-8 0,-3-5 16,0 0-4,0 6-1,3 9 6,4 8-17,2 9 5,3 7-5,3 6 0,2 6-22,3 11 11,0 7-1,-2 13-10,-7 10 5,-9 10 6,-9 3-123,-12 0-421,-2-7-1035,0-6-1934,10-7 3524,16-6 0,-7-12 0,7-5 0</inkml:trace>
+  <inkml:trace contextRef="#ctx0" brushRef="#br0" timeOffset="71004">28066 11248 24262,'21'-32'652,"0"0"1,8-21-423,-44 46-85,-4 3-16,-3 1-17,-4 8-50,5 0 151,-21 19-107,11 1-39,-12 15-39,13-1 0,8 0 11,9-2-33,9-4 16,11-6-5,8-6-6,9-10 6,13-11-28,-11-6 61,13-14 23,-15-5 22,3-14 29,-2-9-7,-4-4 68,-3 2 73,-6 11-51,-5 14-129,-4 13-72,-3 9-17,-4 19 33,-2 5 6,-5 21-34,-3 3 18,0 2-108,4-2-335,4-3-1765,16 0 920,1-16-1956,20-4 532,3-19 1809,25-16 1076,-16 0 263,-11-2 0,-2-4 1239,7-13-83,6-13-30,-5-3-393,-6 2-260,-5 7-193,-6 12-252,-6 11-247,-7 8-66,-4 12-118,-3 2 344,-1 20-344,-2 8-23,-4 16-5,-5 6-13,-6 1-4,5-24 0,0-2 0,-5 10 0,-2 5 17,13-30 6,0-2 33,6-24-51,3 0-5,9-22 0,-2 11 11,11-18 23,1 4-6,6-9 34,1 5 50,4 8-84,-11 13 11,7 7-22,-10 12-12,5 5 6,8 13-5,-12-4-12,6 16-10,-16-4 16,-1-4 33,-7 4-22,-5-16 174,1 0-118,-1-9-39,10-19-5,5-7 5,18-31-45,1 8-116,-10 19 0,0 3 156,9-6 10,7 7-10,-8 17 10,15 7-44,-7 23 5,-9 0-5,-11 12-62,-16 4-246,-14 7-1415,-6-5 1,-4 2 1444,2-9 1,0-1 0,0-3 0,1-3 0,1-2 0</inkml:trace>
+  <inkml:trace contextRef="#ctx0" brushRef="#br0" timeOffset="72186">20851 8012 23584,'-46'-28'247,"-2"9"-214,16 20 1,-4 5-595,-1-1 0,-2 0 575,-6 1 0,-1-1-319,-3 1 1,0-1 301,11-1 1,0 0-4,-11 1 0,3 0 421,-2 2-611,-11 2 128,40-2 52,10 6 38,11 9 521,2 2-587,9 38 55,0-4-369,-4-11 1,-1 4 362,-2 1 1,-2 0 2,0-7 1,-3 3 20,-2 7 1,-2 7 0,-1-2-2,-1-10 0,-1-1 0,-1 3-624,0 4 0,-1 4 0,-1 1 0,-1 0 614,-1-4 0,0 0 1,-1 0-1,0 0-8,1-8 0,0 1 0,0 0 0,-1 0 0,0 1 2,0 2 0,-1 0 1,0 1-1,0 1 1,0-1-414,-1 2 1,0 1 0,0 0 0,-1 0 0,1 0 416,-1 3 1,0-1 0,0 1 0,0 0 0,0 0-233,2-9 0,0 0 0,-1 1 0,1 0 0,0-1 0,-1 1 234,0 1 1,0 0 0,-1 0 0,1 0-1,0 0 1,-1 0-97,1 0 0,-1 1 1,0-1-1,0 0 1,0 0-1,1 0 96,0-1 1,0 0 0,-1 0 0,2 0-1,-1-1 1,1 1 7,-1 7 1,0 0 0,0 0-1,1-1 1,1-1-5,3-3 1,-1 0-1,2-1 1,1 0-1,1-1-8,0 9 0,2-1 0,1-1 0,3-1-2,3-4 1,1-1 0,3-1 0,1-1 133,6 11 1,3-1 0,4-3-209,4-4 1,4-2 0,3-4-175,4-4 1,3-3 0,4-3-522,3-3 1,3-4 0,4-3 756,-7-8 0,3-1 0,0-3 0,-5-1 0,11 4 0,-5-3 0,1-5 0,1-1 0</inkml:trace>
+  <inkml:trace contextRef="#ctx0" brushRef="#br0" timeOffset="74061">15574 10259 18499,'-4'-51'619,"0"0"0,1 0 0,-1 0 1,0 0-1,-1-5 0,0 4 1,-2 3-501,-2 3 1,-2 2-1,-4 11 347,-29 9 276,-3 12-664,-12 22-72,30 6 0,3 7 8,-1 14 0,4 7-686,6-6 0,2 4 0,0 2 672,-1 10 0,1 3 0,0 3-6,3-9 1,1 3-1,-1 1 1,1 4-109,2-8 0,0 4 0,0 2 0,0 0 0,0-1 0,1-3-488,-1 8 0,0-2 0,0-2 0,0 4 345,2-6 1,0 3-1,-1 0 1,1 0-1,0-2-1435,-1-2 1,1-1-1,0 0 1,0-2-1,-1-1-309,-1 0 1,0-3 0,0 0-1,-2 2 2159,-2 13 0,-2 3 1,-1-1-1,-1-9 1758,-2-10 0,-1-6 0,-2-5-255,-9 2 0,-1-16 1128,-24-48-2089,25-12-239,24 2 1,6-9 0,5 0-335,3 4 0,5 0 0,3-3 250,3-11 1,4-4 0,2 1-353,-3 14 0,1 0 0,1 0 1,1 1-12,1 1 0,0 0 0,2 2 0,0 0 0,7-9 1,2 1 0,1 2-2,-3 5 0,2 2 1,-1 3-5,-2 4 0,1 2 1,0 2 399,14-8 1,1 3-413,-2 6 0,-1 2-28,-1 4 0,1 2 28,-3 2 0,1 2 14,-3 2 1,-1 0 10,-4 2 1,-1-2 172,-1 0 1,-3 0 118,6-6 885,-7-1 95,-21 7 782,-8 8-1808,-8-1 942,-13 18-1008,-9 9-79,-4 16-84,3 6-16,9-5-1301,12-1 1,4 0 1204,0 0-377,5 2 0,3 0-2367,6 2-7014,8 5 8999,-3-16 1,-5-11-1,-6-13 1</inkml:trace>
+  <inkml:trace contextRef="#ctx0" brushRef="#br0" timeOffset="74252">16066 10138 24995,'-7'21'-9831,"8"17"9688,9 1 1,0-6 0,-7-13-1</inkml:trace>
+  <inkml:trace contextRef="#ctx0" brushRef="#br0" timeOffset="74570">16124 10835 26110,'39'-21'150,"0"0"0,1 0 0,16-12 0,-7-5-117,-20-2 1,-4-4-1839,3-6 0,-2-4 1819,-9 14 1,0-1 0,-1-2 2,-1-3 0,0-1 0,-2 0-184,0-4 1,-1 0 0,-1 0 197,-2 1 1,-1-1 0,0 2-2,-3 2 0,0 1 0,-2 2 65,1-13 0,-3 3 493,-3 13 1,-2 4-348,-4-9-180,-1 24-61,1 26 28,-2 46-22,4-4 330,0 8 0,1 3-333,3-24 0,0 3 0,0 17 1,0 9 0,0-3-45,1-13 0,0-2 0,0 3-238,0 1 0,0 5 0,1-1 0,-1-1-436,0 6 0,1-2 0,0-1-2254,1-2 1,1 0-1,0-3 2969,1 12 0,1-5 0,-1-20 0,1-5 0,1 0 0</inkml:trace>
+  <inkml:trace contextRef="#ctx0" brushRef="#br0" timeOffset="74811">17032 10052 24421,'8'-43'687,"1"1"1,-1-1 0,4-13-1,-4 12-451,-5 26-131,-2 16-5,-1 18-21,-3 21-6,-1 27-62,-1-8 0,0 5-1175,0-2 0,0 1 1102,0 2 1,-1 1-260,3-19 0,0 0 0,0-1-1572,-1 12 0,1-1-1384,1-11 0,0 1 0,0-2 1993,0 4 0,0-5 0,1 11 0,1-39 0</inkml:trace>
+  <inkml:trace contextRef="#ctx0" brushRef="#br0" timeOffset="75495">16899 10630 16784,'-2'-10'2428,"0"-23"0,0-5-1262,1-3-945,1-4 0,3-1-109,12 0-173,34 6-29,-9 17-415,-2 12 1,2 3-555,15 4-521,-15 3 1,-2 2 145,11 1-1790,7 6 2860,-39-4 841,3 3 1596,-20-6 1008,-7 1-500,-5-2-122,-4-2-1860,7 1 664,1-1-575,6 1-75,1 1-569,6 3-10,9 3-17,4 1 28,26 2-40,-17-6 26,6-6 0,0-2 14,3-8-23,7-5 28,-18-6 40,-14 2 67,-5-14-68,-12 7 23,-9-2-61,0 15 33,-7 6-6,-3 11-83,4 2 49,-14 23-32,19-6 10,-9 26 28,14-1-36,6-6 0,1 2-14,1-4 0,3 0-229,2 7 0,2-1 218,3-10 0,2-1 5,17 23 6,-2-19-17,10-7 0,-7-19 40,18-13 5,-6-14-23,-2-7-5,0-16 6,-7 0-1628,-7 8 0,-2-1 1628,9-12-1,-12 15 1,1 1-206,10-4 228,-4 5 317,10 4-239,-9 18-67,0 1 79,26 37-107,-26 2-3,-4-2 1,-2 2 2775,-8 12-2879,-6 10-667,-4-13-8581,-2 12 9343,-1-12 0,0-17 0,1-13 0</inkml:trace>
+  <inkml:trace contextRef="#ctx0" brushRef="#br0" timeOffset="281220">1057 15155 21724,'-11'-60'1099,"0"0"1,0 0-1,-3 0 1,1 3-1008,-1-6 0,1 10 37,-1 21-90,13 41-5,6 24-20,1 0 0,0 4-626,2 17 1,-1 5 600,-3-11 0,0 4 0,-1 2-534,-2-7 0,-1 2 0,-1 1 0,-1 0 476,-1 6 0,-1 2 1,-1 0-1,0 0-43,-2 2 0,0 1 0,-1-1 0,0-1 44,0-3 1,-1 0 0,0-2 0,0-2 63,-1 6 1,-1-3-1,0-4 107,-4 5 1,1-10-25,-4-4 33,-4-51-6,12-51-64,4 6 0,2-8-515,3 9 0,1-4 0,1-2 485,0 8 1,1-3 0,1-1-1,0-1-176,0-4 0,1-1 0,0-1 0,0 0 169,0 11 1,0 0 0,0 0-1,0 0 1,0 0-87,1-11 0,0 0 0,0 1 0,-1 1 85,1 4 0,-1 1 0,1 1 0,-1 2 1,2-12 1,0 2 0,0 2-187,1 8 0,1 1 0,1 4 186,6-14 1,5 5 364,3 12 0,5 7-378,4 9 0,4 7 19,4 7 0,2 9 468,3 9 1,1 8-508,2 8 0,-1 7-62,2 9 1,-4 8 21,-16-10 1,-2 4 0,-2 1 384,-4 2 0,-3 2 0,-4 2-355,-6 0 1,-5 2 0,-5-1 27,-7 0 1,-6-1 0,-5-2 14,-6 1 1,-5-3 0,-5 0-12,-1-7 1,-4 0-1,-2-2 1,2-2-99,2 0 1,0-4-1,-1 1 83,-14 5 1,-4 0-1,7-5-301,9-9 0,4-4-704,-2 2 1,5-6-5943,5-13 7106,32-13 0,9-1 0,3 5 0</inkml:trace>
+  <inkml:trace contextRef="#ctx0" brushRef="#br0" timeOffset="282144">2147 14606 18352,'0'-5'5019,"0"2"-4369,0 3-213,-70-42-157,32 32-202,-9-10 1,0 6 72,-5 38-118,19 0-5,10 0 0,1 3-473,-7 23 470,12-16 1,0 3-26,2 0 0,2 0-14,3-1 0,4-1 14,5 26-52,17-14 63,16-16 45,10-17 45,4-20 34,-2-15 33,-4-18 73,-8-8-17,-8-8-84,-9-2-34,-7 23 0,-2 1-27,3-12 178,3-8-161,-7 39 576,2-2-566,-7 14-1,-7 22-83,-2 7-44,-7 24 28,3 3 5,5 2-6,4-1 12,13-4-11,6-7-6,8-8 0,3-11 28,1-11-17,-1-12-45,1-14 141,10-34-74,-16 14-5,5-22 23,-19 17 16,0-5 0,-3-11-22,-1 3 17,-2 6-12,-1 9-22,0 10 22,0 7 12,1 8-45,-1 5 16,0 2-21,1 2-7,-1 0 6,1-1 1,1-2-35,2-5 34,-1 1 17,2 0-22,-5 5 39,1 3-51,0-3 6,-1 2-5,4-9-12,0-4 39,2-10 23,-1-8 22,-2-14-50,-3 13 22,-3-11-16,-2 20-1,-1-5-11,0 3 17,2 4-39,2 3 22,4 3 40,0 6-51,1 3-12,4 10 1,1 9 17,1 5-23,1 23 11,-3 13 0,-4-14 1,-1 5-760,-2 7 1,0 2 708,-3 7 0,0 1-135,0 2 1,1-1-712,0 0 1,3-2-393,5-6 0,3 0-3622,8-2 1,1-4 2508,8 9 1,2-14-1,-24-38 1</inkml:trace>
+  <inkml:trace contextRef="#ctx0" brushRef="#br0" timeOffset="282663">2185 14721 21198,'-2'-2'2873,"0"0"-2598,2 2-359,68-50 0,-16 25 54,-18 5 0,4-5 0,-2 2 16,8-1 0,-5 1-778,-11 6 0,-3 0 800,2-5 1,-2-3 163,-5-3 1,-4-1 23,8-17-3,-9 12 1,-2 1 108,-1-4 405,-8-2-108,-3 14 73,-1-3-403,0 12 1063,0 7-1320,0 9 168,0 13-158,1 19-14,-1 6 1,0 5-9,1 5 0,-2 2-552,0 2 0,-1 2 543,-2 10 1,-2-2 5,0-12 0,0 0 14,-3 11 1,2-2-7,1-21 1,2-5 95,-4 20 78,7-47-84,5-17-72,1-9 10,15-33 0,-1 13 1,2-3-459,2 0 0,2-1 478,6-7 0,1 3-5,-8 14 0,1 4 1004,13-12-1040,-8 20-7,-13 13-10,9 27-46,-5 12-47,-6-2 0,-1 4-187,5 21-1359,-6 0 1,0 2-3273,-3-16 1,0 0 2948,1 8 1,-1-3 0,3-1 0,-10-31 0</inkml:trace>
+  <inkml:trace contextRef="#ctx0" brushRef="#br0" timeOffset="283363">4164 14695 22890,'-28'-51'963,"0"0"1,8 11-1,-3 6-442,-27-2-280,16 29-163,-2 18-44,13 30 2,16-3 0,3 5-1383,2 15 1,1 6 1320,0-12 0,1 3 0,0 1-49,0-8 1,-1 1 0,0 1 0,0 0-602,-1 4 0,1 1 0,-1 0 1,0 0 198,0 1 1,0 0 0,-1-1 0,1 0-139,0-4 0,-1-1 1,1-1-1,1-2-25,-1 7 1,0-3-1,0-3 536,1 5 1,1-7 114,-2 5 12,-1-40 1392,0-35-1208,0-36 39,2 13 1,2-6 157,-1 8 1,0-4 0,1-1-289,-1 4 0,0-1 1,1-2-1,-1 0-34,0-8 1,1-2 0,-1 0 0,1-2-19,0 9 1,0-1 0,0-1 0,1 0 0,0 0-292,0-1 1,1 0 0,0 1 0,0-1-1,1 2 371,1-11 0,1 1 1,0 1-1,1 1-59,0 7 1,0 1-1,1 2 1,0 2-203,3-8 1,1 3 0,0 3 158,6-11 0,1 5-14,2 13 0,1 4-28,14-9-42,-6 31 0,2 10 42,18 18 8,-13 4 1,-1 7 13,-5 11 0,-4 8 308,-2 7 0,-7 6-313,-5 6 0,-8 3 5,-8-19 1,-5 2-1,-3-2 312,-4 2 1,-4-2 0,-3 0-302,-4-1 1,-2-2-1,-3-1 2,-1-2 1,-1-2 0,-1-1 3,3-4 0,-2-2 0,2-1 11,-11 6 1,3-4 248,8-9 1,3-3-743,-4 1-1311,26-18 1754,33-15 0,-12 6 0,12-5 0</inkml:trace>
+  <inkml:trace contextRef="#ctx0" brushRef="#br0" timeOffset="284394">5063 14343 21668,'0'-7'3854,"0"2"-3232,0 5-269,-25-60-191,4 45-115,-1-14 1,-3 6 31,-16 40-46,-3 17-27,22-12 0,1 3-122,2 2 0,4 3 110,2 2 1,4 0-6,-2 17-29,14-15 0,4-2 18,11 2 16,15 9 17,1-27 56,-2-15 17,-2-19 23,-5-15 27,-3-15 17,-4-10-8,-2-3-43,-2 6 126,-4 12 9,-3 17-111,-3 14-124,-4 10-12,-7 21 7,-2 9 10,-7 23-16,3 7 190,6 4-179,8-23 0,2-1 22,4 14-33,3-18 0,2-3 5,10 2 17,9 1-5,-2-14 5,-4-12-17,-4-14 12,0-13 11,1-16-6,1-11 11,0-8 12,-2-3-12,-1 1 18,1 3-18,-1 7-28,1 7 6,2 7 23,1 8-18,1 7-10,6 7 5,-11 5 0,7 11-6,-10 10 23,4 16-34,-4 12-44,-4 7-46,-2 4-190,-1 1-285,3-6 263,0-12-1115,18 2-403,26-36 986,1-5 565,-21-12 1,-1-7 305,-11-1 0,-2-2 66,-1-1 1,-2-2 75,-2 0 1,-1-2 324,1-5 0,-2-1-78,4-11 420,-4-11-83,-13 27-164,-5-3-151,-5 8-84,-9 7-296,3 9 5,-11 6 340,2 13-368,-8 10-5,-3 15 5,13-6 0,2 1-28,-6 14-12,10-11 1,4 0-56,5 7 5,15 9 57,-2-20-12,18-7 39,-6-23 18,7-11 21,1-13 23,-1-12 56,-3-7 101,-4-9-112,-9 18 128,-4-5-55,-6 26-195,-1 1-7,0 7 0,0 5 0,-1 9 0,-1 7 0,0 13 0,0 7-634,1 7-1147,2 2 1781,4 6 0,-2-23 0,2-4 0</inkml:trace>
+  <inkml:trace contextRef="#ctx0" brushRef="#br0" timeOffset="285111">6340 14456 20526,'3'0'4374,"0"1"-2307,-3-1-1619,10-61-112,-6 41-249,1-14 0,1 5-31,-4 24-34,-1 14 1,0 8-12,0 5 28,1 35-33,-3-21-1,-1 22-5,0-32 11,-1-6 1,2-12 94,0-3-5,1-7-79,0-10 6,0-23-5,4-8-12,-1-6 17,8-3 22,4 9-39,1 3-39,6 8 40,-1 19-7,-2 7-22,13 5 40,15 15-23,4 6-14,-11 7 0,-3 3 8,1 5-3,-14-9 1,-6 1-25,-10 7-6,-10 1 33,-12 6-5,-9-12 44,-3-11 23,4-15-50,8-9 28,-1-14 5,8-8 6,1-14 5,15-16-33,7 9-6,6 4 11,11 11-16,0 14 1,23-3-7,-5 11-7,9 8-32,-23 9-499,11 20-795,-26 2-4979,2 20 5509,-24-7 0,-3-14 0,-4-11 0</inkml:trace>
+  <inkml:trace contextRef="#ctx0" brushRef="#br0" timeOffset="285512">7757 14247 21982,'26'-58'1383,"-1"0"1,-3 8 0,-5 9-970,-13 25-201,-13 15 11,-9 15-11,-12 14-84,-7 14-51,2 8-50,7 5-11,11-2 22,10-5-39,12-10 17,7-10 5,8-13 12,3-13 16,5-15-27,0-14 33,-1-13 44,-7-7 29,-8-5 50,-12 4 45,-18-1-140,-4 18-61,-5 9-1,0 17-5,6 15-62,-3 10-212,4 16-740,5 13-3937,4 10 4620,4-4 0,4-19 0,1-16 0</inkml:trace>
+  <inkml:trace contextRef="#ctx0" brushRef="#br0" timeOffset="285811">7760 14592 24206,'-4'0'2963,"1"0"-2566,3 0-234,-66 24-57,43-7-89,-14 0 0,5 3 0,27 2-17,13-4 5,7-5 18,11-6-35,5-5 18,2-10 5,-3-7 28,-5-7 79,-7-3-12,-8 0-33,-10 3-22,-8 4-63,-8 6-139,-6 6-997,-7 4 1148,-8 2 0,15 0 0,1 1 0</inkml:trace>
+  <inkml:trace contextRef="#ctx0" brushRef="#br0" timeOffset="286194">1198 15912 22643,'-51'4'-82,"0"-1"0,8 1 0,18 1 283,48-1 1,17 0-71,-8-1 1,3 0-1058,6-2 0,7 0 1,3 0-1,0-2 1115,4-1 0,1-2 0,2 0 0,4-1-349,-8 1 0,3 0 0,3-1 0,1 1 0,1-2 1,1 1 245,-9-1 1,0 1 0,1-1 0,2 0 0,-1-1 0,2 1 0,0-1 0,0 1-105,-1-1 0,0 1 1,0-1-1,2 0 1,-1 0-1,1 1 1,1-1-1,0 0 1,0-1 47,-3 2 1,1-1 0,0 0 0,1-1 0,0 1 0,0 0-1,0 0 1,1-1 0,0 1 0,0 0-120,-3 0 0,0 0 0,0 0 0,1 0 0,0 0 0,0 0 0,0 0 1,1 0-1,-1 0 0,1 0 0,0 0 93,1-1 0,2 1 0,-1 0 0,0-1 0,1 1 0,-1 0 0,1-1 0,0 1 1,0 0-1,1-1 0,-1 1-23,-4 1 0,1-1 0,-1 0 0,1 1 0,0-1 1,0 1-1,0-1 0,0 1 0,0 0 0,0-1 0,1 1 1,-1 0 11,0 0 1,1 0 0,0 0 0,0 0 0,0 0 0,0 0 0,0 0 0,0 0 0,0 1 0,0-1 0,0 1 0,0 0-47,-1 0 1,1 0 0,-1 0 0,0 0-1,1 1 1,-1-1 0,0 1 0,0-1-1,0 1 1,0 0 0,0 0 0,-1 0-205,4 0 0,-1 0 1,1 0-1,-1 1 0,0-1 1,0 1-1,-1 0 0,1-1 1,-1 1-1,1 1 1,-1-1 256,5 0 0,1 0 0,0 1 0,0 0 0,0-1 0,-1 1 0,-1 0 0,-3 1 0,-3-1 0,-3 0 0,8 0 0,-4 0 0,-3 1 0,-2-1 0,-1 1 0,-1 0 0,0 0 0,0 0 0,0 1 0,0-1 0,0 1 0</inkml:trace>
+  <inkml:trace contextRef="#ctx0" brushRef="#br0" timeOffset="365844">16374 6780 24575,'61'0'0,"1"0"0,-16 0 0,4 0 0,5 0 0,2 0 0,4 0 0,-6 0 0,3 0 0,4 0 0,2 0 0,1 0 0,-1 0 0,0 0 0,-2 0-1229,-5 0 0,-1 0 0,-1 0 0,0 0 1,1 0-1,-1 0 0,1 0 0,1 0 1042,5 0 1,2 0 0,1 0 0,0 0 0,0 0-1,-3 0 1,-3 0 0,-4 0-108,3 0 0,-5 0 1,-2 0-1,0 0 1,2 0 293,7 0 0,2 0 0,0 0 0,-2 0 0,-4 0 0,9 0 0,-6 0 0,4 0 155,-3 0 1,4 0 0,-2 0-1,-8 0-155,-3 0 0,-5 0-224,-1 0 0,0 0 224,-3 0 0,-2 0 3862,22 0-3862,-16 0 4621,-13 0-4621,-9 0 2971,-1 0-2971,-8 0 1102,-6 0-1102,-13 0 59,-17 0-59,-29 0 0,-12 0 0,10 0 0,-5 0-1547,2 0 0,-8 1 0,-4 0 0,3 0 1547,4 1 0,1-1 0,0 0 0,-3 0-947,4 0 0,-2 0 0,-1 1 1,-1-1-1,0 0 947,6-1 0,0 1 0,-1 0 0,0 0 0,0-1 0,2 1-382,-4-1 0,2 0 1,0 0-1,-1 0 0,-2 0 382,1 0 0,-3 0 0,0 0 0,0 0 0,2 0 0,6 0 0,-1 1 0,5-1 0,1 0 0,-4-1 0,-7 1 0,-6 0 0,0 0 0,1 0 0,6 0-227,-7 0 0,6 0 1,-3 0 226,5 1 0,-3 1 0,1-1 0,4 1 0,5 0 0,4 0 0,2 1 0,-15 7 0,8 1 3016,9 3-3016,-13 4 4946,24-8-4946,2-2 3726,8 0-3726,5-2 1823,6-3-1823,2-1 0,6-1 0,11-3 0,26-5 0,-3 1 0,8-2-1193,2 1 0,8-1 0,3-1 0,-3 1 1193,10-2 0,-2 0 0,6 0-997,-9 1 0,5 0 1,2-1-1,-1 1 0,-1 0 997,4 0 0,-1 1 0,-1-1 0,1 1 0,-12 2 0,1-1 0,0 1 0,0 0 0,0 0-657,11-1 1,1 1 0,-1 0 0,-2 0 656,-7 2 0,0 0 0,-2 0 0,-1 1-392,10-1 0,-2-1 0,-1 2 392,-2-1 0,-1 0 0,-3 1 0,11-1 0,-4 0 0,-4 1 0,-5 0 1051,-12 1 1,-4 1-1052,20 1 4194,-26 0-4194,-3 0 4286,-20 0-4286,-37-1 0,-7-3 0,0 1 0,-4-1 667,1-1 1,-1-2-668,-8 0 0,-2 0-1144,-2-1 1,-2-1 1143,-3-2 0,-2 1 0,20 4 0,-1-1 0,0 1 0,0-1 0,0 1 0,-2 0 0,-14 1 0,-2 0 0,3 1 0,-5-1 0,2 1 0,11 2 0,0 0 0,4 0 0,6 1 0,3 0-246,-2 0 1,1 0 245,3 1 0,0 0 0,3 0 0,-1 0 0,0 0 0,3-1 0,-3 1 1397,9 0-1397,42 0 0,33 0 0,-5 0 0,6 0 8,-7 0 0,2 0 0,6 0-8,-1-1 0,5 0 0,3-1 0,3 1 0,1-1-571,-11 1 1,3 0-1,0 0 1,2 0-1,0 0 1,1-1-1,1 1 571,0 0 0,1 0 0,1 0 0,1-1 0,0 1 0,1 0 0,-2-1 0,1 1-559,-2 0 1,1 0-1,0 0 1,-1 1-1,1-1 1,-3 0-1,0 0 1,-3 1 558,4-1 0,-1 1 0,-2 0 0,-1 0 0,-2-1 0,-1 1 0,3 0 0,0 0 0,-2 0 0,-4 0 0,-5 0-214,19 0 0,-9 0 214,-6 0 0,-9 0 1174,-18 0-1174,-34 1 0,-46 4 0,10 0 0,-6 2 702,7-1 0,-3 0 0,-4 1-702,3 0 0,-5 1 0,0 1 0,2-1 801,5 0 0,1 0 1,0 0-1,-4 1-801,-3 0 0,-4 1 0,-2 0 0,2 0 0,4 0-978,5-2 0,3 1 0,0-1 0,-1 0 978,-10 2 0,-2 0 0,0 1 0,6-2 0,1-1 0,4 0 0,1 0-345,1-1 1,1 1-1,1-1 345,-17 3 0,3-1 0,8-1 0,4-1 0,5 0 0,3-1 0,-22 3 0,8-2 981,3-1-981,8-2 1973,6-1-1973,10-1 5463,15-2-5463,19 0 0,26 0 0,26 0 490,-18 1 0,5-2-490,8 0 0,5-2 0,4 0-1521,-10-1 1,2-1 0,1 0 0,0 0 1520,0 1 0,0-1 0,-1 1 0,0 0 0,-4-2 0,-1 0 0,-1 1 0,-5 0 0,9 1 0,-5 2 0,-5 0 0,-2 1 0,-4 1 0,-1 0 0,-1 0 0,-1 0 0,14 0 0,-18 0 0,-19 0 629,-18 2-629,-49 4 0,17-3 0,-4 0 1412,-1 0 0,-6 0 1,-4 0-1413,4-1 0,-5-1 0,-3 0 0,0-1 0,2 1-731,-5 0 1,2 0 0,-1 0 0,-5-1 730,12 1 0,-4-1 0,-3 0 0,-1 0 0,2 1 0,2-1 0,5 0-1093,-8 0 0,4 0 0,3 0 1,-2 0 1092,-5 0 0,-1 0 0,2 0 0,5 0 0,-10 0 0,7 0 0,11 0 0,2 0-160,3 0 0,1 0 160,-20 0 1265,10 0-1265,19 0 2271,32-3-2271,30 1 0,6-1 0,5 0 2001,15 0 1,9 0-2002,-11 2 0,7-1 0,3 0 0,0 0-390,-14 1 0,1 1 0,1-1 1,0 0-1,1 0 390,8 0 0,3-1 0,1 1 0,-3 0 0,-3-1 0,-5 1 0,-2 1 0,-3-1 0,-3 0 0,2-1 0,-3 1 0,-6-1 0,21-3 0,-21 2 0,-8-1 0,-11 2 0,-8 0 1468,-20 2-1468,-23-1 0,-3 1 0,-6 0 0,-4 0 0,-5 0-107,-10 0 1,-6 0 0,1 0 106,15 0 0,2 0 0,-2 0 0,-14 0 0,-2 0 0,4 0 0,4 1 0,3-2-462,-4-1 0,4-1 462,-5-1 0,22-1 0,6 1 0,16 0 0,5 1 0</inkml:trace>
+</inkml:ink>
+</file>
+
+<file path=ppt/ink/ink7.xml><?xml version="1.0" encoding="utf-8"?>
+<inkml:ink xmlns:inkml="http://www.w3.org/2003/InkML">
+  <inkml:definitions>
+    <inkml:context xml:id="ctx0">
+      <inkml:inkSource xml:id="inkSrc0">
+        <inkml:traceFormat>
+          <inkml:channel name="X" type="integer" min="-2.14748E9" max="2.14748E9" units="cm"/>
+          <inkml:channel name="Y" type="integer" min="-2.14748E9" max="2.14748E9" units="cm"/>
+          <inkml:channel name="F" type="integer" max="32767" units="dev"/>
+        </inkml:traceFormat>
+        <inkml:channelProperties>
+          <inkml:channelProperty channel="X" name="resolution" value="1000" units="1/cm"/>
+          <inkml:channelProperty channel="Y" name="resolution" value="1000" units="1/cm"/>
+          <inkml:channelProperty channel="F" name="resolution" value="0" units="1/dev"/>
+        </inkml:channelProperties>
+      </inkml:inkSource>
+      <inkml:timestamp xml:id="ts0" timeString="2026-01-16T15:21:09.879"/>
+    </inkml:context>
+    <inkml:brush xml:id="br0">
+      <inkml:brushProperty name="width" value="0.05292" units="cm"/>
+      <inkml:brushProperty name="height" value="0.05292" units="cm"/>
+      <inkml:brushProperty name="color" value="#FF0000"/>
+    </inkml:brush>
+  </inkml:definitions>
+  <inkml:trace contextRef="#ctx0" brushRef="#br0">1206 3026 22261,'1'-56'961,"0"0"0,-1 0 0,1-1 1,-1 8-1,0 4 0,-1 1-737,-1-19 0,-2 13 189,-8 24-429,3 13-273,1 8 170,4 24 100,3 13 0,2 7-94,2 8 1,-1 3-799,0 5 0,-1 5 802,0-10 0,0 2 0,-2 1-69,-2-3 0,-3 1 0,0 4-52,1-6 1,-2 3 0,0 3-1,0-1 1,0-3-409,-1 3 1,-1-1 0,0-2 0,1 1 554,-1 4 0,-1 1 0,1-3 0,1-7-41,-1 6 0,2-9-106,2 10 244,4-50 22,7-52-18,-1 9 1,0-5-629,1-2 1,0-4 0,0 1 615,2-11 1,0-1 8,-1 5 0,0-3 0,1-3-221,-1 3 0,0-3 0,0-1 0,-1 5 226,1-1 1,-1 4 0,1-4 3,-3 9 1,1-3 0,0-2-1,-1 4 1,-1 5 118,-1-14 1,-1 7-122,0-1 0,1 0-3,0-2 0,4 2-8,7 10 0,2 2-6,-4 7 0,4 2-20,19-5 1,8 8 585,-11 19 1,2 6-586,17 0 0,1 4 0,-15 5 0,-1 4-31,10 9 1,-2 7-102,-7 8 0,-5 5 14,-3 0 1,-6 3 39,-10 10 1,-13 1 46,-18-7 1,-8-3 36,0-8 0,-6 0 6,-4-2 0,-6 1 0,1-3 13,-3 1 0,-1-1 565,4-3 1,-3 1 0,3-3-628,-3-1 1,3-3-712,10-6 1,4-2-186,-3-1 947,21-11 0,11 0 0,1-3 0</inkml:trace>
+  <inkml:trace contextRef="#ctx0" brushRef="#br0" timeOffset="607">2326 2461 20123,'-3'-2'1750,"-28"-4"0,-9 0-1117,0 6-513,-7-3 1,1 5-37,-1 16-62,14 5 9,11 1 0,1 3-25,-2 15-4,8-12 1,3 0-3,3 6 23,23 1 55,7-23 40,19 0 16,2-24 17,4-12 12,-3-14 22,-4-8 33,-8 0 51,-8 3 17,-9 9-45,-7 13-129,-6 11-84,-9 15-6,-8 16 17,-9 18-22,0 13-203,13-23 1,3 0 185,2 1 0,3 0 0,10 25 11,15-10-17,21-16 18,20-16-12,-24-17 0,2-4 11,5-5 0,0-6 25,2-6 1,-1-7 0,-11 1 0,-2-5 1,-2 1-1012,2-4 0,-3-2 1002,-7-1 0,-1-4 0,-5 0-3,-3-7 0,-3 0-1,-4 8 0,1-1 1,-2 2-3,0-8 1,-2 1-127,-3-7 1,-5 4 355,-9 0-84,-12-6-95,-3 41 235,-5 26-308,-1 23 0,16-6 0,2 6-6,1 8 1,4 3 440,1-6 1,3 4-500,3 10 1,1 8 0,3-2-635,0-9 1,3 0 0,-1 2 397,0 4 0,0 4 1,1 0-1,0-4-40,1-1 0,0-4 0,1 2-1044,1-3 1,0 3 0,0-2 0,-1-5-1308,0 5 1,0-2 503,3 12 0,-4-8 2187,-12-17 0,4-22 0,-5-14 0</inkml:trace>
+  <inkml:trace contextRef="#ctx0" brushRef="#br0" timeOffset="1050">2490 2982 15799,'-15'-42'2013,"1"-1"1,-1 0-1,-4-15 1,1 4-1527,8 18 0,1 3-39,-2-18-341,12 13-84,17 9-52,22 4-10,-8 13 0,4 1-661,9-2 0,2 0 591,7-1 0,2-1-1,3-2 1,-1-2 39,-2-2 0,-2-4 64,-5-2 1,-4-4 33,-6-2 0,-4-4 36,-7-2 1,-5 0 75,-5 1 1,-4 1 296,2-23 101,-19 18-46,-9 18-206,-7 12-146,0 12 845,2 17-974,3 19-1517,9 4 1,2 4 1507,0-9 1,1 1-1,0 6 0,1 5 0,-1 0-552,-3 12 0,-2 3 548,1-10 0,-1 3 1,-1 0 2,-1-1 1,-2-1 0,1-2-2,2-6 0,-1-2 0,0-2-40,0 6 1,0-6 129,2 4 56,4-30-51,9-31-39,10-27-9,-2 8 1,3-3 988,4-8 1,3-1-993,4-3 1,1-1 14,2 4 0,1 2-12,-2 6 1,0 4 696,-4 8 0,0 5-732,18-3 114,-5 22-137,0 24-101,0 20-165,-19-10 0,-3 4-2360,-1 7 1,-1 2 2636,-3-1 0,-2-3 0,1 16 0,-6-25 0</inkml:trace>
+  <inkml:trace contextRef="#ctx0" brushRef="#br0" timeOffset="1767">3975 2915 19944,'-3'-58'1215,"0"1"0,0-1 1,0 4-1,-3 2-767,-4-11 1,-3 7 27,-6 22-359,-3 7-128,11 24 17,6 36-6,6-2 0,3 5-1060,2 19 1,1 6 1049,-1-11 1,1 2 0,0 3-473,-2-9 1,0 2 0,0 1 0,-1 1 388,1 4 1,-2 1 0,0 1 0,-1 1-198,-2 1 0,-2 1 0,0 1 0,-2 1-340,-1-7 0,-1 1 1,0 1-1,-1-3 1,0-3 442,-2 10 0,0-5 1,-1 0 173,-4 4 0,-2 0 0,0-14 1009,-8-9-839,-1-32 39,10-54-104,11 1 0,3-7-499,2 9 0,2-4 1,0-1 488,0-9 0,2-3 0,0 0-200,-1 11 1,1 0 0,0-1 0,0 0 258,-1 0 1,1-1-1,-1 0 1,0 0 10,0 2 1,-1 1 0,-1 0-1,1 0-23,-1-12 0,0 1 0,0 2 14,-2 3 1,0 2 0,1 1-105,1 4 0,0 2 1,2 0-194,1 4 0,1 0 0,3 3 157,6-15 0,6 3-17,4 6 0,5 5-23,3 8 1,4 5-9,4 8 0,2 6 400,3 8 0,1 7-409,2 9 1,-2 9-20,1 7 1,-3 7 508,-4 10 0,-6 5-456,-8 4 1,-10 4 38,-13 0 1,-12 0 11,-12-1 0,-10-3 11,-10-3 0,-7-3-403,7-11 0,-3-2 0,2-2 378,-2 1 0,0-3-3,-11 5 0,3-5 558,5-9-992,6-4-1626,27-19 2046,34-14 0,-9 6 0,12-3 0</inkml:trace>
+  <inkml:trace contextRef="#ctx0" brushRef="#br0" timeOffset="2374">4998 2401 19109,'0'-3'4447,"0"1"-2683,0 2-1472,-77-21-230,46 22-40,-25 0 0,1 5-5,27 18 2,4 0 1,2 2-14,5 11 0,4 8-6,15-3 5,13-7 29,12-9 5,6-8 79,10-11-1,-7-12 12,3-11-67,-17-3 83,6-17-106,-16 15 34,13-25 39,-15 24-17,3-2 96,-9 15-85,-3 7-89,-4 2-6,-3 8 17,-4 6-45,0 17 12,2-6-23,9 15 5,11-13 46,8 5-12,21-1-28,-3-12 28,1-5 17,-7-12 12,-10-10-7,5-7 34,-1-19-11,-4-13-50,-7 5 11,-4 0 39,-4 7-11,-2 10-34,2-5 34,0 13-40,1 9-22,4 1 6,0 7-11,8 10 16,4 16-5,0 7-17,1 13-6,-11-13-150,1 8-724,7 2-139,-3-9-4403,21 10 4602,-11-25 0,-4-3 0,-10-8 0</inkml:trace>
+  <inkml:trace contextRef="#ctx0" brushRef="#br0" timeOffset="3475">5965 2613 21254,'6'-55'1377,"1"0"1,-1 5 0,-4 5-839,-8 4-175,-8 10-252,-1 12 33,-18 8-106,7 16-22,-13 10-11,7 19-1,4 12 1,10-3-20,10-7 0,4 1-20,8 14 12,1-17 0,4-1-18,19 8 35,6-17 5,-4-12 33,6-16 23,1-22-5,-1-7-12,-5-7 107,-8-19-51,-12 17-73,0-9 163,-6 8-28,-3 25-56,-1-2-118,-1 15-34,-1 6 23,1 7 6,-1 9-118,8 11-11,0 0-1305,20 26-1854,2-13 481,-6-12 0,2-1-4362,25 8 3600,3-15 5870,-4-20 4068,-10-16-936,-9-14-3631,-12 1 1329,1-23-2028,-9 14-375,2-14-191,-4 16-179,-3 9-207,-1 10-151,-1 8-6,1 10 33,3 12-33,3 13-5,0 15-7,-3 9-4,-3-7-38,-9-9 1,-2-1 14,-3 8 89,-5 9 51,6-31-34,6-21-16,2-8 66,8-37-5,6 0-36,-2 10 0,3 0-171,1 4 0,1 1 165,1 3 0,1 0-14,20-15-16,-2 15-18,-1 13-22,2 15 39,3 13-16,0 14-1,-7 0 11,-12 0 1,-2 2-23,1 12-33,2 19 28,-16-19 10,-10-11 370,-5-13-319,-4-13-17,2-9 29,-4-26-12,8-3 22,-1-17-5,8 8 6,8 6-45,7 7-17,12 6 11,8 7-22,9 8 11,5 4 0,4 13-6,-1 8-5,-5 13-84,-11 10-264,-15 7-693,-15 4 1052,-14 5 0,2-24 0,-3-5 0</inkml:trace>
+  <inkml:trace contextRef="#ctx0" brushRef="#br0" timeOffset="3683">7911 2206 24973,'-2'-4'2386,"0"1"-2638,2 3-2022,-14 2 2274,10 13 0,-11-10 0,15 9 0</inkml:trace>
+  <inkml:trace contextRef="#ctx0" brushRef="#br0" timeOffset="3834">7930 2681 25797,'3'-4'2581,"-1"2"-3527,-2 2 946,-24-43 0,18 32 0,-18-31 0</inkml:trace>
+  <inkml:trace contextRef="#ctx0" brushRef="#br0" timeOffset="4892">2666 3572 10436,'-62'7'41,"1"0"1,-1 1 0,0-1 0,0 0 0,0 0-1,4 0 1,1 0 0,0 0 0,1 0 0,0 0 0,0 0-236,2 1 1,1-1 0,-1 0 0,2 1 0,0 0 0,3-1 599,-14 2 0,2 1 0,3-1 1,4 0-146,2-1 0,3 0 1,8 0 1228,-16 8-966,81-15 1,21-3-335,5 0 0,8-1 1,6-1-294,-11 1 0,3-1 1,4-1-1,1 1 1,1-1 168,-9 2 0,0-1 1,1 0-1,2 1 1,0-1-1,2 0 0,-1 1-137,-1-1 0,1 1 0,1-1 0,0 1 0,1 0 0,0-1 1,1 1-1,0 0 104,-3-1 0,0 1 0,0 0 0,1 0 0,0 0 0,1 0 0,1 0 0,2 0 0,1-1-39,-6 1 1,3 0 0,1 0 0,2-1 0,0 1 0,1-1 0,0 1 0,-1-1-1,0 1 1,-2 0 0,-2-1 0,-1 1 14,3 0 0,-3 0 1,-2 0-1,-1 0 1,0 0-1,1 0 0,1 0 1,4 0-1,3-1-43,-8 1 1,3 0-1,4 0 1,1 0-1,3-1 1,0 1 0,2-1-1,-1 1 1,0 0-1,-1-1 1,-1 1-1,-3 0 1,-3 0 0,-3 0-1,-4 1 39,17-2 1,-8 2 0,-3-1-1,-3 0 1,2 1 0,3-1-1,7 0 0,-16 1 0,3 0 0,3 0 1,2-1-1,1 1 0,2 0 0,1-1 1,0 1-1,-1-1 0,0 1 0,-1 0 1,-2 0-1,-3 0 0,-2 0-12,11 0 1,-2 1 0,-3-1 0,-2 1 0,0-1 0,0 1 0,1 0-1,1-1 1,2 1-21,-3 0 0,1 0 0,0-1 0,2 1 0,0 0 0,0 0 0,1 0 0,-1 0 0,0 0 0,-1 0 0,-1 1-120,4-1 0,-2 0 0,1 0 1,-1 1-1,1-1 0,-2 1 1,1-1-1,-1 1 0,0 0 1,0 0 146,-2 0 0,0 1 0,1 0 0,0 0 0,0 0 0,-2 0 0,-1 0 0,-3 0 0,-1-1 0,-4 1 0,18 0 0,-4-1 0,-4 1 0,-3-1 0,0 2 0,1 0 0,0 0 0,0 0 0,0 0 0</inkml:trace>
+  <inkml:trace contextRef="#ctx0" brushRef="#br0" timeOffset="6020">7632 5342 21875,'26'-43'833,"0"-1"0,0 1 1,9-16-1,-10 16-698,-20 36-107,-6 9 90,-25 24-62,-20 16-37,5-5 1,-4 4-521,10-11 1,-1 2 0,-1 0 505,-4 3 1,-1 1 0,1-1-284,7-6 1,2-1 0,-1 1 282,-3 2 1,-1 1-1,5-2 1,3-1 0,5 0-171,4 5 1,11-1 153,34 4 0,25-13-26,0-21 1,7-7-34,-2-1 0,4-3-515,-9 0 1,3 0-1,0 0 439,0-2 1,1 0 0,1 0-1075,-8 0 0,2 0 1,0-1-1,-3 1 1008,0 0 0,-1 1 0,-3-1 0,16-3 1,-8 2-1,-12 2 0</inkml:trace>
+  <inkml:trace contextRef="#ctx0" brushRef="#br0" timeOffset="7253">8587 5412 23694,'-1'-43'399,"-1"0"1,1 5 0,-1 11-394,2 23 754,5 22-704,12 35-56,-3-6-77,-1-4 1,-2 4 73,-6-10 1,-1 0-298,0 12 0,-2 1 308,-4 0 1,-3 0-15,-4 2 1,-2-2 141,0-15 0,-1-3-68,-17 18-29,11-35 34,0-25 257,8-18-313,5-9 0,2-5-12,2-1 1,3-4-129,0 5 1,1-4 0,1 4 133,1-6 1,2 0 1,-1 6 0,1-1 0,1 1-2,1-7 0,1 0 4,1 3 0,1-2 0,0 3-12,-1 1 0,2 1 13,14-15 1,2 6-22,2 16-18,11 4 1,3 5 11,-2 12-6,1 5 0,0 5 84,12 18-101,-20 9 1,-2 5 22,5 18-3,-22-2 0,-12 5-6,-24 1 1,-9-1-292,9-8 1,-4 0 314,-13 2 0,-9 2 0,1-7-456,4-8 0,-1-3 469,4-3 0,-2 2 0,2-5 25,1-4 0,3-3 1110,-8 1-967,14-9-146,25-8-33,14-3 630,22-3-625,4 1-14,-5 3 0,3 0-427,9 1 0,0 1 419,-8 0 0,2 1-38,3 0 1,4 1-1,-4 0-7,-4 0 0,-1 1 31,8 0 0,1-1-48,-4 0 0,-1-1-1390,-1-3 1,-2-1 1467,23-4 13,-24-2 0,-5-2 54,-13-7-32,1-3 60,-16-2 169,-16-3-218,5 9 1360,-19-1-1372,4 21 3378,-9 11-3400,6 2 22,-3 18-51,9-1-3385,0 22 3397,9-16-113,12 27 113,6-35-20,7 0 1,5-1 2,16-6 34,-2-10 0,0-4-1,8-8 12,17-22-16,-33 2 24,-2-6 0,0-3 43,1-18-26,-9 14 0,-2-3 42,-8-21-11,-19 5-56,-4 17 56,-34 4-56,22 23 17,-34 5 3300,34 17-3362,-5 12 138,19 11-239,15 8-229,14 7-487,15 3-377,-9-26 0,4-1 441,2-2 0,4-2 549,4-4 0,0-3 159,23 2 40,-21-16 0,1-6 159,0-7 0,-2-4 84,0 0 0,-1-4 364,6-9 1,-4-2-200,-1-6 332,-2-12-394,-24 26 488,0-12-627,-9 19 95,-14-3-218,-4 20-40,-8 9-22,6 14 0,8 1 651,7 22-662,12-14 22,8 15 1,13-16 38,7-9-16,4-8 33,-2-11 22,-5-11-16,-8-10 11,-7-10-45,-8 3 40,-4-15-23,-7 14-23,-3-8-10,-4 13-107,0 5-207,1 7-421,4 3-27,4 3-6620,24 1 7359,2 0 0,2-1 0,-11 1 0</inkml:trace>
+  <inkml:trace contextRef="#ctx0" brushRef="#br0" timeOffset="7453">10803 5005 22593,'0'-6'4307,"-1"1"-3579,1 5-274,-23-65-208,16 44-196,-5-17 1,0 10-40,11 29-33,0 20 33,1 22-23,0-9 1,0 3-496,0 9 0,0 2 378,-1 5 0,0 3-353,-1 2 1,-1 2-1138,-3 1 1,-1-1 119,2-13 1,-3 0 1498,-4 12 0,-1-7 0,3-14 0,-5 13 0</inkml:trace>
+  <inkml:trace contextRef="#ctx0" brushRef="#br0" timeOffset="7961">10614 5516 20302,'-3'-50'1669,"1"0"0,-3-7 0,0 6-1299,-2 10-269,-1-11-135,14 26-38,12 12-57,17 9-129,14 12-157,10 4-56,-26-3 0,1 1 255,2-1 1,1 0 58,0-2 0,0-1 140,0-1 1,-1-1 55,-1-3 0,-2-1 202,22-4 280,-17-5 100,-16-1 24,-14-1 5,-8 2-152,-5 3-218,-2 3 343,-5 3-601,0 8 12,-2 9-23,3 11-22,3 8-6,16 9 17,2-13-28,22 7 11,5-20 17,16-3 17,1-9 28,-5-17 16,-15-11 7,-13-15-7,-13-8 18,-16-3-1,-12 3-22,-17 11-22,-11 12-1,-4 12 6,-1 15-3380,1 19 3358,20-1-64,1 24 42,23-6-12,5 15-34,15 3-75,1-30 0,2-1-557,5-1 0,4-2 683,4-1 0,1-3 0,3 3 0,-3-8 0</inkml:trace>
+  <inkml:trace contextRef="#ctx0" brushRef="#br0" timeOffset="8604">13021 5619 23170,'-14'-51'1041,"1"-1"1,-4-5 0,0 7-739,1 12-326,-3-1-22,12 31 23,10 44 22,1-2-19,2 4 1,2 10-1,-1-1-1117,0 12 0,0 3 928,-2-17 1,0 5 0,0 0-1,-2 0-647,0 12 0,-1-1 1,-2 1-2423,-1 0 0,-1 1 0,0-3 3002,-1-8 0,0-1 0,-1-5 1,0 1-1,0-6 0,-2 1 1</inkml:trace>
+  <inkml:trace contextRef="#ctx0" brushRef="#br0" timeOffset="9512">12835 6558 10852,'-4'-51'1168,"0"-1"1,-1 1 0,4 1 0,-1-4 0,2 0-1,1 2-858,2-9 0,1 1 0,1-2-706,-1 7 0,2-2 1,-1-1-1,1 4 624,2-6 0,-1 2 0,1 2-94,-1 4 0,1 2 1,-1 0 43,-1 7 0,0 0 0,0 2-145,3-14 1,1 3 185,2 5 1,3 3-257,4 6 1,5 3-23,5 6 0,4 5 3,6 6 0,2 5 22,-7 2 1,2 7-76,7 12 1,4 8 0,-6 1-227,-11-4 1,-2 2 286,25 15 1,-6 8-46,-25 1 1,-10 3 524,-8-8 0,-3 1-407,1 7 0,-8-2 320,-17-5 0,-10-6-183,-16-2 1,-5-4-43,-1 2 1,-3-2-141,13-7 0,-3-1 0,4 0 11,-7 1 1,4-1-57,9 0 1,4 1-59,-7 7 704,26 15-1551,32-15-978,24 7 505,-7-22 1,4-5 226,9-3 1,2-4 571,8-3 0,1-3 292,-17 0 0,0-1 1,1-2 515,0-2 0,-1 0 1,0-2 143,-2-1 0,0-1 0,-2-1 356,14-10 0,-4-1 246,-5 0 1,-4-1-719,-11 8 1,-1 0 616,-1-4 1,-1-1 200,-5 1 1,-1 1-30,15-26 1257,-7 1-1449,-17 23 759,-8 12-1257,-8 8 575,-10 10-770,-20 18-73,9-1-1,-17 24-16,21-5-6,1 11 432,11-3-432,11-6-17,10-7 28,7-10 28,7-9 40,2-7 44,3-11-22,1-7-1,0-8 29,-3-2 34,-6 0 5,-7 6-73,-7 6-34,-3 5-21,-5 6-29,0 6-11,-3 5-11,3 9 33,3 3-16,10 2-12,11-1 0,13-4-10,13-4 38,12-7-238,-27-8 0,0-2 246,1-5 1,-1-4 14,-3-1 0,-1-6 33,1-11 1,-3-4-23,4-16-12,-14 6 1,-6-3-11,-7 8 0,-2-1-1,0-11 1,-2 0-4,-2 1 1,-2 2 53,0 6 0,-2 2 191,-8-19-107,1 23-135,3 16-72,3 12 17,4 14 16,1 15-5,0 23 5,2-14 1,0 3-277,0 7 1,0 2 256,1 5 0,1 2-51,-1 1 1,1 1-163,0 0 0,0 1-182,0-2 0,0-1-158,0-3 1,0-3-799,0-7 1,1-3-3666,1 15 4295,-2-26 1,-1-16-1,-2-8 1</inkml:trace>
+  <inkml:trace contextRef="#ctx0" brushRef="#br0" timeOffset="9954">14397 5573 14835,'-7'-37'3901,"-1"1"1,2-14-3250,-1 5 1,2-1-4,5-4-391,6 8-197,8 5-66,15 5-51,18 6-463,-16 13 1,3 1 431,5 1 1,2 1 13,2-2 0,1 1 39,-1-3 1,-2 0 35,-3-1 1,-3-2-5,-6-1 0,-2-2 114,10-19 95,-17 1 56,-14 1 140,-12 4 141,-4 3 635,-1 8-837,2 8 41,5 7-400,2 9 39,1 15-22,0 20-3,0-6 1,1 2-347,0 29 349,0-1 0,-2 4-587,-2-16 1,0 0 582,-1-3 0,0 4 1,0-4 5,-4 9 1,-1-5-121,0-6 1,1-4 123,-6 18 100,7-25 62,4-20-39,14-36-101,-1 1 5,4-6 1,2-2 56,15-21-1,-5 11 1,1 0-49,-7 13 0,1 0 15,7-7 0,0 4 6,8 2 1099,8 3-1133,2 14-23,1 19-128,4 17-275,-24-4 1,-2 5 397,3 9 0,-3 0 0,4 5 0,-6 2 0</inkml:trace>
+  <inkml:trace contextRef="#ctx0" brushRef="#br0" timeOffset="11004">15934 5354 22352,'-4'0'1854,"0"0"-1742,4 0-263,119-74-416,-66 59 1,4 6 0,-2-4 0,-3-13 0,-2-4 0,0 7 0,-5 17 0,0 0 0,1-1 0</inkml:trace>
+  <inkml:trace contextRef="#ctx0" brushRef="#br0" timeOffset="11180">16187 5476 26150,'41'-24'-159,"1"-1"1,0 1 0,2 0 0,0 0 0,1 4-989,-3 4 1,1 2 0,-1 1 202,16-5 1,-3 1 0,-17 5-1,-5 2 1,5-1 0</inkml:trace>
+  <inkml:trace contextRef="#ctx0" brushRef="#br0" timeOffset="11395">17469 4626 22811,'-5'-3'2308,"0"1"-2252,5 2-751,-9 5-1657,21 9 2352,3 9 0,5-5 0,1-4 0</inkml:trace>
+  <inkml:trace contextRef="#ctx0" brushRef="#br0" timeOffset="11529">17611 4671 18610,'-1'-3'5842,"0"1"-4144,1 2-1738,-28-13-436,29 28-4100,-10 2 4576,35 24 0,-7-12 0,-5-12 0</inkml:trace>
+  <inkml:trace contextRef="#ctx0" brushRef="#br0" timeOffset="12928">18757 4718 21075,'12'-51'1411,"0"0"0,-2 5 1,-3 14-1299,-6 29 228,-9 26 6,-12 26-229,2-9 0,-4 6-858,3-8 1,-2 2 0,-1 2 741,-5 6 0,-1 2 0,0 2-441,4-10 1,0 0-1,-1 2 1,1 0 312,-1 2 0,0 1 0,-1 0 0,2 0-825,0 2 0,0 0 0,1 0 0,1-2 656,-3 9 0,1-1 0,3-5 0,-1 3 0,4-6 0,-1 4 0</inkml:trace>
+  <inkml:trace contextRef="#ctx0" brushRef="#br0" timeOffset="14515">19325 5095 21433,'3'-50'911,"0"0"0,-1 5 1,-5 10-543,-18 21-122,-8 9-85,-9 17-100,-7 16-40,18-6 0,1 4-561,-3 5 0,1 2 544,0 3 1,1 1-9,2 1 1,4 0-4,4-9 0,3-1 124,3 8 0,6-3-140,12 2 44,12 2 17,19-29-5,11-24 5,-21 1 0,0-5-151,4-7 1,-1-3 198,1-5 0,-2-2-398,-1-2 0,-2-2 398,-2 1 0,-2 0-9,-4 3 1,-2 3 860,9-20-771,-12 21-162,-7 19-68,-7 27 57,-3 4 16,-5 35-56,-1 6-153,3-19 1,0 1-150,1 2 0,1 1-522,0-3 1,2-1-405,4-5 0,2-2-4866,11 13 5342,7-21 1,-6-15 0,-6-8 0</inkml:trace>
+  <inkml:trace contextRef="#ctx0" brushRef="#br0" timeOffset="14958">19779 5005 12645,'21'-40'1947,"0"0"1,-1 0 0,4-6 0,-2 2-609,-6 3 0,-3 3-326,-5 1-391,-1-5-398,-9 29-190,-2 15 33,-1 16-11,-4 19-17,-1 21-323,3-21 0,0 2 272,-1 6 1,0 1 3,-2 5 0,-1 0-1,-1 2 1,0-1 5,-2-3 0,1-1 11,0-8 1,2-2 13,-7 15 169,7-25 235,7-19-280,21-44 44,2-4-101,-2 4 1,3-2-344,-4 5 1,2 2 298,0 0 0,1 0 0,19-19 518,-1 12-557,-5 15-23,-4 12-6,-3 14 12,-2 13 6,0 24-1,-9-8-16,-4 24 10,-16-14 24,-11 13 373,-17-5-377,12-28 1,-3-2-4,-2-4 1,-2-3 5,-30 4-44,4-13-191,12-16-746,16-12-2031,22-17 3001,36-16 0,-14 24 0,15 1 0</inkml:trace>
+  <inkml:trace contextRef="#ctx0" brushRef="#br0" timeOffset="15649">20615 4905 24570,'-55'19'291,"0"0"1,5-1-1,7 6-238,20 6 0,6 2-41,-7 13 4,12-11 1,4-1 0,6 11 0,8 10 5,11-8 34,12-11 23,9-14 27,3-17 0,1-17-5,-3-17 22,-7-15 6,-7-11-17,-11-4-314,-7-3 337,-10 6-1,-7 7-3230,-12 11 3136,5 19-18,-11 9-33,11 19 5,-3 6-11,4 12 209,7 6-254,5 7 3264,11 0-3673,10 1-414,16-4-246,11-8 190,9-12 409,4-11 490,-19-14 0,-1-3 137,7-3 23,7-14 296,-31 9 230,-6 1 62,-3-4-118,-6 6-73,-6 5-419,-1 7 21,-3 6-38,-4 10-12,-6 26-45,7 0-16,-1 9 22,17-8-28,-1-16 11,18 13-11,6-12 17,15 1-3,-13-18 0,1-3-25,12-3 25,-12-8 0,-3-5 64,3-16 48,-13 3 0,-3-4 81,4-22-118,-14 20 1,-3 0 0,-6-7 44,-4-1-55,-3 19-46,0 1-94,3 12-130,3 8-335,8 13 11,0 1-1390,12 17 1905,1 5 0,-6-12 0,-1 0 0</inkml:trace>
+  <inkml:trace contextRef="#ctx0" brushRef="#br0" timeOffset="15949">21482 5319 24732,'29'-52'560,"0"-1"0,1 0 1,0 3-494,-5 13 0,-1 2-491,-3 4 1,-1-1 479,4-14 0,-2-3-445,-6 6 0,-2-1 481,3-11 1,-3-1 30,-4 6 1,-5 1 63,-4 4 1,-4 4 378,-8-10-521,-4 18 0,1 25-23,0 21 408,0 10-396,-3 25-34,10-18 0,0 2 418,-3 26-430,4-17 1,1 5-99,3-4 0,1 2 0,0-1-36,-1 4 1,2 0-574,1 2 1,0 4 0,3-6-766,1-9 0,1-3-127,-1 1 1,1-1 882,7 25 1,-9-41 0,0-1 0</inkml:trace>
+  <inkml:trace contextRef="#ctx0" brushRef="#br0" timeOffset="16175">21460 4989 24425,'44'-25'34,"0"1"1,0-1 0,-3 2-1,0 1 1,-2 7 29,11 8 1,-3 6-51,-12-3 0,-3 2-25,24-3 5,-35 3-727,-12 0-539,-7 1 1389,-1-2 1,-1 1 0,0 0-1</inkml:trace>
+  <inkml:trace contextRef="#ctx0" brushRef="#br0" timeOffset="23795">22631 4556 18744,'28'-56'1206,"0"-1"1,0 1 0,2-2-1,1 0 1,-4 13-821,1 8-257,4-4-50,-22 44 56,-16 30-82,-3 0 0,-3 5-22,-7 15 0,-3 5-834,3-11 0,-2 3 1,-1 0 809,2-7 0,0 1 0,-1 0 0,0 1-30,-3 3 1,-1 1-1,0 0 1,0 0-105,0 0 1,-1 1 0,1 0 0,0-1-300,1-2 1,0-1-1,1 0 1,2-2-1678,-3 8 0,3-1 0,1-3 2103,0 7 0,5-6 0,1 4 0,12-29 0</inkml:trace>
+  <inkml:trace contextRef="#ctx0" brushRef="#br0" timeOffset="24238">23276 4665 19053,'0'-3'4548,"0"0"-3215,0 3-1216,-33-11-55,14 21-12,-25-5-16,28 24-12,5-3 34,6-4 63,7-8 110,5-7-10,8-9-74,8-9 18,6-10 49,0-4 52,-4-3-52,-8 2-66,-7 3-34,-8 5-56,-7 6-45,0 6 28,-5 2-55,1 7 10,-4 4-11,-1 5-50,0 6-235,2 5-1037,4 4-5444,4 4 6783,4-3 0,0-10 0,2-7 0</inkml:trace>
+  <inkml:trace contextRef="#ctx0" brushRef="#br0" timeOffset="24688">23147 5128 25292,'-25'32'196,"0"-1"1,-8 21-91,53-44 6,6-6-5,2-8 16,-2-6 50,-4-6 57,-5-2 0,-7-2-34,-4 1-34,-6 5-100,-5 7-40,-7 5 12,-9 10-12,-5 7-11,-4 9-5,3 6-12,5 5 6,11-11 17,6 4 28,12-17-12,5 0 23,6-6 28,1-7 23,1-13-68,-7 3 23,-2-15-6,-7 11 5,-3-5-61,-3 8-78,-2 4-757,0 7 835,-2 2 0,4 2 0,-1 0 0</inkml:trace>
+  <inkml:trace contextRef="#ctx0" brushRef="#br0" timeOffset="27570">23869 4897 17087,'1'-7'3148,"6"-32"0,2-4-2790,-3 20-241,2-19 1,1 5 190,-5 30-145,-1 4 21,-2 12-27,-4 14-78,-5 20-57,-2-2-5,-1-2 0,-1 2-12,-3 17-246,6-16 1,1 0 257,6 16 5,6-19 130,24-11 4,3-24 36,20-12 65,1-20-117,-24 7 0,-2-2-11,16-17 36,-16 7 0,-2-1 3,3-10-118,-11 12 1,-1 1 22,-4-7-28,-6 11-96,-5 13 443,-1 8-667,-1 13-475,1 9-886,4 12-6441,11 16 8077,0-11 0,1-5 0,-7-18 0</inkml:trace>
+  <inkml:trace contextRef="#ctx0" brushRef="#br0" timeOffset="28020">24616 4853 21147,'9'-44'1286,"1"0"1,-2 4 0,-3 6-805,-8 13-253,-1 8-178,0 7-23,2 12 5,2 8-21,0 4 27,3 28-28,3-5 0,3 9-8,0-18 0,2-2 2,0 3-5,2 1 0,0 1-56,-4 6 28,3 5-95,-17 3 56,-5-27-135,-9 3 0,-6-2-302,-19-2 84,10-8 0,-1-2-168,-15-4-516,18-13 1,2-7-834,0-14-383,0-27-107,36-7 2026,4 27 1,3 1 411,15-19 437,-6 21 0,0 3 45,-1 3 897,16-14 1315,-15 18-952,-4 2-392,-4 4-666,-10 10-331,-10 6 489,-5 10-528,-10 9-129,-7 13-107,-4 9-27,0 7-68,3 4-569,5 2-2427,7-3 2368,7-10 0,6-17 0,3-12 1</inkml:trace>
+  <inkml:trace contextRef="#ctx0" brushRef="#br0" timeOffset="28655">25072 4798 25931,'-28'56'50,"0"0"1,4-5-1,12-7 23,29-8 6,14-14 16,7-11 17,4-19-11,4-11-1,1-15-10,-1-10-31,-24 20 0,-2-1 64,11-28-28,-12 2 39,-10 4-27,-10 8-29,-7 9-11,-6 11-55,-5 6 27,-3 8-6,-2 6-27,5 4 5,-15 16 6,8 4 33,-12 16-55,10 5-51,9 6 39,11 4 0,16 0-5,13-3-272,14-6 266,10-10 11,3-12 12,2-12 21,-2-14-10,-2-12-17,0-13 22,-1-8 11,-4-7 1,-5-6 22,-5 0-6,-4 1 6,-1 6 22,4 5 11,6 6-33,-5 9 67,24 0-28,-16 12-45,17 1-16,-19 16 16,-9 10-34,-11 2 244,-8 29-271,-11-6-160,-2-11 0,-2 3-1987,-3-4 1,-2 0 2168,-11 24 0,7-20 0,6-16 0</inkml:trace>
+  <inkml:trace contextRef="#ctx0" brushRef="#br0" timeOffset="29688">24183 5686 17419,'-52'0'1195,"0"0"1,0 1 0,-9-1 0,12-1-384,25-4-263,63-4-387,4 3 1,8-1-1579,-3 2 1,4 1 0,3 0 1440,-6 1 0,2 0 0,1 0 0,1 0-14,6 1 0,1 0 1,1 0-1,0 0-307,-11 1 0,1 0 0,1 0 0,-1 0 0,0 1 205,12-1 0,1 0 0,-1 1 0,-1-1-194,-3 1 1,0 0 0,-1 0 0,-2 0-216,-5 0 1,-1 0 0,-1 0 0,-2 0-144,4 1 1,-2-1-1,-4 1 111,3 0 1,-13 1 256,-23 3 583,-68 0-17,0-2 1,-8 0-93,10-1 1,-4 1 0,-1-1-44,8 1 1,-1-1 0,-1 1 0,-1 0 16,-3 0 1,-2 0 0,0 1 0,0 0 36,-1 1 0,0-1 0,0 1 0,0 1-17,2-1 0,0 1 0,1 0 1,1 0-71,5 1 0,1-1 1,1 0-1,1 2-98,-9 2 1,3 1 0,4-1-20,2 0 0,7 0 72,-15 13 1135,59-13-910,27-1-219,2-6 0,6-2-355,18-1 0,6-2 284,-11 0 0,3-1 1,1 0-27,-7 0 0,0-1 0,2 0 0,0 0-4,3 0 0,1 0 0,1-1 0,-1 1-42,1-1 0,1 1 1,-1-1-1,-1 1 330,-2 0 0,-1 1 1,-1-1-1,-1 1-381,12-2 0,-2 1 0,-5 0 29,-4 0 0,-6 0-20,6-3-6,-88 4 104,0 2 1,-6 0 9,1 0 1,-4 1-1,-1-1-210,-11 1 0,-2 0 0,-2 1 221,9 0 0,-1 1 1,-2-1-1,0 2-9,-4-1 0,-2 1 1,-1 1-1,1-1 88,11 1 1,0 0-1,0 0 1,0 0-1,1 1 19,-9 0 0,0 0 1,2 1-1,2-1-45,-6 2 0,3-1 0,6 1 403,0-2 1,20 3-21,33-1-208,43-4-366,13-4 0,9-2 219,-20 1 0,2 0 0,3 0-54,-3 0 1,3 0 0,2-1 0,3 1-25,-1 0 0,4 0 0,1-1 1,-1 1-1,-4 0-14,-3 0 0,-3 1 0,0-1 0,3 0 0,1 1 1,4-1 0,1 0 0,-2 1 0,-5-1-12,4 1 1,-4-1-1,1 0-178,8 0 1,0 0 0,-2 0-771,-11 0 0,-3 0 0,-3 0 952,2-1 0,-6 1 0,0-1 0,-27 2 0</inkml:trace>
+  <inkml:trace contextRef="#ctx0" brushRef="#br0" timeOffset="37608">16268 7958 14387,'23'-40'1603,"0"1"0,1 0 0,5-11 0,1-1 1,-5 8-395,5-10-1027,-9 15 0,-3 6 81,-12 22-117,-16 29 89,-18 30-140,2-7 1,-6 7-835,4-9 1,-4 4 0,-1 1 0,2-2 749,-2 2 0,0-1 1,-1 1-10,2-2 1,-3 1 0,0 1 0,1-1-27,3-3 0,1-1 1,-1 0-1,-1 4-783,0 1 1,-1 3-1,-1 2 1,1 0-1,1-3 289,-2 3 0,1-1 0,0 0 0,1 1 518,1-1 0,-1 4 0,0 0 0,4-7 0,8-10 0,-4 6 0,7-11 0</inkml:trace>
+  <inkml:trace contextRef="#ctx0" brushRef="#br0" timeOffset="39132">16923 8417 15071,'24'-51'1001,"1"-1"0,-1 1 1,-4 10-1,-1 1 1,-3 3-204,-2-3 0,-5 6-65,-2 3 29,-11-14-508,-5 35-35,-31 13-97,14 11-44,-12 17 1,-2 5-51,-2 11-516,9-7 1,-4 9 0,3-2 506,4 0 1,1 1-17,1 3 1,0 3 0,3-4-15,5-7 0,6-2 5,4 11 1,7-7 5,13-17 11,23 6 39,8-40-28,-10-5 1,0-4-157,5-7 1,-1-5 228,2-6 0,-1-2 45,-1-4 0,-3-2 374,-3-1 0,-3-2-413,-4 2 0,-2 0 33,-5 2 1,-1 1-245,-4 8 0,-1 2 255,-1-10 158,-4 15-281,-7 18 340,0 6-345,-17 33-6,5-6 9,-4 15 0,-1 2-20,3 3-54,-1 8 1,1 4-671,8-14 1,3-3 535,-3 2 1,2 0-312,5 0 1,6-5-825,16-4 34,5-5-442,9-26 1,4-10 1145,-6-5 0,1-6 76,17-8 1,1-6 659,-5-4 0,-3-4 241,0-4 0,-2-3 249,-3-1 1,-2-3 121,-11 11 1,0-1 0,-3 2-437,0-1 1,-2 0 207,4-8 0,-3 3 316,-5 1-184,0-1 1573,-8 16-1982,-4 11-213,-2 10-17,-1 12 45,-2 28-57,-1-2-13,-2 4 0,-2 3-58,-3-3 1,0 0 62,-1 0 0,-1 3-3,-6 10 1,-4 4 0,2-5 2,5-12 1,-1 0-6,-4 10 1,-2 5 0,2-7-9,-3 9 38,0-4 69,13-25-29,11-27-40,14-20 18,12-21-21,-9 16 1,2-1-198,2-3 0,1 1 223,0 0 0,0 2-9,-1 3 1,0 1 938,18-14-980,-6 16 10,-7 12-27,-3 14 6,-8 5 10,13 27 6,-14-11-5,2 8 0,-1 4-1,-4 10-2,-7-11 0,-2 0-3,-11 12-6,-11-13 1,-7-2 16,-18 6-6,10-13 1,-2-3 33,-20-4-5,9-17 470,12-17-515,16-16-62,17-13-90,22-7-175,-2 26 0,5 1 164,4 0 0,5 1 22,15-5 1,0 3 126,-14 8 0,0 0-397,18-6 1,0 1 429,-16 10 1,-1 1-9,8-3 0,1 0 8,-6 3 0,-1 1 43,19-7 83,-19 6-55,-20 5 111,-14 2 286,-11 4-380,-9 2 847,-10 9-764,-18 16-157,13-2-17,7-1 1,2 3-228,-2 18 211,1 14 0,12 1 0,17-2 11,27-3 22,-2-21-11,-2-15 0,3-6 1,13-9 10,10-11-16,-6-13 44,-8-15-220,-8-10 271,-9-7-22,-9-5 44,-11-2 45,-11 5-39,-10 9-12,-12 13 184,-7 15-245,-2 10-40,2 13-21,8 7-12,9 9-61,10 7 186,11 4-685,12 6-1216,14 1-3123,-4-15 1,3-1 2464,7 5 0,0-3 1,-26-21-1</inkml:trace>
+  <inkml:trace contextRef="#ctx0" brushRef="#br0" timeOffset="39458">18768 8460 19820,'0'-4'4890,"0"1"-3198,0 3-1676,-31-21 52,12 36 44,-25 4-112,28 22-28,4 19-12,16-25-16,11 4 51,15-11 16,15-14 6,6-17 0,3-14 50,-1-15 50,-6-10-627,-7-6 594,-10-3 0,-11-1-39,-10 3-34,-7 8-33,-4 10-124,-1 15-190,0 11-621,1 17-533,4 14-4638,7 18 6128,2 2 0,-1-15 0,-2-13 0</inkml:trace>
+  <inkml:trace contextRef="#ctx0" brushRef="#br0" timeOffset="39759">19338 8794 25034,'24'-46'211,"-1"0"1,1 1 0,-2 0 0,1 1-1,0 1-144,-1 4 0,1 1 1,-2 1-1167,8-15 0,-1 2 1143,-1 0 1,-1 0 58,-6 9 1,-3 2 966,-3-14-935,-4-4 10,-17 15-5,-9 13-129,1 15 502,-6 11-502,5 19 6,-7 16-17,-4 24-287,13-19 1,1 2 283,-1 7 1,3 2-35,2 3 1,2 0-31,1 1 0,3 1-306,8 8 1,3-2 83,-4-19 1,3 0-1107,11 20 1,2-4-1211,-2-11 2605,-2-8 0,-1-5 0,-6-14 0,-2-3 0</inkml:trace>
+  <inkml:trace contextRef="#ctx0" brushRef="#br0" timeOffset="39932">19282 8579 25763,'37'-45'59,"0"-1"1,-4 5 0,2 8-175,-5 26 1,3 5-830,25-5 1,0 1-1,4-1 1,-19 3 0,0 0-1</inkml:trace>
+  <inkml:trace contextRef="#ctx0" brushRef="#br0" timeOffset="40409">20243 8405 17574,'12'-48'1117,"1"-1"0,-1 0 0,1 2 0,-1 1 0,-3 12-681,-4 10 225,3 0-554,-6 21 173,1 18 33,-9 28-1813,-8 8 0,-2 6 1537,4-15 0,-4 3-14,-2 0 1,-5 7 0,-1 1 0,0-4-585,-1-2 0,0-3 0,-1 3 504,-3 4 1,-2 4 0,0-1 0,2-4-88,0-2 0,2-4 1,-2 3-1031,1 0 1,-3 4 0,2-1 0,4-6-1625,-1 2 0,1-2 2798,0 3 0,-1 3 0,6-11 0,6-6 0,2-5 0</inkml:trace>
+  <inkml:trace contextRef="#ctx0" brushRef="#br0" timeOffset="40625">20664 8641 5590,'-28'54'0,"1"-1"0,5-10 0,0 0 0</inkml:trace>
+  <inkml:trace contextRef="#ctx0" brushRef="#br0" timeOffset="41625">20734 9084 11430,'7'-39'3674,"-1"1"0,4-24-2993,-2 7 0,1-1-186,-3 16 1,0 3-149,3-18 1390,5-7-1485,-5 33 408,5-4-625,-4 22 297,2 12-309,1 14 776,-3 3-759,0 39-12,-7-21-3,-6 9 0,-4 3-8,-8 10-245,1-18 1,0-2 233,-7 8 78,-9-4 89,16-27-38,-4 0-90,11-25-6,3-12-17,2-5 34,8-33-50,-1 25-1,10-17 1,2 0 16,1 8-248,4-1 0,2 2 243,0 14-144,6 5 1,3 1 160,21-2-29,-13 9 1,1 2-12,-5 6 1,0 4-12,5 5 0,-1 2 12,13 5 5,-21 3 0,-4 5 5,-2 15-5,-3 17 0,-17 10 245,-11-26 0,-5 0-234,-5 2 1,-4-1 4,-10 5 1,-2-2 11,-12 12-11,16-22 0,3-4 340,8-9-284,7-13-101,11-9-6,18-24 57,9-6-264,-7 13 1,1-2 251,2-1 1,2 0 7,-1 0 1,1 0-1,-2 3 1,0 2 376,19-15-402,-8 14 0,-4 12-16,-5 8 16,-6 7 6,7 20 6,-14 9 5,3 22-22,-13 4 255,-8 3-278,-3-2-11,1-7 6,3-10 202,11-12-208,10-14 11,14-12 23,12-16 22,12-11-441,-27 8 1,1-2 434,17-14-33,-16 6 1,-3-3 49,3-12 17,-11 13 0,-3-1 57,-4-9-62,-13 10-12,-4 14 17,-10 10-39,0 15 820,-6 10-826,0 12-27,2 8 16,3 4 17,8 0-6,2-11 387,16 3-381,6-19 74,16 1-74,4-18-34,4-13 45,-3-13-5,-5-14 28,-10-10-297,-12-9 370,-8-5 10,-10 1-5,-6 6-11,-9 12-45,0 14-89,-1 15 16,4 10 22,2 15-61,3 10-112,2 14-548,4 10-1553,4 9 2269,10 7 0,-4-27 0,5-4 0</inkml:trace>
+  <inkml:trace contextRef="#ctx0" brushRef="#br0" timeOffset="42348">22719 8610 23327,'5'-48'1036,"0"0"0,0 5 0,-1 7-705,0 11-219,-1 12-90,-2 11 12,-1 17-18,-5 19-27,-7 24 11,3-20 0,-2 2-596,-3 4 1,-1 1 581,-3 3 0,-1-1 45,-1 1 0,-1-2-26,1-3 1,0-3-20,4-7 0,1-2 53,-5 8 28,12-22-22,13-23-51,11-16 29,13-15-18,9-11 6,-16 23 1,0-2 202,1 1 1,1 0-207,-1 2 1,1 0-118,4 1 1,0 2 108,5-3-11,2 6-23,-19 18-28,-1 8 57,3 9-46,0 14 738,-2 7-783,-1 4 188,3-1-316,4-5-118,11-6-3599,20-10 3824,-12-9 21,20-14-30,-21-12 144,11-13 83,-4-11 162,-5-6 62,-13 1 117,-14 0-358,-13 18-11,-18 6-12,-12 22-27,-15 11-23,-1 14-16,4 19 10,20-12 29,11 17-6,25-22 0,13 4-6,17-9-39,11-11 6,5-6-11,1-12 3366,-5-8-3300,-7-23 169,-22 9-118,-23-6 1,-8 0-63,-9 5-27,-18-19 44,-11 22-420,-12 4 381,19 9 0,-2 2-14,-4 2 1,1 4 2,-17 3-6,10 6-56,23 11-3872,12 10 3212,2-4-3754,8 15 4476,6-15 0,-1-3 0,-1-9 0</inkml:trace>
+  <inkml:trace contextRef="#ctx0" brushRef="#br0" timeOffset="43015">23664 8924 22671,'7'-54'1040,"0"0"0,0 9 0,-2 8-928,-1 13-67,-2 16 11,-1 27-28,-1-3 0,-5 38-28,-9 0 0,-2 2 8,-2-8 1,-2-2-437,0 2 442,1-6 0,2 1-8,6 1 33,8-11-5,10-11 55,35-39 18,1-9-71,-17 9 0,1-3 104,7-11 0,-1-3-483,-9 9 0,0 0 421,11-12 1,1 1-54,-13 13 0,1 2 45,15-5 0,1 4-42,3 3-11,7 5 0,2 5 15,7 14-29,-16 2 0,-3 4-3,7 15 0,-25-4 0,-5 6-549,-9 9 0,-8 3 549,-7 8 0,-2-1 0,4-10 0,-2-4 0,-20 19 0</inkml:trace>
+  <inkml:trace contextRef="#ctx0" brushRef="#br0" timeOffset="46245">20815 9281 17540,'34'28'1995,"24"-5"-1911,-20-19 0,4-3-1596,16 1 1,4 0 1526,-14 0 0,2-1 0,2 0-633,6 1 0,3-1 0,1 1 573,-11-1 0,2 1 0,0 0 1,1 0-94,5 0 1,0 1 0,1 0 0,0 1-146,-10-1 1,1 0 0,0 0-1,0 1 1,0 0 32,0 0 0,0 1 1,-1 0-1,1 1 0,-1-1 197,10 2 0,0 0 0,-1 1 0,-1 0-177,-6-1 0,-1 0 0,0 1 0,-3-1-601,5 1 1,-1 1-1,-5-1 548,4 1 0,-9-1 731,-8 2 79,-57-5-455,-7-3 1,-6-2-31,-13 1 0,-5-2 162,11 0 0,-3-1 1,0 0 17,-8 0 0,-1-1 0,-2 1-4,9-1 0,-1 0 1,-1 0-1,-1 0 95,-4 0 1,-1 0 0,-1 0 0,0 0 5,-4 0 0,-1 1 1,-1-1-1,1 1-123,11 0 0,0 1 0,-1-1 0,1 1 0,0 0-27,-11-1 1,0 1-1,0 0 1,1 1-27,5-1 0,0 1 0,1 0 0,2 0-301,-10 1 1,3 2 0,2-1 243,11 1 0,3 0 0,3 2-36,-3 2 0,8 3 29,3 11 832,46 4-793,36 0-79,-8-13 0,6-1 377,13-1 1,5-2-404,-14-3 0,3 0 1,2-2-16,-9 0 1,2-1-1,0 0 1,1-1-377,5 1 1,0-1 0,2-1 0,0 1 298,3 0 1,0-1 0,1 1-1,1-1-13,-12 0 0,1 0 0,0 0 1,1 0-1,-1 0-261,0 0 1,0 0 0,0 0 0,0 0 0,-1 0 315,12 0 1,-1 0 0,0 0 0,-1 0-46,-4-1 1,-1 1 0,-1-1 0,-1 1-61,9-1 0,-3 0 0,-2 0 97,10-2 0,-10-1-16,-7-1 1030,-41 1-1000,-33 1 0,-17 3-19,-2-1 0,-5 1 308,4-1 1,-4 0-1,-1 0-251,-8 1 1,-3-1 0,-1 1 49,10-1 0,-2 0 1,-1 1-1,-1 0 72,-4 0 0,-1 2 0,-1-1 0,-1 1-87,10-1 1,0 1 0,0-1 0,-1 1-1,1 1 119,1-1 0,-1 2 1,0-1-1,1 1 1,2 0-31,-9 0 1,2 1-1,1-1 1,2 2-217,-4 0 0,2 0 1,6 0 126,-2 1 0,15 2 86,29 1-10,67-4-65,-2-7 0,8-1 123,-11 0 1,3 0 0,4-1-172,-10 0 1,4 0 0,1-1-1,0 1 1,-4 0 146,-1 0 1,-3 0 0,0 0 0,1 0-151,10 0 1,1-1 0,0 1 0,1 0 9,-2 0 1,0 1 0,-1 0-1,-1 0-49,-9 0 1,-1 1 0,-1-1 0,3 1-33,6-1 0,2 1 1,0-1-1,-1 0-558,-2 1 1,1-1 0,-3 1 0,-4 0 626,-2 0 0,-4 0 0,0 0 0,21-1 0,-5 0 0,4 1 0</inkml:trace>
+  <inkml:trace contextRef="#ctx0" brushRef="#br0" timeOffset="52596">20386 9109 13441,'7'-44'926,"0"-1"0,-1 6 0,-1 3 1280,-2-1-1707,-2 14 504,2-21-690,-1 27-117,3-7-157,-1 15-69,2 3 58,-4 6 87,3 6-43,-1 7-27,1 12-28,-2 10 28,-4 7-6,-2 5-28,-1 4-5,0 1-12,3 2 23,1-3-12,3-1-5,3-4 28,6-5-28,4-2 0,4-5 23,2-2-12,3-2-11,4-4 50,4-5 34,7-9-16,13-5-40,-21-7 0,2-1-14,6 0 0,-1 0-171,-5-1 1,0 0 161,22 1 1,0 0-488,-14 3 0,0-1 479,18 2 0,2 1 11,-13 1 1,-2 2-243,-3 1 1,-1 0 233,-2 0 0,0 2 0,-3-1 0,0 0 5,0 1 1,0-1-9,-1 0 0,3 1-8,10 1 0,0 0-1,-15-3 1,0-1-315,17 4 0,1 0 323,-15-4 1,-1 0-4,-1 0 1,2 1 16,19 2 0,1-1-11,-18-2 0,1-1 14,16 3 0,1-1-11,-4-1 0,-5 0-6,-15-4 0,-1 1 6,8 1 0,-1-1 84,5 0-76,11 1 22,-3-2-10,-1-1-23,3-1 5,3 0 18,1 2-12,1 2-11,-3 3 11,-14-1-44,13 4 33,-22-3 876,13 2-865,-12-5 520,3-1-503,8-2-6,10 1 110,-24-1 1,2 0-153,3 1 1,0 0 16,0 1 0,1 0-1522,7 3 1,-1 0 1524,14 3-76,-21-3 0,-2-1 93,4 0 14,6 0-3,-3-4 0,3-1-17,5-1-28,8 0 20,-27 0 0,2 0 29,0 0 1,1 0-39,1 1 1,0 1 27,-2-1 1,0 0 16,30 4-22,-6-2 0,-3-1 11,-3-1-6,-1-4-33,1-3 22,2-2 0,2-3-5,1 0 39,-5-2 22,-7 0 3236,-12-3-3214,-11-1 203,-8-2-258,-4-4 1,0 1-13,0-1 337,2 2-348,-1 0 35,-2 1-24,-1-1-5,-4 1 0,-1 0-23,-3-4-5,-9-5-158,-12-5-1482,-24 1 1651,-8 7 0,15 12 0,11 7 0</inkml:trace>
+  <inkml:trace contextRef="#ctx0" brushRef="#br0" timeOffset="56202">16171 8996 10539,'-62'9'416,"1"-1"0,12-4 1,6 2 368,-8 22 32,23-13-139,-4 3-454,11-6 61,6 2-100,10-4 95,7 4 23,11-1 22,14 4-51,16 1-170,-6-4 0,1-1-65,20 6-477,-10-5 1,1 0 468,-12-4 0,0 0 2,14 2 1,2-1-9,4 1 1,2 0-10,-17-5 1,1 0 0,2 1-490,2-1 0,2 0 0,1 0 540,4 1 0,2-1 1,1 1-493,-11-2 0,2 0 1,0 0-1,2 0 481,3 0 0,2 1 0,1 0 0,0 0-13,4 0 1,1 0-1,1 0 1,2 1 26,-10-2 0,1 0 0,2 1 0,1-1 0,-1 0 0,-1 0-407,6 1 1,0-1-1,-1 0 1,0 0 0,0 0 353,-1 0 1,-1 0 0,1 0 0,0-1 0,0 1 17,0-1 1,1 0 0,-1-1 0,0 0 0,-2 0-2,-6 0 1,-1-1 0,-1 0 0,1 0 0,2 0-5,1 0 1,2 0 0,2 0 0,0 1 0,-1-1 0,-2 0-158,0 0 0,-2-1 1,-1 1-1,1-1 1,2 1 162,-1-1 0,2 1 1,0 0-1,2 0 1,-1-1-1,1 1-80,4 0 0,-1 0 0,2 0 0,0 0 0,0 0 0,1 0 77,-8 0 1,1 0 0,-1-1-1,1 1 1,1 0 0,0 0 0,1 1-40,-1-1 0,1 0 0,2 0 1,0 1-1,-1-1 0,0 0 0,0 1 1,-3-1 25,1 1 1,-1 0 0,-1-1 0,0 1 0,-1 0 0,1 0-1,-1 0 5,1 0 1,0 0 0,0 0-1,0 0 1,-1 1 0,1-1 0,-1 0 16,8 1 0,0 1 0,-1-1 0,0 0 0,0 0 0,0 1-40,-2-1 1,-1 0 0,1 0-1,-1 0 1,-1 1 0,0-1 29,-3 0 1,0 0 0,0 0-1,-1 1 1,0-1 0,-1 0 5,7 1 0,-1 0 0,0 0 0,-1 0 0,-1 0-5,-5 0 1,0-1 0,-1 1-1,0 0 1,-2 0 130,6 0 0,-1 1 1,-1 0-1,-2-1-131,9 2 1,-2-1 0,-3 1-16,-8-1 1,-3 0 0,-1 0 584,8 1 0,-5 1-776,14 6 685,-31-3-512,-38 1 0,4-6 0,-15-1 0</inkml:trace>
+  <inkml:trace contextRef="#ctx0" brushRef="#br0" timeOffset="58080">18518 6213 7240,'-63'-1'655,"0"0"0,0 0 1,7-1-1,1 0 1,2-1 150,-10-3 1,7-1-401,17-1 0,10-4-344,16-10-57,30 5 12,14 7 0,9 3 11,-1 2 0,6 2 0,0 0-757,3 0 1,2 0 0,2 1 735,-3 0 0,2 1 0,0 0 0,0 0 9,-3 1 1,-1 0 0,1 1 0,0 0 2,4 0 1,2 0 0,-1 0-1,-2 1-12,7-1 1,-2 1 0,6 0 24,-6 1 1,5-1-1,3 2 1,0-1-1,-4-1-607,1 1 1,-2 0 0,0 0 0,5 0 642,-6 0 0,4 0 0,2 1 1,1-1-1,-1 0 0,-1 0-321,-6 0 0,1 0 1,-2-1-1,1 1 1,0-1-1,1 1 283,3-1 1,2 1 0,-1-1 0,1 0 0,-2 1 0,-2-1-222,2 0 0,-3 0 0,0-1 0,1 1 0,5 0 254,-9-1 1,4 0 0,2 0 0,2 0-1,0 0 1,0 0 0,-3-1 0,-2 1-78,4-1 1,-2 1 0,-3-1-1,1 0 1,2 0 0,4 1 30,-8-1 0,2 0 1,2 1-1,1-1 1,2 0-1,-1 1 1,0-1-1,-1 0 1,-2 1-3,1-1 0,-2 0 1,1 0-1,-1 1 1,-1-1-1,1 0 1,0 0-1,0 1 9,2-1 1,0 0-1,0 1 1,0-1-1,1 0 1,-1 1-1,1-1 1,-1 1 1,1 0 1,0-1-1,1 1 1,-1-1 0,0 1-1,1 0 1,-1 0 0,0-1 8,0 1 0,0 0 0,0-1 0,-1 1 0,1 0 0,0 0 0,-1-1 0,0 1 1,-1 0 1,0 0-1,-1 0 1,1 0-1,-1 0 1,0 0-1,0 0 1,-1 0 24,6 0 1,0 0-1,-1 0 1,0 0 0,0 0-1,-1 0 1,-1 0-4,-3 0 0,0 0 1,0 0-1,-1 0 1,-1 1-1,0-1 1,0 0 1,4 0 1,-1 0 0,0 1-1,0-1 1,-2 0 0,0 0-1,5 1 1,0-1-1,-2 0 1,-1 1-1,0-1-9,6 0 1,-1 0 0,-2 1 0,-1-1 93,-8-1 1,-1 1-1,-2 0 1,-2-1-117,6 1 1,-2-1 0,-3 0 581,7 0 0,-6-1-679,10-1 1455,-38-2-2182,-38 1-1552,-28 0-291,9 3 0,-5 2 1233,-10 0 0,-3 1 1405,12 0 0,-1 1 0,-1-1 0,-5 1 0,-2 0 0,2 0 0,-9 1 0,3 0 0,2-1 0,7 0 0,14-2 0,13 0 0</inkml:trace>
+</inkml:ink>
+</file>
+
 <file path=ppt/slideLayouts/slideLayout1.xml><?xml version="1.0" encoding="utf-8"?>
 <p:sldLayout xmlns:a="http://schemas.openxmlformats.org/drawingml/2006/main" xmlns:r="http://schemas.openxmlformats.org/officeDocument/2006/relationships" xmlns:p="http://schemas.openxmlformats.org/presentationml/2006/main" type="title" preserve="1">
   <p:cSld name="Title Slide">
@@ -3779,1386 +4145,6 @@
 </p:sld>
 </file>
 
-<file path=ppt/slides/slide10.xml><?xml version="1.0" encoding="utf-8"?>
-<p:sld xmlns:a="http://schemas.openxmlformats.org/drawingml/2006/main" xmlns:r="http://schemas.openxmlformats.org/officeDocument/2006/relationships" xmlns:p="http://schemas.openxmlformats.org/presentationml/2006/main">
-  <p:cSld>
-    <p:bg>
-      <p:bgPr>
-        <a:solidFill>
-          <a:schemeClr val="bg1"/>
-        </a:solidFill>
-        <a:effectLst/>
-      </p:bgPr>
-    </p:bg>
-    <p:spTree>
-      <p:nvGrpSpPr>
-        <p:cNvPr id="1" name="">
-          <a:extLst>
-            <a:ext uri="{FF2B5EF4-FFF2-40B4-BE49-F238E27FC236}">
-              <a16:creationId xmlns:a16="http://schemas.microsoft.com/office/drawing/2014/main" id="{DF6DBACB-6FD0-8531-5C68-385DECA9133E}"/>
-            </a:ext>
-          </a:extLst>
-        </p:cNvPr>
-        <p:cNvGrpSpPr/>
-        <p:nvPr/>
-      </p:nvGrpSpPr>
-      <p:grpSpPr>
-        <a:xfrm>
-          <a:off x="0" y="0"/>
-          <a:ext cx="0" cy="0"/>
-          <a:chOff x="0" y="0"/>
-          <a:chExt cx="0" cy="0"/>
-        </a:xfrm>
-      </p:grpSpPr>
-      <p:sp>
-        <p:nvSpPr>
-          <p:cNvPr id="7" name="Rectangle 6">
-            <a:extLst>
-              <a:ext uri="{FF2B5EF4-FFF2-40B4-BE49-F238E27FC236}">
-                <a16:creationId xmlns:a16="http://schemas.microsoft.com/office/drawing/2014/main" id="{A9A940FD-272C-A9BF-9D7F-227EAE699608}"/>
-              </a:ext>
-              <a:ext uri="{C183D7F6-B498-43B3-948B-1728B52AA6E4}">
-                <adec:decorative xmlns:adec="http://schemas.microsoft.com/office/drawing/2017/decorative" val="1"/>
-              </a:ext>
-            </a:extLst>
-          </p:cNvPr>
-          <p:cNvSpPr>
-            <a:spLocks noGrp="1" noRot="1" noChangeAspect="1" noMove="1" noResize="1" noEditPoints="1" noAdjustHandles="1" noChangeArrowheads="1" noChangeShapeType="1" noTextEdit="1"/>
-          </p:cNvSpPr>
-          <p:nvPr>
-            <p:extLst>
-              <p:ext uri="{386F3935-93C4-4BCD-93E2-E3B085C9AB24}">
-                <p16:designElem xmlns:p16="http://schemas.microsoft.com/office/powerpoint/2015/main" val="1"/>
-              </p:ext>
-            </p:extLst>
-          </p:nvPr>
-        </p:nvSpPr>
-        <p:spPr bwMode="white">
-          <a:xfrm>
-            <a:off x="1524" y="0"/>
-            <a:ext cx="12188952" cy="6858000"/>
-          </a:xfrm>
-          <a:prstGeom prst="rect">
-            <a:avLst/>
-          </a:prstGeom>
-          <a:noFill/>
-          <a:ln>
-            <a:noFill/>
-          </a:ln>
-        </p:spPr>
-        <p:style>
-          <a:lnRef idx="2">
-            <a:schemeClr val="accent1">
-              <a:shade val="50000"/>
-            </a:schemeClr>
-          </a:lnRef>
-          <a:fillRef idx="1">
-            <a:schemeClr val="accent1"/>
-          </a:fillRef>
-          <a:effectRef idx="0">
-            <a:schemeClr val="accent1"/>
-          </a:effectRef>
-          <a:fontRef idx="minor">
-            <a:schemeClr val="lt1"/>
-          </a:fontRef>
-        </p:style>
-        <p:txBody>
-          <a:bodyPr rtlCol="0" anchor="ctr"/>
-          <a:lstStyle>
-            <a:defPPr>
-              <a:defRPr lang="en-US"/>
-            </a:defPPr>
-            <a:lvl1pPr marL="0" algn="l" defTabSz="914400" rtl="0" eaLnBrk="1" latinLnBrk="0" hangingPunct="1">
-              <a:defRPr sz="1800" kern="1200">
-                <a:solidFill>
-                  <a:schemeClr val="lt1"/>
-                </a:solidFill>
-                <a:latin typeface="+mn-lt"/>
-                <a:ea typeface="+mn-ea"/>
-                <a:cs typeface="+mn-cs"/>
-              </a:defRPr>
-            </a:lvl1pPr>
-            <a:lvl2pPr marL="457200" algn="l" defTabSz="914400" rtl="0" eaLnBrk="1" latinLnBrk="0" hangingPunct="1">
-              <a:defRPr sz="1800" kern="1200">
-                <a:solidFill>
-                  <a:schemeClr val="lt1"/>
-                </a:solidFill>
-                <a:latin typeface="+mn-lt"/>
-                <a:ea typeface="+mn-ea"/>
-                <a:cs typeface="+mn-cs"/>
-              </a:defRPr>
-            </a:lvl2pPr>
-            <a:lvl3pPr marL="914400" algn="l" defTabSz="914400" rtl="0" eaLnBrk="1" latinLnBrk="0" hangingPunct="1">
-              <a:defRPr sz="1800" kern="1200">
-                <a:solidFill>
-                  <a:schemeClr val="lt1"/>
-                </a:solidFill>
-                <a:latin typeface="+mn-lt"/>
-                <a:ea typeface="+mn-ea"/>
-                <a:cs typeface="+mn-cs"/>
-              </a:defRPr>
-            </a:lvl3pPr>
-            <a:lvl4pPr marL="1371600" algn="l" defTabSz="914400" rtl="0" eaLnBrk="1" latinLnBrk="0" hangingPunct="1">
-              <a:defRPr sz="1800" kern="1200">
-                <a:solidFill>
-                  <a:schemeClr val="lt1"/>
-                </a:solidFill>
-                <a:latin typeface="+mn-lt"/>
-                <a:ea typeface="+mn-ea"/>
-                <a:cs typeface="+mn-cs"/>
-              </a:defRPr>
-            </a:lvl4pPr>
-            <a:lvl5pPr marL="1828800" algn="l" defTabSz="914400" rtl="0" eaLnBrk="1" latinLnBrk="0" hangingPunct="1">
-              <a:defRPr sz="1800" kern="1200">
-                <a:solidFill>
-                  <a:schemeClr val="lt1"/>
-                </a:solidFill>
-                <a:latin typeface="+mn-lt"/>
-                <a:ea typeface="+mn-ea"/>
-                <a:cs typeface="+mn-cs"/>
-              </a:defRPr>
-            </a:lvl5pPr>
-            <a:lvl6pPr marL="2286000" algn="l" defTabSz="914400" rtl="0" eaLnBrk="1" latinLnBrk="0" hangingPunct="1">
-              <a:defRPr sz="1800" kern="1200">
-                <a:solidFill>
-                  <a:schemeClr val="lt1"/>
-                </a:solidFill>
-                <a:latin typeface="+mn-lt"/>
-                <a:ea typeface="+mn-ea"/>
-                <a:cs typeface="+mn-cs"/>
-              </a:defRPr>
-            </a:lvl6pPr>
-            <a:lvl7pPr marL="2743200" algn="l" defTabSz="914400" rtl="0" eaLnBrk="1" latinLnBrk="0" hangingPunct="1">
-              <a:defRPr sz="1800" kern="1200">
-                <a:solidFill>
-                  <a:schemeClr val="lt1"/>
-                </a:solidFill>
-                <a:latin typeface="+mn-lt"/>
-                <a:ea typeface="+mn-ea"/>
-                <a:cs typeface="+mn-cs"/>
-              </a:defRPr>
-            </a:lvl7pPr>
-            <a:lvl8pPr marL="3200400" algn="l" defTabSz="914400" rtl="0" eaLnBrk="1" latinLnBrk="0" hangingPunct="1">
-              <a:defRPr sz="1800" kern="1200">
-                <a:solidFill>
-                  <a:schemeClr val="lt1"/>
-                </a:solidFill>
-                <a:latin typeface="+mn-lt"/>
-                <a:ea typeface="+mn-ea"/>
-                <a:cs typeface="+mn-cs"/>
-              </a:defRPr>
-            </a:lvl8pPr>
-            <a:lvl9pPr marL="3657600" algn="l" defTabSz="914400" rtl="0" eaLnBrk="1" latinLnBrk="0" hangingPunct="1">
-              <a:defRPr sz="1800" kern="1200">
-                <a:solidFill>
-                  <a:schemeClr val="lt1"/>
-                </a:solidFill>
-                <a:latin typeface="+mn-lt"/>
-                <a:ea typeface="+mn-ea"/>
-                <a:cs typeface="+mn-cs"/>
-              </a:defRPr>
-            </a:lvl9pPr>
-          </a:lstStyle>
-          <a:p>
-            <a:pPr algn="ctr"/>
-            <a:endParaRPr lang="en-US"/>
-          </a:p>
-        </p:txBody>
-      </p:sp>
-      <p:pic>
-        <p:nvPicPr>
-          <p:cNvPr id="2" name="Picture 1" descr="A white and blue gradient&#10;&#10;AI-generated content may be incorrect.">
-            <a:extLst>
-              <a:ext uri="{FF2B5EF4-FFF2-40B4-BE49-F238E27FC236}">
-                <a16:creationId xmlns:a16="http://schemas.microsoft.com/office/drawing/2014/main" id="{31953237-37FA-3703-1CD1-D009C6618229}"/>
-              </a:ext>
-            </a:extLst>
-          </p:cNvPr>
-          <p:cNvPicPr>
-            <a:picLocks noChangeAspect="1"/>
-          </p:cNvPicPr>
-          <p:nvPr/>
-        </p:nvPicPr>
-        <p:blipFill>
-          <a:blip r:embed="rId2"/>
-          <a:srcRect b="19"/>
-          <a:stretch>
-            <a:fillRect/>
-          </a:stretch>
-        </p:blipFill>
-        <p:spPr>
-          <a:xfrm>
-            <a:off x="20" y="1282"/>
-            <a:ext cx="12191980" cy="6856718"/>
-          </a:xfrm>
-          <a:prstGeom prst="rect">
-            <a:avLst/>
-          </a:prstGeom>
-        </p:spPr>
-      </p:pic>
-    </p:spTree>
-    <p:extLst>
-      <p:ext uri="{BB962C8B-B14F-4D97-AF65-F5344CB8AC3E}">
-        <p14:creationId xmlns:p14="http://schemas.microsoft.com/office/powerpoint/2010/main" val="3565497155"/>
-      </p:ext>
-    </p:extLst>
-  </p:cSld>
-  <p:clrMapOvr>
-    <a:masterClrMapping/>
-  </p:clrMapOvr>
-</p:sld>
-</file>
-
-<file path=ppt/slides/slide11.xml><?xml version="1.0" encoding="utf-8"?>
-<p:sld xmlns:a="http://schemas.openxmlformats.org/drawingml/2006/main" xmlns:r="http://schemas.openxmlformats.org/officeDocument/2006/relationships" xmlns:p="http://schemas.openxmlformats.org/presentationml/2006/main">
-  <p:cSld>
-    <p:bg>
-      <p:bgPr>
-        <a:solidFill>
-          <a:schemeClr val="bg1"/>
-        </a:solidFill>
-        <a:effectLst/>
-      </p:bgPr>
-    </p:bg>
-    <p:spTree>
-      <p:nvGrpSpPr>
-        <p:cNvPr id="1" name="">
-          <a:extLst>
-            <a:ext uri="{FF2B5EF4-FFF2-40B4-BE49-F238E27FC236}">
-              <a16:creationId xmlns:a16="http://schemas.microsoft.com/office/drawing/2014/main" id="{4DB55855-6042-E737-FECA-050B1456AEF6}"/>
-            </a:ext>
-          </a:extLst>
-        </p:cNvPr>
-        <p:cNvGrpSpPr/>
-        <p:nvPr/>
-      </p:nvGrpSpPr>
-      <p:grpSpPr>
-        <a:xfrm>
-          <a:off x="0" y="0"/>
-          <a:ext cx="0" cy="0"/>
-          <a:chOff x="0" y="0"/>
-          <a:chExt cx="0" cy="0"/>
-        </a:xfrm>
-      </p:grpSpPr>
-      <p:sp>
-        <p:nvSpPr>
-          <p:cNvPr id="7" name="Rectangle 6">
-            <a:extLst>
-              <a:ext uri="{FF2B5EF4-FFF2-40B4-BE49-F238E27FC236}">
-                <a16:creationId xmlns:a16="http://schemas.microsoft.com/office/drawing/2014/main" id="{5EEDF5A5-66C3-D0E9-3111-AEA01AE85F00}"/>
-              </a:ext>
-              <a:ext uri="{C183D7F6-B498-43B3-948B-1728B52AA6E4}">
-                <adec:decorative xmlns:adec="http://schemas.microsoft.com/office/drawing/2017/decorative" val="1"/>
-              </a:ext>
-            </a:extLst>
-          </p:cNvPr>
-          <p:cNvSpPr>
-            <a:spLocks noGrp="1" noRot="1" noChangeAspect="1" noMove="1" noResize="1" noEditPoints="1" noAdjustHandles="1" noChangeArrowheads="1" noChangeShapeType="1" noTextEdit="1"/>
-          </p:cNvSpPr>
-          <p:nvPr>
-            <p:extLst>
-              <p:ext uri="{386F3935-93C4-4BCD-93E2-E3B085C9AB24}">
-                <p16:designElem xmlns:p16="http://schemas.microsoft.com/office/powerpoint/2015/main" val="1"/>
-              </p:ext>
-            </p:extLst>
-          </p:nvPr>
-        </p:nvSpPr>
-        <p:spPr bwMode="white">
-          <a:xfrm>
-            <a:off x="1524" y="0"/>
-            <a:ext cx="12188952" cy="6858000"/>
-          </a:xfrm>
-          <a:prstGeom prst="rect">
-            <a:avLst/>
-          </a:prstGeom>
-          <a:noFill/>
-          <a:ln>
-            <a:noFill/>
-          </a:ln>
-        </p:spPr>
-        <p:style>
-          <a:lnRef idx="2">
-            <a:schemeClr val="accent1">
-              <a:shade val="50000"/>
-            </a:schemeClr>
-          </a:lnRef>
-          <a:fillRef idx="1">
-            <a:schemeClr val="accent1"/>
-          </a:fillRef>
-          <a:effectRef idx="0">
-            <a:schemeClr val="accent1"/>
-          </a:effectRef>
-          <a:fontRef idx="minor">
-            <a:schemeClr val="lt1"/>
-          </a:fontRef>
-        </p:style>
-        <p:txBody>
-          <a:bodyPr rtlCol="0" anchor="ctr"/>
-          <a:lstStyle>
-            <a:defPPr>
-              <a:defRPr lang="en-US"/>
-            </a:defPPr>
-            <a:lvl1pPr marL="0" algn="l" defTabSz="914400" rtl="0" eaLnBrk="1" latinLnBrk="0" hangingPunct="1">
-              <a:defRPr sz="1800" kern="1200">
-                <a:solidFill>
-                  <a:schemeClr val="lt1"/>
-                </a:solidFill>
-                <a:latin typeface="+mn-lt"/>
-                <a:ea typeface="+mn-ea"/>
-                <a:cs typeface="+mn-cs"/>
-              </a:defRPr>
-            </a:lvl1pPr>
-            <a:lvl2pPr marL="457200" algn="l" defTabSz="914400" rtl="0" eaLnBrk="1" latinLnBrk="0" hangingPunct="1">
-              <a:defRPr sz="1800" kern="1200">
-                <a:solidFill>
-                  <a:schemeClr val="lt1"/>
-                </a:solidFill>
-                <a:latin typeface="+mn-lt"/>
-                <a:ea typeface="+mn-ea"/>
-                <a:cs typeface="+mn-cs"/>
-              </a:defRPr>
-            </a:lvl2pPr>
-            <a:lvl3pPr marL="914400" algn="l" defTabSz="914400" rtl="0" eaLnBrk="1" latinLnBrk="0" hangingPunct="1">
-              <a:defRPr sz="1800" kern="1200">
-                <a:solidFill>
-                  <a:schemeClr val="lt1"/>
-                </a:solidFill>
-                <a:latin typeface="+mn-lt"/>
-                <a:ea typeface="+mn-ea"/>
-                <a:cs typeface="+mn-cs"/>
-              </a:defRPr>
-            </a:lvl3pPr>
-            <a:lvl4pPr marL="1371600" algn="l" defTabSz="914400" rtl="0" eaLnBrk="1" latinLnBrk="0" hangingPunct="1">
-              <a:defRPr sz="1800" kern="1200">
-                <a:solidFill>
-                  <a:schemeClr val="lt1"/>
-                </a:solidFill>
-                <a:latin typeface="+mn-lt"/>
-                <a:ea typeface="+mn-ea"/>
-                <a:cs typeface="+mn-cs"/>
-              </a:defRPr>
-            </a:lvl4pPr>
-            <a:lvl5pPr marL="1828800" algn="l" defTabSz="914400" rtl="0" eaLnBrk="1" latinLnBrk="0" hangingPunct="1">
-              <a:defRPr sz="1800" kern="1200">
-                <a:solidFill>
-                  <a:schemeClr val="lt1"/>
-                </a:solidFill>
-                <a:latin typeface="+mn-lt"/>
-                <a:ea typeface="+mn-ea"/>
-                <a:cs typeface="+mn-cs"/>
-              </a:defRPr>
-            </a:lvl5pPr>
-            <a:lvl6pPr marL="2286000" algn="l" defTabSz="914400" rtl="0" eaLnBrk="1" latinLnBrk="0" hangingPunct="1">
-              <a:defRPr sz="1800" kern="1200">
-                <a:solidFill>
-                  <a:schemeClr val="lt1"/>
-                </a:solidFill>
-                <a:latin typeface="+mn-lt"/>
-                <a:ea typeface="+mn-ea"/>
-                <a:cs typeface="+mn-cs"/>
-              </a:defRPr>
-            </a:lvl6pPr>
-            <a:lvl7pPr marL="2743200" algn="l" defTabSz="914400" rtl="0" eaLnBrk="1" latinLnBrk="0" hangingPunct="1">
-              <a:defRPr sz="1800" kern="1200">
-                <a:solidFill>
-                  <a:schemeClr val="lt1"/>
-                </a:solidFill>
-                <a:latin typeface="+mn-lt"/>
-                <a:ea typeface="+mn-ea"/>
-                <a:cs typeface="+mn-cs"/>
-              </a:defRPr>
-            </a:lvl7pPr>
-            <a:lvl8pPr marL="3200400" algn="l" defTabSz="914400" rtl="0" eaLnBrk="1" latinLnBrk="0" hangingPunct="1">
-              <a:defRPr sz="1800" kern="1200">
-                <a:solidFill>
-                  <a:schemeClr val="lt1"/>
-                </a:solidFill>
-                <a:latin typeface="+mn-lt"/>
-                <a:ea typeface="+mn-ea"/>
-                <a:cs typeface="+mn-cs"/>
-              </a:defRPr>
-            </a:lvl8pPr>
-            <a:lvl9pPr marL="3657600" algn="l" defTabSz="914400" rtl="0" eaLnBrk="1" latinLnBrk="0" hangingPunct="1">
-              <a:defRPr sz="1800" kern="1200">
-                <a:solidFill>
-                  <a:schemeClr val="lt1"/>
-                </a:solidFill>
-                <a:latin typeface="+mn-lt"/>
-                <a:ea typeface="+mn-ea"/>
-                <a:cs typeface="+mn-cs"/>
-              </a:defRPr>
-            </a:lvl9pPr>
-          </a:lstStyle>
-          <a:p>
-            <a:pPr algn="ctr"/>
-            <a:endParaRPr lang="en-US"/>
-          </a:p>
-        </p:txBody>
-      </p:sp>
-      <p:pic>
-        <p:nvPicPr>
-          <p:cNvPr id="2" name="Picture 1" descr="A white and blue gradient&#10;&#10;AI-generated content may be incorrect.">
-            <a:extLst>
-              <a:ext uri="{FF2B5EF4-FFF2-40B4-BE49-F238E27FC236}">
-                <a16:creationId xmlns:a16="http://schemas.microsoft.com/office/drawing/2014/main" id="{9A110CC4-BB14-4B49-6390-5DF3260ACDE1}"/>
-              </a:ext>
-            </a:extLst>
-          </p:cNvPr>
-          <p:cNvPicPr>
-            <a:picLocks noChangeAspect="1"/>
-          </p:cNvPicPr>
-          <p:nvPr/>
-        </p:nvPicPr>
-        <p:blipFill>
-          <a:blip r:embed="rId2"/>
-          <a:srcRect b="19"/>
-          <a:stretch>
-            <a:fillRect/>
-          </a:stretch>
-        </p:blipFill>
-        <p:spPr>
-          <a:xfrm>
-            <a:off x="20" y="1282"/>
-            <a:ext cx="12191980" cy="6856718"/>
-          </a:xfrm>
-          <a:prstGeom prst="rect">
-            <a:avLst/>
-          </a:prstGeom>
-        </p:spPr>
-      </p:pic>
-    </p:spTree>
-    <p:extLst>
-      <p:ext uri="{BB962C8B-B14F-4D97-AF65-F5344CB8AC3E}">
-        <p14:creationId xmlns:p14="http://schemas.microsoft.com/office/powerpoint/2010/main" val="3279675963"/>
-      </p:ext>
-    </p:extLst>
-  </p:cSld>
-  <p:clrMapOvr>
-    <a:masterClrMapping/>
-  </p:clrMapOvr>
-</p:sld>
-</file>
-
-<file path=ppt/slides/slide12.xml><?xml version="1.0" encoding="utf-8"?>
-<p:sld xmlns:a="http://schemas.openxmlformats.org/drawingml/2006/main" xmlns:r="http://schemas.openxmlformats.org/officeDocument/2006/relationships" xmlns:p="http://schemas.openxmlformats.org/presentationml/2006/main">
-  <p:cSld>
-    <p:bg>
-      <p:bgPr>
-        <a:solidFill>
-          <a:schemeClr val="bg1"/>
-        </a:solidFill>
-        <a:effectLst/>
-      </p:bgPr>
-    </p:bg>
-    <p:spTree>
-      <p:nvGrpSpPr>
-        <p:cNvPr id="1" name="">
-          <a:extLst>
-            <a:ext uri="{FF2B5EF4-FFF2-40B4-BE49-F238E27FC236}">
-              <a16:creationId xmlns:a16="http://schemas.microsoft.com/office/drawing/2014/main" id="{834E0A54-960D-C121-B9D8-434633918A90}"/>
-            </a:ext>
-          </a:extLst>
-        </p:cNvPr>
-        <p:cNvGrpSpPr/>
-        <p:nvPr/>
-      </p:nvGrpSpPr>
-      <p:grpSpPr>
-        <a:xfrm>
-          <a:off x="0" y="0"/>
-          <a:ext cx="0" cy="0"/>
-          <a:chOff x="0" y="0"/>
-          <a:chExt cx="0" cy="0"/>
-        </a:xfrm>
-      </p:grpSpPr>
-      <p:sp>
-        <p:nvSpPr>
-          <p:cNvPr id="7" name="Rectangle 6">
-            <a:extLst>
-              <a:ext uri="{FF2B5EF4-FFF2-40B4-BE49-F238E27FC236}">
-                <a16:creationId xmlns:a16="http://schemas.microsoft.com/office/drawing/2014/main" id="{00E3431B-FDAB-BCB6-0681-E00DF6DB8A5E}"/>
-              </a:ext>
-              <a:ext uri="{C183D7F6-B498-43B3-948B-1728B52AA6E4}">
-                <adec:decorative xmlns:adec="http://schemas.microsoft.com/office/drawing/2017/decorative" val="1"/>
-              </a:ext>
-            </a:extLst>
-          </p:cNvPr>
-          <p:cNvSpPr>
-            <a:spLocks noGrp="1" noRot="1" noChangeAspect="1" noMove="1" noResize="1" noEditPoints="1" noAdjustHandles="1" noChangeArrowheads="1" noChangeShapeType="1" noTextEdit="1"/>
-          </p:cNvSpPr>
-          <p:nvPr>
-            <p:extLst>
-              <p:ext uri="{386F3935-93C4-4BCD-93E2-E3B085C9AB24}">
-                <p16:designElem xmlns:p16="http://schemas.microsoft.com/office/powerpoint/2015/main" val="1"/>
-              </p:ext>
-            </p:extLst>
-          </p:nvPr>
-        </p:nvSpPr>
-        <p:spPr bwMode="white">
-          <a:xfrm>
-            <a:off x="1524" y="0"/>
-            <a:ext cx="12188952" cy="6858000"/>
-          </a:xfrm>
-          <a:prstGeom prst="rect">
-            <a:avLst/>
-          </a:prstGeom>
-          <a:noFill/>
-          <a:ln>
-            <a:noFill/>
-          </a:ln>
-        </p:spPr>
-        <p:style>
-          <a:lnRef idx="2">
-            <a:schemeClr val="accent1">
-              <a:shade val="50000"/>
-            </a:schemeClr>
-          </a:lnRef>
-          <a:fillRef idx="1">
-            <a:schemeClr val="accent1"/>
-          </a:fillRef>
-          <a:effectRef idx="0">
-            <a:schemeClr val="accent1"/>
-          </a:effectRef>
-          <a:fontRef idx="minor">
-            <a:schemeClr val="lt1"/>
-          </a:fontRef>
-        </p:style>
-        <p:txBody>
-          <a:bodyPr rtlCol="0" anchor="ctr"/>
-          <a:lstStyle>
-            <a:defPPr>
-              <a:defRPr lang="en-US"/>
-            </a:defPPr>
-            <a:lvl1pPr marL="0" algn="l" defTabSz="914400" rtl="0" eaLnBrk="1" latinLnBrk="0" hangingPunct="1">
-              <a:defRPr sz="1800" kern="1200">
-                <a:solidFill>
-                  <a:schemeClr val="lt1"/>
-                </a:solidFill>
-                <a:latin typeface="+mn-lt"/>
-                <a:ea typeface="+mn-ea"/>
-                <a:cs typeface="+mn-cs"/>
-              </a:defRPr>
-            </a:lvl1pPr>
-            <a:lvl2pPr marL="457200" algn="l" defTabSz="914400" rtl="0" eaLnBrk="1" latinLnBrk="0" hangingPunct="1">
-              <a:defRPr sz="1800" kern="1200">
-                <a:solidFill>
-                  <a:schemeClr val="lt1"/>
-                </a:solidFill>
-                <a:latin typeface="+mn-lt"/>
-                <a:ea typeface="+mn-ea"/>
-                <a:cs typeface="+mn-cs"/>
-              </a:defRPr>
-            </a:lvl2pPr>
-            <a:lvl3pPr marL="914400" algn="l" defTabSz="914400" rtl="0" eaLnBrk="1" latinLnBrk="0" hangingPunct="1">
-              <a:defRPr sz="1800" kern="1200">
-                <a:solidFill>
-                  <a:schemeClr val="lt1"/>
-                </a:solidFill>
-                <a:latin typeface="+mn-lt"/>
-                <a:ea typeface="+mn-ea"/>
-                <a:cs typeface="+mn-cs"/>
-              </a:defRPr>
-            </a:lvl3pPr>
-            <a:lvl4pPr marL="1371600" algn="l" defTabSz="914400" rtl="0" eaLnBrk="1" latinLnBrk="0" hangingPunct="1">
-              <a:defRPr sz="1800" kern="1200">
-                <a:solidFill>
-                  <a:schemeClr val="lt1"/>
-                </a:solidFill>
-                <a:latin typeface="+mn-lt"/>
-                <a:ea typeface="+mn-ea"/>
-                <a:cs typeface="+mn-cs"/>
-              </a:defRPr>
-            </a:lvl4pPr>
-            <a:lvl5pPr marL="1828800" algn="l" defTabSz="914400" rtl="0" eaLnBrk="1" latinLnBrk="0" hangingPunct="1">
-              <a:defRPr sz="1800" kern="1200">
-                <a:solidFill>
-                  <a:schemeClr val="lt1"/>
-                </a:solidFill>
-                <a:latin typeface="+mn-lt"/>
-                <a:ea typeface="+mn-ea"/>
-                <a:cs typeface="+mn-cs"/>
-              </a:defRPr>
-            </a:lvl5pPr>
-            <a:lvl6pPr marL="2286000" algn="l" defTabSz="914400" rtl="0" eaLnBrk="1" latinLnBrk="0" hangingPunct="1">
-              <a:defRPr sz="1800" kern="1200">
-                <a:solidFill>
-                  <a:schemeClr val="lt1"/>
-                </a:solidFill>
-                <a:latin typeface="+mn-lt"/>
-                <a:ea typeface="+mn-ea"/>
-                <a:cs typeface="+mn-cs"/>
-              </a:defRPr>
-            </a:lvl6pPr>
-            <a:lvl7pPr marL="2743200" algn="l" defTabSz="914400" rtl="0" eaLnBrk="1" latinLnBrk="0" hangingPunct="1">
-              <a:defRPr sz="1800" kern="1200">
-                <a:solidFill>
-                  <a:schemeClr val="lt1"/>
-                </a:solidFill>
-                <a:latin typeface="+mn-lt"/>
-                <a:ea typeface="+mn-ea"/>
-                <a:cs typeface="+mn-cs"/>
-              </a:defRPr>
-            </a:lvl7pPr>
-            <a:lvl8pPr marL="3200400" algn="l" defTabSz="914400" rtl="0" eaLnBrk="1" latinLnBrk="0" hangingPunct="1">
-              <a:defRPr sz="1800" kern="1200">
-                <a:solidFill>
-                  <a:schemeClr val="lt1"/>
-                </a:solidFill>
-                <a:latin typeface="+mn-lt"/>
-                <a:ea typeface="+mn-ea"/>
-                <a:cs typeface="+mn-cs"/>
-              </a:defRPr>
-            </a:lvl8pPr>
-            <a:lvl9pPr marL="3657600" algn="l" defTabSz="914400" rtl="0" eaLnBrk="1" latinLnBrk="0" hangingPunct="1">
-              <a:defRPr sz="1800" kern="1200">
-                <a:solidFill>
-                  <a:schemeClr val="lt1"/>
-                </a:solidFill>
-                <a:latin typeface="+mn-lt"/>
-                <a:ea typeface="+mn-ea"/>
-                <a:cs typeface="+mn-cs"/>
-              </a:defRPr>
-            </a:lvl9pPr>
-          </a:lstStyle>
-          <a:p>
-            <a:pPr algn="ctr"/>
-            <a:endParaRPr lang="en-US"/>
-          </a:p>
-        </p:txBody>
-      </p:sp>
-      <p:pic>
-        <p:nvPicPr>
-          <p:cNvPr id="2" name="Picture 1" descr="A white and blue gradient&#10;&#10;AI-generated content may be incorrect.">
-            <a:extLst>
-              <a:ext uri="{FF2B5EF4-FFF2-40B4-BE49-F238E27FC236}">
-                <a16:creationId xmlns:a16="http://schemas.microsoft.com/office/drawing/2014/main" id="{E614FE43-4D8E-890B-DF51-5A9A8C2BA80E}"/>
-              </a:ext>
-            </a:extLst>
-          </p:cNvPr>
-          <p:cNvPicPr>
-            <a:picLocks noChangeAspect="1"/>
-          </p:cNvPicPr>
-          <p:nvPr/>
-        </p:nvPicPr>
-        <p:blipFill>
-          <a:blip r:embed="rId2"/>
-          <a:srcRect b="19"/>
-          <a:stretch>
-            <a:fillRect/>
-          </a:stretch>
-        </p:blipFill>
-        <p:spPr>
-          <a:xfrm>
-            <a:off x="20" y="1282"/>
-            <a:ext cx="12191980" cy="6856718"/>
-          </a:xfrm>
-          <a:prstGeom prst="rect">
-            <a:avLst/>
-          </a:prstGeom>
-        </p:spPr>
-      </p:pic>
-    </p:spTree>
-    <p:extLst>
-      <p:ext uri="{BB962C8B-B14F-4D97-AF65-F5344CB8AC3E}">
-        <p14:creationId xmlns:p14="http://schemas.microsoft.com/office/powerpoint/2010/main" val="2873053969"/>
-      </p:ext>
-    </p:extLst>
-  </p:cSld>
-  <p:clrMapOvr>
-    <a:masterClrMapping/>
-  </p:clrMapOvr>
-</p:sld>
-</file>
-
-<file path=ppt/slides/slide13.xml><?xml version="1.0" encoding="utf-8"?>
-<p:sld xmlns:a="http://schemas.openxmlformats.org/drawingml/2006/main" xmlns:r="http://schemas.openxmlformats.org/officeDocument/2006/relationships" xmlns:p="http://schemas.openxmlformats.org/presentationml/2006/main">
-  <p:cSld>
-    <p:bg>
-      <p:bgPr>
-        <a:solidFill>
-          <a:schemeClr val="bg1"/>
-        </a:solidFill>
-        <a:effectLst/>
-      </p:bgPr>
-    </p:bg>
-    <p:spTree>
-      <p:nvGrpSpPr>
-        <p:cNvPr id="1" name="">
-          <a:extLst>
-            <a:ext uri="{FF2B5EF4-FFF2-40B4-BE49-F238E27FC236}">
-              <a16:creationId xmlns:a16="http://schemas.microsoft.com/office/drawing/2014/main" id="{21B5DB81-51A0-3E0B-FE40-5B56CED34720}"/>
-            </a:ext>
-          </a:extLst>
-        </p:cNvPr>
-        <p:cNvGrpSpPr/>
-        <p:nvPr/>
-      </p:nvGrpSpPr>
-      <p:grpSpPr>
-        <a:xfrm>
-          <a:off x="0" y="0"/>
-          <a:ext cx="0" cy="0"/>
-          <a:chOff x="0" y="0"/>
-          <a:chExt cx="0" cy="0"/>
-        </a:xfrm>
-      </p:grpSpPr>
-      <p:sp>
-        <p:nvSpPr>
-          <p:cNvPr id="7" name="Rectangle 6">
-            <a:extLst>
-              <a:ext uri="{FF2B5EF4-FFF2-40B4-BE49-F238E27FC236}">
-                <a16:creationId xmlns:a16="http://schemas.microsoft.com/office/drawing/2014/main" id="{821606B8-0E1A-D244-678A-1AF25A31D469}"/>
-              </a:ext>
-              <a:ext uri="{C183D7F6-B498-43B3-948B-1728B52AA6E4}">
-                <adec:decorative xmlns:adec="http://schemas.microsoft.com/office/drawing/2017/decorative" val="1"/>
-              </a:ext>
-            </a:extLst>
-          </p:cNvPr>
-          <p:cNvSpPr>
-            <a:spLocks noGrp="1" noRot="1" noChangeAspect="1" noMove="1" noResize="1" noEditPoints="1" noAdjustHandles="1" noChangeArrowheads="1" noChangeShapeType="1" noTextEdit="1"/>
-          </p:cNvSpPr>
-          <p:nvPr>
-            <p:extLst>
-              <p:ext uri="{386F3935-93C4-4BCD-93E2-E3B085C9AB24}">
-                <p16:designElem xmlns:p16="http://schemas.microsoft.com/office/powerpoint/2015/main" val="1"/>
-              </p:ext>
-            </p:extLst>
-          </p:nvPr>
-        </p:nvSpPr>
-        <p:spPr bwMode="white">
-          <a:xfrm>
-            <a:off x="1524" y="0"/>
-            <a:ext cx="12188952" cy="6858000"/>
-          </a:xfrm>
-          <a:prstGeom prst="rect">
-            <a:avLst/>
-          </a:prstGeom>
-          <a:noFill/>
-          <a:ln>
-            <a:noFill/>
-          </a:ln>
-        </p:spPr>
-        <p:style>
-          <a:lnRef idx="2">
-            <a:schemeClr val="accent1">
-              <a:shade val="50000"/>
-            </a:schemeClr>
-          </a:lnRef>
-          <a:fillRef idx="1">
-            <a:schemeClr val="accent1"/>
-          </a:fillRef>
-          <a:effectRef idx="0">
-            <a:schemeClr val="accent1"/>
-          </a:effectRef>
-          <a:fontRef idx="minor">
-            <a:schemeClr val="lt1"/>
-          </a:fontRef>
-        </p:style>
-        <p:txBody>
-          <a:bodyPr rtlCol="0" anchor="ctr"/>
-          <a:lstStyle>
-            <a:defPPr>
-              <a:defRPr lang="en-US"/>
-            </a:defPPr>
-            <a:lvl1pPr marL="0" algn="l" defTabSz="914400" rtl="0" eaLnBrk="1" latinLnBrk="0" hangingPunct="1">
-              <a:defRPr sz="1800" kern="1200">
-                <a:solidFill>
-                  <a:schemeClr val="lt1"/>
-                </a:solidFill>
-                <a:latin typeface="+mn-lt"/>
-                <a:ea typeface="+mn-ea"/>
-                <a:cs typeface="+mn-cs"/>
-              </a:defRPr>
-            </a:lvl1pPr>
-            <a:lvl2pPr marL="457200" algn="l" defTabSz="914400" rtl="0" eaLnBrk="1" latinLnBrk="0" hangingPunct="1">
-              <a:defRPr sz="1800" kern="1200">
-                <a:solidFill>
-                  <a:schemeClr val="lt1"/>
-                </a:solidFill>
-                <a:latin typeface="+mn-lt"/>
-                <a:ea typeface="+mn-ea"/>
-                <a:cs typeface="+mn-cs"/>
-              </a:defRPr>
-            </a:lvl2pPr>
-            <a:lvl3pPr marL="914400" algn="l" defTabSz="914400" rtl="0" eaLnBrk="1" latinLnBrk="0" hangingPunct="1">
-              <a:defRPr sz="1800" kern="1200">
-                <a:solidFill>
-                  <a:schemeClr val="lt1"/>
-                </a:solidFill>
-                <a:latin typeface="+mn-lt"/>
-                <a:ea typeface="+mn-ea"/>
-                <a:cs typeface="+mn-cs"/>
-              </a:defRPr>
-            </a:lvl3pPr>
-            <a:lvl4pPr marL="1371600" algn="l" defTabSz="914400" rtl="0" eaLnBrk="1" latinLnBrk="0" hangingPunct="1">
-              <a:defRPr sz="1800" kern="1200">
-                <a:solidFill>
-                  <a:schemeClr val="lt1"/>
-                </a:solidFill>
-                <a:latin typeface="+mn-lt"/>
-                <a:ea typeface="+mn-ea"/>
-                <a:cs typeface="+mn-cs"/>
-              </a:defRPr>
-            </a:lvl4pPr>
-            <a:lvl5pPr marL="1828800" algn="l" defTabSz="914400" rtl="0" eaLnBrk="1" latinLnBrk="0" hangingPunct="1">
-              <a:defRPr sz="1800" kern="1200">
-                <a:solidFill>
-                  <a:schemeClr val="lt1"/>
-                </a:solidFill>
-                <a:latin typeface="+mn-lt"/>
-                <a:ea typeface="+mn-ea"/>
-                <a:cs typeface="+mn-cs"/>
-              </a:defRPr>
-            </a:lvl5pPr>
-            <a:lvl6pPr marL="2286000" algn="l" defTabSz="914400" rtl="0" eaLnBrk="1" latinLnBrk="0" hangingPunct="1">
-              <a:defRPr sz="1800" kern="1200">
-                <a:solidFill>
-                  <a:schemeClr val="lt1"/>
-                </a:solidFill>
-                <a:latin typeface="+mn-lt"/>
-                <a:ea typeface="+mn-ea"/>
-                <a:cs typeface="+mn-cs"/>
-              </a:defRPr>
-            </a:lvl6pPr>
-            <a:lvl7pPr marL="2743200" algn="l" defTabSz="914400" rtl="0" eaLnBrk="1" latinLnBrk="0" hangingPunct="1">
-              <a:defRPr sz="1800" kern="1200">
-                <a:solidFill>
-                  <a:schemeClr val="lt1"/>
-                </a:solidFill>
-                <a:latin typeface="+mn-lt"/>
-                <a:ea typeface="+mn-ea"/>
-                <a:cs typeface="+mn-cs"/>
-              </a:defRPr>
-            </a:lvl7pPr>
-            <a:lvl8pPr marL="3200400" algn="l" defTabSz="914400" rtl="0" eaLnBrk="1" latinLnBrk="0" hangingPunct="1">
-              <a:defRPr sz="1800" kern="1200">
-                <a:solidFill>
-                  <a:schemeClr val="lt1"/>
-                </a:solidFill>
-                <a:latin typeface="+mn-lt"/>
-                <a:ea typeface="+mn-ea"/>
-                <a:cs typeface="+mn-cs"/>
-              </a:defRPr>
-            </a:lvl8pPr>
-            <a:lvl9pPr marL="3657600" algn="l" defTabSz="914400" rtl="0" eaLnBrk="1" latinLnBrk="0" hangingPunct="1">
-              <a:defRPr sz="1800" kern="1200">
-                <a:solidFill>
-                  <a:schemeClr val="lt1"/>
-                </a:solidFill>
-                <a:latin typeface="+mn-lt"/>
-                <a:ea typeface="+mn-ea"/>
-                <a:cs typeface="+mn-cs"/>
-              </a:defRPr>
-            </a:lvl9pPr>
-          </a:lstStyle>
-          <a:p>
-            <a:pPr algn="ctr"/>
-            <a:endParaRPr lang="en-US"/>
-          </a:p>
-        </p:txBody>
-      </p:sp>
-      <p:pic>
-        <p:nvPicPr>
-          <p:cNvPr id="2" name="Picture 1" descr="A white and blue gradient&#10;&#10;AI-generated content may be incorrect.">
-            <a:extLst>
-              <a:ext uri="{FF2B5EF4-FFF2-40B4-BE49-F238E27FC236}">
-                <a16:creationId xmlns:a16="http://schemas.microsoft.com/office/drawing/2014/main" id="{725836AD-C176-D117-C453-0CDDFE01FBD7}"/>
-              </a:ext>
-            </a:extLst>
-          </p:cNvPr>
-          <p:cNvPicPr>
-            <a:picLocks noChangeAspect="1"/>
-          </p:cNvPicPr>
-          <p:nvPr/>
-        </p:nvPicPr>
-        <p:blipFill>
-          <a:blip r:embed="rId2"/>
-          <a:srcRect b="19"/>
-          <a:stretch>
-            <a:fillRect/>
-          </a:stretch>
-        </p:blipFill>
-        <p:spPr>
-          <a:xfrm>
-            <a:off x="20" y="1282"/>
-            <a:ext cx="12191980" cy="6856718"/>
-          </a:xfrm>
-          <a:prstGeom prst="rect">
-            <a:avLst/>
-          </a:prstGeom>
-        </p:spPr>
-      </p:pic>
-    </p:spTree>
-    <p:extLst>
-      <p:ext uri="{BB962C8B-B14F-4D97-AF65-F5344CB8AC3E}">
-        <p14:creationId xmlns:p14="http://schemas.microsoft.com/office/powerpoint/2010/main" val="190540152"/>
-      </p:ext>
-    </p:extLst>
-  </p:cSld>
-  <p:clrMapOvr>
-    <a:masterClrMapping/>
-  </p:clrMapOvr>
-</p:sld>
-</file>
-
-<file path=ppt/slides/slide14.xml><?xml version="1.0" encoding="utf-8"?>
-<p:sld xmlns:a="http://schemas.openxmlformats.org/drawingml/2006/main" xmlns:r="http://schemas.openxmlformats.org/officeDocument/2006/relationships" xmlns:p="http://schemas.openxmlformats.org/presentationml/2006/main">
-  <p:cSld>
-    <p:bg>
-      <p:bgPr>
-        <a:solidFill>
-          <a:schemeClr val="bg1"/>
-        </a:solidFill>
-        <a:effectLst/>
-      </p:bgPr>
-    </p:bg>
-    <p:spTree>
-      <p:nvGrpSpPr>
-        <p:cNvPr id="1" name="">
-          <a:extLst>
-            <a:ext uri="{FF2B5EF4-FFF2-40B4-BE49-F238E27FC236}">
-              <a16:creationId xmlns:a16="http://schemas.microsoft.com/office/drawing/2014/main" id="{0239C9ED-DADC-5F12-47E4-6FD952656BA0}"/>
-            </a:ext>
-          </a:extLst>
-        </p:cNvPr>
-        <p:cNvGrpSpPr/>
-        <p:nvPr/>
-      </p:nvGrpSpPr>
-      <p:grpSpPr>
-        <a:xfrm>
-          <a:off x="0" y="0"/>
-          <a:ext cx="0" cy="0"/>
-          <a:chOff x="0" y="0"/>
-          <a:chExt cx="0" cy="0"/>
-        </a:xfrm>
-      </p:grpSpPr>
-      <p:sp>
-        <p:nvSpPr>
-          <p:cNvPr id="7" name="Rectangle 6">
-            <a:extLst>
-              <a:ext uri="{FF2B5EF4-FFF2-40B4-BE49-F238E27FC236}">
-                <a16:creationId xmlns:a16="http://schemas.microsoft.com/office/drawing/2014/main" id="{F6D18369-4684-0A9D-42D3-187A75FFD468}"/>
-              </a:ext>
-              <a:ext uri="{C183D7F6-B498-43B3-948B-1728B52AA6E4}">
-                <adec:decorative xmlns:adec="http://schemas.microsoft.com/office/drawing/2017/decorative" val="1"/>
-              </a:ext>
-            </a:extLst>
-          </p:cNvPr>
-          <p:cNvSpPr>
-            <a:spLocks noGrp="1" noRot="1" noChangeAspect="1" noMove="1" noResize="1" noEditPoints="1" noAdjustHandles="1" noChangeArrowheads="1" noChangeShapeType="1" noTextEdit="1"/>
-          </p:cNvSpPr>
-          <p:nvPr>
-            <p:extLst>
-              <p:ext uri="{386F3935-93C4-4BCD-93E2-E3B085C9AB24}">
-                <p16:designElem xmlns:p16="http://schemas.microsoft.com/office/powerpoint/2015/main" val="1"/>
-              </p:ext>
-            </p:extLst>
-          </p:nvPr>
-        </p:nvSpPr>
-        <p:spPr bwMode="white">
-          <a:xfrm>
-            <a:off x="1524" y="0"/>
-            <a:ext cx="12188952" cy="6858000"/>
-          </a:xfrm>
-          <a:prstGeom prst="rect">
-            <a:avLst/>
-          </a:prstGeom>
-          <a:noFill/>
-          <a:ln>
-            <a:noFill/>
-          </a:ln>
-        </p:spPr>
-        <p:style>
-          <a:lnRef idx="2">
-            <a:schemeClr val="accent1">
-              <a:shade val="50000"/>
-            </a:schemeClr>
-          </a:lnRef>
-          <a:fillRef idx="1">
-            <a:schemeClr val="accent1"/>
-          </a:fillRef>
-          <a:effectRef idx="0">
-            <a:schemeClr val="accent1"/>
-          </a:effectRef>
-          <a:fontRef idx="minor">
-            <a:schemeClr val="lt1"/>
-          </a:fontRef>
-        </p:style>
-        <p:txBody>
-          <a:bodyPr rtlCol="0" anchor="ctr"/>
-          <a:lstStyle>
-            <a:defPPr>
-              <a:defRPr lang="en-US"/>
-            </a:defPPr>
-            <a:lvl1pPr marL="0" algn="l" defTabSz="914400" rtl="0" eaLnBrk="1" latinLnBrk="0" hangingPunct="1">
-              <a:defRPr sz="1800" kern="1200">
-                <a:solidFill>
-                  <a:schemeClr val="lt1"/>
-                </a:solidFill>
-                <a:latin typeface="+mn-lt"/>
-                <a:ea typeface="+mn-ea"/>
-                <a:cs typeface="+mn-cs"/>
-              </a:defRPr>
-            </a:lvl1pPr>
-            <a:lvl2pPr marL="457200" algn="l" defTabSz="914400" rtl="0" eaLnBrk="1" latinLnBrk="0" hangingPunct="1">
-              <a:defRPr sz="1800" kern="1200">
-                <a:solidFill>
-                  <a:schemeClr val="lt1"/>
-                </a:solidFill>
-                <a:latin typeface="+mn-lt"/>
-                <a:ea typeface="+mn-ea"/>
-                <a:cs typeface="+mn-cs"/>
-              </a:defRPr>
-            </a:lvl2pPr>
-            <a:lvl3pPr marL="914400" algn="l" defTabSz="914400" rtl="0" eaLnBrk="1" latinLnBrk="0" hangingPunct="1">
-              <a:defRPr sz="1800" kern="1200">
-                <a:solidFill>
-                  <a:schemeClr val="lt1"/>
-                </a:solidFill>
-                <a:latin typeface="+mn-lt"/>
-                <a:ea typeface="+mn-ea"/>
-                <a:cs typeface="+mn-cs"/>
-              </a:defRPr>
-            </a:lvl3pPr>
-            <a:lvl4pPr marL="1371600" algn="l" defTabSz="914400" rtl="0" eaLnBrk="1" latinLnBrk="0" hangingPunct="1">
-              <a:defRPr sz="1800" kern="1200">
-                <a:solidFill>
-                  <a:schemeClr val="lt1"/>
-                </a:solidFill>
-                <a:latin typeface="+mn-lt"/>
-                <a:ea typeface="+mn-ea"/>
-                <a:cs typeface="+mn-cs"/>
-              </a:defRPr>
-            </a:lvl4pPr>
-            <a:lvl5pPr marL="1828800" algn="l" defTabSz="914400" rtl="0" eaLnBrk="1" latinLnBrk="0" hangingPunct="1">
-              <a:defRPr sz="1800" kern="1200">
-                <a:solidFill>
-                  <a:schemeClr val="lt1"/>
-                </a:solidFill>
-                <a:latin typeface="+mn-lt"/>
-                <a:ea typeface="+mn-ea"/>
-                <a:cs typeface="+mn-cs"/>
-              </a:defRPr>
-            </a:lvl5pPr>
-            <a:lvl6pPr marL="2286000" algn="l" defTabSz="914400" rtl="0" eaLnBrk="1" latinLnBrk="0" hangingPunct="1">
-              <a:defRPr sz="1800" kern="1200">
-                <a:solidFill>
-                  <a:schemeClr val="lt1"/>
-                </a:solidFill>
-                <a:latin typeface="+mn-lt"/>
-                <a:ea typeface="+mn-ea"/>
-                <a:cs typeface="+mn-cs"/>
-              </a:defRPr>
-            </a:lvl6pPr>
-            <a:lvl7pPr marL="2743200" algn="l" defTabSz="914400" rtl="0" eaLnBrk="1" latinLnBrk="0" hangingPunct="1">
-              <a:defRPr sz="1800" kern="1200">
-                <a:solidFill>
-                  <a:schemeClr val="lt1"/>
-                </a:solidFill>
-                <a:latin typeface="+mn-lt"/>
-                <a:ea typeface="+mn-ea"/>
-                <a:cs typeface="+mn-cs"/>
-              </a:defRPr>
-            </a:lvl7pPr>
-            <a:lvl8pPr marL="3200400" algn="l" defTabSz="914400" rtl="0" eaLnBrk="1" latinLnBrk="0" hangingPunct="1">
-              <a:defRPr sz="1800" kern="1200">
-                <a:solidFill>
-                  <a:schemeClr val="lt1"/>
-                </a:solidFill>
-                <a:latin typeface="+mn-lt"/>
-                <a:ea typeface="+mn-ea"/>
-                <a:cs typeface="+mn-cs"/>
-              </a:defRPr>
-            </a:lvl8pPr>
-            <a:lvl9pPr marL="3657600" algn="l" defTabSz="914400" rtl="0" eaLnBrk="1" latinLnBrk="0" hangingPunct="1">
-              <a:defRPr sz="1800" kern="1200">
-                <a:solidFill>
-                  <a:schemeClr val="lt1"/>
-                </a:solidFill>
-                <a:latin typeface="+mn-lt"/>
-                <a:ea typeface="+mn-ea"/>
-                <a:cs typeface="+mn-cs"/>
-              </a:defRPr>
-            </a:lvl9pPr>
-          </a:lstStyle>
-          <a:p>
-            <a:pPr algn="ctr"/>
-            <a:endParaRPr lang="en-US"/>
-          </a:p>
-        </p:txBody>
-      </p:sp>
-      <p:pic>
-        <p:nvPicPr>
-          <p:cNvPr id="2" name="Picture 1" descr="A white and blue gradient&#10;&#10;AI-generated content may be incorrect.">
-            <a:extLst>
-              <a:ext uri="{FF2B5EF4-FFF2-40B4-BE49-F238E27FC236}">
-                <a16:creationId xmlns:a16="http://schemas.microsoft.com/office/drawing/2014/main" id="{77AC9CE4-2435-BEFA-B6C0-7BD5C8B8A68D}"/>
-              </a:ext>
-            </a:extLst>
-          </p:cNvPr>
-          <p:cNvPicPr>
-            <a:picLocks noChangeAspect="1"/>
-          </p:cNvPicPr>
-          <p:nvPr/>
-        </p:nvPicPr>
-        <p:blipFill>
-          <a:blip r:embed="rId2"/>
-          <a:srcRect b="19"/>
-          <a:stretch>
-            <a:fillRect/>
-          </a:stretch>
-        </p:blipFill>
-        <p:spPr>
-          <a:xfrm>
-            <a:off x="20" y="1282"/>
-            <a:ext cx="12191980" cy="6856718"/>
-          </a:xfrm>
-          <a:prstGeom prst="rect">
-            <a:avLst/>
-          </a:prstGeom>
-        </p:spPr>
-      </p:pic>
-    </p:spTree>
-    <p:extLst>
-      <p:ext uri="{BB962C8B-B14F-4D97-AF65-F5344CB8AC3E}">
-        <p14:creationId xmlns:p14="http://schemas.microsoft.com/office/powerpoint/2010/main" val="1453106408"/>
-      </p:ext>
-    </p:extLst>
-  </p:cSld>
-  <p:clrMapOvr>
-    <a:masterClrMapping/>
-  </p:clrMapOvr>
-</p:sld>
-</file>
-
-<file path=ppt/slides/slide15.xml><?xml version="1.0" encoding="utf-8"?>
-<p:sld xmlns:a="http://schemas.openxmlformats.org/drawingml/2006/main" xmlns:r="http://schemas.openxmlformats.org/officeDocument/2006/relationships" xmlns:p="http://schemas.openxmlformats.org/presentationml/2006/main">
-  <p:cSld>
-    <p:bg>
-      <p:bgPr>
-        <a:solidFill>
-          <a:schemeClr val="bg1"/>
-        </a:solidFill>
-        <a:effectLst/>
-      </p:bgPr>
-    </p:bg>
-    <p:spTree>
-      <p:nvGrpSpPr>
-        <p:cNvPr id="1" name="">
-          <a:extLst>
-            <a:ext uri="{FF2B5EF4-FFF2-40B4-BE49-F238E27FC236}">
-              <a16:creationId xmlns:a16="http://schemas.microsoft.com/office/drawing/2014/main" id="{34EC3A3D-E98D-91F9-5A98-3BE03E7E5A61}"/>
-            </a:ext>
-          </a:extLst>
-        </p:cNvPr>
-        <p:cNvGrpSpPr/>
-        <p:nvPr/>
-      </p:nvGrpSpPr>
-      <p:grpSpPr>
-        <a:xfrm>
-          <a:off x="0" y="0"/>
-          <a:ext cx="0" cy="0"/>
-          <a:chOff x="0" y="0"/>
-          <a:chExt cx="0" cy="0"/>
-        </a:xfrm>
-      </p:grpSpPr>
-      <p:sp>
-        <p:nvSpPr>
-          <p:cNvPr id="7" name="Rectangle 6">
-            <a:extLst>
-              <a:ext uri="{FF2B5EF4-FFF2-40B4-BE49-F238E27FC236}">
-                <a16:creationId xmlns:a16="http://schemas.microsoft.com/office/drawing/2014/main" id="{A326D2F8-FA20-CDD2-3A7F-0041757498A7}"/>
-              </a:ext>
-              <a:ext uri="{C183D7F6-B498-43B3-948B-1728B52AA6E4}">
-                <adec:decorative xmlns:adec="http://schemas.microsoft.com/office/drawing/2017/decorative" val="1"/>
-              </a:ext>
-            </a:extLst>
-          </p:cNvPr>
-          <p:cNvSpPr>
-            <a:spLocks noGrp="1" noRot="1" noChangeAspect="1" noMove="1" noResize="1" noEditPoints="1" noAdjustHandles="1" noChangeArrowheads="1" noChangeShapeType="1" noTextEdit="1"/>
-          </p:cNvSpPr>
-          <p:nvPr>
-            <p:extLst>
-              <p:ext uri="{386F3935-93C4-4BCD-93E2-E3B085C9AB24}">
-                <p16:designElem xmlns:p16="http://schemas.microsoft.com/office/powerpoint/2015/main" val="1"/>
-              </p:ext>
-            </p:extLst>
-          </p:nvPr>
-        </p:nvSpPr>
-        <p:spPr bwMode="white">
-          <a:xfrm>
-            <a:off x="1524" y="0"/>
-            <a:ext cx="12188952" cy="6858000"/>
-          </a:xfrm>
-          <a:prstGeom prst="rect">
-            <a:avLst/>
-          </a:prstGeom>
-          <a:noFill/>
-          <a:ln>
-            <a:noFill/>
-          </a:ln>
-        </p:spPr>
-        <p:style>
-          <a:lnRef idx="2">
-            <a:schemeClr val="accent1">
-              <a:shade val="50000"/>
-            </a:schemeClr>
-          </a:lnRef>
-          <a:fillRef idx="1">
-            <a:schemeClr val="accent1"/>
-          </a:fillRef>
-          <a:effectRef idx="0">
-            <a:schemeClr val="accent1"/>
-          </a:effectRef>
-          <a:fontRef idx="minor">
-            <a:schemeClr val="lt1"/>
-          </a:fontRef>
-        </p:style>
-        <p:txBody>
-          <a:bodyPr rtlCol="0" anchor="ctr"/>
-          <a:lstStyle>
-            <a:defPPr>
-              <a:defRPr lang="en-US"/>
-            </a:defPPr>
-            <a:lvl1pPr marL="0" algn="l" defTabSz="914400" rtl="0" eaLnBrk="1" latinLnBrk="0" hangingPunct="1">
-              <a:defRPr sz="1800" kern="1200">
-                <a:solidFill>
-                  <a:schemeClr val="lt1"/>
-                </a:solidFill>
-                <a:latin typeface="+mn-lt"/>
-                <a:ea typeface="+mn-ea"/>
-                <a:cs typeface="+mn-cs"/>
-              </a:defRPr>
-            </a:lvl1pPr>
-            <a:lvl2pPr marL="457200" algn="l" defTabSz="914400" rtl="0" eaLnBrk="1" latinLnBrk="0" hangingPunct="1">
-              <a:defRPr sz="1800" kern="1200">
-                <a:solidFill>
-                  <a:schemeClr val="lt1"/>
-                </a:solidFill>
-                <a:latin typeface="+mn-lt"/>
-                <a:ea typeface="+mn-ea"/>
-                <a:cs typeface="+mn-cs"/>
-              </a:defRPr>
-            </a:lvl2pPr>
-            <a:lvl3pPr marL="914400" algn="l" defTabSz="914400" rtl="0" eaLnBrk="1" latinLnBrk="0" hangingPunct="1">
-              <a:defRPr sz="1800" kern="1200">
-                <a:solidFill>
-                  <a:schemeClr val="lt1"/>
-                </a:solidFill>
-                <a:latin typeface="+mn-lt"/>
-                <a:ea typeface="+mn-ea"/>
-                <a:cs typeface="+mn-cs"/>
-              </a:defRPr>
-            </a:lvl3pPr>
-            <a:lvl4pPr marL="1371600" algn="l" defTabSz="914400" rtl="0" eaLnBrk="1" latinLnBrk="0" hangingPunct="1">
-              <a:defRPr sz="1800" kern="1200">
-                <a:solidFill>
-                  <a:schemeClr val="lt1"/>
-                </a:solidFill>
-                <a:latin typeface="+mn-lt"/>
-                <a:ea typeface="+mn-ea"/>
-                <a:cs typeface="+mn-cs"/>
-              </a:defRPr>
-            </a:lvl4pPr>
-            <a:lvl5pPr marL="1828800" algn="l" defTabSz="914400" rtl="0" eaLnBrk="1" latinLnBrk="0" hangingPunct="1">
-              <a:defRPr sz="1800" kern="1200">
-                <a:solidFill>
-                  <a:schemeClr val="lt1"/>
-                </a:solidFill>
-                <a:latin typeface="+mn-lt"/>
-                <a:ea typeface="+mn-ea"/>
-                <a:cs typeface="+mn-cs"/>
-              </a:defRPr>
-            </a:lvl5pPr>
-            <a:lvl6pPr marL="2286000" algn="l" defTabSz="914400" rtl="0" eaLnBrk="1" latinLnBrk="0" hangingPunct="1">
-              <a:defRPr sz="1800" kern="1200">
-                <a:solidFill>
-                  <a:schemeClr val="lt1"/>
-                </a:solidFill>
-                <a:latin typeface="+mn-lt"/>
-                <a:ea typeface="+mn-ea"/>
-                <a:cs typeface="+mn-cs"/>
-              </a:defRPr>
-            </a:lvl6pPr>
-            <a:lvl7pPr marL="2743200" algn="l" defTabSz="914400" rtl="0" eaLnBrk="1" latinLnBrk="0" hangingPunct="1">
-              <a:defRPr sz="1800" kern="1200">
-                <a:solidFill>
-                  <a:schemeClr val="lt1"/>
-                </a:solidFill>
-                <a:latin typeface="+mn-lt"/>
-                <a:ea typeface="+mn-ea"/>
-                <a:cs typeface="+mn-cs"/>
-              </a:defRPr>
-            </a:lvl7pPr>
-            <a:lvl8pPr marL="3200400" algn="l" defTabSz="914400" rtl="0" eaLnBrk="1" latinLnBrk="0" hangingPunct="1">
-              <a:defRPr sz="1800" kern="1200">
-                <a:solidFill>
-                  <a:schemeClr val="lt1"/>
-                </a:solidFill>
-                <a:latin typeface="+mn-lt"/>
-                <a:ea typeface="+mn-ea"/>
-                <a:cs typeface="+mn-cs"/>
-              </a:defRPr>
-            </a:lvl8pPr>
-            <a:lvl9pPr marL="3657600" algn="l" defTabSz="914400" rtl="0" eaLnBrk="1" latinLnBrk="0" hangingPunct="1">
-              <a:defRPr sz="1800" kern="1200">
-                <a:solidFill>
-                  <a:schemeClr val="lt1"/>
-                </a:solidFill>
-                <a:latin typeface="+mn-lt"/>
-                <a:ea typeface="+mn-ea"/>
-                <a:cs typeface="+mn-cs"/>
-              </a:defRPr>
-            </a:lvl9pPr>
-          </a:lstStyle>
-          <a:p>
-            <a:pPr algn="ctr"/>
-            <a:endParaRPr lang="en-US"/>
-          </a:p>
-        </p:txBody>
-      </p:sp>
-      <p:pic>
-        <p:nvPicPr>
-          <p:cNvPr id="2" name="Picture 1" descr="A white and blue gradient&#10;&#10;AI-generated content may be incorrect.">
-            <a:extLst>
-              <a:ext uri="{FF2B5EF4-FFF2-40B4-BE49-F238E27FC236}">
-                <a16:creationId xmlns:a16="http://schemas.microsoft.com/office/drawing/2014/main" id="{0B7D3F65-9C2B-BE22-B66C-222C36E61046}"/>
-              </a:ext>
-            </a:extLst>
-          </p:cNvPr>
-          <p:cNvPicPr>
-            <a:picLocks noChangeAspect="1"/>
-          </p:cNvPicPr>
-          <p:nvPr/>
-        </p:nvPicPr>
-        <p:blipFill>
-          <a:blip r:embed="rId2"/>
-          <a:srcRect b="19"/>
-          <a:stretch>
-            <a:fillRect/>
-          </a:stretch>
-        </p:blipFill>
-        <p:spPr>
-          <a:xfrm>
-            <a:off x="20" y="1282"/>
-            <a:ext cx="12191980" cy="6856718"/>
-          </a:xfrm>
-          <a:prstGeom prst="rect">
-            <a:avLst/>
-          </a:prstGeom>
-        </p:spPr>
-      </p:pic>
-    </p:spTree>
-    <p:extLst>
-      <p:ext uri="{BB962C8B-B14F-4D97-AF65-F5344CB8AC3E}">
-        <p14:creationId xmlns:p14="http://schemas.microsoft.com/office/powerpoint/2010/main" val="1236797824"/>
-      </p:ext>
-    </p:extLst>
-  </p:cSld>
-  <p:clrMapOvr>
-    <a:masterClrMapping/>
-  </p:clrMapOvr>
-</p:sld>
-</file>
-
 <file path=ppt/slides/slide2.xml><?xml version="1.0" encoding="utf-8"?>
 <p:sld xmlns:a="http://schemas.openxmlformats.org/drawingml/2006/main" xmlns:r="http://schemas.openxmlformats.org/officeDocument/2006/relationships" xmlns:p="http://schemas.openxmlformats.org/presentationml/2006/main">
   <p:cSld>
@@ -6219,6 +5205,57 @@
           </a:prstGeom>
         </p:spPr>
       </p:pic>
+      <mc:AlternateContent xmlns:mc="http://schemas.openxmlformats.org/markup-compatibility/2006">
+        <mc:Choice xmlns:p14="http://schemas.microsoft.com/office/powerpoint/2010/main" Requires="p14">
+          <p:contentPart p14:bwMode="auto" r:id="rId3">
+            <p14:nvContentPartPr>
+              <p14:cNvPr id="3" name="Ink 2">
+                <a:extLst>
+                  <a:ext uri="{FF2B5EF4-FFF2-40B4-BE49-F238E27FC236}">
+                    <a16:creationId xmlns:a16="http://schemas.microsoft.com/office/drawing/2014/main" id="{6CC335B7-90C1-75DB-3B6B-392DD2AE2EF3}"/>
+                  </a:ext>
+                </a:extLst>
+              </p14:cNvPr>
+              <p14:cNvContentPartPr/>
+              <p14:nvPr/>
+            </p14:nvContentPartPr>
+            <p14:xfrm>
+              <a:off x="726120" y="339120"/>
+              <a:ext cx="9439920" cy="4729680"/>
+            </p14:xfrm>
+          </p:contentPart>
+        </mc:Choice>
+        <mc:Fallback>
+          <p:pic>
+            <p:nvPicPr>
+              <p:cNvPr id="3" name="Ink 2">
+                <a:extLst>
+                  <a:ext uri="{FF2B5EF4-FFF2-40B4-BE49-F238E27FC236}">
+                    <a16:creationId xmlns:a16="http://schemas.microsoft.com/office/drawing/2014/main" id="{6CC335B7-90C1-75DB-3B6B-392DD2AE2EF3}"/>
+                  </a:ext>
+                </a:extLst>
+              </p:cNvPr>
+              <p:cNvPicPr/>
+              <p:nvPr/>
+            </p:nvPicPr>
+            <p:blipFill>
+              <a:blip r:embed="rId4"/>
+              <a:stretch>
+                <a:fillRect/>
+              </a:stretch>
+            </p:blipFill>
+            <p:spPr>
+              <a:xfrm>
+                <a:off x="716760" y="329760"/>
+                <a:ext cx="9458640" cy="4748400"/>
+              </a:xfrm>
+              <a:prstGeom prst="rect">
+                <a:avLst/>
+              </a:prstGeom>
+            </p:spPr>
+          </p:pic>
+        </mc:Fallback>
+      </mc:AlternateContent>
     </p:spTree>
     <p:extLst>
       <p:ext uri="{BB962C8B-B14F-4D97-AF65-F5344CB8AC3E}">
@@ -6449,6 +5486,57 @@
           </a:prstGeom>
         </p:spPr>
       </p:pic>
+      <mc:AlternateContent xmlns:mc="http://schemas.openxmlformats.org/markup-compatibility/2006">
+        <mc:Choice xmlns:p14="http://schemas.microsoft.com/office/powerpoint/2010/main" Requires="p14">
+          <p:contentPart p14:bwMode="auto" r:id="rId3">
+            <p14:nvContentPartPr>
+              <p14:cNvPr id="3" name="Ink 2">
+                <a:extLst>
+                  <a:ext uri="{FF2B5EF4-FFF2-40B4-BE49-F238E27FC236}">
+                    <a16:creationId xmlns:a16="http://schemas.microsoft.com/office/drawing/2014/main" id="{9C71370A-0FE2-5D26-1D1A-95802D0AC272}"/>
+                  </a:ext>
+                </a:extLst>
+              </p14:cNvPr>
+              <p14:cNvContentPartPr/>
+              <p14:nvPr/>
+            </p14:nvContentPartPr>
+            <p14:xfrm>
+              <a:off x="402480" y="162720"/>
+              <a:ext cx="6428160" cy="4485240"/>
+            </p14:xfrm>
+          </p:contentPart>
+        </mc:Choice>
+        <mc:Fallback>
+          <p:pic>
+            <p:nvPicPr>
+              <p:cNvPr id="3" name="Ink 2">
+                <a:extLst>
+                  <a:ext uri="{FF2B5EF4-FFF2-40B4-BE49-F238E27FC236}">
+                    <a16:creationId xmlns:a16="http://schemas.microsoft.com/office/drawing/2014/main" id="{9C71370A-0FE2-5D26-1D1A-95802D0AC272}"/>
+                  </a:ext>
+                </a:extLst>
+              </p:cNvPr>
+              <p:cNvPicPr/>
+              <p:nvPr/>
+            </p:nvPicPr>
+            <p:blipFill>
+              <a:blip r:embed="rId4"/>
+              <a:stretch>
+                <a:fillRect/>
+              </a:stretch>
+            </p:blipFill>
+            <p:spPr>
+              <a:xfrm>
+                <a:off x="393120" y="153360"/>
+                <a:ext cx="6446880" cy="4503960"/>
+              </a:xfrm>
+              <a:prstGeom prst="rect">
+                <a:avLst/>
+              </a:prstGeom>
+            </p:spPr>
+          </p:pic>
+        </mc:Fallback>
+      </mc:AlternateContent>
     </p:spTree>
     <p:extLst>
       <p:ext uri="{BB962C8B-B14F-4D97-AF65-F5344CB8AC3E}">
@@ -6679,6 +5767,57 @@
           </a:prstGeom>
         </p:spPr>
       </p:pic>
+      <mc:AlternateContent xmlns:mc="http://schemas.openxmlformats.org/markup-compatibility/2006">
+        <mc:Choice xmlns:p14="http://schemas.microsoft.com/office/powerpoint/2010/main" Requires="p14">
+          <p:contentPart p14:bwMode="auto" r:id="rId3">
+            <p14:nvContentPartPr>
+              <p14:cNvPr id="3" name="Ink 2">
+                <a:extLst>
+                  <a:ext uri="{FF2B5EF4-FFF2-40B4-BE49-F238E27FC236}">
+                    <a16:creationId xmlns:a16="http://schemas.microsoft.com/office/drawing/2014/main" id="{B6CFFB1B-72FF-5425-8534-DE91038A9C47}"/>
+                  </a:ext>
+                </a:extLst>
+              </p14:cNvPr>
+              <p14:cNvContentPartPr/>
+              <p14:nvPr/>
+            </p14:nvContentPartPr>
+            <p14:xfrm>
+              <a:off x="285120" y="824040"/>
+              <a:ext cx="11653920" cy="5037480"/>
+            </p14:xfrm>
+          </p:contentPart>
+        </mc:Choice>
+        <mc:Fallback>
+          <p:pic>
+            <p:nvPicPr>
+              <p:cNvPr id="3" name="Ink 2">
+                <a:extLst>
+                  <a:ext uri="{FF2B5EF4-FFF2-40B4-BE49-F238E27FC236}">
+                    <a16:creationId xmlns:a16="http://schemas.microsoft.com/office/drawing/2014/main" id="{B6CFFB1B-72FF-5425-8534-DE91038A9C47}"/>
+                  </a:ext>
+                </a:extLst>
+              </p:cNvPr>
+              <p:cNvPicPr/>
+              <p:nvPr/>
+            </p:nvPicPr>
+            <p:blipFill>
+              <a:blip r:embed="rId4"/>
+              <a:stretch>
+                <a:fillRect/>
+              </a:stretch>
+            </p:blipFill>
+            <p:spPr>
+              <a:xfrm>
+                <a:off x="275760" y="814680"/>
+                <a:ext cx="11672640" cy="5056200"/>
+              </a:xfrm>
+              <a:prstGeom prst="rect">
+                <a:avLst/>
+              </a:prstGeom>
+            </p:spPr>
+          </p:pic>
+        </mc:Fallback>
+      </mc:AlternateContent>
     </p:spTree>
     <p:extLst>
       <p:ext uri="{BB962C8B-B14F-4D97-AF65-F5344CB8AC3E}">
@@ -6909,6 +6048,57 @@
           </a:prstGeom>
         </p:spPr>
       </p:pic>
+      <mc:AlternateContent xmlns:mc="http://schemas.openxmlformats.org/markup-compatibility/2006">
+        <mc:Choice xmlns:p14="http://schemas.microsoft.com/office/powerpoint/2010/main" Requires="p14">
+          <p:contentPart p14:bwMode="auto" r:id="rId3">
+            <p14:nvContentPartPr>
+              <p14:cNvPr id="3" name="Ink 2">
+                <a:extLst>
+                  <a:ext uri="{FF2B5EF4-FFF2-40B4-BE49-F238E27FC236}">
+                    <a16:creationId xmlns:a16="http://schemas.microsoft.com/office/drawing/2014/main" id="{FE03D57E-0DA0-D775-60C9-5908EC09BA77}"/>
+                  </a:ext>
+                </a:extLst>
+              </p14:cNvPr>
+              <p14:cNvContentPartPr/>
+              <p14:nvPr/>
+            </p14:nvContentPartPr>
+            <p14:xfrm>
+              <a:off x="373680" y="695520"/>
+              <a:ext cx="9372240" cy="2928600"/>
+            </p14:xfrm>
+          </p:contentPart>
+        </mc:Choice>
+        <mc:Fallback>
+          <p:pic>
+            <p:nvPicPr>
+              <p:cNvPr id="3" name="Ink 2">
+                <a:extLst>
+                  <a:ext uri="{FF2B5EF4-FFF2-40B4-BE49-F238E27FC236}">
+                    <a16:creationId xmlns:a16="http://schemas.microsoft.com/office/drawing/2014/main" id="{FE03D57E-0DA0-D775-60C9-5908EC09BA77}"/>
+                  </a:ext>
+                </a:extLst>
+              </p:cNvPr>
+              <p:cNvPicPr/>
+              <p:nvPr/>
+            </p:nvPicPr>
+            <p:blipFill>
+              <a:blip r:embed="rId4"/>
+              <a:stretch>
+                <a:fillRect/>
+              </a:stretch>
+            </p:blipFill>
+            <p:spPr>
+              <a:xfrm>
+                <a:off x="364320" y="686160"/>
+                <a:ext cx="9390960" cy="2947320"/>
+              </a:xfrm>
+              <a:prstGeom prst="rect">
+                <a:avLst/>
+              </a:prstGeom>
+            </p:spPr>
+          </p:pic>
+        </mc:Fallback>
+      </mc:AlternateContent>
     </p:spTree>
     <p:extLst>
       <p:ext uri="{BB962C8B-B14F-4D97-AF65-F5344CB8AC3E}">
@@ -6938,7 +6128,7 @@
         <p:cNvPr id="1" name="">
           <a:extLst>
             <a:ext uri="{FF2B5EF4-FFF2-40B4-BE49-F238E27FC236}">
-              <a16:creationId xmlns:a16="http://schemas.microsoft.com/office/drawing/2014/main" id="{94283F3D-A2D5-BE63-7E02-01B341F7AAE7}"/>
+              <a16:creationId xmlns:a16="http://schemas.microsoft.com/office/drawing/2014/main" id="{34EC3A3D-E98D-91F9-5A98-3BE03E7E5A61}"/>
             </a:ext>
           </a:extLst>
         </p:cNvPr>
@@ -6958,7 +6148,7 @@
           <p:cNvPr id="7" name="Rectangle 6">
             <a:extLst>
               <a:ext uri="{FF2B5EF4-FFF2-40B4-BE49-F238E27FC236}">
-                <a16:creationId xmlns:a16="http://schemas.microsoft.com/office/drawing/2014/main" id="{086CD9D1-6701-B786-FDBD-ADBDC3AC3D3E}"/>
+                <a16:creationId xmlns:a16="http://schemas.microsoft.com/office/drawing/2014/main" id="{A326D2F8-FA20-CDD2-3A7F-0041757498A7}"/>
               </a:ext>
               <a:ext uri="{C183D7F6-B498-43B3-948B-1728B52AA6E4}">
                 <adec:decorative xmlns:adec="http://schemas.microsoft.com/office/drawing/2017/decorative" val="1"/>
@@ -7113,7 +6303,7 @@
           <p:cNvPr id="2" name="Picture 1" descr="A white and blue gradient&#10;&#10;AI-generated content may be incorrect.">
             <a:extLst>
               <a:ext uri="{FF2B5EF4-FFF2-40B4-BE49-F238E27FC236}">
-                <a16:creationId xmlns:a16="http://schemas.microsoft.com/office/drawing/2014/main" id="{38F5D0C7-0636-D54F-4022-D2860BE8DE63}"/>
+                <a16:creationId xmlns:a16="http://schemas.microsoft.com/office/drawing/2014/main" id="{0B7D3F65-9C2B-BE22-B66C-222C36E61046}"/>
               </a:ext>
             </a:extLst>
           </p:cNvPr>
@@ -7142,7 +6332,7 @@
     </p:spTree>
     <p:extLst>
       <p:ext uri="{BB962C8B-B14F-4D97-AF65-F5344CB8AC3E}">
-        <p14:creationId xmlns:p14="http://schemas.microsoft.com/office/powerpoint/2010/main" val="3680846523"/>
+        <p14:creationId xmlns:p14="http://schemas.microsoft.com/office/powerpoint/2010/main" val="1236797824"/>
       </p:ext>
     </p:extLst>
   </p:cSld>
